--- a/Documentação/Apresentação Sprint 2.pptx
+++ b/Documentação/Apresentação Sprint 2.pptx
@@ -2,7 +2,7 @@
 <file path=ppt/presentation.xml><?xml version="1.0" encoding="utf-8"?>
 <p:presentation xmlns:a="http://schemas.openxmlformats.org/drawingml/2006/main" xmlns:r="http://schemas.openxmlformats.org/officeDocument/2006/relationships" xmlns:p="http://schemas.openxmlformats.org/presentationml/2006/main" saveSubsetFonts="1">
   <p:sldMasterIdLst>
-    <p:sldMasterId id="2147483648" r:id="rId1"/>
+    <p:sldMasterId id="2147483660" r:id="rId1"/>
   </p:sldMasterIdLst>
   <p:sldIdLst>
     <p:sldId id="257" r:id="rId2"/>
@@ -14,6 +14,7 @@
     <p:sldId id="262" r:id="rId8"/>
     <p:sldId id="263" r:id="rId9"/>
     <p:sldId id="264" r:id="rId10"/>
+    <p:sldId id="266" r:id="rId11"/>
   </p:sldIdLst>
   <p:sldSz cx="12192000" cy="6858000"/>
   <p:notesSz cx="6858000" cy="9144000"/>
@@ -123,6 +124,7 @@
 <file path=ppt/revisionInfo.xml><?xml version="1.0" encoding="utf-8"?>
 <p1510:revInfo xmlns:a="http://schemas.openxmlformats.org/drawingml/2006/main" xmlns:r="http://schemas.openxmlformats.org/officeDocument/2006/relationships" xmlns:p1510="http://schemas.microsoft.com/office/powerpoint/2015/10/main">
   <p1510:revLst>
+    <p1510:client id="{7EE69AF9-B8A0-40A8-A92E-4E905D782AD4}" v="165" dt="2020-10-23T16:35:57.256"/>
     <p1510:client id="{858E1AD4-1BE2-4FDC-BC75-F08A0F1EFF3E}" v="143" dt="2020-10-23T02:44:49.078"/>
   </p1510:revLst>
 </p1510:revInfo>
@@ -130,6 +132,617 @@
 
 <file path=ppt/changesInfos/changesInfo1.xml><?xml version="1.0" encoding="utf-8"?>
 <pc:chgInfo xmlns:a="http://schemas.openxmlformats.org/drawingml/2006/main" xmlns:r="http://schemas.openxmlformats.org/officeDocument/2006/relationships" xmlns:ac="http://schemas.microsoft.com/office/drawing/2013/main/command" xmlns:pc="http://schemas.microsoft.com/office/powerpoint/2013/main/command">
+  <pc:docChgLst>
+    <pc:chgData name="Nicholas Forte" userId="831f5f1da6d5c7f7" providerId="LiveId" clId="{7EE69AF9-B8A0-40A8-A92E-4E905D782AD4}"/>
+    <pc:docChg chg="undo custSel mod addSld delSld modSld addMainMaster delMainMaster modMainMaster">
+      <pc:chgData name="Nicholas Forte" userId="831f5f1da6d5c7f7" providerId="LiveId" clId="{7EE69AF9-B8A0-40A8-A92E-4E905D782AD4}" dt="2020-10-23T16:35:57.256" v="468" actId="1076"/>
+      <pc:docMkLst>
+        <pc:docMk/>
+      </pc:docMkLst>
+      <pc:sldChg chg="modSp mod modTransition">
+        <pc:chgData name="Nicholas Forte" userId="831f5f1da6d5c7f7" providerId="LiveId" clId="{7EE69AF9-B8A0-40A8-A92E-4E905D782AD4}" dt="2020-10-23T15:21:12.913" v="121"/>
+        <pc:sldMkLst>
+          <pc:docMk/>
+          <pc:sldMk cId="3108710905" sldId="258"/>
+        </pc:sldMkLst>
+        <pc:spChg chg="mod">
+          <ac:chgData name="Nicholas Forte" userId="831f5f1da6d5c7f7" providerId="LiveId" clId="{7EE69AF9-B8A0-40A8-A92E-4E905D782AD4}" dt="2020-10-23T14:49:58.715" v="22" actId="1076"/>
+          <ac:spMkLst>
+            <pc:docMk/>
+            <pc:sldMk cId="3108710905" sldId="258"/>
+            <ac:spMk id="8" creationId="{02E8BF95-29AB-4510-B418-C3A514AF3617}"/>
+          </ac:spMkLst>
+        </pc:spChg>
+        <pc:spChg chg="mod">
+          <ac:chgData name="Nicholas Forte" userId="831f5f1da6d5c7f7" providerId="LiveId" clId="{7EE69AF9-B8A0-40A8-A92E-4E905D782AD4}" dt="2020-10-23T14:07:42.371" v="6" actId="1076"/>
+          <ac:spMkLst>
+            <pc:docMk/>
+            <pc:sldMk cId="3108710905" sldId="258"/>
+            <ac:spMk id="11" creationId="{958D7C57-67A8-40A6-9C8A-F97FDC0747FC}"/>
+          </ac:spMkLst>
+        </pc:spChg>
+      </pc:sldChg>
+      <pc:sldChg chg="modTransition">
+        <pc:chgData name="Nicholas Forte" userId="831f5f1da6d5c7f7" providerId="LiveId" clId="{7EE69AF9-B8A0-40A8-A92E-4E905D782AD4}" dt="2020-10-23T15:21:16.176" v="122"/>
+        <pc:sldMkLst>
+          <pc:docMk/>
+          <pc:sldMk cId="2182476609" sldId="259"/>
+        </pc:sldMkLst>
+      </pc:sldChg>
+      <pc:sldChg chg="modSp mod modTransition">
+        <pc:chgData name="Nicholas Forte" userId="831f5f1da6d5c7f7" providerId="LiveId" clId="{7EE69AF9-B8A0-40A8-A92E-4E905D782AD4}" dt="2020-10-23T15:21:55.104" v="128"/>
+        <pc:sldMkLst>
+          <pc:docMk/>
+          <pc:sldMk cId="1403925444" sldId="260"/>
+        </pc:sldMkLst>
+        <pc:spChg chg="mod">
+          <ac:chgData name="Nicholas Forte" userId="831f5f1da6d5c7f7" providerId="LiveId" clId="{7EE69AF9-B8A0-40A8-A92E-4E905D782AD4}" dt="2020-10-23T15:18:30.547" v="99" actId="1076"/>
+          <ac:spMkLst>
+            <pc:docMk/>
+            <pc:sldMk cId="1403925444" sldId="260"/>
+            <ac:spMk id="10" creationId="{254C8F8B-857F-4F7D-BED8-545B600B8DC2}"/>
+          </ac:spMkLst>
+        </pc:spChg>
+      </pc:sldChg>
+      <pc:sldChg chg="addSp delSp modSp mod modTransition setBg modAnim chgLayout">
+        <pc:chgData name="Nicholas Forte" userId="831f5f1da6d5c7f7" providerId="LiveId" clId="{7EE69AF9-B8A0-40A8-A92E-4E905D782AD4}" dt="2020-10-23T15:20:41.891" v="120"/>
+        <pc:sldMkLst>
+          <pc:docMk/>
+          <pc:sldMk cId="1719718150" sldId="261"/>
+        </pc:sldMkLst>
+        <pc:spChg chg="add del mod">
+          <ac:chgData name="Nicholas Forte" userId="831f5f1da6d5c7f7" providerId="LiveId" clId="{7EE69AF9-B8A0-40A8-A92E-4E905D782AD4}" dt="2020-10-23T15:17:32.836" v="76"/>
+          <ac:spMkLst>
+            <pc:docMk/>
+            <pc:sldMk cId="1719718150" sldId="261"/>
+            <ac:spMk id="2" creationId="{4796DA67-D247-4061-82C8-3B34D7531AC1}"/>
+          </ac:spMkLst>
+        </pc:spChg>
+        <pc:spChg chg="del mod">
+          <ac:chgData name="Nicholas Forte" userId="831f5f1da6d5c7f7" providerId="LiveId" clId="{7EE69AF9-B8A0-40A8-A92E-4E905D782AD4}" dt="2020-10-23T15:14:05.872" v="32" actId="478"/>
+          <ac:spMkLst>
+            <pc:docMk/>
+            <pc:sldMk cId="1719718150" sldId="261"/>
+            <ac:spMk id="3" creationId="{5BC36D66-06D9-40DB-9DDA-1307B9C91375}"/>
+          </ac:spMkLst>
+        </pc:spChg>
+        <pc:spChg chg="add mod">
+          <ac:chgData name="Nicholas Forte" userId="831f5f1da6d5c7f7" providerId="LiveId" clId="{7EE69AF9-B8A0-40A8-A92E-4E905D782AD4}" dt="2020-10-23T15:17:44.754" v="79" actId="6549"/>
+          <ac:spMkLst>
+            <pc:docMk/>
+            <pc:sldMk cId="1719718150" sldId="261"/>
+            <ac:spMk id="4" creationId="{5815619D-E61A-42F1-A9DF-404376971123}"/>
+          </ac:spMkLst>
+        </pc:spChg>
+        <pc:spChg chg="add mod">
+          <ac:chgData name="Nicholas Forte" userId="831f5f1da6d5c7f7" providerId="LiveId" clId="{7EE69AF9-B8A0-40A8-A92E-4E905D782AD4}" dt="2020-10-23T15:18:20.754" v="97" actId="1076"/>
+          <ac:spMkLst>
+            <pc:docMk/>
+            <pc:sldMk cId="1719718150" sldId="261"/>
+            <ac:spMk id="9" creationId="{722813C0-711E-4F44-9E55-E9E9D62DEA94}"/>
+          </ac:spMkLst>
+        </pc:spChg>
+        <pc:spChg chg="add mod">
+          <ac:chgData name="Nicholas Forte" userId="831f5f1da6d5c7f7" providerId="LiveId" clId="{7EE69AF9-B8A0-40A8-A92E-4E905D782AD4}" dt="2020-10-23T15:18:35.682" v="100"/>
+          <ac:spMkLst>
+            <pc:docMk/>
+            <pc:sldMk cId="1719718150" sldId="261"/>
+            <ac:spMk id="10" creationId="{0763A5A7-9ADF-47A8-AC3B-40B5C33EE44E}"/>
+          </ac:spMkLst>
+        </pc:spChg>
+        <pc:spChg chg="add mod">
+          <ac:chgData name="Nicholas Forte" userId="831f5f1da6d5c7f7" providerId="LiveId" clId="{7EE69AF9-B8A0-40A8-A92E-4E905D782AD4}" dt="2020-10-23T15:19:01.160" v="105"/>
+          <ac:spMkLst>
+            <pc:docMk/>
+            <pc:sldMk cId="1719718150" sldId="261"/>
+            <ac:spMk id="15" creationId="{8EAF72AF-8C05-4394-986A-2EB8B7AD3AE5}"/>
+          </ac:spMkLst>
+        </pc:spChg>
+        <pc:picChg chg="add del">
+          <ac:chgData name="Nicholas Forte" userId="831f5f1da6d5c7f7" providerId="LiveId" clId="{7EE69AF9-B8A0-40A8-A92E-4E905D782AD4}" dt="2020-10-23T15:19:04.114" v="106" actId="21"/>
+          <ac:picMkLst>
+            <pc:docMk/>
+            <pc:sldMk cId="1719718150" sldId="261"/>
+            <ac:picMk id="6" creationId="{1DCA04BC-0E00-43A0-A595-C7C75DE5F798}"/>
+          </ac:picMkLst>
+        </pc:picChg>
+        <pc:picChg chg="add del mod">
+          <ac:chgData name="Nicholas Forte" userId="831f5f1da6d5c7f7" providerId="LiveId" clId="{7EE69AF9-B8A0-40A8-A92E-4E905D782AD4}" dt="2020-10-23T15:19:35.692" v="116" actId="21"/>
+          <ac:picMkLst>
+            <pc:docMk/>
+            <pc:sldMk cId="1719718150" sldId="261"/>
+            <ac:picMk id="7" creationId="{96DAF079-4871-4995-8529-4DFBB244EC6F}"/>
+          </ac:picMkLst>
+        </pc:picChg>
+        <pc:picChg chg="add mod">
+          <ac:chgData name="Nicholas Forte" userId="831f5f1da6d5c7f7" providerId="LiveId" clId="{7EE69AF9-B8A0-40A8-A92E-4E905D782AD4}" dt="2020-10-23T15:19:31.920" v="114" actId="1076"/>
+          <ac:picMkLst>
+            <pc:docMk/>
+            <pc:sldMk cId="1719718150" sldId="261"/>
+            <ac:picMk id="8" creationId="{64BBFD3D-2A54-44F5-B4E9-B0BD4F0A84B5}"/>
+          </ac:picMkLst>
+        </pc:picChg>
+        <pc:picChg chg="add">
+          <ac:chgData name="Nicholas Forte" userId="831f5f1da6d5c7f7" providerId="LiveId" clId="{7EE69AF9-B8A0-40A8-A92E-4E905D782AD4}" dt="2020-10-23T15:19:36.145" v="117" actId="22"/>
+          <ac:picMkLst>
+            <pc:docMk/>
+            <pc:sldMk cId="1719718150" sldId="261"/>
+            <ac:picMk id="12" creationId="{49823CB3-F9EC-4DE8-9C6F-912843AC802E}"/>
+          </ac:picMkLst>
+        </pc:picChg>
+        <pc:picChg chg="add mod">
+          <ac:chgData name="Nicholas Forte" userId="831f5f1da6d5c7f7" providerId="LiveId" clId="{7EE69AF9-B8A0-40A8-A92E-4E905D782AD4}" dt="2020-10-23T15:19:17.454" v="109"/>
+          <ac:picMkLst>
+            <pc:docMk/>
+            <pc:sldMk cId="1719718150" sldId="261"/>
+            <ac:picMk id="18" creationId="{E2916332-B7D7-4750-A16C-EE28D8C704CE}"/>
+          </ac:picMkLst>
+        </pc:picChg>
+        <pc:picChg chg="add del mod">
+          <ac:chgData name="Nicholas Forte" userId="831f5f1da6d5c7f7" providerId="LiveId" clId="{7EE69AF9-B8A0-40A8-A92E-4E905D782AD4}" dt="2020-10-23T15:14:05.872" v="32" actId="478"/>
+          <ac:picMkLst>
+            <pc:docMk/>
+            <pc:sldMk cId="1719718150" sldId="261"/>
+            <ac:picMk id="1026" creationId="{2D0F99FB-301A-4ABA-9092-F3E9C093842E}"/>
+          </ac:picMkLst>
+        </pc:picChg>
+        <pc:picChg chg="add del mod">
+          <ac:chgData name="Nicholas Forte" userId="831f5f1da6d5c7f7" providerId="LiveId" clId="{7EE69AF9-B8A0-40A8-A92E-4E905D782AD4}" dt="2020-10-23T15:18:38.738" v="101" actId="21"/>
+          <ac:picMkLst>
+            <pc:docMk/>
+            <pc:sldMk cId="1719718150" sldId="261"/>
+            <ac:picMk id="1028" creationId="{1331D25B-9F78-461C-8F00-362AF49936A8}"/>
+          </ac:picMkLst>
+        </pc:picChg>
+        <pc:picChg chg="add del mod">
+          <ac:chgData name="Nicholas Forte" userId="831f5f1da6d5c7f7" providerId="LiveId" clId="{7EE69AF9-B8A0-40A8-A92E-4E905D782AD4}" dt="2020-10-23T15:18:42.485" v="103" actId="21"/>
+          <ac:picMkLst>
+            <pc:docMk/>
+            <pc:sldMk cId="1719718150" sldId="261"/>
+            <ac:picMk id="1030" creationId="{C4ECE210-2690-4AD4-8A23-C25EDD637EA0}"/>
+          </ac:picMkLst>
+        </pc:picChg>
+      </pc:sldChg>
+      <pc:sldChg chg="addSp delSp modSp mod setBg delAnim modAnim setClrOvrMap chgLayout">
+        <pc:chgData name="Nicholas Forte" userId="831f5f1da6d5c7f7" providerId="LiveId" clId="{7EE69AF9-B8A0-40A8-A92E-4E905D782AD4}" dt="2020-10-23T16:07:37.655" v="198" actId="1076"/>
+        <pc:sldMkLst>
+          <pc:docMk/>
+          <pc:sldMk cId="283534579" sldId="262"/>
+        </pc:sldMkLst>
+        <pc:spChg chg="del">
+          <ac:chgData name="Nicholas Forte" userId="831f5f1da6d5c7f7" providerId="LiveId" clId="{7EE69AF9-B8A0-40A8-A92E-4E905D782AD4}" dt="2020-10-23T15:27:26.683" v="138" actId="478"/>
+          <ac:spMkLst>
+            <pc:docMk/>
+            <pc:sldMk cId="283534579" sldId="262"/>
+            <ac:spMk id="3" creationId="{5BC36D66-06D9-40DB-9DDA-1307B9C91375}"/>
+          </ac:spMkLst>
+        </pc:spChg>
+        <pc:spChg chg="add mod">
+          <ac:chgData name="Nicholas Forte" userId="831f5f1da6d5c7f7" providerId="LiveId" clId="{7EE69AF9-B8A0-40A8-A92E-4E905D782AD4}" dt="2020-10-23T16:07:37.655" v="198" actId="1076"/>
+          <ac:spMkLst>
+            <pc:docMk/>
+            <pc:sldMk cId="283534579" sldId="262"/>
+            <ac:spMk id="9" creationId="{EF0F11FA-7CAC-432B-A2A2-A4547E75F04E}"/>
+          </ac:spMkLst>
+        </pc:spChg>
+        <pc:spChg chg="add del">
+          <ac:chgData name="Nicholas Forte" userId="831f5f1da6d5c7f7" providerId="LiveId" clId="{7EE69AF9-B8A0-40A8-A92E-4E905D782AD4}" dt="2020-10-23T15:35:46.480" v="177" actId="26606"/>
+          <ac:spMkLst>
+            <pc:docMk/>
+            <pc:sldMk cId="283534579" sldId="262"/>
+            <ac:spMk id="13" creationId="{B670DBD5-770C-4383-9F54-5B86E86BD5BB}"/>
+          </ac:spMkLst>
+        </pc:spChg>
+        <pc:spChg chg="add del">
+          <ac:chgData name="Nicholas Forte" userId="831f5f1da6d5c7f7" providerId="LiveId" clId="{7EE69AF9-B8A0-40A8-A92E-4E905D782AD4}" dt="2020-10-23T15:35:46.480" v="177" actId="26606"/>
+          <ac:spMkLst>
+            <pc:docMk/>
+            <pc:sldMk cId="283534579" sldId="262"/>
+            <ac:spMk id="73" creationId="{E49CC64F-7275-4E33-961B-0C5CDC439875}"/>
+          </ac:spMkLst>
+        </pc:spChg>
+        <pc:picChg chg="add del mod">
+          <ac:chgData name="Nicholas Forte" userId="831f5f1da6d5c7f7" providerId="LiveId" clId="{7EE69AF9-B8A0-40A8-A92E-4E905D782AD4}" dt="2020-10-23T15:23:38.734" v="131" actId="478"/>
+          <ac:picMkLst>
+            <pc:docMk/>
+            <pc:sldMk cId="283534579" sldId="262"/>
+            <ac:picMk id="4" creationId="{6736D943-2433-4898-9171-8C18D8D54D3C}"/>
+          </ac:picMkLst>
+        </pc:picChg>
+        <pc:picChg chg="add del mod">
+          <ac:chgData name="Nicholas Forte" userId="831f5f1da6d5c7f7" providerId="LiveId" clId="{7EE69AF9-B8A0-40A8-A92E-4E905D782AD4}" dt="2020-10-23T15:26:24.782" v="136" actId="478"/>
+          <ac:picMkLst>
+            <pc:docMk/>
+            <pc:sldMk cId="283534579" sldId="262"/>
+            <ac:picMk id="6" creationId="{DE7DDD5B-1309-4E60-B635-B3F732D06A7B}"/>
+          </ac:picMkLst>
+        </pc:picChg>
+        <pc:picChg chg="add del mod">
+          <ac:chgData name="Nicholas Forte" userId="831f5f1da6d5c7f7" providerId="LiveId" clId="{7EE69AF9-B8A0-40A8-A92E-4E905D782AD4}" dt="2020-10-23T15:32:30.377" v="147" actId="478"/>
+          <ac:picMkLst>
+            <pc:docMk/>
+            <pc:sldMk cId="283534579" sldId="262"/>
+            <ac:picMk id="8" creationId="{76BA89A2-0B93-4FF0-8F37-663264ED04A2}"/>
+          </ac:picMkLst>
+        </pc:picChg>
+        <pc:picChg chg="add mod">
+          <ac:chgData name="Nicholas Forte" userId="831f5f1da6d5c7f7" providerId="LiveId" clId="{7EE69AF9-B8A0-40A8-A92E-4E905D782AD4}" dt="2020-10-23T15:35:35.949" v="175"/>
+          <ac:picMkLst>
+            <pc:docMk/>
+            <pc:sldMk cId="283534579" sldId="262"/>
+            <ac:picMk id="14" creationId="{A5DE5B40-4485-4BA8-A33F-891681DD4B9B}"/>
+          </ac:picMkLst>
+        </pc:picChg>
+        <pc:picChg chg="add del">
+          <ac:chgData name="Nicholas Forte" userId="831f5f1da6d5c7f7" providerId="LiveId" clId="{7EE69AF9-B8A0-40A8-A92E-4E905D782AD4}" dt="2020-10-23T15:27:26.683" v="138" actId="478"/>
+          <ac:picMkLst>
+            <pc:docMk/>
+            <pc:sldMk cId="283534579" sldId="262"/>
+            <ac:picMk id="2050" creationId="{EF2E3944-3E8D-47A5-84D8-33FA9AF79E49}"/>
+          </ac:picMkLst>
+        </pc:picChg>
+        <pc:picChg chg="add mod ord">
+          <ac:chgData name="Nicholas Forte" userId="831f5f1da6d5c7f7" providerId="LiveId" clId="{7EE69AF9-B8A0-40A8-A92E-4E905D782AD4}" dt="2020-10-23T15:39:28.516" v="188" actId="1076"/>
+          <ac:picMkLst>
+            <pc:docMk/>
+            <pc:sldMk cId="283534579" sldId="262"/>
+            <ac:picMk id="2052" creationId="{9AD4A3B6-AE77-42D3-839D-0463BD623072}"/>
+          </ac:picMkLst>
+        </pc:picChg>
+        <pc:picChg chg="add mod">
+          <ac:chgData name="Nicholas Forte" userId="831f5f1da6d5c7f7" providerId="LiveId" clId="{7EE69AF9-B8A0-40A8-A92E-4E905D782AD4}" dt="2020-10-23T15:40:45.980" v="192" actId="1076"/>
+          <ac:picMkLst>
+            <pc:docMk/>
+            <pc:sldMk cId="283534579" sldId="262"/>
+            <ac:picMk id="2054" creationId="{0598E04A-4260-4323-9D23-4934CCA90D5E}"/>
+          </ac:picMkLst>
+        </pc:picChg>
+      </pc:sldChg>
+      <pc:sldChg chg="addSp delSp modSp mod setBg modAnim">
+        <pc:chgData name="Nicholas Forte" userId="831f5f1da6d5c7f7" providerId="LiveId" clId="{7EE69AF9-B8A0-40A8-A92E-4E905D782AD4}" dt="2020-10-23T16:23:18.924" v="350" actId="1076"/>
+        <pc:sldMkLst>
+          <pc:docMk/>
+          <pc:sldMk cId="117975961" sldId="263"/>
+        </pc:sldMkLst>
+        <pc:spChg chg="add mod">
+          <ac:chgData name="Nicholas Forte" userId="831f5f1da6d5c7f7" providerId="LiveId" clId="{7EE69AF9-B8A0-40A8-A92E-4E905D782AD4}" dt="2020-10-23T16:21:18.534" v="301" actId="20577"/>
+          <ac:spMkLst>
+            <pc:docMk/>
+            <pc:sldMk cId="117975961" sldId="263"/>
+            <ac:spMk id="2" creationId="{D1F697F4-51A4-47F8-AA5A-624A3DAE20E6}"/>
+          </ac:spMkLst>
+        </pc:spChg>
+        <pc:spChg chg="del mod">
+          <ac:chgData name="Nicholas Forte" userId="831f5f1da6d5c7f7" providerId="LiveId" clId="{7EE69AF9-B8A0-40A8-A92E-4E905D782AD4}" dt="2020-10-23T16:07:54.164" v="200" actId="478"/>
+          <ac:spMkLst>
+            <pc:docMk/>
+            <pc:sldMk cId="117975961" sldId="263"/>
+            <ac:spMk id="3" creationId="{5BC36D66-06D9-40DB-9DDA-1307B9C91375}"/>
+          </ac:spMkLst>
+        </pc:spChg>
+        <pc:spChg chg="add del mod">
+          <ac:chgData name="Nicholas Forte" userId="831f5f1da6d5c7f7" providerId="LiveId" clId="{7EE69AF9-B8A0-40A8-A92E-4E905D782AD4}" dt="2020-10-23T16:22:58.667" v="346" actId="478"/>
+          <ac:spMkLst>
+            <pc:docMk/>
+            <pc:sldMk cId="117975961" sldId="263"/>
+            <ac:spMk id="17" creationId="{9B3BB799-1A2C-4A44-BC24-B9C2E82D8C7D}"/>
+          </ac:spMkLst>
+        </pc:spChg>
+        <pc:spChg chg="add mod">
+          <ac:chgData name="Nicholas Forte" userId="831f5f1da6d5c7f7" providerId="LiveId" clId="{7EE69AF9-B8A0-40A8-A92E-4E905D782AD4}" dt="2020-10-23T16:23:18.924" v="350" actId="1076"/>
+          <ac:spMkLst>
+            <pc:docMk/>
+            <pc:sldMk cId="117975961" sldId="263"/>
+            <ac:spMk id="18" creationId="{B513A972-1CA3-488C-A0CE-57DBD6094911}"/>
+          </ac:spMkLst>
+        </pc:spChg>
+        <pc:spChg chg="add">
+          <ac:chgData name="Nicholas Forte" userId="831f5f1da6d5c7f7" providerId="LiveId" clId="{7EE69AF9-B8A0-40A8-A92E-4E905D782AD4}" dt="2020-10-23T16:14:16.349" v="278" actId="26606"/>
+          <ac:spMkLst>
+            <pc:docMk/>
+            <pc:sldMk cId="117975961" sldId="263"/>
+            <ac:spMk id="73" creationId="{823AC064-BC96-4F32-8AE1-B2FD38754823}"/>
+          </ac:spMkLst>
+        </pc:spChg>
+        <pc:picChg chg="add mod ord">
+          <ac:chgData name="Nicholas Forte" userId="831f5f1da6d5c7f7" providerId="LiveId" clId="{7EE69AF9-B8A0-40A8-A92E-4E905D782AD4}" dt="2020-10-23T16:14:16.349" v="278" actId="26606"/>
+          <ac:picMkLst>
+            <pc:docMk/>
+            <pc:sldMk cId="117975961" sldId="263"/>
+            <ac:picMk id="4" creationId="{3A21A24A-018B-4CD4-9E40-B63FAB08CC8C}"/>
+          </ac:picMkLst>
+        </pc:picChg>
+        <pc:picChg chg="add mod ord">
+          <ac:chgData name="Nicholas Forte" userId="831f5f1da6d5c7f7" providerId="LiveId" clId="{7EE69AF9-B8A0-40A8-A92E-4E905D782AD4}" dt="2020-10-23T16:14:23.444" v="280" actId="1076"/>
+          <ac:picMkLst>
+            <pc:docMk/>
+            <pc:sldMk cId="117975961" sldId="263"/>
+            <ac:picMk id="3074" creationId="{0E56173A-9B53-46A7-9945-47CBDF00FD9E}"/>
+          </ac:picMkLst>
+        </pc:picChg>
+        <pc:picChg chg="add mod">
+          <ac:chgData name="Nicholas Forte" userId="831f5f1da6d5c7f7" providerId="LiveId" clId="{7EE69AF9-B8A0-40A8-A92E-4E905D782AD4}" dt="2020-10-23T16:14:30.220" v="281" actId="1076"/>
+          <ac:picMkLst>
+            <pc:docMk/>
+            <pc:sldMk cId="117975961" sldId="263"/>
+            <ac:picMk id="3076" creationId="{F306B4F8-0634-40A0-98E4-7CD868BCCCDA}"/>
+          </ac:picMkLst>
+        </pc:picChg>
+        <pc:cxnChg chg="add del mod">
+          <ac:chgData name="Nicholas Forte" userId="831f5f1da6d5c7f7" providerId="LiveId" clId="{7EE69AF9-B8A0-40A8-A92E-4E905D782AD4}" dt="2020-10-23T16:14:02.919" v="275" actId="478"/>
+          <ac:cxnSpMkLst>
+            <pc:docMk/>
+            <pc:sldMk cId="117975961" sldId="263"/>
+            <ac:cxnSpMk id="6" creationId="{1C2B550E-5AAE-4374-A8FC-63AF88A57FF0}"/>
+          </ac:cxnSpMkLst>
+        </pc:cxnChg>
+        <pc:cxnChg chg="add del mod">
+          <ac:chgData name="Nicholas Forte" userId="831f5f1da6d5c7f7" providerId="LiveId" clId="{7EE69AF9-B8A0-40A8-A92E-4E905D782AD4}" dt="2020-10-23T16:14:02.919" v="275" actId="478"/>
+          <ac:cxnSpMkLst>
+            <pc:docMk/>
+            <pc:sldMk cId="117975961" sldId="263"/>
+            <ac:cxnSpMk id="10" creationId="{112FE57F-6CC8-4963-B43C-383DF71F6EF6}"/>
+          </ac:cxnSpMkLst>
+        </pc:cxnChg>
+        <pc:cxnChg chg="add del mod">
+          <ac:chgData name="Nicholas Forte" userId="831f5f1da6d5c7f7" providerId="LiveId" clId="{7EE69AF9-B8A0-40A8-A92E-4E905D782AD4}" dt="2020-10-23T16:14:02.919" v="275" actId="478"/>
+          <ac:cxnSpMkLst>
+            <pc:docMk/>
+            <pc:sldMk cId="117975961" sldId="263"/>
+            <ac:cxnSpMk id="11" creationId="{C36D1891-89DE-4FEC-8789-6723E63E7735}"/>
+          </ac:cxnSpMkLst>
+        </pc:cxnChg>
+        <pc:cxnChg chg="add del mod">
+          <ac:chgData name="Nicholas Forte" userId="831f5f1da6d5c7f7" providerId="LiveId" clId="{7EE69AF9-B8A0-40A8-A92E-4E905D782AD4}" dt="2020-10-23T16:14:02.919" v="275" actId="478"/>
+          <ac:cxnSpMkLst>
+            <pc:docMk/>
+            <pc:sldMk cId="117975961" sldId="263"/>
+            <ac:cxnSpMk id="12" creationId="{CC7CF3EF-3D10-44D5-A056-21679FFC2A16}"/>
+          </ac:cxnSpMkLst>
+        </pc:cxnChg>
+        <pc:cxnChg chg="add del mod">
+          <ac:chgData name="Nicholas Forte" userId="831f5f1da6d5c7f7" providerId="LiveId" clId="{7EE69AF9-B8A0-40A8-A92E-4E905D782AD4}" dt="2020-10-23T16:14:02.919" v="275" actId="478"/>
+          <ac:cxnSpMkLst>
+            <pc:docMk/>
+            <pc:sldMk cId="117975961" sldId="263"/>
+            <ac:cxnSpMk id="13" creationId="{E45B4408-C70C-4BD2-8D87-5B89ED453C73}"/>
+          </ac:cxnSpMkLst>
+        </pc:cxnChg>
+        <pc:cxnChg chg="add del mod">
+          <ac:chgData name="Nicholas Forte" userId="831f5f1da6d5c7f7" providerId="LiveId" clId="{7EE69AF9-B8A0-40A8-A92E-4E905D782AD4}" dt="2020-10-23T16:14:02.919" v="275" actId="478"/>
+          <ac:cxnSpMkLst>
+            <pc:docMk/>
+            <pc:sldMk cId="117975961" sldId="263"/>
+            <ac:cxnSpMk id="14" creationId="{239695B0-4C1D-4821-97F5-0D848319F642}"/>
+          </ac:cxnSpMkLst>
+        </pc:cxnChg>
+        <pc:cxnChg chg="add del mod">
+          <ac:chgData name="Nicholas Forte" userId="831f5f1da6d5c7f7" providerId="LiveId" clId="{7EE69AF9-B8A0-40A8-A92E-4E905D782AD4}" dt="2020-10-23T16:14:02.919" v="275" actId="478"/>
+          <ac:cxnSpMkLst>
+            <pc:docMk/>
+            <pc:sldMk cId="117975961" sldId="263"/>
+            <ac:cxnSpMk id="15" creationId="{F838EC8F-C17B-4450-B9AA-31FD2F87DA55}"/>
+          </ac:cxnSpMkLst>
+        </pc:cxnChg>
+        <pc:cxnChg chg="add">
+          <ac:chgData name="Nicholas Forte" userId="831f5f1da6d5c7f7" providerId="LiveId" clId="{7EE69AF9-B8A0-40A8-A92E-4E905D782AD4}" dt="2020-10-23T16:14:16.349" v="278" actId="26606"/>
+          <ac:cxnSpMkLst>
+            <pc:docMk/>
+            <pc:sldMk cId="117975961" sldId="263"/>
+            <ac:cxnSpMk id="75" creationId="{7E7C77BC-7138-40B1-A15B-20F57A494629}"/>
+          </ac:cxnSpMkLst>
+        </pc:cxnChg>
+        <pc:cxnChg chg="add">
+          <ac:chgData name="Nicholas Forte" userId="831f5f1da6d5c7f7" providerId="LiveId" clId="{7EE69AF9-B8A0-40A8-A92E-4E905D782AD4}" dt="2020-10-23T16:14:16.349" v="278" actId="26606"/>
+          <ac:cxnSpMkLst>
+            <pc:docMk/>
+            <pc:sldMk cId="117975961" sldId="263"/>
+            <ac:cxnSpMk id="77" creationId="{DB146403-F3D6-484B-B2ED-97F9565D0370}"/>
+          </ac:cxnSpMkLst>
+        </pc:cxnChg>
+      </pc:sldChg>
+      <pc:sldChg chg="addSp delSp modSp mod modTransition setBg modAnim">
+        <pc:chgData name="Nicholas Forte" userId="831f5f1da6d5c7f7" providerId="LiveId" clId="{7EE69AF9-B8A0-40A8-A92E-4E905D782AD4}" dt="2020-10-23T16:32:35.792" v="461"/>
+        <pc:sldMkLst>
+          <pc:docMk/>
+          <pc:sldMk cId="1568061823" sldId="264"/>
+        </pc:sldMkLst>
+        <pc:spChg chg="add mod">
+          <ac:chgData name="Nicholas Forte" userId="831f5f1da6d5c7f7" providerId="LiveId" clId="{7EE69AF9-B8A0-40A8-A92E-4E905D782AD4}" dt="2020-10-23T16:27:13.118" v="410" actId="6549"/>
+          <ac:spMkLst>
+            <pc:docMk/>
+            <pc:sldMk cId="1568061823" sldId="264"/>
+            <ac:spMk id="2" creationId="{45EBDF9D-A97F-4486-9FBC-8007AFAA4281}"/>
+          </ac:spMkLst>
+        </pc:spChg>
+        <pc:spChg chg="del">
+          <ac:chgData name="Nicholas Forte" userId="831f5f1da6d5c7f7" providerId="LiveId" clId="{7EE69AF9-B8A0-40A8-A92E-4E905D782AD4}" dt="2020-10-23T16:20:31.327" v="293" actId="478"/>
+          <ac:spMkLst>
+            <pc:docMk/>
+            <pc:sldMk cId="1568061823" sldId="264"/>
+            <ac:spMk id="3" creationId="{5BC36D66-06D9-40DB-9DDA-1307B9C91375}"/>
+          </ac:spMkLst>
+        </pc:spChg>
+        <pc:spChg chg="add mod">
+          <ac:chgData name="Nicholas Forte" userId="831f5f1da6d5c7f7" providerId="LiveId" clId="{7EE69AF9-B8A0-40A8-A92E-4E905D782AD4}" dt="2020-10-23T16:26:09.199" v="398"/>
+          <ac:spMkLst>
+            <pc:docMk/>
+            <pc:sldMk cId="1568061823" sldId="264"/>
+            <ac:spMk id="5" creationId="{49AA03E8-EC16-4E4F-BBF5-975F52742F75}"/>
+          </ac:spMkLst>
+        </pc:spChg>
+        <pc:spChg chg="add mod">
+          <ac:chgData name="Nicholas Forte" userId="831f5f1da6d5c7f7" providerId="LiveId" clId="{7EE69AF9-B8A0-40A8-A92E-4E905D782AD4}" dt="2020-10-23T16:26:17.335" v="399"/>
+          <ac:spMkLst>
+            <pc:docMk/>
+            <pc:sldMk cId="1568061823" sldId="264"/>
+            <ac:spMk id="6" creationId="{6E2D41EC-0CED-4F06-B62A-4BBA03BA0C64}"/>
+          </ac:spMkLst>
+        </pc:spChg>
+        <pc:spChg chg="add mod">
+          <ac:chgData name="Nicholas Forte" userId="831f5f1da6d5c7f7" providerId="LiveId" clId="{7EE69AF9-B8A0-40A8-A92E-4E905D782AD4}" dt="2020-10-23T16:27:31.723" v="421" actId="1076"/>
+          <ac:spMkLst>
+            <pc:docMk/>
+            <pc:sldMk cId="1568061823" sldId="264"/>
+            <ac:spMk id="10" creationId="{1D174834-AA07-48C1-901F-F1CC3F5E60C7}"/>
+          </ac:spMkLst>
+        </pc:spChg>
+        <pc:picChg chg="add mod">
+          <ac:chgData name="Nicholas Forte" userId="831f5f1da6d5c7f7" providerId="LiveId" clId="{7EE69AF9-B8A0-40A8-A92E-4E905D782AD4}" dt="2020-10-23T16:31:22.592" v="455" actId="1076"/>
+          <ac:picMkLst>
+            <pc:docMk/>
+            <pc:sldMk cId="1568061823" sldId="264"/>
+            <ac:picMk id="4" creationId="{F144B7D9-B372-4C83-BE87-CA584C3B4017}"/>
+          </ac:picMkLst>
+        </pc:picChg>
+        <pc:picChg chg="add mod">
+          <ac:chgData name="Nicholas Forte" userId="831f5f1da6d5c7f7" providerId="LiveId" clId="{7EE69AF9-B8A0-40A8-A92E-4E905D782AD4}" dt="2020-10-23T16:31:17.561" v="454" actId="1076"/>
+          <ac:picMkLst>
+            <pc:docMk/>
+            <pc:sldMk cId="1568061823" sldId="264"/>
+            <ac:picMk id="11" creationId="{6E82392F-8D0A-42F1-80A3-346D92EC3599}"/>
+          </ac:picMkLst>
+        </pc:picChg>
+        <pc:picChg chg="add del mod">
+          <ac:chgData name="Nicholas Forte" userId="831f5f1da6d5c7f7" providerId="LiveId" clId="{7EE69AF9-B8A0-40A8-A92E-4E905D782AD4}" dt="2020-10-23T16:26:20.535" v="400" actId="21"/>
+          <ac:picMkLst>
+            <pc:docMk/>
+            <pc:sldMk cId="1568061823" sldId="264"/>
+            <ac:picMk id="4098" creationId="{41141885-3C93-4D28-AAE8-95EA778D2AAE}"/>
+          </ac:picMkLst>
+        </pc:picChg>
+        <pc:picChg chg="add del mod">
+          <ac:chgData name="Nicholas Forte" userId="831f5f1da6d5c7f7" providerId="LiveId" clId="{7EE69AF9-B8A0-40A8-A92E-4E905D782AD4}" dt="2020-10-23T16:31:10.389" v="450" actId="478"/>
+          <ac:picMkLst>
+            <pc:docMk/>
+            <pc:sldMk cId="1568061823" sldId="264"/>
+            <ac:picMk id="4100" creationId="{58FAD027-231B-4D93-A4E7-343219D56F40}"/>
+          </ac:picMkLst>
+        </pc:picChg>
+      </pc:sldChg>
+      <pc:sldChg chg="addSp delSp modSp mod modTransition delAnim">
+        <pc:chgData name="Nicholas Forte" userId="831f5f1da6d5c7f7" providerId="LiveId" clId="{7EE69AF9-B8A0-40A8-A92E-4E905D782AD4}" dt="2020-10-23T15:21:21.919" v="123"/>
+        <pc:sldMkLst>
+          <pc:docMk/>
+          <pc:sldMk cId="465033456" sldId="265"/>
+        </pc:sldMkLst>
+        <pc:spChg chg="mod">
+          <ac:chgData name="Nicholas Forte" userId="831f5f1da6d5c7f7" providerId="LiveId" clId="{7EE69AF9-B8A0-40A8-A92E-4E905D782AD4}" dt="2020-10-23T14:41:22.930" v="16" actId="14100"/>
+          <ac:spMkLst>
+            <pc:docMk/>
+            <pc:sldMk cId="465033456" sldId="265"/>
+            <ac:spMk id="3" creationId="{EEF17DC2-B23E-4447-A413-A654051E039A}"/>
+          </ac:spMkLst>
+        </pc:spChg>
+        <pc:spChg chg="mod">
+          <ac:chgData name="Nicholas Forte" userId="831f5f1da6d5c7f7" providerId="LiveId" clId="{7EE69AF9-B8A0-40A8-A92E-4E905D782AD4}" dt="2020-10-23T14:41:27.739" v="17" actId="1076"/>
+          <ac:spMkLst>
+            <pc:docMk/>
+            <pc:sldMk cId="465033456" sldId="265"/>
+            <ac:spMk id="6" creationId="{C2AD3478-E7C3-4506-A2E4-5E83AA92930E}"/>
+          </ac:spMkLst>
+        </pc:spChg>
+        <pc:picChg chg="add mod">
+          <ac:chgData name="Nicholas Forte" userId="831f5f1da6d5c7f7" providerId="LiveId" clId="{7EE69AF9-B8A0-40A8-A92E-4E905D782AD4}" dt="2020-10-23T14:41:38.512" v="20" actId="1076"/>
+          <ac:picMkLst>
+            <pc:docMk/>
+            <pc:sldMk cId="465033456" sldId="265"/>
+            <ac:picMk id="4" creationId="{6FAB8F76-2E98-489C-A06E-FE0266228938}"/>
+          </ac:picMkLst>
+        </pc:picChg>
+        <pc:picChg chg="del mod">
+          <ac:chgData name="Nicholas Forte" userId="831f5f1da6d5c7f7" providerId="LiveId" clId="{7EE69AF9-B8A0-40A8-A92E-4E905D782AD4}" dt="2020-10-23T14:39:43.202" v="8" actId="478"/>
+          <ac:picMkLst>
+            <pc:docMk/>
+            <pc:sldMk cId="465033456" sldId="265"/>
+            <ac:picMk id="8" creationId="{89ABE036-B98F-4A24-8EA2-8F1F3822757E}"/>
+          </ac:picMkLst>
+        </pc:picChg>
+      </pc:sldChg>
+      <pc:sldChg chg="addSp modSp new setBg">
+        <pc:chgData name="Nicholas Forte" userId="831f5f1da6d5c7f7" providerId="LiveId" clId="{7EE69AF9-B8A0-40A8-A92E-4E905D782AD4}" dt="2020-10-23T16:35:57.256" v="468" actId="1076"/>
+        <pc:sldMkLst>
+          <pc:docMk/>
+          <pc:sldMk cId="160208660" sldId="266"/>
+        </pc:sldMkLst>
+        <pc:picChg chg="add mod">
+          <ac:chgData name="Nicholas Forte" userId="831f5f1da6d5c7f7" providerId="LiveId" clId="{7EE69AF9-B8A0-40A8-A92E-4E905D782AD4}" dt="2020-10-23T16:35:57.256" v="468" actId="1076"/>
+          <ac:picMkLst>
+            <pc:docMk/>
+            <pc:sldMk cId="160208660" sldId="266"/>
+            <ac:picMk id="5122" creationId="{50B701DD-4548-46CE-BFD8-7CCAAC8D7BC9}"/>
+          </ac:picMkLst>
+        </pc:picChg>
+      </pc:sldChg>
+      <pc:sldChg chg="add del">
+        <pc:chgData name="Nicholas Forte" userId="831f5f1da6d5c7f7" providerId="LiveId" clId="{7EE69AF9-B8A0-40A8-A92E-4E905D782AD4}" dt="2020-10-23T15:21:44.406" v="124" actId="2696"/>
+        <pc:sldMkLst>
+          <pc:docMk/>
+          <pc:sldMk cId="1062914862" sldId="266"/>
+        </pc:sldMkLst>
+      </pc:sldChg>
+      <pc:sldChg chg="add del">
+        <pc:chgData name="Nicholas Forte" userId="831f5f1da6d5c7f7" providerId="LiveId" clId="{7EE69AF9-B8A0-40A8-A92E-4E905D782AD4}" dt="2020-10-23T14:07:25.942" v="4" actId="2696"/>
+        <pc:sldMkLst>
+          <pc:docMk/>
+          <pc:sldMk cId="3103029421" sldId="266"/>
+        </pc:sldMkLst>
+      </pc:sldChg>
+      <pc:sldMasterChg chg="add del addSldLayout delSldLayout">
+        <pc:chgData name="Nicholas Forte" userId="831f5f1da6d5c7f7" providerId="LiveId" clId="{7EE69AF9-B8A0-40A8-A92E-4E905D782AD4}" dt="2020-10-23T14:07:25.942" v="4" actId="2696"/>
+        <pc:sldMasterMkLst>
+          <pc:docMk/>
+          <pc:sldMasterMk cId="1049992875" sldId="2147483648"/>
+        </pc:sldMasterMkLst>
+        <pc:sldLayoutChg chg="add del">
+          <pc:chgData name="Nicholas Forte" userId="831f5f1da6d5c7f7" providerId="LiveId" clId="{7EE69AF9-B8A0-40A8-A92E-4E905D782AD4}" dt="2020-10-23T14:07:25.942" v="4" actId="2696"/>
+          <pc:sldLayoutMkLst>
+            <pc:docMk/>
+            <pc:sldMasterMk cId="1049992875" sldId="2147483648"/>
+            <pc:sldLayoutMk cId="146092252" sldId="2147483650"/>
+          </pc:sldLayoutMkLst>
+        </pc:sldLayoutChg>
+      </pc:sldMasterChg>
+      <pc:sldMasterChg chg="add del addSldLayout delSldLayout">
+        <pc:chgData name="Nicholas Forte" userId="831f5f1da6d5c7f7" providerId="LiveId" clId="{7EE69AF9-B8A0-40A8-A92E-4E905D782AD4}" dt="2020-10-23T15:21:44.406" v="124" actId="2696"/>
+        <pc:sldMasterMkLst>
+          <pc:docMk/>
+          <pc:sldMasterMk cId="4205076161" sldId="2147483648"/>
+        </pc:sldMasterMkLst>
+        <pc:sldLayoutChg chg="add del">
+          <pc:chgData name="Nicholas Forte" userId="831f5f1da6d5c7f7" providerId="LiveId" clId="{7EE69AF9-B8A0-40A8-A92E-4E905D782AD4}" dt="2020-10-23T15:21:44.406" v="124" actId="2696"/>
+          <pc:sldLayoutMkLst>
+            <pc:docMk/>
+            <pc:sldMasterMk cId="4205076161" sldId="2147483648"/>
+            <pc:sldLayoutMk cId="1769514304" sldId="2147483649"/>
+          </pc:sldLayoutMkLst>
+        </pc:sldLayoutChg>
+      </pc:sldMasterChg>
+      <pc:sldMasterChg chg="replId modSldLayout">
+        <pc:chgData name="Nicholas Forte" userId="831f5f1da6d5c7f7" providerId="LiveId" clId="{7EE69AF9-B8A0-40A8-A92E-4E905D782AD4}" dt="2020-10-23T14:40:09.126" v="9" actId="27028"/>
+        <pc:sldMasterMkLst>
+          <pc:docMk/>
+          <pc:sldMasterMk cId="3904920172" sldId="2147483660"/>
+        </pc:sldMasterMkLst>
+        <pc:sldLayoutChg chg="replId">
+          <pc:chgData name="Nicholas Forte" userId="831f5f1da6d5c7f7" providerId="LiveId" clId="{7EE69AF9-B8A0-40A8-A92E-4E905D782AD4}" dt="2020-10-23T14:07:16.193" v="2" actId="27028"/>
+          <pc:sldLayoutMkLst>
+            <pc:docMk/>
+            <pc:sldMasterMk cId="3904920172" sldId="2147483660"/>
+            <pc:sldLayoutMk cId="3450502012" sldId="2147483661"/>
+          </pc:sldLayoutMkLst>
+        </pc:sldLayoutChg>
+        <pc:sldLayoutChg chg="replId">
+          <pc:chgData name="Nicholas Forte" userId="831f5f1da6d5c7f7" providerId="LiveId" clId="{7EE69AF9-B8A0-40A8-A92E-4E905D782AD4}" dt="2020-10-23T14:40:09.126" v="9" actId="27028"/>
+          <pc:sldLayoutMkLst>
+            <pc:docMk/>
+            <pc:sldMasterMk cId="3904920172" sldId="2147483660"/>
+            <pc:sldLayoutMk cId="2350359264" sldId="2147483662"/>
+          </pc:sldLayoutMkLst>
+        </pc:sldLayoutChg>
+      </pc:sldMasterChg>
+    </pc:docChg>
+  </pc:docChgLst>
   <pc:docChgLst>
     <pc:chgData name="Bruna Brito" userId="b6e662cc8815d3ee" providerId="LiveId" clId="{858E1AD4-1BE2-4FDC-BC75-F08A0F1EFF3E}"/>
     <pc:docChg chg="custSel addSld modSld">
@@ -616,7 +1229,7 @@
           <a:p>
             <a:fld id="{1F9606BC-5244-47D9-93DD-4B4F41B61F0A}" type="datetimeFigureOut">
               <a:rPr lang="pt-BR" smtClean="0"/>
-              <a:t>22/10/2020</a:t>
+              <a:t>23/10/2020</a:t>
             </a:fld>
             <a:endParaRPr lang="pt-BR"/>
           </a:p>
@@ -814,7 +1427,7 @@
           <a:p>
             <a:fld id="{1F9606BC-5244-47D9-93DD-4B4F41B61F0A}" type="datetimeFigureOut">
               <a:rPr lang="pt-BR" smtClean="0"/>
-              <a:t>22/10/2020</a:t>
+              <a:t>23/10/2020</a:t>
             </a:fld>
             <a:endParaRPr lang="pt-BR"/>
           </a:p>
@@ -1022,7 +1635,7 @@
           <a:p>
             <a:fld id="{1F9606BC-5244-47D9-93DD-4B4F41B61F0A}" type="datetimeFigureOut">
               <a:rPr lang="pt-BR" smtClean="0"/>
-              <a:t>22/10/2020</a:t>
+              <a:t>23/10/2020</a:t>
             </a:fld>
             <a:endParaRPr lang="pt-BR"/>
           </a:p>
@@ -1220,7 +1833,7 @@
           <a:p>
             <a:fld id="{1F9606BC-5244-47D9-93DD-4B4F41B61F0A}" type="datetimeFigureOut">
               <a:rPr lang="pt-BR" smtClean="0"/>
-              <a:t>22/10/2020</a:t>
+              <a:t>23/10/2020</a:t>
             </a:fld>
             <a:endParaRPr lang="pt-BR"/>
           </a:p>
@@ -1495,7 +2108,7 @@
           <a:p>
             <a:fld id="{1F9606BC-5244-47D9-93DD-4B4F41B61F0A}" type="datetimeFigureOut">
               <a:rPr lang="pt-BR" smtClean="0"/>
-              <a:t>22/10/2020</a:t>
+              <a:t>23/10/2020</a:t>
             </a:fld>
             <a:endParaRPr lang="pt-BR"/>
           </a:p>
@@ -1760,7 +2373,7 @@
           <a:p>
             <a:fld id="{1F9606BC-5244-47D9-93DD-4B4F41B61F0A}" type="datetimeFigureOut">
               <a:rPr lang="pt-BR" smtClean="0"/>
-              <a:t>22/10/2020</a:t>
+              <a:t>23/10/2020</a:t>
             </a:fld>
             <a:endParaRPr lang="pt-BR"/>
           </a:p>
@@ -2172,7 +2785,7 @@
           <a:p>
             <a:fld id="{1F9606BC-5244-47D9-93DD-4B4F41B61F0A}" type="datetimeFigureOut">
               <a:rPr lang="pt-BR" smtClean="0"/>
-              <a:t>22/10/2020</a:t>
+              <a:t>23/10/2020</a:t>
             </a:fld>
             <a:endParaRPr lang="pt-BR"/>
           </a:p>
@@ -2313,7 +2926,7 @@
           <a:p>
             <a:fld id="{1F9606BC-5244-47D9-93DD-4B4F41B61F0A}" type="datetimeFigureOut">
               <a:rPr lang="pt-BR" smtClean="0"/>
-              <a:t>22/10/2020</a:t>
+              <a:t>23/10/2020</a:t>
             </a:fld>
             <a:endParaRPr lang="pt-BR"/>
           </a:p>
@@ -2426,7 +3039,7 @@
           <a:p>
             <a:fld id="{1F9606BC-5244-47D9-93DD-4B4F41B61F0A}" type="datetimeFigureOut">
               <a:rPr lang="pt-BR" smtClean="0"/>
-              <a:t>22/10/2020</a:t>
+              <a:t>23/10/2020</a:t>
             </a:fld>
             <a:endParaRPr lang="pt-BR"/>
           </a:p>
@@ -2737,7 +3350,7 @@
           <a:p>
             <a:fld id="{1F9606BC-5244-47D9-93DD-4B4F41B61F0A}" type="datetimeFigureOut">
               <a:rPr lang="pt-BR" smtClean="0"/>
-              <a:t>22/10/2020</a:t>
+              <a:t>23/10/2020</a:t>
             </a:fld>
             <a:endParaRPr lang="pt-BR"/>
           </a:p>
@@ -3025,7 +3638,7 @@
           <a:p>
             <a:fld id="{1F9606BC-5244-47D9-93DD-4B4F41B61F0A}" type="datetimeFigureOut">
               <a:rPr lang="pt-BR" smtClean="0"/>
-              <a:t>22/10/2020</a:t>
+              <a:t>23/10/2020</a:t>
             </a:fld>
             <a:endParaRPr lang="pt-BR"/>
           </a:p>
@@ -3266,7 +3879,7 @@
           <a:p>
             <a:fld id="{1F9606BC-5244-47D9-93DD-4B4F41B61F0A}" type="datetimeFigureOut">
               <a:rPr lang="pt-BR" smtClean="0"/>
-              <a:t>22/10/2020</a:t>
+              <a:t>23/10/2020</a:t>
             </a:fld>
             <a:endParaRPr lang="pt-BR"/>
           </a:p>
@@ -3371,8 +3984,8 @@
   </p:cSld>
   <p:clrMap bg1="lt1" tx1="dk1" bg2="lt2" tx2="dk2" accent1="accent1" accent2="accent2" accent3="accent3" accent4="accent4" accent5="accent5" accent6="accent6" hlink="hlink" folHlink="folHlink"/>
   <p:sldLayoutIdLst>
-    <p:sldLayoutId id="2147483649" r:id="rId1"/>
-    <p:sldLayoutId id="2147483650" r:id="rId2"/>
+    <p:sldLayoutId id="2147483662" r:id="rId1"/>
+    <p:sldLayoutId id="2147483661" r:id="rId2"/>
     <p:sldLayoutId id="2147483651" r:id="rId3"/>
     <p:sldLayoutId id="2147483652" r:id="rId4"/>
     <p:sldLayoutId id="2147483653" r:id="rId5"/>
@@ -4517,6 +5130,93 @@
 </p:sld>
 </file>
 
+<file path=ppt/slides/slide10.xml><?xml version="1.0" encoding="utf-8"?>
+<p:sld xmlns:a="http://schemas.openxmlformats.org/drawingml/2006/main" xmlns:r="http://schemas.openxmlformats.org/officeDocument/2006/relationships" xmlns:p="http://schemas.openxmlformats.org/presentationml/2006/main">
+  <p:cSld>
+    <p:bg>
+      <p:bgPr>
+        <a:solidFill>
+          <a:schemeClr val="bg2">
+            <a:lumMod val="90000"/>
+          </a:schemeClr>
+        </a:solidFill>
+        <a:effectLst/>
+      </p:bgPr>
+    </p:bg>
+    <p:spTree>
+      <p:nvGrpSpPr>
+        <p:cNvPr id="1" name=""/>
+        <p:cNvGrpSpPr/>
+        <p:nvPr/>
+      </p:nvGrpSpPr>
+      <p:grpSpPr>
+        <a:xfrm>
+          <a:off x="0" y="0"/>
+          <a:ext cx="0" cy="0"/>
+          <a:chOff x="0" y="0"/>
+          <a:chExt cx="0" cy="0"/>
+        </a:xfrm>
+      </p:grpSpPr>
+      <p:pic>
+        <p:nvPicPr>
+          <p:cNvPr id="5122" name="Picture 2" descr="Ver a imagem de origem">
+            <a:extLst>
+              <a:ext uri="{FF2B5EF4-FFF2-40B4-BE49-F238E27FC236}">
+                <a16:creationId xmlns:a16="http://schemas.microsoft.com/office/drawing/2014/main" id="{50B701DD-4548-46CE-BFD8-7CCAAC8D7BC9}"/>
+              </a:ext>
+            </a:extLst>
+          </p:cNvPr>
+          <p:cNvPicPr>
+            <a:picLocks noChangeAspect="1" noChangeArrowheads="1"/>
+          </p:cNvPicPr>
+          <p:nvPr/>
+        </p:nvPicPr>
+        <p:blipFill>
+          <a:blip r:embed="rId2">
+            <a:extLst>
+              <a:ext uri="{28A0092B-C50C-407E-A947-70E740481C1C}">
+                <a14:useLocalDpi xmlns:a14="http://schemas.microsoft.com/office/drawing/2010/main" val="0"/>
+              </a:ext>
+            </a:extLst>
+          </a:blip>
+          <a:srcRect/>
+          <a:stretch>
+            <a:fillRect/>
+          </a:stretch>
+        </p:blipFill>
+        <p:spPr bwMode="auto">
+          <a:xfrm>
+            <a:off x="1306286" y="2549027"/>
+            <a:ext cx="3806598" cy="3438115"/>
+          </a:xfrm>
+          <a:prstGeom prst="rect">
+            <a:avLst/>
+          </a:prstGeom>
+          <a:noFill/>
+          <a:extLst>
+            <a:ext uri="{909E8E84-426E-40DD-AFC4-6F175D3DCCD1}">
+              <a14:hiddenFill xmlns:a14="http://schemas.microsoft.com/office/drawing/2010/main">
+                <a:solidFill>
+                  <a:srgbClr val="FFFFFF"/>
+                </a:solidFill>
+              </a14:hiddenFill>
+            </a:ext>
+          </a:extLst>
+        </p:spPr>
+      </p:pic>
+    </p:spTree>
+    <p:extLst>
+      <p:ext uri="{BB962C8B-B14F-4D97-AF65-F5344CB8AC3E}">
+        <p14:creationId xmlns:p14="http://schemas.microsoft.com/office/powerpoint/2010/main" val="160208660"/>
+      </p:ext>
+    </p:extLst>
+  </p:cSld>
+  <p:clrMapOvr>
+    <a:masterClrMapping/>
+  </p:clrMapOvr>
+</p:sld>
+</file>
+
 <file path=ppt/slides/slide2.xml><?xml version="1.0" encoding="utf-8"?>
 <p:sld xmlns:a="http://schemas.openxmlformats.org/drawingml/2006/main" xmlns:r="http://schemas.openxmlformats.org/officeDocument/2006/relationships" xmlns:p="http://schemas.openxmlformats.org/presentationml/2006/main">
   <p:cSld>
@@ -4768,33 +5468,7 @@
             </a:cxnLst>
             <a:rect l="l" t="t" r="r" b="b"/>
             <a:pathLst>
-              <a:path w="6387152" h="6387152" fill="none" extrusionOk="0">
-                <a:moveTo>
-                  <a:pt x="0" y="3193576"/>
-                </a:moveTo>
-                <a:cubicBezTo>
-                  <a:pt x="46736" y="1292620"/>
-                  <a:pt x="1637606" y="-124379"/>
-                  <a:pt x="3193576" y="0"/>
-                </a:cubicBezTo>
-                <a:cubicBezTo>
-                  <a:pt x="4747141" y="142675"/>
-                  <a:pt x="6491014" y="1507142"/>
-                  <a:pt x="6387152" y="3193576"/>
-                </a:cubicBezTo>
-                <a:cubicBezTo>
-                  <a:pt x="6345545" y="5154152"/>
-                  <a:pt x="4878286" y="6348912"/>
-                  <a:pt x="3193576" y="6387152"/>
-                </a:cubicBezTo>
-                <a:cubicBezTo>
-                  <a:pt x="1414505" y="6062748"/>
-                  <a:pt x="302807" y="5124848"/>
-                  <a:pt x="0" y="3193576"/>
-                </a:cubicBezTo>
-                <a:close/>
-              </a:path>
-              <a:path w="6387152" h="6387152" stroke="0" extrusionOk="0">
+              <a:path w="6387152" h="6387152" extrusionOk="0">
                 <a:moveTo>
                   <a:pt x="0" y="3193576"/>
                 </a:moveTo>
@@ -5095,6 +5769,18 @@
   <p:clrMapOvr>
     <a:masterClrMapping/>
   </p:clrMapOvr>
+  <mc:AlternateContent xmlns:mc="http://schemas.openxmlformats.org/markup-compatibility/2006">
+    <mc:Choice xmlns:p14="http://schemas.microsoft.com/office/powerpoint/2010/main" Requires="p14">
+      <p:transition spd="med" p14:dur="700">
+        <p:fade/>
+      </p:transition>
+    </mc:Choice>
+    <mc:Fallback>
+      <p:transition spd="med">
+        <p:fade/>
+      </p:transition>
+    </mc:Fallback>
+  </mc:AlternateContent>
   <p:timing>
     <p:tnLst>
       <p:par>
@@ -5701,6 +6387,9 @@
   <p:clrMapOvr>
     <a:masterClrMapping/>
   </p:clrMapOvr>
+  <p:transition spd="slow">
+    <p:wipe/>
+  </p:transition>
   <p:timing>
     <p:tnLst>
       <p:par>
@@ -5895,7 +6584,7 @@
         <p:spPr>
           <a:xfrm>
             <a:off x="-1" y="0"/>
-            <a:ext cx="12192001" cy="1321416"/>
+            <a:ext cx="12192001" cy="1171575"/>
           </a:xfrm>
           <a:prstGeom prst="rect">
             <a:avLst/>
@@ -5949,7 +6638,7 @@
         </p:nvSpPr>
         <p:spPr>
           <a:xfrm>
-            <a:off x="636103" y="337542"/>
+            <a:off x="569842" y="262621"/>
             <a:ext cx="5208106" cy="646331"/>
           </a:xfrm>
           <a:prstGeom prst="rect">
@@ -5975,10 +6664,10 @@
       </p:sp>
       <p:pic>
         <p:nvPicPr>
-          <p:cNvPr id="8" name="Imagem 7">
-            <a:extLst>
-              <a:ext uri="{FF2B5EF4-FFF2-40B4-BE49-F238E27FC236}">
-                <a16:creationId xmlns:a16="http://schemas.microsoft.com/office/drawing/2014/main" id="{89ABE036-B98F-4A24-8EA2-8F1F3822757E}"/>
+          <p:cNvPr id="9" name="Imagem 8" descr="Logotipo&#10;&#10;Descrição gerada automaticamente">
+            <a:extLst>
+              <a:ext uri="{FF2B5EF4-FFF2-40B4-BE49-F238E27FC236}">
+                <a16:creationId xmlns:a16="http://schemas.microsoft.com/office/drawing/2014/main" id="{8E497CD5-AF48-4D10-BF8D-3D1A4344171A}"/>
               </a:ext>
             </a:extLst>
           </p:cNvPr>
@@ -5988,37 +6677,7 @@
           <p:nvPr/>
         </p:nvPicPr>
         <p:blipFill>
-          <a:blip r:embed="rId2"/>
-          <a:stretch>
-            <a:fillRect/>
-          </a:stretch>
-        </p:blipFill>
-        <p:spPr>
-          <a:xfrm>
-            <a:off x="452331" y="1321415"/>
-            <a:ext cx="11287337" cy="5370933"/>
-          </a:xfrm>
-          <a:prstGeom prst="rect">
-            <a:avLst/>
-          </a:prstGeom>
-        </p:spPr>
-      </p:pic>
-      <p:pic>
-        <p:nvPicPr>
-          <p:cNvPr id="9" name="Imagem 8" descr="Logotipo&#10;&#10;Descrição gerada automaticamente">
-            <a:extLst>
-              <a:ext uri="{FF2B5EF4-FFF2-40B4-BE49-F238E27FC236}">
-                <a16:creationId xmlns:a16="http://schemas.microsoft.com/office/drawing/2014/main" id="{8E497CD5-AF48-4D10-BF8D-3D1A4344171A}"/>
-              </a:ext>
-            </a:extLst>
-          </p:cNvPr>
-          <p:cNvPicPr>
-            <a:picLocks noChangeAspect="1"/>
-          </p:cNvPicPr>
-          <p:nvPr/>
-        </p:nvPicPr>
-        <p:blipFill>
-          <a:blip r:embed="rId3">
+          <a:blip r:embed="rId2">
             <a:extLst>
               <a:ext uri="{28A0092B-C50C-407E-A947-70E740481C1C}">
                 <a14:useLocalDpi xmlns:a14="http://schemas.microsoft.com/office/drawing/2010/main" val="0"/>
@@ -6033,6 +6692,36 @@
           <a:xfrm>
             <a:off x="11555896" y="153048"/>
             <a:ext cx="516833" cy="507659"/>
+          </a:xfrm>
+          <a:prstGeom prst="rect">
+            <a:avLst/>
+          </a:prstGeom>
+        </p:spPr>
+      </p:pic>
+      <p:pic>
+        <p:nvPicPr>
+          <p:cNvPr id="4" name="Imagem 3">
+            <a:extLst>
+              <a:ext uri="{FF2B5EF4-FFF2-40B4-BE49-F238E27FC236}">
+                <a16:creationId xmlns:a16="http://schemas.microsoft.com/office/drawing/2014/main" id="{6FAB8F76-2E98-489C-A06E-FE0266228938}"/>
+              </a:ext>
+            </a:extLst>
+          </p:cNvPr>
+          <p:cNvPicPr>
+            <a:picLocks noChangeAspect="1"/>
+          </p:cNvPicPr>
+          <p:nvPr/>
+        </p:nvPicPr>
+        <p:blipFill>
+          <a:blip r:embed="rId3"/>
+          <a:stretch>
+            <a:fillRect/>
+          </a:stretch>
+        </p:blipFill>
+        <p:spPr>
+          <a:xfrm>
+            <a:off x="937598" y="1171573"/>
+            <a:ext cx="10316803" cy="5686427"/>
           </a:xfrm>
           <a:prstGeom prst="rect">
             <a:avLst/>
@@ -6049,6 +6738,9 @@
   <p:clrMapOvr>
     <a:masterClrMapping/>
   </p:clrMapOvr>
+  <p:transition spd="slow">
+    <p:wipe/>
+  </p:transition>
   <p:timing>
     <p:tnLst>
       <p:par>
@@ -6121,41 +6813,6 @@
                                           </p:stCondLst>
                                         </p:cTn>
                                         <p:tgtEl>
-                                          <p:spTgt spid="8"/>
-                                        </p:tgtEl>
-                                        <p:attrNameLst>
-                                          <p:attrName>style.visibility</p:attrName>
-                                        </p:attrNameLst>
-                                      </p:cBhvr>
-                                      <p:to>
-                                        <p:strVal val="visible"/>
-                                      </p:to>
-                                    </p:set>
-                                    <p:animEffect transition="in" filter="fade">
-                                      <p:cBhvr>
-                                        <p:cTn id="10" dur="250"/>
-                                        <p:tgtEl>
-                                          <p:spTgt spid="8"/>
-                                        </p:tgtEl>
-                                      </p:cBhvr>
-                                    </p:animEffect>
-                                  </p:childTnLst>
-                                </p:cTn>
-                              </p:par>
-                              <p:par>
-                                <p:cTn id="11" presetID="10" presetClass="entr" presetSubtype="0" fill="hold" nodeType="withEffect">
-                                  <p:stCondLst>
-                                    <p:cond delay="0"/>
-                                  </p:stCondLst>
-                                  <p:childTnLst>
-                                    <p:set>
-                                      <p:cBhvr>
-                                        <p:cTn id="12" dur="1" fill="hold">
-                                          <p:stCondLst>
-                                            <p:cond delay="0"/>
-                                          </p:stCondLst>
-                                        </p:cTn>
-                                        <p:tgtEl>
                                           <p:spTgt spid="9"/>
                                         </p:tgtEl>
                                         <p:attrNameLst>
@@ -6168,7 +6825,7 @@
                                     </p:set>
                                     <p:animEffect transition="in" filter="fade">
                                       <p:cBhvr>
-                                        <p:cTn id="13" dur="500"/>
+                                        <p:cTn id="10" dur="500"/>
                                         <p:tgtEl>
                                           <p:spTgt spid="9"/>
                                         </p:tgtEl>
@@ -6510,6 +7167,18 @@
   <p:clrMapOvr>
     <a:masterClrMapping/>
   </p:clrMapOvr>
+  <mc:AlternateContent xmlns:mc="http://schemas.openxmlformats.org/markup-compatibility/2006">
+    <mc:Choice xmlns:p14="http://schemas.microsoft.com/office/powerpoint/2010/main" Requires="p14">
+      <p:transition spd="slow">
+        <p14:flash/>
+      </p:transition>
+    </mc:Choice>
+    <mc:Fallback>
+      <p:transition spd="slow">
+        <p:fade/>
+      </p:transition>
+    </mc:Fallback>
+  </mc:AlternateContent>
   <p:timing>
     <p:tnLst>
       <p:par>
@@ -6747,6 +7416,16 @@
 <file path=ppt/slides/slide6.xml><?xml version="1.0" encoding="utf-8"?>
 <p:sld xmlns:a="http://schemas.openxmlformats.org/drawingml/2006/main" xmlns:r="http://schemas.openxmlformats.org/officeDocument/2006/relationships" xmlns:p="http://schemas.openxmlformats.org/presentationml/2006/main">
   <p:cSld>
+    <p:bg>
+      <p:bgPr>
+        <a:solidFill>
+          <a:schemeClr val="bg2">
+            <a:lumMod val="90000"/>
+          </a:schemeClr>
+        </a:solidFill>
+        <a:effectLst/>
+      </p:bgPr>
+    </p:bg>
     <p:spTree>
       <p:nvGrpSpPr>
         <p:cNvPr id="1" name=""/>
@@ -6763,10 +7442,10 @@
       </p:grpSpPr>
       <p:sp>
         <p:nvSpPr>
-          <p:cNvPr id="3" name="Retângulo 2">
-            <a:extLst>
-              <a:ext uri="{FF2B5EF4-FFF2-40B4-BE49-F238E27FC236}">
-                <a16:creationId xmlns:a16="http://schemas.microsoft.com/office/drawing/2014/main" id="{5BC36D66-06D9-40DB-9DDA-1307B9C91375}"/>
+          <p:cNvPr id="4" name="Retângulo 3">
+            <a:extLst>
+              <a:ext uri="{FF2B5EF4-FFF2-40B4-BE49-F238E27FC236}">
+                <a16:creationId xmlns:a16="http://schemas.microsoft.com/office/drawing/2014/main" id="{5815619D-E61A-42F1-A9DF-404376971123}"/>
               </a:ext>
             </a:extLst>
           </p:cNvPr>
@@ -6776,15 +7455,94 @@
         <p:spPr>
           <a:xfrm>
             <a:off x="0" y="0"/>
-            <a:ext cx="12192001" cy="6858000"/>
+            <a:ext cx="12192000" cy="1443318"/>
+          </a:xfrm>
+          <a:prstGeom prst="rect">
+            <a:avLst/>
+          </a:prstGeom>
+        </p:spPr>
+        <p:style>
+          <a:lnRef idx="2">
+            <a:schemeClr val="dk1"/>
+          </a:lnRef>
+          <a:fillRef idx="1">
+            <a:schemeClr val="lt1"/>
+          </a:fillRef>
+          <a:effectRef idx="0">
+            <a:schemeClr val="dk1"/>
+          </a:effectRef>
+          <a:fontRef idx="minor">
+            <a:schemeClr val="dk1"/>
+          </a:fontRef>
+        </p:style>
+        <p:txBody>
+          <a:bodyPr rtlCol="0" anchor="ctr"/>
+          <a:lstStyle/>
+          <a:p>
+            <a:pPr algn="ctr"/>
+            <a:endParaRPr lang="pt-BR" dirty="0"/>
+          </a:p>
+        </p:txBody>
+      </p:sp>
+      <p:sp>
+        <p:nvSpPr>
+          <p:cNvPr id="9" name="CaixaDeTexto 8">
+            <a:extLst>
+              <a:ext uri="{FF2B5EF4-FFF2-40B4-BE49-F238E27FC236}">
+                <a16:creationId xmlns:a16="http://schemas.microsoft.com/office/drawing/2014/main" id="{722813C0-711E-4F44-9E55-E9E9D62DEA94}"/>
+              </a:ext>
+            </a:extLst>
+          </p:cNvPr>
+          <p:cNvSpPr txBox="1"/>
+          <p:nvPr/>
+        </p:nvSpPr>
+        <p:spPr>
+          <a:xfrm>
+            <a:off x="752913" y="383415"/>
+            <a:ext cx="6153324" cy="584775"/>
+          </a:xfrm>
+          <a:prstGeom prst="rect">
+            <a:avLst/>
+          </a:prstGeom>
+          <a:noFill/>
+        </p:spPr>
+        <p:txBody>
+          <a:bodyPr wrap="square">
+            <a:spAutoFit/>
+          </a:bodyPr>
+          <a:lstStyle/>
+          <a:p>
+            <a:pPr algn="ctr"/>
+            <a:r>
+              <a:rPr lang="pt-BR" sz="3200" dirty="0"/>
+              <a:t>Site Institucional, Dashboard.</a:t>
+            </a:r>
+          </a:p>
+        </p:txBody>
+      </p:sp>
+      <p:sp>
+        <p:nvSpPr>
+          <p:cNvPr id="10" name="Retângulo 9">
+            <a:extLst>
+              <a:ext uri="{FF2B5EF4-FFF2-40B4-BE49-F238E27FC236}">
+                <a16:creationId xmlns:a16="http://schemas.microsoft.com/office/drawing/2014/main" id="{0763A5A7-9ADF-47A8-AC3B-40B5C33EE44E}"/>
+              </a:ext>
+            </a:extLst>
+          </p:cNvPr>
+          <p:cNvSpPr/>
+          <p:nvPr/>
+        </p:nvSpPr>
+        <p:spPr>
+          <a:xfrm rot="18718225">
+            <a:off x="812438" y="2501348"/>
+            <a:ext cx="11150221" cy="1855304"/>
           </a:xfrm>
           <a:prstGeom prst="rect">
             <a:avLst/>
           </a:prstGeom>
           <a:solidFill>
             <a:schemeClr val="bg2">
-              <a:lumMod val="50000"/>
-              <a:alpha val="38000"/>
+              <a:lumMod val="25000"/>
             </a:schemeClr>
           </a:solidFill>
           <a:ln>
@@ -6816,42 +7574,12 @@
           </a:p>
         </p:txBody>
       </p:sp>
-    </p:spTree>
-    <p:extLst>
-      <p:ext uri="{BB962C8B-B14F-4D97-AF65-F5344CB8AC3E}">
-        <p14:creationId xmlns:p14="http://schemas.microsoft.com/office/powerpoint/2010/main" val="1719718150"/>
-      </p:ext>
-    </p:extLst>
-  </p:cSld>
-  <p:clrMapOvr>
-    <a:masterClrMapping/>
-  </p:clrMapOvr>
-</p:sld>
-</file>
-
-<file path=ppt/slides/slide7.xml><?xml version="1.0" encoding="utf-8"?>
-<p:sld xmlns:a="http://schemas.openxmlformats.org/drawingml/2006/main" xmlns:r="http://schemas.openxmlformats.org/officeDocument/2006/relationships" xmlns:p="http://schemas.openxmlformats.org/presentationml/2006/main">
-  <p:cSld>
-    <p:spTree>
-      <p:nvGrpSpPr>
-        <p:cNvPr id="1" name=""/>
-        <p:cNvGrpSpPr/>
-        <p:nvPr/>
-      </p:nvGrpSpPr>
-      <p:grpSpPr>
-        <a:xfrm>
-          <a:off x="0" y="0"/>
-          <a:ext cx="0" cy="0"/>
-          <a:chOff x="0" y="0"/>
-          <a:chExt cx="0" cy="0"/>
-        </a:xfrm>
-      </p:grpSpPr>
       <p:sp>
         <p:nvSpPr>
-          <p:cNvPr id="3" name="Retângulo 2">
-            <a:extLst>
-              <a:ext uri="{FF2B5EF4-FFF2-40B4-BE49-F238E27FC236}">
-                <a16:creationId xmlns:a16="http://schemas.microsoft.com/office/drawing/2014/main" id="{5BC36D66-06D9-40DB-9DDA-1307B9C91375}"/>
+          <p:cNvPr id="15" name="Retângulo 14">
+            <a:extLst>
+              <a:ext uri="{FF2B5EF4-FFF2-40B4-BE49-F238E27FC236}">
+                <a16:creationId xmlns:a16="http://schemas.microsoft.com/office/drawing/2014/main" id="{8EAF72AF-8C05-4394-986A-2EB8B7AD3AE5}"/>
               </a:ext>
             </a:extLst>
           </p:cNvPr>
@@ -6859,17 +7587,16 @@
           <p:nvPr/>
         </p:nvSpPr>
         <p:spPr>
-          <a:xfrm>
-            <a:off x="0" y="0"/>
-            <a:ext cx="12192001" cy="6858000"/>
+          <a:xfrm rot="18718225">
+            <a:off x="1788249" y="3951864"/>
+            <a:ext cx="11150221" cy="186724"/>
           </a:xfrm>
           <a:prstGeom prst="rect">
             <a:avLst/>
           </a:prstGeom>
           <a:solidFill>
             <a:schemeClr val="bg2">
-              <a:lumMod val="50000"/>
-              <a:alpha val="38000"/>
+              <a:lumMod val="25000"/>
             </a:schemeClr>
           </a:solidFill>
           <a:ln>
@@ -6901,22 +7628,424 @@
           </a:p>
         </p:txBody>
       </p:sp>
+      <p:pic>
+        <p:nvPicPr>
+          <p:cNvPr id="8" name="Picture 4" descr="Ver a imagem de origem">
+            <a:extLst>
+              <a:ext uri="{FF2B5EF4-FFF2-40B4-BE49-F238E27FC236}">
+                <a16:creationId xmlns:a16="http://schemas.microsoft.com/office/drawing/2014/main" id="{64BBFD3D-2A54-44F5-B4E9-B0BD4F0A84B5}"/>
+              </a:ext>
+            </a:extLst>
+          </p:cNvPr>
+          <p:cNvPicPr>
+            <a:picLocks noChangeAspect="1" noChangeArrowheads="1"/>
+          </p:cNvPicPr>
+          <p:nvPr/>
+        </p:nvPicPr>
+        <p:blipFill>
+          <a:blip r:embed="rId2">
+            <a:extLst>
+              <a:ext uri="{28A0092B-C50C-407E-A947-70E740481C1C}">
+                <a14:useLocalDpi xmlns:a14="http://schemas.microsoft.com/office/drawing/2010/main" val="0"/>
+              </a:ext>
+            </a:extLst>
+          </a:blip>
+          <a:srcRect/>
+          <a:stretch>
+            <a:fillRect/>
+          </a:stretch>
+        </p:blipFill>
+        <p:spPr bwMode="auto">
+          <a:xfrm>
+            <a:off x="4359284" y="2347177"/>
+            <a:ext cx="4056528" cy="4056528"/>
+          </a:xfrm>
+          <a:prstGeom prst="rect">
+            <a:avLst/>
+          </a:prstGeom>
+          <a:noFill/>
+          <a:extLst>
+            <a:ext uri="{909E8E84-426E-40DD-AFC4-6F175D3DCCD1}">
+              <a14:hiddenFill xmlns:a14="http://schemas.microsoft.com/office/drawing/2010/main">
+                <a:solidFill>
+                  <a:srgbClr val="FFFFFF"/>
+                </a:solidFill>
+              </a14:hiddenFill>
+            </a:ext>
+          </a:extLst>
+        </p:spPr>
+      </p:pic>
+      <p:pic>
+        <p:nvPicPr>
+          <p:cNvPr id="18" name="Imagem 17" descr="Logotipo&#10;&#10;Descrição gerada automaticamente">
+            <a:extLst>
+              <a:ext uri="{FF2B5EF4-FFF2-40B4-BE49-F238E27FC236}">
+                <a16:creationId xmlns:a16="http://schemas.microsoft.com/office/drawing/2014/main" id="{E2916332-B7D7-4750-A16C-EE28D8C704CE}"/>
+              </a:ext>
+            </a:extLst>
+          </p:cNvPr>
+          <p:cNvPicPr>
+            <a:picLocks noChangeAspect="1"/>
+          </p:cNvPicPr>
+          <p:nvPr/>
+        </p:nvPicPr>
+        <p:blipFill>
+          <a:blip r:embed="rId3">
+            <a:extLst>
+              <a:ext uri="{28A0092B-C50C-407E-A947-70E740481C1C}">
+                <a14:useLocalDpi xmlns:a14="http://schemas.microsoft.com/office/drawing/2010/main" val="0"/>
+              </a:ext>
+            </a:extLst>
+          </a:blip>
+          <a:stretch>
+            <a:fillRect/>
+          </a:stretch>
+        </p:blipFill>
+        <p:spPr>
+          <a:xfrm>
+            <a:off x="11473430" y="6175513"/>
+            <a:ext cx="570021" cy="559903"/>
+          </a:xfrm>
+          <a:prstGeom prst="rect">
+            <a:avLst/>
+          </a:prstGeom>
+        </p:spPr>
+      </p:pic>
+      <p:pic>
+        <p:nvPicPr>
+          <p:cNvPr id="12" name="Picture 6" descr="Ver a imagem de origem">
+            <a:extLst>
+              <a:ext uri="{FF2B5EF4-FFF2-40B4-BE49-F238E27FC236}">
+                <a16:creationId xmlns:a16="http://schemas.microsoft.com/office/drawing/2014/main" id="{49823CB3-F9EC-4DE8-9C6F-912843AC802E}"/>
+              </a:ext>
+            </a:extLst>
+          </p:cNvPr>
+          <p:cNvPicPr>
+            <a:picLocks noChangeAspect="1" noChangeArrowheads="1"/>
+          </p:cNvPicPr>
+          <p:nvPr/>
+        </p:nvPicPr>
+        <p:blipFill>
+          <a:blip r:embed="rId4">
+            <a:extLst>
+              <a:ext uri="{28A0092B-C50C-407E-A947-70E740481C1C}">
+                <a14:useLocalDpi xmlns:a14="http://schemas.microsoft.com/office/drawing/2010/main" val="0"/>
+              </a:ext>
+            </a:extLst>
+          </a:blip>
+          <a:srcRect/>
+          <a:stretch>
+            <a:fillRect/>
+          </a:stretch>
+        </p:blipFill>
+        <p:spPr bwMode="auto">
+          <a:xfrm rot="3916419">
+            <a:off x="3290784" y="3508717"/>
+            <a:ext cx="1343324" cy="1609306"/>
+          </a:xfrm>
+          <a:prstGeom prst="rect">
+            <a:avLst/>
+          </a:prstGeom>
+          <a:noFill/>
+          <a:extLst>
+            <a:ext uri="{909E8E84-426E-40DD-AFC4-6F175D3DCCD1}">
+              <a14:hiddenFill xmlns:a14="http://schemas.microsoft.com/office/drawing/2010/main">
+                <a:solidFill>
+                  <a:srgbClr val="FFFFFF"/>
+                </a:solidFill>
+              </a14:hiddenFill>
+            </a:ext>
+          </a:extLst>
+        </p:spPr>
+      </p:pic>
     </p:spTree>
     <p:extLst>
       <p:ext uri="{BB962C8B-B14F-4D97-AF65-F5344CB8AC3E}">
-        <p14:creationId xmlns:p14="http://schemas.microsoft.com/office/powerpoint/2010/main" val="283534579"/>
+        <p14:creationId xmlns:p14="http://schemas.microsoft.com/office/powerpoint/2010/main" val="1719718150"/>
       </p:ext>
     </p:extLst>
   </p:cSld>
   <p:clrMapOvr>
     <a:masterClrMapping/>
   </p:clrMapOvr>
+  <p:transition spd="slow">
+    <p:push dir="u"/>
+  </p:transition>
+  <p:timing>
+    <p:tnLst>
+      <p:par>
+        <p:cTn id="1" dur="indefinite" restart="never" nodeType="tmRoot">
+          <p:childTnLst>
+            <p:seq concurrent="1" nextAc="seek">
+              <p:cTn id="2" dur="indefinite" nodeType="mainSeq">
+                <p:childTnLst>
+                  <p:par>
+                    <p:cTn id="3" fill="hold">
+                      <p:stCondLst>
+                        <p:cond delay="indefinite"/>
+                        <p:cond evt="onBegin" delay="0">
+                          <p:tn val="2"/>
+                        </p:cond>
+                      </p:stCondLst>
+                      <p:childTnLst>
+                        <p:par>
+                          <p:cTn id="4" fill="hold">
+                            <p:stCondLst>
+                              <p:cond delay="0"/>
+                            </p:stCondLst>
+                            <p:childTnLst>
+                              <p:par>
+                                <p:cTn id="5" presetID="10" presetClass="entr" presetSubtype="0" fill="hold" grpId="0" nodeType="withEffect">
+                                  <p:stCondLst>
+                                    <p:cond delay="500"/>
+                                  </p:stCondLst>
+                                  <p:childTnLst>
+                                    <p:set>
+                                      <p:cBhvr>
+                                        <p:cTn id="6" dur="1" fill="hold">
+                                          <p:stCondLst>
+                                            <p:cond delay="0"/>
+                                          </p:stCondLst>
+                                        </p:cTn>
+                                        <p:tgtEl>
+                                          <p:spTgt spid="10"/>
+                                        </p:tgtEl>
+                                        <p:attrNameLst>
+                                          <p:attrName>style.visibility</p:attrName>
+                                        </p:attrNameLst>
+                                      </p:cBhvr>
+                                      <p:to>
+                                        <p:strVal val="visible"/>
+                                      </p:to>
+                                    </p:set>
+                                    <p:animEffect transition="in" filter="fade">
+                                      <p:cBhvr>
+                                        <p:cTn id="7" dur="250"/>
+                                        <p:tgtEl>
+                                          <p:spTgt spid="10"/>
+                                        </p:tgtEl>
+                                      </p:cBhvr>
+                                    </p:animEffect>
+                                  </p:childTnLst>
+                                </p:cTn>
+                              </p:par>
+                              <p:par>
+                                <p:cTn id="8" presetID="10" presetClass="entr" presetSubtype="0" fill="hold" grpId="0" nodeType="withEffect">
+                                  <p:stCondLst>
+                                    <p:cond delay="500"/>
+                                  </p:stCondLst>
+                                  <p:childTnLst>
+                                    <p:set>
+                                      <p:cBhvr>
+                                        <p:cTn id="9" dur="1" fill="hold">
+                                          <p:stCondLst>
+                                            <p:cond delay="0"/>
+                                          </p:stCondLst>
+                                        </p:cTn>
+                                        <p:tgtEl>
+                                          <p:spTgt spid="15"/>
+                                        </p:tgtEl>
+                                        <p:attrNameLst>
+                                          <p:attrName>style.visibility</p:attrName>
+                                        </p:attrNameLst>
+                                      </p:cBhvr>
+                                      <p:to>
+                                        <p:strVal val="visible"/>
+                                      </p:to>
+                                    </p:set>
+                                    <p:animEffect transition="in" filter="fade">
+                                      <p:cBhvr>
+                                        <p:cTn id="10" dur="250"/>
+                                        <p:tgtEl>
+                                          <p:spTgt spid="15"/>
+                                        </p:tgtEl>
+                                      </p:cBhvr>
+                                    </p:animEffect>
+                                  </p:childTnLst>
+                                </p:cTn>
+                              </p:par>
+                              <p:par>
+                                <p:cTn id="11" presetID="10" presetClass="entr" presetSubtype="0" fill="hold" nodeType="withEffect">
+                                  <p:stCondLst>
+                                    <p:cond delay="0"/>
+                                  </p:stCondLst>
+                                  <p:childTnLst>
+                                    <p:set>
+                                      <p:cBhvr>
+                                        <p:cTn id="12" dur="1" fill="hold">
+                                          <p:stCondLst>
+                                            <p:cond delay="0"/>
+                                          </p:stCondLst>
+                                        </p:cTn>
+                                        <p:tgtEl>
+                                          <p:spTgt spid="18"/>
+                                        </p:tgtEl>
+                                        <p:attrNameLst>
+                                          <p:attrName>style.visibility</p:attrName>
+                                        </p:attrNameLst>
+                                      </p:cBhvr>
+                                      <p:to>
+                                        <p:strVal val="visible"/>
+                                      </p:to>
+                                    </p:set>
+                                    <p:animEffect transition="in" filter="fade">
+                                      <p:cBhvr>
+                                        <p:cTn id="13" dur="500"/>
+                                        <p:tgtEl>
+                                          <p:spTgt spid="18"/>
+                                        </p:tgtEl>
+                                      </p:cBhvr>
+                                    </p:animEffect>
+                                  </p:childTnLst>
+                                </p:cTn>
+                              </p:par>
+                            </p:childTnLst>
+                          </p:cTn>
+                        </p:par>
+                      </p:childTnLst>
+                    </p:cTn>
+                  </p:par>
+                  <p:par>
+                    <p:cTn id="14" fill="hold">
+                      <p:stCondLst>
+                        <p:cond delay="indefinite"/>
+                      </p:stCondLst>
+                      <p:childTnLst>
+                        <p:par>
+                          <p:cTn id="15" fill="hold">
+                            <p:stCondLst>
+                              <p:cond delay="0"/>
+                            </p:stCondLst>
+                            <p:childTnLst>
+                              <p:par>
+                                <p:cTn id="16" presetID="42" presetClass="entr" presetSubtype="0" fill="hold" nodeType="clickEffect">
+                                  <p:stCondLst>
+                                    <p:cond delay="0"/>
+                                  </p:stCondLst>
+                                  <p:childTnLst>
+                                    <p:set>
+                                      <p:cBhvr>
+                                        <p:cTn id="17" dur="1" fill="hold">
+                                          <p:stCondLst>
+                                            <p:cond delay="0"/>
+                                          </p:stCondLst>
+                                        </p:cTn>
+                                        <p:tgtEl>
+                                          <p:spTgt spid="12"/>
+                                        </p:tgtEl>
+                                        <p:attrNameLst>
+                                          <p:attrName>style.visibility</p:attrName>
+                                        </p:attrNameLst>
+                                      </p:cBhvr>
+                                      <p:to>
+                                        <p:strVal val="visible"/>
+                                      </p:to>
+                                    </p:set>
+                                    <p:animEffect transition="in" filter="fade">
+                                      <p:cBhvr>
+                                        <p:cTn id="18" dur="1000"/>
+                                        <p:tgtEl>
+                                          <p:spTgt spid="12"/>
+                                        </p:tgtEl>
+                                      </p:cBhvr>
+                                    </p:animEffect>
+                                    <p:anim calcmode="lin" valueType="num">
+                                      <p:cBhvr>
+                                        <p:cTn id="19" dur="1000" fill="hold"/>
+                                        <p:tgtEl>
+                                          <p:spTgt spid="12"/>
+                                        </p:tgtEl>
+                                        <p:attrNameLst>
+                                          <p:attrName>ppt_x</p:attrName>
+                                        </p:attrNameLst>
+                                      </p:cBhvr>
+                                      <p:tavLst>
+                                        <p:tav tm="0">
+                                          <p:val>
+                                            <p:strVal val="#ppt_x"/>
+                                          </p:val>
+                                        </p:tav>
+                                        <p:tav tm="100000">
+                                          <p:val>
+                                            <p:strVal val="#ppt_x"/>
+                                          </p:val>
+                                        </p:tav>
+                                      </p:tavLst>
+                                    </p:anim>
+                                    <p:anim calcmode="lin" valueType="num">
+                                      <p:cBhvr>
+                                        <p:cTn id="20" dur="1000" fill="hold"/>
+                                        <p:tgtEl>
+                                          <p:spTgt spid="12"/>
+                                        </p:tgtEl>
+                                        <p:attrNameLst>
+                                          <p:attrName>ppt_y</p:attrName>
+                                        </p:attrNameLst>
+                                      </p:cBhvr>
+                                      <p:tavLst>
+                                        <p:tav tm="0">
+                                          <p:val>
+                                            <p:strVal val="#ppt_y+.1"/>
+                                          </p:val>
+                                        </p:tav>
+                                        <p:tav tm="100000">
+                                          <p:val>
+                                            <p:strVal val="#ppt_y"/>
+                                          </p:val>
+                                        </p:tav>
+                                      </p:tavLst>
+                                    </p:anim>
+                                  </p:childTnLst>
+                                </p:cTn>
+                              </p:par>
+                            </p:childTnLst>
+                          </p:cTn>
+                        </p:par>
+                      </p:childTnLst>
+                    </p:cTn>
+                  </p:par>
+                </p:childTnLst>
+              </p:cTn>
+              <p:prevCondLst>
+                <p:cond evt="onPrev" delay="0">
+                  <p:tgtEl>
+                    <p:sldTgt/>
+                  </p:tgtEl>
+                </p:cond>
+              </p:prevCondLst>
+              <p:nextCondLst>
+                <p:cond evt="onNext" delay="0">
+                  <p:tgtEl>
+                    <p:sldTgt/>
+                  </p:tgtEl>
+                </p:cond>
+              </p:nextCondLst>
+            </p:seq>
+          </p:childTnLst>
+        </p:cTn>
+      </p:par>
+    </p:tnLst>
+    <p:bldLst>
+      <p:bldP spid="10" grpId="0" animBg="1"/>
+      <p:bldP spid="15" grpId="0" animBg="1"/>
+    </p:bldLst>
+  </p:timing>
 </p:sld>
 </file>
 
-<file path=ppt/slides/slide8.xml><?xml version="1.0" encoding="utf-8"?>
+<file path=ppt/slides/slide7.xml><?xml version="1.0" encoding="utf-8"?>
 <p:sld xmlns:a="http://schemas.openxmlformats.org/drawingml/2006/main" xmlns:r="http://schemas.openxmlformats.org/officeDocument/2006/relationships" xmlns:p="http://schemas.openxmlformats.org/presentationml/2006/main">
   <p:cSld>
+    <p:bg>
+      <p:bgPr>
+        <a:solidFill>
+          <a:schemeClr val="bg2">
+            <a:lumMod val="90000"/>
+          </a:schemeClr>
+        </a:solidFill>
+        <a:effectLst/>
+      </p:bgPr>
+    </p:bg>
     <p:spTree>
       <p:nvGrpSpPr>
         <p:cNvPr id="1" name=""/>
@@ -6933,10 +8062,1214 @@
       </p:grpSpPr>
       <p:sp>
         <p:nvSpPr>
-          <p:cNvPr id="3" name="Retângulo 2">
-            <a:extLst>
-              <a:ext uri="{FF2B5EF4-FFF2-40B4-BE49-F238E27FC236}">
-                <a16:creationId xmlns:a16="http://schemas.microsoft.com/office/drawing/2014/main" id="{5BC36D66-06D9-40DB-9DDA-1307B9C91375}"/>
+          <p:cNvPr id="13" name="Freeform: Shape 12">
+            <a:extLst>
+              <a:ext uri="{FF2B5EF4-FFF2-40B4-BE49-F238E27FC236}">
+                <a16:creationId xmlns:a16="http://schemas.microsoft.com/office/drawing/2014/main" id="{B670DBD5-770C-4383-9F54-5B86E86BD5BB}"/>
+              </a:ext>
+              <a:ext uri="{C183D7F6-B498-43B3-948B-1728B52AA6E4}">
+                <adec:decorative xmlns:adec="http://schemas.microsoft.com/office/drawing/2017/decorative" val="1"/>
+              </a:ext>
+            </a:extLst>
+          </p:cNvPr>
+          <p:cNvSpPr>
+            <a:spLocks noGrp="1" noRot="1" noChangeAspect="1" noMove="1" noResize="1" noEditPoints="1" noAdjustHandles="1" noChangeArrowheads="1" noChangeShapeType="1" noTextEdit="1"/>
+          </p:cNvSpPr>
+          <p:nvPr>
+            <p:extLst>
+              <p:ext uri="{386F3935-93C4-4BCD-93E2-E3B085C9AB24}">
+                <p16:designElem xmlns:p16="http://schemas.microsoft.com/office/powerpoint/2015/main" val="1"/>
+              </p:ext>
+            </p:extLst>
+          </p:nvPr>
+        </p:nvSpPr>
+        <p:spPr>
+          <a:xfrm>
+            <a:off x="1210277" y="0"/>
+            <a:ext cx="9771446" cy="6858000"/>
+          </a:xfrm>
+          <a:custGeom>
+            <a:avLst/>
+            <a:gdLst>
+              <a:gd name="connsiteX0" fmla="*/ 1422188 w 9771446"/>
+              <a:gd name="connsiteY0" fmla="*/ 0 h 6858000"/>
+              <a:gd name="connsiteX1" fmla="*/ 8349258 w 9771446"/>
+              <a:gd name="connsiteY1" fmla="*/ 0 h 6858000"/>
+              <a:gd name="connsiteX2" fmla="*/ 8502224 w 9771446"/>
+              <a:gd name="connsiteY2" fmla="*/ 159673 h 6858000"/>
+              <a:gd name="connsiteX3" fmla="*/ 9771446 w 9771446"/>
+              <a:gd name="connsiteY3" fmla="*/ 3429001 h 6858000"/>
+              <a:gd name="connsiteX4" fmla="*/ 8502224 w 9771446"/>
+              <a:gd name="connsiteY4" fmla="*/ 6698330 h 6858000"/>
+              <a:gd name="connsiteX5" fmla="*/ 8349260 w 9771446"/>
+              <a:gd name="connsiteY5" fmla="*/ 6858000 h 6858000"/>
+              <a:gd name="connsiteX6" fmla="*/ 1422186 w 9771446"/>
+              <a:gd name="connsiteY6" fmla="*/ 6858000 h 6858000"/>
+              <a:gd name="connsiteX7" fmla="*/ 1269223 w 9771446"/>
+              <a:gd name="connsiteY7" fmla="*/ 6698330 h 6858000"/>
+              <a:gd name="connsiteX8" fmla="*/ 0 w 9771446"/>
+              <a:gd name="connsiteY8" fmla="*/ 3429001 h 6858000"/>
+              <a:gd name="connsiteX9" fmla="*/ 1269223 w 9771446"/>
+              <a:gd name="connsiteY9" fmla="*/ 159673 h 6858000"/>
+            </a:gdLst>
+            <a:ahLst/>
+            <a:cxnLst>
+              <a:cxn ang="0">
+                <a:pos x="connsiteX0" y="connsiteY0"/>
+              </a:cxn>
+              <a:cxn ang="0">
+                <a:pos x="connsiteX1" y="connsiteY1"/>
+              </a:cxn>
+              <a:cxn ang="0">
+                <a:pos x="connsiteX2" y="connsiteY2"/>
+              </a:cxn>
+              <a:cxn ang="0">
+                <a:pos x="connsiteX3" y="connsiteY3"/>
+              </a:cxn>
+              <a:cxn ang="0">
+                <a:pos x="connsiteX4" y="connsiteY4"/>
+              </a:cxn>
+              <a:cxn ang="0">
+                <a:pos x="connsiteX5" y="connsiteY5"/>
+              </a:cxn>
+              <a:cxn ang="0">
+                <a:pos x="connsiteX6" y="connsiteY6"/>
+              </a:cxn>
+              <a:cxn ang="0">
+                <a:pos x="connsiteX7" y="connsiteY7"/>
+              </a:cxn>
+              <a:cxn ang="0">
+                <a:pos x="connsiteX8" y="connsiteY8"/>
+              </a:cxn>
+              <a:cxn ang="0">
+                <a:pos x="connsiteX9" y="connsiteY9"/>
+              </a:cxn>
+            </a:cxnLst>
+            <a:rect l="l" t="t" r="r" b="b"/>
+            <a:pathLst>
+              <a:path w="9771446" h="6858000">
+                <a:moveTo>
+                  <a:pt x="1422188" y="0"/>
+                </a:moveTo>
+                <a:lnTo>
+                  <a:pt x="8349258" y="0"/>
+                </a:lnTo>
+                <a:lnTo>
+                  <a:pt x="8502224" y="159673"/>
+                </a:lnTo>
+                <a:cubicBezTo>
+                  <a:pt x="9290813" y="1023162"/>
+                  <a:pt x="9771446" y="2170221"/>
+                  <a:pt x="9771446" y="3429001"/>
+                </a:cubicBezTo>
+                <a:cubicBezTo>
+                  <a:pt x="9771446" y="4687781"/>
+                  <a:pt x="9290813" y="5834840"/>
+                  <a:pt x="8502224" y="6698330"/>
+                </a:cubicBezTo>
+                <a:lnTo>
+                  <a:pt x="8349260" y="6858000"/>
+                </a:lnTo>
+                <a:lnTo>
+                  <a:pt x="1422186" y="6858000"/>
+                </a:lnTo>
+                <a:lnTo>
+                  <a:pt x="1269223" y="6698330"/>
+                </a:lnTo>
+                <a:cubicBezTo>
+                  <a:pt x="480633" y="5834840"/>
+                  <a:pt x="0" y="4687781"/>
+                  <a:pt x="0" y="3429001"/>
+                </a:cubicBezTo>
+                <a:cubicBezTo>
+                  <a:pt x="0" y="2170221"/>
+                  <a:pt x="480633" y="1023162"/>
+                  <a:pt x="1269223" y="159673"/>
+                </a:cubicBezTo>
+                <a:close/>
+              </a:path>
+            </a:pathLst>
+          </a:custGeom>
+          <a:solidFill>
+            <a:schemeClr val="bg1">
+              <a:lumMod val="85000"/>
+              <a:alpha val="62000"/>
+            </a:schemeClr>
+          </a:solidFill>
+          <a:ln>
+            <a:noFill/>
+          </a:ln>
+        </p:spPr>
+        <p:style>
+          <a:lnRef idx="2">
+            <a:schemeClr val="accent1">
+              <a:shade val="50000"/>
+            </a:schemeClr>
+          </a:lnRef>
+          <a:fillRef idx="1">
+            <a:schemeClr val="accent1"/>
+          </a:fillRef>
+          <a:effectRef idx="0">
+            <a:schemeClr val="accent1"/>
+          </a:effectRef>
+          <a:fontRef idx="minor">
+            <a:schemeClr val="lt1"/>
+          </a:fontRef>
+        </p:style>
+        <p:txBody>
+          <a:bodyPr wrap="square" rtlCol="0" anchor="ctr">
+            <a:noAutofit/>
+          </a:bodyPr>
+          <a:lstStyle/>
+          <a:p>
+            <a:pPr algn="ctr"/>
+            <a:endParaRPr lang="en-US"/>
+          </a:p>
+        </p:txBody>
+      </p:sp>
+      <p:pic>
+        <p:nvPicPr>
+          <p:cNvPr id="2052" name="Picture 4" descr="Ver a imagem de origem">
+            <a:extLst>
+              <a:ext uri="{FF2B5EF4-FFF2-40B4-BE49-F238E27FC236}">
+                <a16:creationId xmlns:a16="http://schemas.microsoft.com/office/drawing/2014/main" id="{9AD4A3B6-AE77-42D3-839D-0463BD623072}"/>
+              </a:ext>
+            </a:extLst>
+          </p:cNvPr>
+          <p:cNvPicPr>
+            <a:picLocks noChangeAspect="1" noChangeArrowheads="1"/>
+          </p:cNvPicPr>
+          <p:nvPr/>
+        </p:nvPicPr>
+        <p:blipFill>
+          <a:blip r:embed="rId2">
+            <a:extLst>
+              <a:ext uri="{28A0092B-C50C-407E-A947-70E740481C1C}">
+                <a14:useLocalDpi xmlns:a14="http://schemas.microsoft.com/office/drawing/2010/main" val="0"/>
+              </a:ext>
+            </a:extLst>
+          </a:blip>
+          <a:srcRect/>
+          <a:stretch>
+            <a:fillRect/>
+          </a:stretch>
+        </p:blipFill>
+        <p:spPr bwMode="auto">
+          <a:xfrm>
+            <a:off x="4057649" y="1663700"/>
+            <a:ext cx="3975100" cy="3975100"/>
+          </a:xfrm>
+          <a:prstGeom prst="rect">
+            <a:avLst/>
+          </a:prstGeom>
+          <a:noFill/>
+          <a:extLst>
+            <a:ext uri="{909E8E84-426E-40DD-AFC4-6F175D3DCCD1}">
+              <a14:hiddenFill xmlns:a14="http://schemas.microsoft.com/office/drawing/2010/main">
+                <a:solidFill>
+                  <a:srgbClr val="FFFFFF"/>
+                </a:solidFill>
+              </a14:hiddenFill>
+            </a:ext>
+          </a:extLst>
+        </p:spPr>
+      </p:pic>
+      <p:sp>
+        <p:nvSpPr>
+          <p:cNvPr id="9" name="CaixaDeTexto 8">
+            <a:extLst>
+              <a:ext uri="{FF2B5EF4-FFF2-40B4-BE49-F238E27FC236}">
+                <a16:creationId xmlns:a16="http://schemas.microsoft.com/office/drawing/2014/main" id="{EF0F11FA-7CAC-432B-A2A2-A4547E75F04E}"/>
+              </a:ext>
+            </a:extLst>
+          </p:cNvPr>
+          <p:cNvSpPr txBox="1"/>
+          <p:nvPr/>
+        </p:nvSpPr>
+        <p:spPr>
+          <a:xfrm>
+            <a:off x="4623481" y="342900"/>
+            <a:ext cx="2945037" cy="584775"/>
+          </a:xfrm>
+          <a:prstGeom prst="rect">
+            <a:avLst/>
+          </a:prstGeom>
+          <a:noFill/>
+        </p:spPr>
+        <p:txBody>
+          <a:bodyPr wrap="none" rtlCol="0">
+            <a:spAutoFit/>
+          </a:bodyPr>
+          <a:lstStyle/>
+          <a:p>
+            <a:r>
+              <a:rPr lang="pt-BR" sz="3200" dirty="0"/>
+              <a:t>Cadastro e Login</a:t>
+            </a:r>
+          </a:p>
+        </p:txBody>
+      </p:sp>
+      <p:pic>
+        <p:nvPicPr>
+          <p:cNvPr id="14" name="Imagem 13" descr="Logotipo&#10;&#10;Descrição gerada automaticamente">
+            <a:extLst>
+              <a:ext uri="{FF2B5EF4-FFF2-40B4-BE49-F238E27FC236}">
+                <a16:creationId xmlns:a16="http://schemas.microsoft.com/office/drawing/2014/main" id="{A5DE5B40-4485-4BA8-A33F-891681DD4B9B}"/>
+              </a:ext>
+            </a:extLst>
+          </p:cNvPr>
+          <p:cNvPicPr>
+            <a:picLocks noChangeAspect="1"/>
+          </p:cNvPicPr>
+          <p:nvPr/>
+        </p:nvPicPr>
+        <p:blipFill>
+          <a:blip r:embed="rId3">
+            <a:extLst>
+              <a:ext uri="{28A0092B-C50C-407E-A947-70E740481C1C}">
+                <a14:useLocalDpi xmlns:a14="http://schemas.microsoft.com/office/drawing/2010/main" val="0"/>
+              </a:ext>
+            </a:extLst>
+          </a:blip>
+          <a:stretch>
+            <a:fillRect/>
+          </a:stretch>
+        </p:blipFill>
+        <p:spPr>
+          <a:xfrm>
+            <a:off x="11473430" y="6175513"/>
+            <a:ext cx="570021" cy="559903"/>
+          </a:xfrm>
+          <a:prstGeom prst="rect">
+            <a:avLst/>
+          </a:prstGeom>
+        </p:spPr>
+      </p:pic>
+      <p:pic>
+        <p:nvPicPr>
+          <p:cNvPr id="2054" name="Picture 6" descr="Ver a imagem de origem">
+            <a:extLst>
+              <a:ext uri="{FF2B5EF4-FFF2-40B4-BE49-F238E27FC236}">
+                <a16:creationId xmlns:a16="http://schemas.microsoft.com/office/drawing/2014/main" id="{0598E04A-4260-4323-9D23-4934CCA90D5E}"/>
+              </a:ext>
+            </a:extLst>
+          </p:cNvPr>
+          <p:cNvPicPr>
+            <a:picLocks noChangeAspect="1" noChangeArrowheads="1"/>
+          </p:cNvPicPr>
+          <p:nvPr/>
+        </p:nvPicPr>
+        <p:blipFill>
+          <a:blip r:embed="rId4">
+            <a:extLst>
+              <a:ext uri="{28A0092B-C50C-407E-A947-70E740481C1C}">
+                <a14:useLocalDpi xmlns:a14="http://schemas.microsoft.com/office/drawing/2010/main" val="0"/>
+              </a:ext>
+            </a:extLst>
+          </a:blip>
+          <a:srcRect/>
+          <a:stretch>
+            <a:fillRect/>
+          </a:stretch>
+        </p:blipFill>
+        <p:spPr bwMode="auto">
+          <a:xfrm>
+            <a:off x="1689099" y="1562100"/>
+            <a:ext cx="4076700" cy="4076700"/>
+          </a:xfrm>
+          <a:prstGeom prst="rect">
+            <a:avLst/>
+          </a:prstGeom>
+          <a:noFill/>
+          <a:extLst>
+            <a:ext uri="{909E8E84-426E-40DD-AFC4-6F175D3DCCD1}">
+              <a14:hiddenFill xmlns:a14="http://schemas.microsoft.com/office/drawing/2010/main">
+                <a:solidFill>
+                  <a:srgbClr val="FFFFFF"/>
+                </a:solidFill>
+              </a14:hiddenFill>
+            </a:ext>
+          </a:extLst>
+        </p:spPr>
+      </p:pic>
+    </p:spTree>
+    <p:extLst>
+      <p:ext uri="{BB962C8B-B14F-4D97-AF65-F5344CB8AC3E}">
+        <p14:creationId xmlns:p14="http://schemas.microsoft.com/office/powerpoint/2010/main" val="283534579"/>
+      </p:ext>
+    </p:extLst>
+  </p:cSld>
+  <p:clrMapOvr>
+    <a:masterClrMapping/>
+  </p:clrMapOvr>
+  <p:timing>
+    <p:tnLst>
+      <p:par>
+        <p:cTn id="1" dur="indefinite" restart="never" nodeType="tmRoot">
+          <p:childTnLst>
+            <p:seq concurrent="1" nextAc="seek">
+              <p:cTn id="2" dur="indefinite" nodeType="mainSeq">
+                <p:childTnLst>
+                  <p:par>
+                    <p:cTn id="3" fill="hold">
+                      <p:stCondLst>
+                        <p:cond delay="indefinite"/>
+                        <p:cond evt="onBegin" delay="0">
+                          <p:tn val="2"/>
+                        </p:cond>
+                      </p:stCondLst>
+                      <p:childTnLst>
+                        <p:par>
+                          <p:cTn id="4" fill="hold">
+                            <p:stCondLst>
+                              <p:cond delay="0"/>
+                            </p:stCondLst>
+                            <p:childTnLst>
+                              <p:par>
+                                <p:cTn id="5" presetID="10" presetClass="entr" presetSubtype="0" fill="hold" nodeType="withEffect">
+                                  <p:stCondLst>
+                                    <p:cond delay="0"/>
+                                  </p:stCondLst>
+                                  <p:childTnLst>
+                                    <p:set>
+                                      <p:cBhvr>
+                                        <p:cTn id="6" dur="1" fill="hold">
+                                          <p:stCondLst>
+                                            <p:cond delay="0"/>
+                                          </p:stCondLst>
+                                        </p:cTn>
+                                        <p:tgtEl>
+                                          <p:spTgt spid="14"/>
+                                        </p:tgtEl>
+                                        <p:attrNameLst>
+                                          <p:attrName>style.visibility</p:attrName>
+                                        </p:attrNameLst>
+                                      </p:cBhvr>
+                                      <p:to>
+                                        <p:strVal val="visible"/>
+                                      </p:to>
+                                    </p:set>
+                                    <p:animEffect transition="in" filter="fade">
+                                      <p:cBhvr>
+                                        <p:cTn id="7" dur="500"/>
+                                        <p:tgtEl>
+                                          <p:spTgt spid="14"/>
+                                        </p:tgtEl>
+                                      </p:cBhvr>
+                                    </p:animEffect>
+                                  </p:childTnLst>
+                                </p:cTn>
+                              </p:par>
+                            </p:childTnLst>
+                          </p:cTn>
+                        </p:par>
+                      </p:childTnLst>
+                    </p:cTn>
+                  </p:par>
+                  <p:par>
+                    <p:cTn id="8" fill="hold">
+                      <p:stCondLst>
+                        <p:cond delay="indefinite"/>
+                      </p:stCondLst>
+                      <p:childTnLst>
+                        <p:par>
+                          <p:cTn id="9" fill="hold">
+                            <p:stCondLst>
+                              <p:cond delay="0"/>
+                            </p:stCondLst>
+                            <p:childTnLst>
+                              <p:par>
+                                <p:cTn id="10" presetID="37" presetClass="path" presetSubtype="0" accel="50000" decel="50000" fill="hold" nodeType="clickEffect">
+                                  <p:stCondLst>
+                                    <p:cond delay="0"/>
+                                  </p:stCondLst>
+                                  <p:childTnLst>
+                                    <p:animMotion origin="layout" path="M -0.04166 0.00555 L 0.02539 0.0456 C 0.03933 0.05463 0.06029 0.05949 0.0823 0.05949 C 0.1073 0.05949 0.12735 0.05463 0.14128 0.0456 L 0.20834 0.00555 " pathEditMode="relative" rAng="0" ptsTypes="AAAAA">
+                                      <p:cBhvr>
+                                        <p:cTn id="11" dur="2000" fill="hold"/>
+                                        <p:tgtEl>
+                                          <p:spTgt spid="2052"/>
+                                        </p:tgtEl>
+                                        <p:attrNameLst>
+                                          <p:attrName>ppt_x</p:attrName>
+                                          <p:attrName>ppt_y</p:attrName>
+                                        </p:attrNameLst>
+                                      </p:cBhvr>
+                                      <p:rCtr x="12500" y="2685"/>
+                                    </p:animMotion>
+                                  </p:childTnLst>
+                                </p:cTn>
+                              </p:par>
+                            </p:childTnLst>
+                          </p:cTn>
+                        </p:par>
+                      </p:childTnLst>
+                    </p:cTn>
+                  </p:par>
+                  <p:par>
+                    <p:cTn id="12" fill="hold">
+                      <p:stCondLst>
+                        <p:cond delay="indefinite"/>
+                      </p:stCondLst>
+                      <p:childTnLst>
+                        <p:par>
+                          <p:cTn id="13" fill="hold">
+                            <p:stCondLst>
+                              <p:cond delay="0"/>
+                            </p:stCondLst>
+                            <p:childTnLst>
+                              <p:par>
+                                <p:cTn id="14" presetID="2" presetClass="entr" presetSubtype="4" fill="hold" nodeType="clickEffect">
+                                  <p:stCondLst>
+                                    <p:cond delay="0"/>
+                                  </p:stCondLst>
+                                  <p:childTnLst>
+                                    <p:set>
+                                      <p:cBhvr>
+                                        <p:cTn id="15" dur="1" fill="hold">
+                                          <p:stCondLst>
+                                            <p:cond delay="0"/>
+                                          </p:stCondLst>
+                                        </p:cTn>
+                                        <p:tgtEl>
+                                          <p:spTgt spid="2054"/>
+                                        </p:tgtEl>
+                                        <p:attrNameLst>
+                                          <p:attrName>style.visibility</p:attrName>
+                                        </p:attrNameLst>
+                                      </p:cBhvr>
+                                      <p:to>
+                                        <p:strVal val="visible"/>
+                                      </p:to>
+                                    </p:set>
+                                    <p:anim calcmode="lin" valueType="num">
+                                      <p:cBhvr additive="base">
+                                        <p:cTn id="16" dur="500" fill="hold"/>
+                                        <p:tgtEl>
+                                          <p:spTgt spid="2054"/>
+                                        </p:tgtEl>
+                                        <p:attrNameLst>
+                                          <p:attrName>ppt_x</p:attrName>
+                                        </p:attrNameLst>
+                                      </p:cBhvr>
+                                      <p:tavLst>
+                                        <p:tav tm="0">
+                                          <p:val>
+                                            <p:strVal val="#ppt_x"/>
+                                          </p:val>
+                                        </p:tav>
+                                        <p:tav tm="100000">
+                                          <p:val>
+                                            <p:strVal val="#ppt_x"/>
+                                          </p:val>
+                                        </p:tav>
+                                      </p:tavLst>
+                                    </p:anim>
+                                    <p:anim calcmode="lin" valueType="num">
+                                      <p:cBhvr additive="base">
+                                        <p:cTn id="17" dur="500" fill="hold"/>
+                                        <p:tgtEl>
+                                          <p:spTgt spid="2054"/>
+                                        </p:tgtEl>
+                                        <p:attrNameLst>
+                                          <p:attrName>ppt_y</p:attrName>
+                                        </p:attrNameLst>
+                                      </p:cBhvr>
+                                      <p:tavLst>
+                                        <p:tav tm="0">
+                                          <p:val>
+                                            <p:strVal val="1+#ppt_h/2"/>
+                                          </p:val>
+                                        </p:tav>
+                                        <p:tav tm="100000">
+                                          <p:val>
+                                            <p:strVal val="#ppt_y"/>
+                                          </p:val>
+                                        </p:tav>
+                                      </p:tavLst>
+                                    </p:anim>
+                                  </p:childTnLst>
+                                </p:cTn>
+                              </p:par>
+                            </p:childTnLst>
+                          </p:cTn>
+                        </p:par>
+                      </p:childTnLst>
+                    </p:cTn>
+                  </p:par>
+                </p:childTnLst>
+              </p:cTn>
+              <p:prevCondLst>
+                <p:cond evt="onPrev" delay="0">
+                  <p:tgtEl>
+                    <p:sldTgt/>
+                  </p:tgtEl>
+                </p:cond>
+              </p:prevCondLst>
+              <p:nextCondLst>
+                <p:cond evt="onNext" delay="0">
+                  <p:tgtEl>
+                    <p:sldTgt/>
+                  </p:tgtEl>
+                </p:cond>
+              </p:nextCondLst>
+            </p:seq>
+          </p:childTnLst>
+        </p:cTn>
+      </p:par>
+    </p:tnLst>
+  </p:timing>
+</p:sld>
+</file>
+
+<file path=ppt/slides/slide8.xml><?xml version="1.0" encoding="utf-8"?>
+<p:sld xmlns:a="http://schemas.openxmlformats.org/drawingml/2006/main" xmlns:r="http://schemas.openxmlformats.org/officeDocument/2006/relationships" xmlns:p="http://schemas.openxmlformats.org/presentationml/2006/main">
+  <p:cSld>
+    <p:bg>
+      <p:bgPr>
+        <a:solidFill>
+          <a:schemeClr val="bg2">
+            <a:lumMod val="90000"/>
+          </a:schemeClr>
+        </a:solidFill>
+        <a:effectLst/>
+      </p:bgPr>
+    </p:bg>
+    <p:spTree>
+      <p:nvGrpSpPr>
+        <p:cNvPr id="1" name=""/>
+        <p:cNvGrpSpPr/>
+        <p:nvPr/>
+      </p:nvGrpSpPr>
+      <p:grpSpPr>
+        <a:xfrm>
+          <a:off x="0" y="0"/>
+          <a:ext cx="0" cy="0"/>
+          <a:chOff x="0" y="0"/>
+          <a:chExt cx="0" cy="0"/>
+        </a:xfrm>
+      </p:grpSpPr>
+      <p:sp>
+        <p:nvSpPr>
+          <p:cNvPr id="73" name="Rectangle 72">
+            <a:extLst>
+              <a:ext uri="{FF2B5EF4-FFF2-40B4-BE49-F238E27FC236}">
+                <a16:creationId xmlns:a16="http://schemas.microsoft.com/office/drawing/2014/main" id="{823AC064-BC96-4F32-8AE1-B2FD38754823}"/>
+              </a:ext>
+              <a:ext uri="{C183D7F6-B498-43B3-948B-1728B52AA6E4}">
+                <adec:decorative xmlns:adec="http://schemas.microsoft.com/office/drawing/2017/decorative" val="1"/>
+              </a:ext>
+            </a:extLst>
+          </p:cNvPr>
+          <p:cNvSpPr>
+            <a:spLocks noGrp="1" noRot="1" noChangeAspect="1" noMove="1" noResize="1" noEditPoints="1" noAdjustHandles="1" noChangeArrowheads="1" noChangeShapeType="1" noTextEdit="1"/>
+          </p:cNvSpPr>
+          <p:nvPr>
+            <p:extLst>
+              <p:ext uri="{386F3935-93C4-4BCD-93E2-E3B085C9AB24}">
+                <p16:designElem xmlns:p16="http://schemas.microsoft.com/office/powerpoint/2015/main" val="1"/>
+              </p:ext>
+            </p:extLst>
+          </p:nvPr>
+        </p:nvSpPr>
+        <p:spPr bwMode="ltGray">
+          <a:xfrm>
+            <a:off x="396882" y="280374"/>
+            <a:ext cx="11438793" cy="1844256"/>
+          </a:xfrm>
+          <a:prstGeom prst="rect">
+            <a:avLst/>
+          </a:prstGeom>
+          <a:solidFill>
+            <a:srgbClr val="404040"/>
+          </a:solidFill>
+          <a:ln w="127000" cap="sq" cmpd="thinThick">
+            <a:solidFill>
+              <a:srgbClr val="404040"/>
+            </a:solidFill>
+          </a:ln>
+        </p:spPr>
+        <p:style>
+          <a:lnRef idx="2">
+            <a:schemeClr val="accent1">
+              <a:shade val="50000"/>
+            </a:schemeClr>
+          </a:lnRef>
+          <a:fillRef idx="1">
+            <a:schemeClr val="accent1"/>
+          </a:fillRef>
+          <a:effectRef idx="0">
+            <a:schemeClr val="accent1"/>
+          </a:effectRef>
+          <a:fontRef idx="minor">
+            <a:schemeClr val="lt1"/>
+          </a:fontRef>
+        </p:style>
+        <p:txBody>
+          <a:bodyPr rtlCol="0" anchor="ctr"/>
+          <a:lstStyle/>
+          <a:p>
+            <a:pPr algn="ctr"/>
+            <a:endParaRPr lang="en-US"/>
+          </a:p>
+        </p:txBody>
+      </p:sp>
+      <p:sp>
+        <p:nvSpPr>
+          <p:cNvPr id="2" name="CaixaDeTexto 1">
+            <a:extLst>
+              <a:ext uri="{FF2B5EF4-FFF2-40B4-BE49-F238E27FC236}">
+                <a16:creationId xmlns:a16="http://schemas.microsoft.com/office/drawing/2014/main" id="{D1F697F4-51A4-47F8-AA5A-624A3DAE20E6}"/>
+              </a:ext>
+            </a:extLst>
+          </p:cNvPr>
+          <p:cNvSpPr txBox="1"/>
+          <p:nvPr/>
+        </p:nvSpPr>
+        <p:spPr>
+          <a:xfrm>
+            <a:off x="546351" y="433545"/>
+            <a:ext cx="11139854" cy="930447"/>
+          </a:xfrm>
+          <a:prstGeom prst="rect">
+            <a:avLst/>
+          </a:prstGeom>
+        </p:spPr>
+        <p:txBody>
+          <a:bodyPr vert="horz" lIns="91440" tIns="45720" rIns="91440" bIns="45720" rtlCol="0" anchor="b">
+            <a:normAutofit/>
+          </a:bodyPr>
+          <a:lstStyle/>
+          <a:p>
+            <a:pPr algn="ctr">
+              <a:lnSpc>
+                <a:spcPct val="90000"/>
+              </a:lnSpc>
+              <a:spcBef>
+                <a:spcPct val="0"/>
+              </a:spcBef>
+              <a:spcAft>
+                <a:spcPts val="600"/>
+              </a:spcAft>
+            </a:pPr>
+            <a:endParaRPr lang="en-US" sz="5400" dirty="0">
+              <a:solidFill>
+                <a:srgbClr val="FFFFFF"/>
+              </a:solidFill>
+              <a:latin typeface="+mj-lt"/>
+              <a:ea typeface="+mj-ea"/>
+              <a:cs typeface="+mj-cs"/>
+            </a:endParaRPr>
+          </a:p>
+        </p:txBody>
+      </p:sp>
+      <p:cxnSp>
+        <p:nvCxnSpPr>
+          <p:cNvPr id="75" name="Straight Connector 74">
+            <a:extLst>
+              <a:ext uri="{FF2B5EF4-FFF2-40B4-BE49-F238E27FC236}">
+                <a16:creationId xmlns:a16="http://schemas.microsoft.com/office/drawing/2014/main" id="{7E7C77BC-7138-40B1-A15B-20F57A494629}"/>
+              </a:ext>
+              <a:ext uri="{C183D7F6-B498-43B3-948B-1728B52AA6E4}">
+                <adec:decorative xmlns:adec="http://schemas.microsoft.com/office/drawing/2017/decorative" val="1"/>
+              </a:ext>
+            </a:extLst>
+          </p:cNvPr>
+          <p:cNvCxnSpPr>
+            <a:cxnSpLocks noGrp="1" noRot="1" noChangeAspect="1" noMove="1" noResize="1" noEditPoints="1" noAdjustHandles="1" noChangeArrowheads="1" noChangeShapeType="1"/>
+          </p:cNvCxnSpPr>
+          <p:nvPr>
+            <p:extLst>
+              <p:ext uri="{386F3935-93C4-4BCD-93E2-E3B085C9AB24}">
+                <p16:designElem xmlns:p16="http://schemas.microsoft.com/office/powerpoint/2015/main" val="1"/>
+              </p:ext>
+            </p:extLst>
+          </p:nvPr>
+        </p:nvCxnSpPr>
+        <p:spPr>
+          <a:xfrm>
+            <a:off x="2230078" y="1522292"/>
+            <a:ext cx="7772400" cy="0"/>
+          </a:xfrm>
+          <a:prstGeom prst="line">
+            <a:avLst/>
+          </a:prstGeom>
+          <a:ln w="22225">
+            <a:solidFill>
+              <a:srgbClr val="D9D9D9"/>
+            </a:solidFill>
+          </a:ln>
+        </p:spPr>
+        <p:style>
+          <a:lnRef idx="1">
+            <a:schemeClr val="accent1"/>
+          </a:lnRef>
+          <a:fillRef idx="0">
+            <a:schemeClr val="accent1"/>
+          </a:fillRef>
+          <a:effectRef idx="0">
+            <a:schemeClr val="accent1"/>
+          </a:effectRef>
+          <a:fontRef idx="minor">
+            <a:schemeClr val="tx1"/>
+          </a:fontRef>
+        </p:style>
+      </p:cxnSp>
+      <p:pic>
+        <p:nvPicPr>
+          <p:cNvPr id="3076" name="Picture 4" descr="Ver a imagem de origem">
+            <a:extLst>
+              <a:ext uri="{FF2B5EF4-FFF2-40B4-BE49-F238E27FC236}">
+                <a16:creationId xmlns:a16="http://schemas.microsoft.com/office/drawing/2014/main" id="{F306B4F8-0634-40A0-98E4-7CD868BCCCDA}"/>
+              </a:ext>
+            </a:extLst>
+          </p:cNvPr>
+          <p:cNvPicPr>
+            <a:picLocks noChangeAspect="1" noChangeArrowheads="1"/>
+          </p:cNvPicPr>
+          <p:nvPr/>
+        </p:nvPicPr>
+        <p:blipFill>
+          <a:blip r:embed="rId2">
+            <a:extLst>
+              <a:ext uri="{28A0092B-C50C-407E-A947-70E740481C1C}">
+                <a14:useLocalDpi xmlns:a14="http://schemas.microsoft.com/office/drawing/2010/main" val="0"/>
+              </a:ext>
+            </a:extLst>
+          </a:blip>
+          <a:stretch>
+            <a:fillRect/>
+          </a:stretch>
+        </p:blipFill>
+        <p:spPr bwMode="auto">
+          <a:xfrm>
+            <a:off x="7154368" y="2297658"/>
+            <a:ext cx="3997637" cy="3997637"/>
+          </a:xfrm>
+          <a:prstGeom prst="rect">
+            <a:avLst/>
+          </a:prstGeom>
+          <a:noFill/>
+          <a:extLst>
+            <a:ext uri="{909E8E84-426E-40DD-AFC4-6F175D3DCCD1}">
+              <a14:hiddenFill xmlns:a14="http://schemas.microsoft.com/office/drawing/2010/main">
+                <a:solidFill>
+                  <a:srgbClr val="FFFFFF"/>
+                </a:solidFill>
+              </a14:hiddenFill>
+            </a:ext>
+          </a:extLst>
+        </p:spPr>
+      </p:pic>
+      <p:cxnSp>
+        <p:nvCxnSpPr>
+          <p:cNvPr id="77" name="Straight Connector 76">
+            <a:extLst>
+              <a:ext uri="{FF2B5EF4-FFF2-40B4-BE49-F238E27FC236}">
+                <a16:creationId xmlns:a16="http://schemas.microsoft.com/office/drawing/2014/main" id="{DB146403-F3D6-484B-B2ED-97F9565D0370}"/>
+              </a:ext>
+              <a:ext uri="{C183D7F6-B498-43B3-948B-1728B52AA6E4}">
+                <adec:decorative xmlns:adec="http://schemas.microsoft.com/office/drawing/2017/decorative" val="1"/>
+              </a:ext>
+            </a:extLst>
+          </p:cNvPr>
+          <p:cNvCxnSpPr>
+            <a:cxnSpLocks noGrp="1" noRot="1" noChangeAspect="1" noMove="1" noResize="1" noEditPoints="1" noAdjustHandles="1" noChangeArrowheads="1" noChangeShapeType="1"/>
+          </p:cNvCxnSpPr>
+          <p:nvPr>
+            <p:extLst>
+              <p:ext uri="{386F3935-93C4-4BCD-93E2-E3B085C9AB24}">
+                <p16:designElem xmlns:p16="http://schemas.microsoft.com/office/powerpoint/2015/main" val="1"/>
+              </p:ext>
+            </p:extLst>
+          </p:nvPr>
+        </p:nvCxnSpPr>
+        <p:spPr>
+          <a:xfrm>
+            <a:off x="6116278" y="2596836"/>
+            <a:ext cx="0" cy="3657600"/>
+          </a:xfrm>
+          <a:prstGeom prst="line">
+            <a:avLst/>
+          </a:prstGeom>
+          <a:ln w="101600" cmpd="dbl">
+            <a:solidFill>
+              <a:srgbClr val="595959"/>
+            </a:solidFill>
+          </a:ln>
+        </p:spPr>
+        <p:style>
+          <a:lnRef idx="1">
+            <a:schemeClr val="accent1"/>
+          </a:lnRef>
+          <a:fillRef idx="0">
+            <a:schemeClr val="accent1"/>
+          </a:fillRef>
+          <a:effectRef idx="0">
+            <a:schemeClr val="accent1"/>
+          </a:effectRef>
+          <a:fontRef idx="minor">
+            <a:schemeClr val="tx1"/>
+          </a:fontRef>
+        </p:style>
+      </p:cxnSp>
+      <p:pic>
+        <p:nvPicPr>
+          <p:cNvPr id="3074" name="Picture 2" descr="Ver a imagem de origem">
+            <a:extLst>
+              <a:ext uri="{FF2B5EF4-FFF2-40B4-BE49-F238E27FC236}">
+                <a16:creationId xmlns:a16="http://schemas.microsoft.com/office/drawing/2014/main" id="{0E56173A-9B53-46A7-9945-47CBDF00FD9E}"/>
+              </a:ext>
+            </a:extLst>
+          </p:cNvPr>
+          <p:cNvPicPr>
+            <a:picLocks noChangeAspect="1" noChangeArrowheads="1"/>
+          </p:cNvPicPr>
+          <p:nvPr/>
+        </p:nvPicPr>
+        <p:blipFill>
+          <a:blip r:embed="rId3">
+            <a:extLst>
+              <a:ext uri="{28A0092B-C50C-407E-A947-70E740481C1C}">
+                <a14:useLocalDpi xmlns:a14="http://schemas.microsoft.com/office/drawing/2010/main" val="0"/>
+              </a:ext>
+            </a:extLst>
+          </a:blip>
+          <a:stretch>
+            <a:fillRect/>
+          </a:stretch>
+        </p:blipFill>
+        <p:spPr bwMode="auto">
+          <a:xfrm>
+            <a:off x="794636" y="2297658"/>
+            <a:ext cx="5000218" cy="3997637"/>
+          </a:xfrm>
+          <a:prstGeom prst="rect">
+            <a:avLst/>
+          </a:prstGeom>
+          <a:noFill/>
+          <a:extLst>
+            <a:ext uri="{909E8E84-426E-40DD-AFC4-6F175D3DCCD1}">
+              <a14:hiddenFill xmlns:a14="http://schemas.microsoft.com/office/drawing/2010/main">
+                <a:solidFill>
+                  <a:srgbClr val="FFFFFF"/>
+                </a:solidFill>
+              </a14:hiddenFill>
+            </a:ext>
+          </a:extLst>
+        </p:spPr>
+      </p:pic>
+      <p:pic>
+        <p:nvPicPr>
+          <p:cNvPr id="4" name="Imagem 3" descr="Logotipo&#10;&#10;Descrição gerada automaticamente">
+            <a:extLst>
+              <a:ext uri="{FF2B5EF4-FFF2-40B4-BE49-F238E27FC236}">
+                <a16:creationId xmlns:a16="http://schemas.microsoft.com/office/drawing/2014/main" id="{3A21A24A-018B-4CD4-9E40-B63FAB08CC8C}"/>
+              </a:ext>
+            </a:extLst>
+          </p:cNvPr>
+          <p:cNvPicPr>
+            <a:picLocks noChangeAspect="1"/>
+          </p:cNvPicPr>
+          <p:nvPr/>
+        </p:nvPicPr>
+        <p:blipFill>
+          <a:blip r:embed="rId4">
+            <a:extLst>
+              <a:ext uri="{28A0092B-C50C-407E-A947-70E740481C1C}">
+                <a14:useLocalDpi xmlns:a14="http://schemas.microsoft.com/office/drawing/2010/main" val="0"/>
+              </a:ext>
+            </a:extLst>
+          </a:blip>
+          <a:stretch>
+            <a:fillRect/>
+          </a:stretch>
+        </p:blipFill>
+        <p:spPr>
+          <a:xfrm>
+            <a:off x="11473430" y="6175513"/>
+            <a:ext cx="570021" cy="559903"/>
+          </a:xfrm>
+          <a:prstGeom prst="rect">
+            <a:avLst/>
+          </a:prstGeom>
+        </p:spPr>
+      </p:pic>
+      <p:sp>
+        <p:nvSpPr>
+          <p:cNvPr id="18" name="CaixaDeTexto 17">
+            <a:extLst>
+              <a:ext uri="{FF2B5EF4-FFF2-40B4-BE49-F238E27FC236}">
+                <a16:creationId xmlns:a16="http://schemas.microsoft.com/office/drawing/2014/main" id="{B513A972-1CA3-488C-A0CE-57DBD6094911}"/>
+              </a:ext>
+            </a:extLst>
+          </p:cNvPr>
+          <p:cNvSpPr txBox="1"/>
+          <p:nvPr/>
+        </p:nvSpPr>
+        <p:spPr>
+          <a:xfrm>
+            <a:off x="2499037" y="603564"/>
+            <a:ext cx="7234481" cy="984885"/>
+          </a:xfrm>
+          <a:prstGeom prst="rect">
+            <a:avLst/>
+          </a:prstGeom>
+          <a:noFill/>
+        </p:spPr>
+        <p:txBody>
+          <a:bodyPr wrap="none" rtlCol="0">
+            <a:spAutoFit/>
+          </a:bodyPr>
+          <a:lstStyle/>
+          <a:p>
+            <a:r>
+              <a:rPr lang="en-US" sz="4000" dirty="0">
+                <a:solidFill>
+                  <a:srgbClr val="FFFFFF"/>
+                </a:solidFill>
+                <a:latin typeface="+mj-lt"/>
+                <a:ea typeface="+mj-ea"/>
+                <a:cs typeface="+mj-cs"/>
+              </a:rPr>
+              <a:t>Tabelas/ Modelo de dados Lógicos</a:t>
+            </a:r>
+          </a:p>
+          <a:p>
+            <a:endParaRPr lang="pt-BR" dirty="0"/>
+          </a:p>
+        </p:txBody>
+      </p:sp>
+    </p:spTree>
+    <p:extLst>
+      <p:ext uri="{BB962C8B-B14F-4D97-AF65-F5344CB8AC3E}">
+        <p14:creationId xmlns:p14="http://schemas.microsoft.com/office/powerpoint/2010/main" val="117975961"/>
+      </p:ext>
+    </p:extLst>
+  </p:cSld>
+  <p:clrMapOvr>
+    <a:masterClrMapping/>
+  </p:clrMapOvr>
+  <p:timing>
+    <p:tnLst>
+      <p:par>
+        <p:cTn id="1" dur="indefinite" restart="never" nodeType="tmRoot">
+          <p:childTnLst>
+            <p:seq concurrent="1" nextAc="seek">
+              <p:cTn id="2" dur="indefinite" nodeType="mainSeq">
+                <p:childTnLst>
+                  <p:par>
+                    <p:cTn id="3" fill="hold">
+                      <p:stCondLst>
+                        <p:cond delay="indefinite"/>
+                        <p:cond evt="onBegin" delay="0">
+                          <p:tn val="2"/>
+                        </p:cond>
+                      </p:stCondLst>
+                      <p:childTnLst>
+                        <p:par>
+                          <p:cTn id="4" fill="hold">
+                            <p:stCondLst>
+                              <p:cond delay="0"/>
+                            </p:stCondLst>
+                            <p:childTnLst>
+                              <p:par>
+                                <p:cTn id="5" presetID="10" presetClass="entr" presetSubtype="0" fill="hold" nodeType="withEffect">
+                                  <p:stCondLst>
+                                    <p:cond delay="0"/>
+                                  </p:stCondLst>
+                                  <p:childTnLst>
+                                    <p:set>
+                                      <p:cBhvr>
+                                        <p:cTn id="6" dur="1" fill="hold">
+                                          <p:stCondLst>
+                                            <p:cond delay="0"/>
+                                          </p:stCondLst>
+                                        </p:cTn>
+                                        <p:tgtEl>
+                                          <p:spTgt spid="4"/>
+                                        </p:tgtEl>
+                                        <p:attrNameLst>
+                                          <p:attrName>style.visibility</p:attrName>
+                                        </p:attrNameLst>
+                                      </p:cBhvr>
+                                      <p:to>
+                                        <p:strVal val="visible"/>
+                                      </p:to>
+                                    </p:set>
+                                    <p:animEffect transition="in" filter="fade">
+                                      <p:cBhvr>
+                                        <p:cTn id="7" dur="500"/>
+                                        <p:tgtEl>
+                                          <p:spTgt spid="4"/>
+                                        </p:tgtEl>
+                                      </p:cBhvr>
+                                    </p:animEffect>
+                                  </p:childTnLst>
+                                </p:cTn>
+                              </p:par>
+                            </p:childTnLst>
+                          </p:cTn>
+                        </p:par>
+                      </p:childTnLst>
+                    </p:cTn>
+                  </p:par>
+                  <p:par>
+                    <p:cTn id="8" fill="hold">
+                      <p:stCondLst>
+                        <p:cond delay="indefinite"/>
+                      </p:stCondLst>
+                      <p:childTnLst>
+                        <p:par>
+                          <p:cTn id="9" fill="hold">
+                            <p:stCondLst>
+                              <p:cond delay="0"/>
+                            </p:stCondLst>
+                            <p:childTnLst>
+                              <p:par>
+                                <p:cTn id="10" presetID="10" presetClass="entr" presetSubtype="0" fill="hold" nodeType="clickEffect">
+                                  <p:stCondLst>
+                                    <p:cond delay="0"/>
+                                  </p:stCondLst>
+                                  <p:childTnLst>
+                                    <p:set>
+                                      <p:cBhvr>
+                                        <p:cTn id="11" dur="1" fill="hold">
+                                          <p:stCondLst>
+                                            <p:cond delay="0"/>
+                                          </p:stCondLst>
+                                        </p:cTn>
+                                        <p:tgtEl>
+                                          <p:spTgt spid="3074"/>
+                                        </p:tgtEl>
+                                        <p:attrNameLst>
+                                          <p:attrName>style.visibility</p:attrName>
+                                        </p:attrNameLst>
+                                      </p:cBhvr>
+                                      <p:to>
+                                        <p:strVal val="visible"/>
+                                      </p:to>
+                                    </p:set>
+                                    <p:animEffect transition="in" filter="fade">
+                                      <p:cBhvr>
+                                        <p:cTn id="12" dur="500"/>
+                                        <p:tgtEl>
+                                          <p:spTgt spid="3074"/>
+                                        </p:tgtEl>
+                                      </p:cBhvr>
+                                    </p:animEffect>
+                                  </p:childTnLst>
+                                </p:cTn>
+                              </p:par>
+                            </p:childTnLst>
+                          </p:cTn>
+                        </p:par>
+                      </p:childTnLst>
+                    </p:cTn>
+                  </p:par>
+                  <p:par>
+                    <p:cTn id="13" fill="hold">
+                      <p:stCondLst>
+                        <p:cond delay="indefinite"/>
+                      </p:stCondLst>
+                      <p:childTnLst>
+                        <p:par>
+                          <p:cTn id="14" fill="hold">
+                            <p:stCondLst>
+                              <p:cond delay="0"/>
+                            </p:stCondLst>
+                            <p:childTnLst>
+                              <p:par>
+                                <p:cTn id="15" presetID="1" presetClass="entr" presetSubtype="0" fill="hold" nodeType="clickEffect">
+                                  <p:stCondLst>
+                                    <p:cond delay="0"/>
+                                  </p:stCondLst>
+                                  <p:childTnLst>
+                                    <p:set>
+                                      <p:cBhvr>
+                                        <p:cTn id="16" dur="1" fill="hold">
+                                          <p:stCondLst>
+                                            <p:cond delay="0"/>
+                                          </p:stCondLst>
+                                        </p:cTn>
+                                        <p:tgtEl>
+                                          <p:spTgt spid="3076"/>
+                                        </p:tgtEl>
+                                        <p:attrNameLst>
+                                          <p:attrName>style.visibility</p:attrName>
+                                        </p:attrNameLst>
+                                      </p:cBhvr>
+                                      <p:to>
+                                        <p:strVal val="visible"/>
+                                      </p:to>
+                                    </p:set>
+                                  </p:childTnLst>
+                                </p:cTn>
+                              </p:par>
+                            </p:childTnLst>
+                          </p:cTn>
+                        </p:par>
+                      </p:childTnLst>
+                    </p:cTn>
+                  </p:par>
+                </p:childTnLst>
+              </p:cTn>
+              <p:prevCondLst>
+                <p:cond evt="onPrev" delay="0">
+                  <p:tgtEl>
+                    <p:sldTgt/>
+                  </p:tgtEl>
+                </p:cond>
+              </p:prevCondLst>
+              <p:nextCondLst>
+                <p:cond evt="onNext" delay="0">
+                  <p:tgtEl>
+                    <p:sldTgt/>
+                  </p:tgtEl>
+                </p:cond>
+              </p:nextCondLst>
+            </p:seq>
+          </p:childTnLst>
+        </p:cTn>
+      </p:par>
+    </p:tnLst>
+  </p:timing>
+</p:sld>
+</file>
+
+<file path=ppt/slides/slide9.xml><?xml version="1.0" encoding="utf-8"?>
+<p:sld xmlns:a="http://schemas.openxmlformats.org/drawingml/2006/main" xmlns:r="http://schemas.openxmlformats.org/officeDocument/2006/relationships" xmlns:p="http://schemas.openxmlformats.org/presentationml/2006/main">
+  <p:cSld>
+    <p:bg>
+      <p:bgPr>
+        <a:solidFill>
+          <a:schemeClr val="bg2">
+            <a:lumMod val="90000"/>
+          </a:schemeClr>
+        </a:solidFill>
+        <a:effectLst/>
+      </p:bgPr>
+    </p:bg>
+    <p:spTree>
+      <p:nvGrpSpPr>
+        <p:cNvPr id="1" name=""/>
+        <p:cNvGrpSpPr/>
+        <p:nvPr/>
+      </p:nvGrpSpPr>
+      <p:grpSpPr>
+        <a:xfrm>
+          <a:off x="0" y="0"/>
+          <a:ext cx="0" cy="0"/>
+          <a:chOff x="0" y="0"/>
+          <a:chExt cx="0" cy="0"/>
+        </a:xfrm>
+      </p:grpSpPr>
+      <p:sp>
+        <p:nvSpPr>
+          <p:cNvPr id="2" name="Retângulo 1">
+            <a:extLst>
+              <a:ext uri="{FF2B5EF4-FFF2-40B4-BE49-F238E27FC236}">
+                <a16:creationId xmlns:a16="http://schemas.microsoft.com/office/drawing/2014/main" id="{45EBDF9D-A97F-4486-9FBC-8007AFAA4281}"/>
               </a:ext>
             </a:extLst>
           </p:cNvPr>
@@ -6946,15 +9279,58 @@
         <p:spPr>
           <a:xfrm>
             <a:off x="0" y="0"/>
-            <a:ext cx="12192001" cy="6858000"/>
+            <a:ext cx="12192000" cy="1497106"/>
+          </a:xfrm>
+          <a:prstGeom prst="rect">
+            <a:avLst/>
+          </a:prstGeom>
+        </p:spPr>
+        <p:style>
+          <a:lnRef idx="2">
+            <a:schemeClr val="dk1"/>
+          </a:lnRef>
+          <a:fillRef idx="1">
+            <a:schemeClr val="lt1"/>
+          </a:fillRef>
+          <a:effectRef idx="0">
+            <a:schemeClr val="dk1"/>
+          </a:effectRef>
+          <a:fontRef idx="minor">
+            <a:schemeClr val="dk1"/>
+          </a:fontRef>
+        </p:style>
+        <p:txBody>
+          <a:bodyPr rtlCol="0" anchor="ctr"/>
+          <a:lstStyle/>
+          <a:p>
+            <a:pPr algn="ctr"/>
+            <a:endParaRPr lang="pt-BR" sz="4000" dirty="0"/>
+          </a:p>
+        </p:txBody>
+      </p:sp>
+      <p:sp>
+        <p:nvSpPr>
+          <p:cNvPr id="5" name="Retângulo 4">
+            <a:extLst>
+              <a:ext uri="{FF2B5EF4-FFF2-40B4-BE49-F238E27FC236}">
+                <a16:creationId xmlns:a16="http://schemas.microsoft.com/office/drawing/2014/main" id="{49AA03E8-EC16-4E4F-BBF5-975F52742F75}"/>
+              </a:ext>
+            </a:extLst>
+          </p:cNvPr>
+          <p:cNvSpPr/>
+          <p:nvPr/>
+        </p:nvSpPr>
+        <p:spPr>
+          <a:xfrm rot="18718225">
+            <a:off x="812438" y="2501348"/>
+            <a:ext cx="11150221" cy="1855304"/>
           </a:xfrm>
           <a:prstGeom prst="rect">
             <a:avLst/>
           </a:prstGeom>
           <a:solidFill>
             <a:schemeClr val="bg2">
-              <a:lumMod val="50000"/>
-              <a:alpha val="38000"/>
+              <a:lumMod val="25000"/>
             </a:schemeClr>
           </a:solidFill>
           <a:ln>
@@ -6986,42 +9362,12 @@
           </a:p>
         </p:txBody>
       </p:sp>
-    </p:spTree>
-    <p:extLst>
-      <p:ext uri="{BB962C8B-B14F-4D97-AF65-F5344CB8AC3E}">
-        <p14:creationId xmlns:p14="http://schemas.microsoft.com/office/powerpoint/2010/main" val="117975961"/>
-      </p:ext>
-    </p:extLst>
-  </p:cSld>
-  <p:clrMapOvr>
-    <a:masterClrMapping/>
-  </p:clrMapOvr>
-</p:sld>
-</file>
-
-<file path=ppt/slides/slide9.xml><?xml version="1.0" encoding="utf-8"?>
-<p:sld xmlns:a="http://schemas.openxmlformats.org/drawingml/2006/main" xmlns:r="http://schemas.openxmlformats.org/officeDocument/2006/relationships" xmlns:p="http://schemas.openxmlformats.org/presentationml/2006/main">
-  <p:cSld>
-    <p:spTree>
-      <p:nvGrpSpPr>
-        <p:cNvPr id="1" name=""/>
-        <p:cNvGrpSpPr/>
-        <p:nvPr/>
-      </p:nvGrpSpPr>
-      <p:grpSpPr>
-        <a:xfrm>
-          <a:off x="0" y="0"/>
-          <a:ext cx="0" cy="0"/>
-          <a:chOff x="0" y="0"/>
-          <a:chExt cx="0" cy="0"/>
-        </a:xfrm>
-      </p:grpSpPr>
       <p:sp>
         <p:nvSpPr>
-          <p:cNvPr id="3" name="Retângulo 2">
-            <a:extLst>
-              <a:ext uri="{FF2B5EF4-FFF2-40B4-BE49-F238E27FC236}">
-                <a16:creationId xmlns:a16="http://schemas.microsoft.com/office/drawing/2014/main" id="{5BC36D66-06D9-40DB-9DDA-1307B9C91375}"/>
+          <p:cNvPr id="6" name="Retângulo 5">
+            <a:extLst>
+              <a:ext uri="{FF2B5EF4-FFF2-40B4-BE49-F238E27FC236}">
+                <a16:creationId xmlns:a16="http://schemas.microsoft.com/office/drawing/2014/main" id="{6E2D41EC-0CED-4F06-B62A-4BBA03BA0C64}"/>
               </a:ext>
             </a:extLst>
           </p:cNvPr>
@@ -7029,17 +9375,16 @@
           <p:nvPr/>
         </p:nvSpPr>
         <p:spPr>
-          <a:xfrm>
-            <a:off x="0" y="0"/>
-            <a:ext cx="12192001" cy="6858000"/>
+          <a:xfrm rot="18718225">
+            <a:off x="1788249" y="3951864"/>
+            <a:ext cx="11150221" cy="186724"/>
           </a:xfrm>
           <a:prstGeom prst="rect">
             <a:avLst/>
           </a:prstGeom>
           <a:solidFill>
             <a:schemeClr val="bg2">
-              <a:lumMod val="50000"/>
-              <a:alpha val="38000"/>
+              <a:lumMod val="25000"/>
             </a:schemeClr>
           </a:solidFill>
           <a:ln>
@@ -7071,6 +9416,132 @@
           </a:p>
         </p:txBody>
       </p:sp>
+      <p:pic>
+        <p:nvPicPr>
+          <p:cNvPr id="4" name="Picture 2" descr="Ver a imagem de origem">
+            <a:extLst>
+              <a:ext uri="{FF2B5EF4-FFF2-40B4-BE49-F238E27FC236}">
+                <a16:creationId xmlns:a16="http://schemas.microsoft.com/office/drawing/2014/main" id="{F144B7D9-B372-4C83-BE87-CA584C3B4017}"/>
+              </a:ext>
+            </a:extLst>
+          </p:cNvPr>
+          <p:cNvPicPr>
+            <a:picLocks noChangeAspect="1" noChangeArrowheads="1"/>
+          </p:cNvPicPr>
+          <p:nvPr/>
+        </p:nvPicPr>
+        <p:blipFill>
+          <a:blip r:embed="rId2">
+            <a:extLst>
+              <a:ext uri="{28A0092B-C50C-407E-A947-70E740481C1C}">
+                <a14:useLocalDpi xmlns:a14="http://schemas.microsoft.com/office/drawing/2010/main" val="0"/>
+              </a:ext>
+            </a:extLst>
+          </a:blip>
+          <a:srcRect/>
+          <a:stretch>
+            <a:fillRect/>
+          </a:stretch>
+        </p:blipFill>
+        <p:spPr bwMode="auto">
+          <a:xfrm>
+            <a:off x="1436460" y="2614394"/>
+            <a:ext cx="1347899" cy="3130603"/>
+          </a:xfrm>
+          <a:prstGeom prst="rect">
+            <a:avLst/>
+          </a:prstGeom>
+          <a:noFill/>
+          <a:effectLst>
+            <a:glow>
+              <a:schemeClr val="bg1"/>
+            </a:glow>
+          </a:effectLst>
+          <a:extLst>
+            <a:ext uri="{909E8E84-426E-40DD-AFC4-6F175D3DCCD1}">
+              <a14:hiddenFill xmlns:a14="http://schemas.microsoft.com/office/drawing/2010/main">
+                <a:solidFill>
+                  <a:srgbClr val="FFFFFF"/>
+                </a:solidFill>
+              </a14:hiddenFill>
+            </a:ext>
+          </a:extLst>
+        </p:spPr>
+      </p:pic>
+      <p:sp>
+        <p:nvSpPr>
+          <p:cNvPr id="10" name="CaixaDeTexto 9">
+            <a:extLst>
+              <a:ext uri="{FF2B5EF4-FFF2-40B4-BE49-F238E27FC236}">
+                <a16:creationId xmlns:a16="http://schemas.microsoft.com/office/drawing/2014/main" id="{1D174834-AA07-48C1-901F-F1CC3F5E60C7}"/>
+              </a:ext>
+            </a:extLst>
+          </p:cNvPr>
+          <p:cNvSpPr txBox="1"/>
+          <p:nvPr/>
+        </p:nvSpPr>
+        <p:spPr>
+          <a:xfrm>
+            <a:off x="407013" y="379030"/>
+            <a:ext cx="6234952" cy="707886"/>
+          </a:xfrm>
+          <a:prstGeom prst="rect">
+            <a:avLst/>
+          </a:prstGeom>
+          <a:noFill/>
+        </p:spPr>
+        <p:txBody>
+          <a:bodyPr wrap="square">
+            <a:spAutoFit/>
+          </a:bodyPr>
+          <a:lstStyle/>
+          <a:p>
+            <a:r>
+              <a:rPr lang="pt-BR" sz="4000" dirty="0"/>
+              <a:t>Simulador do Sensor</a:t>
+            </a:r>
+          </a:p>
+        </p:txBody>
+      </p:sp>
+      <p:pic>
+        <p:nvPicPr>
+          <p:cNvPr id="11" name="Gráfico 10" descr="Curva do taco de hóquei">
+            <a:extLst>
+              <a:ext uri="{FF2B5EF4-FFF2-40B4-BE49-F238E27FC236}">
+                <a16:creationId xmlns:a16="http://schemas.microsoft.com/office/drawing/2014/main" id="{6E82392F-8D0A-42F1-80A3-346D92EC3599}"/>
+              </a:ext>
+            </a:extLst>
+          </p:cNvPr>
+          <p:cNvPicPr>
+            <a:picLocks noChangeAspect="1"/>
+          </p:cNvPicPr>
+          <p:nvPr/>
+        </p:nvPicPr>
+        <p:blipFill>
+          <a:blip r:embed="rId3">
+            <a:extLst>
+              <a:ext uri="{28A0092B-C50C-407E-A947-70E740481C1C}">
+                <a14:useLocalDpi xmlns:a14="http://schemas.microsoft.com/office/drawing/2010/main" val="0"/>
+              </a:ext>
+              <a:ext uri="{96DAC541-7B7A-43D3-8B79-37D633B846F1}">
+                <asvg:svgBlip xmlns:asvg="http://schemas.microsoft.com/office/drawing/2016/SVG/main" r:embed="rId4"/>
+              </a:ext>
+            </a:extLst>
+          </a:blip>
+          <a:stretch>
+            <a:fillRect/>
+          </a:stretch>
+        </p:blipFill>
+        <p:spPr>
+          <a:xfrm>
+            <a:off x="8234313" y="2748014"/>
+            <a:ext cx="3245224" cy="3245224"/>
+          </a:xfrm>
+          <a:prstGeom prst="rect">
+            <a:avLst/>
+          </a:prstGeom>
+        </p:spPr>
+      </p:pic>
     </p:spTree>
     <p:extLst>
       <p:ext uri="{BB962C8B-B14F-4D97-AF65-F5344CB8AC3E}">
@@ -7081,6 +9552,249 @@
   <p:clrMapOvr>
     <a:masterClrMapping/>
   </p:clrMapOvr>
+  <mc:AlternateContent xmlns:mc="http://schemas.openxmlformats.org/markup-compatibility/2006">
+    <mc:Choice xmlns:p14="http://schemas.microsoft.com/office/powerpoint/2010/main" Requires="p14">
+      <p:transition spd="med" p14:dur="700">
+        <p:fade/>
+      </p:transition>
+    </mc:Choice>
+    <mc:Fallback>
+      <p:transition spd="med">
+        <p:fade/>
+      </p:transition>
+    </mc:Fallback>
+  </mc:AlternateContent>
+  <p:timing>
+    <p:tnLst>
+      <p:par>
+        <p:cTn id="1" dur="indefinite" restart="never" nodeType="tmRoot">
+          <p:childTnLst>
+            <p:seq concurrent="1" nextAc="seek">
+              <p:cTn id="2" dur="indefinite" nodeType="mainSeq">
+                <p:childTnLst>
+                  <p:par>
+                    <p:cTn id="3" fill="hold">
+                      <p:stCondLst>
+                        <p:cond delay="indefinite"/>
+                        <p:cond evt="onBegin" delay="0">
+                          <p:tn val="2"/>
+                        </p:cond>
+                      </p:stCondLst>
+                      <p:childTnLst>
+                        <p:par>
+                          <p:cTn id="4" fill="hold">
+                            <p:stCondLst>
+                              <p:cond delay="0"/>
+                            </p:stCondLst>
+                            <p:childTnLst>
+                              <p:par>
+                                <p:cTn id="5" presetID="10" presetClass="entr" presetSubtype="0" fill="hold" grpId="0" nodeType="withEffect">
+                                  <p:stCondLst>
+                                    <p:cond delay="500"/>
+                                  </p:stCondLst>
+                                  <p:childTnLst>
+                                    <p:set>
+                                      <p:cBhvr>
+                                        <p:cTn id="6" dur="1" fill="hold">
+                                          <p:stCondLst>
+                                            <p:cond delay="0"/>
+                                          </p:stCondLst>
+                                        </p:cTn>
+                                        <p:tgtEl>
+                                          <p:spTgt spid="5"/>
+                                        </p:tgtEl>
+                                        <p:attrNameLst>
+                                          <p:attrName>style.visibility</p:attrName>
+                                        </p:attrNameLst>
+                                      </p:cBhvr>
+                                      <p:to>
+                                        <p:strVal val="visible"/>
+                                      </p:to>
+                                    </p:set>
+                                    <p:animEffect transition="in" filter="fade">
+                                      <p:cBhvr>
+                                        <p:cTn id="7" dur="250"/>
+                                        <p:tgtEl>
+                                          <p:spTgt spid="5"/>
+                                        </p:tgtEl>
+                                      </p:cBhvr>
+                                    </p:animEffect>
+                                  </p:childTnLst>
+                                </p:cTn>
+                              </p:par>
+                              <p:par>
+                                <p:cTn id="8" presetID="10" presetClass="entr" presetSubtype="0" fill="hold" grpId="0" nodeType="withEffect">
+                                  <p:stCondLst>
+                                    <p:cond delay="500"/>
+                                  </p:stCondLst>
+                                  <p:childTnLst>
+                                    <p:set>
+                                      <p:cBhvr>
+                                        <p:cTn id="9" dur="1" fill="hold">
+                                          <p:stCondLst>
+                                            <p:cond delay="0"/>
+                                          </p:stCondLst>
+                                        </p:cTn>
+                                        <p:tgtEl>
+                                          <p:spTgt spid="6"/>
+                                        </p:tgtEl>
+                                        <p:attrNameLst>
+                                          <p:attrName>style.visibility</p:attrName>
+                                        </p:attrNameLst>
+                                      </p:cBhvr>
+                                      <p:to>
+                                        <p:strVal val="visible"/>
+                                      </p:to>
+                                    </p:set>
+                                    <p:animEffect transition="in" filter="fade">
+                                      <p:cBhvr>
+                                        <p:cTn id="10" dur="250"/>
+                                        <p:tgtEl>
+                                          <p:spTgt spid="6"/>
+                                        </p:tgtEl>
+                                      </p:cBhvr>
+                                    </p:animEffect>
+                                  </p:childTnLst>
+                                </p:cTn>
+                              </p:par>
+                            </p:childTnLst>
+                          </p:cTn>
+                        </p:par>
+                      </p:childTnLst>
+                    </p:cTn>
+                  </p:par>
+                  <p:par>
+                    <p:cTn id="11" fill="hold">
+                      <p:stCondLst>
+                        <p:cond delay="indefinite"/>
+                      </p:stCondLst>
+                      <p:childTnLst>
+                        <p:par>
+                          <p:cTn id="12" fill="hold">
+                            <p:stCondLst>
+                              <p:cond delay="0"/>
+                            </p:stCondLst>
+                            <p:childTnLst>
+                              <p:par>
+                                <p:cTn id="13" presetID="6" presetClass="entr" presetSubtype="16" fill="hold" nodeType="clickEffect">
+                                  <p:stCondLst>
+                                    <p:cond delay="0"/>
+                                  </p:stCondLst>
+                                  <p:childTnLst>
+                                    <p:set>
+                                      <p:cBhvr>
+                                        <p:cTn id="14" dur="1" fill="hold">
+                                          <p:stCondLst>
+                                            <p:cond delay="0"/>
+                                          </p:stCondLst>
+                                        </p:cTn>
+                                        <p:tgtEl>
+                                          <p:spTgt spid="4"/>
+                                        </p:tgtEl>
+                                        <p:attrNameLst>
+                                          <p:attrName>style.visibility</p:attrName>
+                                        </p:attrNameLst>
+                                      </p:cBhvr>
+                                      <p:to>
+                                        <p:strVal val="visible"/>
+                                      </p:to>
+                                    </p:set>
+                                    <p:animEffect transition="in" filter="circle(in)">
+                                      <p:cBhvr>
+                                        <p:cTn id="15" dur="2000"/>
+                                        <p:tgtEl>
+                                          <p:spTgt spid="4"/>
+                                        </p:tgtEl>
+                                      </p:cBhvr>
+                                    </p:animEffect>
+                                  </p:childTnLst>
+                                </p:cTn>
+                              </p:par>
+                            </p:childTnLst>
+                          </p:cTn>
+                        </p:par>
+                      </p:childTnLst>
+                    </p:cTn>
+                  </p:par>
+                  <p:par>
+                    <p:cTn id="16" fill="hold">
+                      <p:stCondLst>
+                        <p:cond delay="indefinite"/>
+                      </p:stCondLst>
+                      <p:childTnLst>
+                        <p:par>
+                          <p:cTn id="17" fill="hold">
+                            <p:stCondLst>
+                              <p:cond delay="0"/>
+                            </p:stCondLst>
+                            <p:childTnLst>
+                              <p:par>
+                                <p:cTn id="18" presetID="21" presetClass="entr" presetSubtype="1" fill="hold" nodeType="clickEffect">
+                                  <p:stCondLst>
+                                    <p:cond delay="0"/>
+                                  </p:stCondLst>
+                                  <p:childTnLst>
+                                    <p:set>
+                                      <p:cBhvr>
+                                        <p:cTn id="19" dur="1" fill="hold">
+                                          <p:stCondLst>
+                                            <p:cond delay="0"/>
+                                          </p:stCondLst>
+                                        </p:cTn>
+                                        <p:tgtEl>
+                                          <p:spTgt spid="11"/>
+                                        </p:tgtEl>
+                                        <p:attrNameLst>
+                                          <p:attrName>style.visibility</p:attrName>
+                                        </p:attrNameLst>
+                                      </p:cBhvr>
+                                      <p:to>
+                                        <p:strVal val="visible"/>
+                                      </p:to>
+                                    </p:set>
+                                    <p:animEffect transition="in" filter="wheel(1)">
+                                      <p:cBhvr>
+                                        <p:cTn id="20" dur="2000"/>
+                                        <p:tgtEl>
+                                          <p:spTgt spid="11"/>
+                                        </p:tgtEl>
+                                      </p:cBhvr>
+                                    </p:animEffect>
+                                  </p:childTnLst>
+                                </p:cTn>
+                              </p:par>
+                            </p:childTnLst>
+                          </p:cTn>
+                        </p:par>
+                      </p:childTnLst>
+                    </p:cTn>
+                  </p:par>
+                </p:childTnLst>
+              </p:cTn>
+              <p:prevCondLst>
+                <p:cond evt="onPrev" delay="0">
+                  <p:tgtEl>
+                    <p:sldTgt/>
+                  </p:tgtEl>
+                </p:cond>
+              </p:prevCondLst>
+              <p:nextCondLst>
+                <p:cond evt="onNext" delay="0">
+                  <p:tgtEl>
+                    <p:sldTgt/>
+                  </p:tgtEl>
+                </p:cond>
+              </p:nextCondLst>
+            </p:seq>
+          </p:childTnLst>
+        </p:cTn>
+      </p:par>
+    </p:tnLst>
+    <p:bldLst>
+      <p:bldP spid="5" grpId="0" animBg="1"/>
+      <p:bldP spid="6" grpId="0" animBg="1"/>
+    </p:bldLst>
+  </p:timing>
 </p:sld>
 </file>
 

--- a/Documentação/Apresentação Sprint 2.pptx
+++ b/Documentação/Apresentação Sprint 2.pptx
@@ -124,7 +124,7 @@
 <file path=ppt/revisionInfo.xml><?xml version="1.0" encoding="utf-8"?>
 <p1510:revInfo xmlns:a="http://schemas.openxmlformats.org/drawingml/2006/main" xmlns:r="http://schemas.openxmlformats.org/officeDocument/2006/relationships" xmlns:p1510="http://schemas.microsoft.com/office/powerpoint/2015/10/main">
   <p1510:revLst>
-    <p1510:client id="{7EE69AF9-B8A0-40A8-A92E-4E905D782AD4}" v="165" dt="2020-10-23T16:35:57.256"/>
+    <p1510:client id="{7EE69AF9-B8A0-40A8-A92E-4E905D782AD4}" v="243" dt="2020-10-23T18:43:06.507"/>
     <p1510:client id="{858E1AD4-1BE2-4FDC-BC75-F08A0F1EFF3E}" v="143" dt="2020-10-23T02:44:49.078"/>
   </p1510:revLst>
 </p1510:revInfo>
@@ -135,7 +135,7 @@
   <pc:docChgLst>
     <pc:chgData name="Nicholas Forte" userId="831f5f1da6d5c7f7" providerId="LiveId" clId="{7EE69AF9-B8A0-40A8-A92E-4E905D782AD4}"/>
     <pc:docChg chg="undo custSel mod addSld delSld modSld addMainMaster delMainMaster modMainMaster">
-      <pc:chgData name="Nicholas Forte" userId="831f5f1da6d5c7f7" providerId="LiveId" clId="{7EE69AF9-B8A0-40A8-A92E-4E905D782AD4}" dt="2020-10-23T16:35:57.256" v="468" actId="1076"/>
+      <pc:chgData name="Nicholas Forte" userId="831f5f1da6d5c7f7" providerId="LiveId" clId="{7EE69AF9-B8A0-40A8-A92E-4E905D782AD4}" dt="2020-10-23T18:43:11.508" v="639" actId="1076"/>
       <pc:docMkLst>
         <pc:docMk/>
       </pc:docMkLst>
@@ -185,7 +185,7 @@
         </pc:spChg>
       </pc:sldChg>
       <pc:sldChg chg="addSp delSp modSp mod modTransition setBg modAnim chgLayout">
-        <pc:chgData name="Nicholas Forte" userId="831f5f1da6d5c7f7" providerId="LiveId" clId="{7EE69AF9-B8A0-40A8-A92E-4E905D782AD4}" dt="2020-10-23T15:20:41.891" v="120"/>
+        <pc:chgData name="Nicholas Forte" userId="831f5f1da6d5c7f7" providerId="LiveId" clId="{7EE69AF9-B8A0-40A8-A92E-4E905D782AD4}" dt="2020-10-23T18:30:21.630" v="522" actId="1076"/>
         <pc:sldMkLst>
           <pc:docMk/>
           <pc:sldMk cId="1719718150" sldId="261"/>
@@ -207,7 +207,7 @@
           </ac:spMkLst>
         </pc:spChg>
         <pc:spChg chg="add mod">
-          <ac:chgData name="Nicholas Forte" userId="831f5f1da6d5c7f7" providerId="LiveId" clId="{7EE69AF9-B8A0-40A8-A92E-4E905D782AD4}" dt="2020-10-23T15:17:44.754" v="79" actId="6549"/>
+          <ac:chgData name="Nicholas Forte" userId="831f5f1da6d5c7f7" providerId="LiveId" clId="{7EE69AF9-B8A0-40A8-A92E-4E905D782AD4}" dt="2020-10-23T18:30:15.348" v="521" actId="1076"/>
           <ac:spMkLst>
             <pc:docMk/>
             <pc:sldMk cId="1719718150" sldId="261"/>
@@ -215,7 +215,7 @@
           </ac:spMkLst>
         </pc:spChg>
         <pc:spChg chg="add mod">
-          <ac:chgData name="Nicholas Forte" userId="831f5f1da6d5c7f7" providerId="LiveId" clId="{7EE69AF9-B8A0-40A8-A92E-4E905D782AD4}" dt="2020-10-23T15:18:20.754" v="97" actId="1076"/>
+          <ac:chgData name="Nicholas Forte" userId="831f5f1da6d5c7f7" providerId="LiveId" clId="{7EE69AF9-B8A0-40A8-A92E-4E905D782AD4}" dt="2020-10-23T18:30:21.630" v="522" actId="1076"/>
           <ac:spMkLst>
             <pc:docMk/>
             <pc:sldMk cId="1719718150" sldId="261"/>
@@ -304,7 +304,7 @@
         </pc:picChg>
       </pc:sldChg>
       <pc:sldChg chg="addSp delSp modSp mod setBg delAnim modAnim setClrOvrMap chgLayout">
-        <pc:chgData name="Nicholas Forte" userId="831f5f1da6d5c7f7" providerId="LiveId" clId="{7EE69AF9-B8A0-40A8-A92E-4E905D782AD4}" dt="2020-10-23T16:07:37.655" v="198" actId="1076"/>
+        <pc:chgData name="Nicholas Forte" userId="831f5f1da6d5c7f7" providerId="LiveId" clId="{7EE69AF9-B8A0-40A8-A92E-4E905D782AD4}" dt="2020-10-23T18:30:51.485" v="527" actId="1076"/>
         <pc:sldMkLst>
           <pc:docMk/>
           <pc:sldMk cId="283534579" sldId="262"/>
@@ -318,7 +318,7 @@
           </ac:spMkLst>
         </pc:spChg>
         <pc:spChg chg="add mod">
-          <ac:chgData name="Nicholas Forte" userId="831f5f1da6d5c7f7" providerId="LiveId" clId="{7EE69AF9-B8A0-40A8-A92E-4E905D782AD4}" dt="2020-10-23T16:07:37.655" v="198" actId="1076"/>
+          <ac:chgData name="Nicholas Forte" userId="831f5f1da6d5c7f7" providerId="LiveId" clId="{7EE69AF9-B8A0-40A8-A92E-4E905D782AD4}" dt="2020-10-23T18:30:39.047" v="526" actId="1076"/>
           <ac:spMkLst>
             <pc:docMk/>
             <pc:sldMk cId="283534579" sldId="262"/>
@@ -382,7 +382,7 @@
           </ac:picMkLst>
         </pc:picChg>
         <pc:picChg chg="add mod ord">
-          <ac:chgData name="Nicholas Forte" userId="831f5f1da6d5c7f7" providerId="LiveId" clId="{7EE69AF9-B8A0-40A8-A92E-4E905D782AD4}" dt="2020-10-23T15:39:28.516" v="188" actId="1076"/>
+          <ac:chgData name="Nicholas Forte" userId="831f5f1da6d5c7f7" providerId="LiveId" clId="{7EE69AF9-B8A0-40A8-A92E-4E905D782AD4}" dt="2020-10-23T18:30:51.485" v="527" actId="1076"/>
           <ac:picMkLst>
             <pc:docMk/>
             <pc:sldMk cId="283534579" sldId="262"/>
@@ -399,7 +399,7 @@
         </pc:picChg>
       </pc:sldChg>
       <pc:sldChg chg="addSp delSp modSp mod setBg modAnim">
-        <pc:chgData name="Nicholas Forte" userId="831f5f1da6d5c7f7" providerId="LiveId" clId="{7EE69AF9-B8A0-40A8-A92E-4E905D782AD4}" dt="2020-10-23T16:23:18.924" v="350" actId="1076"/>
+        <pc:chgData name="Nicholas Forte" userId="831f5f1da6d5c7f7" providerId="LiveId" clId="{7EE69AF9-B8A0-40A8-A92E-4E905D782AD4}" dt="2020-10-23T18:31:25.062" v="530" actId="1076"/>
         <pc:sldMkLst>
           <pc:docMk/>
           <pc:sldMk cId="117975961" sldId="263"/>
@@ -429,7 +429,7 @@
           </ac:spMkLst>
         </pc:spChg>
         <pc:spChg chg="add mod">
-          <ac:chgData name="Nicholas Forte" userId="831f5f1da6d5c7f7" providerId="LiveId" clId="{7EE69AF9-B8A0-40A8-A92E-4E905D782AD4}" dt="2020-10-23T16:23:18.924" v="350" actId="1076"/>
+          <ac:chgData name="Nicholas Forte" userId="831f5f1da6d5c7f7" providerId="LiveId" clId="{7EE69AF9-B8A0-40A8-A92E-4E905D782AD4}" dt="2020-10-23T18:31:25.062" v="530" actId="1076"/>
           <ac:spMkLst>
             <pc:docMk/>
             <pc:sldMk cId="117975961" sldId="263"/>
@@ -542,7 +542,7 @@
         </pc:cxnChg>
       </pc:sldChg>
       <pc:sldChg chg="addSp delSp modSp mod modTransition setBg modAnim">
-        <pc:chgData name="Nicholas Forte" userId="831f5f1da6d5c7f7" providerId="LiveId" clId="{7EE69AF9-B8A0-40A8-A92E-4E905D782AD4}" dt="2020-10-23T16:32:35.792" v="461"/>
+        <pc:chgData name="Nicholas Forte" userId="831f5f1da6d5c7f7" providerId="LiveId" clId="{7EE69AF9-B8A0-40A8-A92E-4E905D782AD4}" dt="2020-10-23T18:36:08.111" v="570"/>
         <pc:sldMkLst>
           <pc:docMk/>
           <pc:sldMk cId="1568061823" sldId="264"/>
@@ -588,7 +588,7 @@
           </ac:spMkLst>
         </pc:spChg>
         <pc:picChg chg="add mod">
-          <ac:chgData name="Nicholas Forte" userId="831f5f1da6d5c7f7" providerId="LiveId" clId="{7EE69AF9-B8A0-40A8-A92E-4E905D782AD4}" dt="2020-10-23T16:31:22.592" v="455" actId="1076"/>
+          <ac:chgData name="Nicholas Forte" userId="831f5f1da6d5c7f7" providerId="LiveId" clId="{7EE69AF9-B8A0-40A8-A92E-4E905D782AD4}" dt="2020-10-23T18:35:45.708" v="567" actId="1076"/>
           <ac:picMkLst>
             <pc:docMk/>
             <pc:sldMk cId="1568061823" sldId="264"/>
@@ -596,11 +596,59 @@
           </ac:picMkLst>
         </pc:picChg>
         <pc:picChg chg="add mod">
-          <ac:chgData name="Nicholas Forte" userId="831f5f1da6d5c7f7" providerId="LiveId" clId="{7EE69AF9-B8A0-40A8-A92E-4E905D782AD4}" dt="2020-10-23T16:31:17.561" v="454" actId="1076"/>
+          <ac:chgData name="Nicholas Forte" userId="831f5f1da6d5c7f7" providerId="LiveId" clId="{7EE69AF9-B8A0-40A8-A92E-4E905D782AD4}" dt="2020-10-23T18:29:19.703" v="517"/>
+          <ac:picMkLst>
+            <pc:docMk/>
+            <pc:sldMk cId="1568061823" sldId="264"/>
+            <ac:picMk id="8" creationId="{E315E259-D257-46B2-8770-0179277D2740}"/>
+          </ac:picMkLst>
+        </pc:picChg>
+        <pc:picChg chg="add mod">
+          <ac:chgData name="Nicholas Forte" userId="831f5f1da6d5c7f7" providerId="LiveId" clId="{7EE69AF9-B8A0-40A8-A92E-4E905D782AD4}" dt="2020-10-23T18:35:29.037" v="561" actId="1076"/>
           <ac:picMkLst>
             <pc:docMk/>
             <pc:sldMk cId="1568061823" sldId="264"/>
             <ac:picMk id="11" creationId="{6E82392F-8D0A-42F1-80A3-346D92EC3599}"/>
+          </ac:picMkLst>
+        </pc:picChg>
+        <pc:picChg chg="add del mod">
+          <ac:chgData name="Nicholas Forte" userId="831f5f1da6d5c7f7" providerId="LiveId" clId="{7EE69AF9-B8A0-40A8-A92E-4E905D782AD4}" dt="2020-10-23T18:33:36.479" v="540" actId="478"/>
+          <ac:picMkLst>
+            <pc:docMk/>
+            <pc:sldMk cId="1568061823" sldId="264"/>
+            <ac:picMk id="1026" creationId="{477ED472-801D-4C39-B48E-59742DB168F4}"/>
+          </ac:picMkLst>
+        </pc:picChg>
+        <pc:picChg chg="add del mod">
+          <ac:chgData name="Nicholas Forte" userId="831f5f1da6d5c7f7" providerId="LiveId" clId="{7EE69AF9-B8A0-40A8-A92E-4E905D782AD4}" dt="2020-10-23T18:33:36.479" v="540" actId="478"/>
+          <ac:picMkLst>
+            <pc:docMk/>
+            <pc:sldMk cId="1568061823" sldId="264"/>
+            <ac:picMk id="1028" creationId="{328A6167-2758-4B67-A7FA-5F834B2F5F2F}"/>
+          </ac:picMkLst>
+        </pc:picChg>
+        <pc:picChg chg="add mod">
+          <ac:chgData name="Nicholas Forte" userId="831f5f1da6d5c7f7" providerId="LiveId" clId="{7EE69AF9-B8A0-40A8-A92E-4E905D782AD4}" dt="2020-10-23T18:35:30.676" v="562" actId="1076"/>
+          <ac:picMkLst>
+            <pc:docMk/>
+            <pc:sldMk cId="1568061823" sldId="264"/>
+            <ac:picMk id="1030" creationId="{EDDB16FB-4335-45EC-9FEC-6C03F6E96DD1}"/>
+          </ac:picMkLst>
+        </pc:picChg>
+        <pc:picChg chg="add mod">
+          <ac:chgData name="Nicholas Forte" userId="831f5f1da6d5c7f7" providerId="LiveId" clId="{7EE69AF9-B8A0-40A8-A92E-4E905D782AD4}" dt="2020-10-23T18:35:37.404" v="565" actId="1076"/>
+          <ac:picMkLst>
+            <pc:docMk/>
+            <pc:sldMk cId="1568061823" sldId="264"/>
+            <ac:picMk id="1032" creationId="{DA2B410D-F4E3-4655-9F18-64FE460E6281}"/>
+          </ac:picMkLst>
+        </pc:picChg>
+        <pc:picChg chg="add mod">
+          <ac:chgData name="Nicholas Forte" userId="831f5f1da6d5c7f7" providerId="LiveId" clId="{7EE69AF9-B8A0-40A8-A92E-4E905D782AD4}" dt="2020-10-23T18:35:40.644" v="566" actId="1076"/>
+          <ac:picMkLst>
+            <pc:docMk/>
+            <pc:sldMk cId="1568061823" sldId="264"/>
+            <ac:picMk id="1034" creationId="{6A9B5E0B-A1B4-41EA-89DA-5A945F3066F6}"/>
           </ac:picMkLst>
         </pc:picChg>
         <pc:picChg chg="add del mod">
@@ -659,20 +707,132 @@
           </ac:picMkLst>
         </pc:picChg>
       </pc:sldChg>
-      <pc:sldChg chg="addSp modSp new setBg">
-        <pc:chgData name="Nicholas Forte" userId="831f5f1da6d5c7f7" providerId="LiveId" clId="{7EE69AF9-B8A0-40A8-A92E-4E905D782AD4}" dt="2020-10-23T16:35:57.256" v="468" actId="1076"/>
+      <pc:sldChg chg="addSp delSp modSp new mod setBg delAnim modAnim">
+        <pc:chgData name="Nicholas Forte" userId="831f5f1da6d5c7f7" providerId="LiveId" clId="{7EE69AF9-B8A0-40A8-A92E-4E905D782AD4}" dt="2020-10-23T18:43:11.508" v="639" actId="1076"/>
         <pc:sldMkLst>
           <pc:docMk/>
           <pc:sldMk cId="160208660" sldId="266"/>
         </pc:sldMkLst>
+        <pc:spChg chg="add mod">
+          <ac:chgData name="Nicholas Forte" userId="831f5f1da6d5c7f7" providerId="LiveId" clId="{7EE69AF9-B8A0-40A8-A92E-4E905D782AD4}" dt="2020-10-23T18:42:14.176" v="618" actId="6549"/>
+          <ac:spMkLst>
+            <pc:docMk/>
+            <pc:sldMk cId="160208660" sldId="266"/>
+            <ac:spMk id="8" creationId="{C1718041-2EAD-4116-A06F-C5755259069B}"/>
+          </ac:spMkLst>
+        </pc:spChg>
+        <pc:spChg chg="add del mod">
+          <ac:chgData name="Nicholas Forte" userId="831f5f1da6d5c7f7" providerId="LiveId" clId="{7EE69AF9-B8A0-40A8-A92E-4E905D782AD4}" dt="2020-10-23T18:28:41.383" v="507"/>
+          <ac:spMkLst>
+            <pc:docMk/>
+            <pc:sldMk cId="160208660" sldId="266"/>
+            <ac:spMk id="9" creationId="{875F0184-C02C-47DF-A713-3E9D888B6CCC}"/>
+          </ac:spMkLst>
+        </pc:spChg>
+        <pc:spChg chg="add del mod">
+          <ac:chgData name="Nicholas Forte" userId="831f5f1da6d5c7f7" providerId="LiveId" clId="{7EE69AF9-B8A0-40A8-A92E-4E905D782AD4}" dt="2020-10-23T18:40:58.817" v="580" actId="21"/>
+          <ac:spMkLst>
+            <pc:docMk/>
+            <pc:sldMk cId="160208660" sldId="266"/>
+            <ac:spMk id="12" creationId="{F3BFDEED-761C-4982-9368-5BA1CD0D6FB5}"/>
+          </ac:spMkLst>
+        </pc:spChg>
+        <pc:spChg chg="add del mod">
+          <ac:chgData name="Nicholas Forte" userId="831f5f1da6d5c7f7" providerId="LiveId" clId="{7EE69AF9-B8A0-40A8-A92E-4E905D782AD4}" dt="2020-10-23T18:41:02.891" v="582" actId="21"/>
+          <ac:spMkLst>
+            <pc:docMk/>
+            <pc:sldMk cId="160208660" sldId="266"/>
+            <ac:spMk id="13" creationId="{BABF6E94-0095-452A-A194-C04991660FBE}"/>
+          </ac:spMkLst>
+        </pc:spChg>
+        <pc:spChg chg="add mod">
+          <ac:chgData name="Nicholas Forte" userId="831f5f1da6d5c7f7" providerId="LiveId" clId="{7EE69AF9-B8A0-40A8-A92E-4E905D782AD4}" dt="2020-10-23T18:41:00.132" v="581"/>
+          <ac:spMkLst>
+            <pc:docMk/>
+            <pc:sldMk cId="160208660" sldId="266"/>
+            <ac:spMk id="17" creationId="{1D838BA2-AB6F-4A25-8ED1-21102A987B82}"/>
+          </ac:spMkLst>
+        </pc:spChg>
+        <pc:spChg chg="add mod">
+          <ac:chgData name="Nicholas Forte" userId="831f5f1da6d5c7f7" providerId="LiveId" clId="{7EE69AF9-B8A0-40A8-A92E-4E905D782AD4}" dt="2020-10-23T18:41:03.339" v="583"/>
+          <ac:spMkLst>
+            <pc:docMk/>
+            <pc:sldMk cId="160208660" sldId="266"/>
+            <ac:spMk id="18" creationId="{AF056290-7F34-4974-9B23-4334142C4FA5}"/>
+          </ac:spMkLst>
+        </pc:spChg>
+        <pc:spChg chg="add mod">
+          <ac:chgData name="Nicholas Forte" userId="831f5f1da6d5c7f7" providerId="LiveId" clId="{7EE69AF9-B8A0-40A8-A92E-4E905D782AD4}" dt="2020-10-23T18:42:28.436" v="626" actId="1076"/>
+          <ac:spMkLst>
+            <pc:docMk/>
+            <pc:sldMk cId="160208660" sldId="266"/>
+            <ac:spMk id="20" creationId="{EE8C2628-581E-4D6C-B416-1EF71DE3B6E3}"/>
+          </ac:spMkLst>
+        </pc:spChg>
         <pc:picChg chg="add mod">
-          <ac:chgData name="Nicholas Forte" userId="831f5f1da6d5c7f7" providerId="LiveId" clId="{7EE69AF9-B8A0-40A8-A92E-4E905D782AD4}" dt="2020-10-23T16:35:57.256" v="468" actId="1076"/>
+          <ac:chgData name="Nicholas Forte" userId="831f5f1da6d5c7f7" providerId="LiveId" clId="{7EE69AF9-B8A0-40A8-A92E-4E905D782AD4}" dt="2020-10-23T18:43:11.508" v="639" actId="1076"/>
+          <ac:picMkLst>
+            <pc:docMk/>
+            <pc:sldMk cId="160208660" sldId="266"/>
+            <ac:picMk id="3" creationId="{D1E7193F-CD91-478D-88C7-094601C1E7F6}"/>
+          </ac:picMkLst>
+        </pc:picChg>
+        <pc:picChg chg="add mod">
+          <ac:chgData name="Nicholas Forte" userId="831f5f1da6d5c7f7" providerId="LiveId" clId="{7EE69AF9-B8A0-40A8-A92E-4E905D782AD4}" dt="2020-10-23T18:43:06.506" v="638" actId="1076"/>
+          <ac:picMkLst>
+            <pc:docMk/>
+            <pc:sldMk cId="160208660" sldId="266"/>
+            <ac:picMk id="14" creationId="{4B07568A-04D7-4E5A-9D10-618D4097EC9C}"/>
+          </ac:picMkLst>
+        </pc:picChg>
+        <pc:picChg chg="add mod">
+          <ac:chgData name="Nicholas Forte" userId="831f5f1da6d5c7f7" providerId="LiveId" clId="{7EE69AF9-B8A0-40A8-A92E-4E905D782AD4}" dt="2020-10-23T18:29:22.619" v="518"/>
+          <ac:picMkLst>
+            <pc:docMk/>
+            <pc:sldMk cId="160208660" sldId="266"/>
+            <ac:picMk id="15" creationId="{6EC53BD1-75FE-4DD4-8D0A-FAD1C624BF26}"/>
+          </ac:picMkLst>
+        </pc:picChg>
+        <pc:picChg chg="add del mod">
+          <ac:chgData name="Nicholas Forte" userId="831f5f1da6d5c7f7" providerId="LiveId" clId="{7EE69AF9-B8A0-40A8-A92E-4E905D782AD4}" dt="2020-10-23T18:29:04.208" v="514" actId="21"/>
           <ac:picMkLst>
             <pc:docMk/>
             <pc:sldMk cId="160208660" sldId="266"/>
             <ac:picMk id="5122" creationId="{50B701DD-4548-46CE-BFD8-7CCAAC8D7BC9}"/>
           </ac:picMkLst>
         </pc:picChg>
+        <pc:cxnChg chg="add del mod">
+          <ac:chgData name="Nicholas Forte" userId="831f5f1da6d5c7f7" providerId="LiveId" clId="{7EE69AF9-B8A0-40A8-A92E-4E905D782AD4}" dt="2020-10-23T18:28:46.039" v="509" actId="478"/>
+          <ac:cxnSpMkLst>
+            <pc:docMk/>
+            <pc:sldMk cId="160208660" sldId="266"/>
+            <ac:cxnSpMk id="5" creationId="{6442777B-4784-492F-BEF6-582211C766DC}"/>
+          </ac:cxnSpMkLst>
+        </pc:cxnChg>
+        <pc:cxnChg chg="add del mod">
+          <ac:chgData name="Nicholas Forte" userId="831f5f1da6d5c7f7" providerId="LiveId" clId="{7EE69AF9-B8A0-40A8-A92E-4E905D782AD4}" dt="2020-10-23T18:28:43.630" v="508" actId="478"/>
+          <ac:cxnSpMkLst>
+            <pc:docMk/>
+            <pc:sldMk cId="160208660" sldId="266"/>
+            <ac:cxnSpMk id="7" creationId="{9A33E668-2499-499A-8151-F5916C53F84C}"/>
+          </ac:cxnSpMkLst>
+        </pc:cxnChg>
+        <pc:cxnChg chg="add del mod">
+          <ac:chgData name="Nicholas Forte" userId="831f5f1da6d5c7f7" providerId="LiveId" clId="{7EE69AF9-B8A0-40A8-A92E-4E905D782AD4}" dt="2020-10-23T18:28:40.127" v="505"/>
+          <ac:cxnSpMkLst>
+            <pc:docMk/>
+            <pc:sldMk cId="160208660" sldId="266"/>
+            <ac:cxnSpMk id="10" creationId="{A29BB8CF-BCD6-4E30-B2D9-666F82B101E5}"/>
+          </ac:cxnSpMkLst>
+        </pc:cxnChg>
+        <pc:cxnChg chg="add del mod">
+          <ac:chgData name="Nicholas Forte" userId="831f5f1da6d5c7f7" providerId="LiveId" clId="{7EE69AF9-B8A0-40A8-A92E-4E905D782AD4}" dt="2020-10-23T18:28:50.200" v="511" actId="478"/>
+          <ac:cxnSpMkLst>
+            <pc:docMk/>
+            <pc:sldMk cId="160208660" sldId="266"/>
+            <ac:cxnSpMk id="11" creationId="{431F78AE-EDBE-41E2-916F-C1B41A84E869}"/>
+          </ac:cxnSpMkLst>
+        </pc:cxnChg>
       </pc:sldChg>
       <pc:sldChg chg="add del">
         <pc:chgData name="Nicholas Forte" userId="831f5f1da6d5c7f7" providerId="LiveId" clId="{7EE69AF9-B8A0-40A8-A92E-4E905D782AD4}" dt="2020-10-23T15:21:44.406" v="124" actId="2696"/>
@@ -5159,10 +5319,40 @@
       </p:grpSpPr>
       <p:pic>
         <p:nvPicPr>
-          <p:cNvPr id="5122" name="Picture 2" descr="Ver a imagem de origem">
-            <a:extLst>
-              <a:ext uri="{FF2B5EF4-FFF2-40B4-BE49-F238E27FC236}">
-                <a16:creationId xmlns:a16="http://schemas.microsoft.com/office/drawing/2014/main" id="{50B701DD-4548-46CE-BFD8-7CCAAC8D7BC9}"/>
+          <p:cNvPr id="3" name="Imagem 2">
+            <a:extLst>
+              <a:ext uri="{FF2B5EF4-FFF2-40B4-BE49-F238E27FC236}">
+                <a16:creationId xmlns:a16="http://schemas.microsoft.com/office/drawing/2014/main" id="{D1E7193F-CD91-478D-88C7-094601C1E7F6}"/>
+              </a:ext>
+            </a:extLst>
+          </p:cNvPr>
+          <p:cNvPicPr>
+            <a:picLocks noChangeAspect="1"/>
+          </p:cNvPicPr>
+          <p:nvPr/>
+        </p:nvPicPr>
+        <p:blipFill>
+          <a:blip r:embed="rId2"/>
+          <a:stretch>
+            <a:fillRect/>
+          </a:stretch>
+        </p:blipFill>
+        <p:spPr>
+          <a:xfrm>
+            <a:off x="8929040" y="3337986"/>
+            <a:ext cx="2188007" cy="723973"/>
+          </a:xfrm>
+          <a:prstGeom prst="rect">
+            <a:avLst/>
+          </a:prstGeom>
+        </p:spPr>
+      </p:pic>
+      <p:pic>
+        <p:nvPicPr>
+          <p:cNvPr id="14" name="Picture 2" descr="Ver a imagem de origem">
+            <a:extLst>
+              <a:ext uri="{FF2B5EF4-FFF2-40B4-BE49-F238E27FC236}">
+                <a16:creationId xmlns:a16="http://schemas.microsoft.com/office/drawing/2014/main" id="{4B07568A-04D7-4E5A-9D10-618D4097EC9C}"/>
               </a:ext>
             </a:extLst>
           </p:cNvPr>
@@ -5172,7 +5362,7 @@
           <p:nvPr/>
         </p:nvPicPr>
         <p:blipFill>
-          <a:blip r:embed="rId2">
+          <a:blip r:embed="rId3">
             <a:extLst>
               <a:ext uri="{28A0092B-C50C-407E-A947-70E740481C1C}">
                 <a14:useLocalDpi xmlns:a14="http://schemas.microsoft.com/office/drawing/2010/main" val="0"/>
@@ -5186,8 +5376,8 @@
         </p:blipFill>
         <p:spPr bwMode="auto">
           <a:xfrm>
-            <a:off x="1306286" y="2549027"/>
-            <a:ext cx="3806598" cy="3438115"/>
+            <a:off x="1074953" y="2806075"/>
+            <a:ext cx="1973672" cy="1782618"/>
           </a:xfrm>
           <a:prstGeom prst="rect">
             <a:avLst/>
@@ -5204,6 +5394,248 @@
           </a:extLst>
         </p:spPr>
       </p:pic>
+      <p:pic>
+        <p:nvPicPr>
+          <p:cNvPr id="15" name="Imagem 14" descr="Logotipo&#10;&#10;Descrição gerada automaticamente">
+            <a:extLst>
+              <a:ext uri="{FF2B5EF4-FFF2-40B4-BE49-F238E27FC236}">
+                <a16:creationId xmlns:a16="http://schemas.microsoft.com/office/drawing/2014/main" id="{6EC53BD1-75FE-4DD4-8D0A-FAD1C624BF26}"/>
+              </a:ext>
+            </a:extLst>
+          </p:cNvPr>
+          <p:cNvPicPr>
+            <a:picLocks noChangeAspect="1"/>
+          </p:cNvPicPr>
+          <p:nvPr/>
+        </p:nvPicPr>
+        <p:blipFill>
+          <a:blip r:embed="rId4">
+            <a:extLst>
+              <a:ext uri="{28A0092B-C50C-407E-A947-70E740481C1C}">
+                <a14:useLocalDpi xmlns:a14="http://schemas.microsoft.com/office/drawing/2010/main" val="0"/>
+              </a:ext>
+            </a:extLst>
+          </a:blip>
+          <a:stretch>
+            <a:fillRect/>
+          </a:stretch>
+        </p:blipFill>
+        <p:spPr>
+          <a:xfrm>
+            <a:off x="11473430" y="6175513"/>
+            <a:ext cx="570021" cy="559903"/>
+          </a:xfrm>
+          <a:prstGeom prst="rect">
+            <a:avLst/>
+          </a:prstGeom>
+        </p:spPr>
+      </p:pic>
+      <p:sp>
+        <p:nvSpPr>
+          <p:cNvPr id="8" name="Retângulo 7">
+            <a:extLst>
+              <a:ext uri="{FF2B5EF4-FFF2-40B4-BE49-F238E27FC236}">
+                <a16:creationId xmlns:a16="http://schemas.microsoft.com/office/drawing/2014/main" id="{C1718041-2EAD-4116-A06F-C5755259069B}"/>
+              </a:ext>
+            </a:extLst>
+          </p:cNvPr>
+          <p:cNvSpPr/>
+          <p:nvPr/>
+        </p:nvSpPr>
+        <p:spPr>
+          <a:xfrm>
+            <a:off x="0" y="0"/>
+            <a:ext cx="12192000" cy="1535185"/>
+          </a:xfrm>
+          <a:prstGeom prst="rect">
+            <a:avLst/>
+          </a:prstGeom>
+          <a:solidFill>
+            <a:schemeClr val="bg1"/>
+          </a:solidFill>
+        </p:spPr>
+        <p:style>
+          <a:lnRef idx="2">
+            <a:schemeClr val="accent1">
+              <a:shade val="50000"/>
+            </a:schemeClr>
+          </a:lnRef>
+          <a:fillRef idx="1">
+            <a:schemeClr val="accent1"/>
+          </a:fillRef>
+          <a:effectRef idx="0">
+            <a:schemeClr val="accent1"/>
+          </a:effectRef>
+          <a:fontRef idx="minor">
+            <a:schemeClr val="lt1"/>
+          </a:fontRef>
+        </p:style>
+        <p:txBody>
+          <a:bodyPr rtlCol="0" anchor="ctr"/>
+          <a:lstStyle/>
+          <a:p>
+            <a:pPr algn="ctr"/>
+            <a:endParaRPr lang="pt-BR" dirty="0">
+              <a:latin typeface="Felix Titling" panose="04060505060202020A04" pitchFamily="82" charset="0"/>
+            </a:endParaRPr>
+          </a:p>
+        </p:txBody>
+      </p:sp>
+      <p:sp>
+        <p:nvSpPr>
+          <p:cNvPr id="17" name="Retângulo 16">
+            <a:extLst>
+              <a:ext uri="{FF2B5EF4-FFF2-40B4-BE49-F238E27FC236}">
+                <a16:creationId xmlns:a16="http://schemas.microsoft.com/office/drawing/2014/main" id="{1D838BA2-AB6F-4A25-8ED1-21102A987B82}"/>
+              </a:ext>
+            </a:extLst>
+          </p:cNvPr>
+          <p:cNvSpPr/>
+          <p:nvPr/>
+        </p:nvSpPr>
+        <p:spPr>
+          <a:xfrm rot="18718225">
+            <a:off x="904717" y="2559645"/>
+            <a:ext cx="11150221" cy="1855304"/>
+          </a:xfrm>
+          <a:prstGeom prst="rect">
+            <a:avLst/>
+          </a:prstGeom>
+          <a:solidFill>
+            <a:schemeClr val="bg2">
+              <a:lumMod val="25000"/>
+            </a:schemeClr>
+          </a:solidFill>
+          <a:ln>
+            <a:noFill/>
+          </a:ln>
+        </p:spPr>
+        <p:style>
+          <a:lnRef idx="2">
+            <a:schemeClr val="accent1">
+              <a:shade val="50000"/>
+            </a:schemeClr>
+          </a:lnRef>
+          <a:fillRef idx="1">
+            <a:schemeClr val="accent1"/>
+          </a:fillRef>
+          <a:effectRef idx="0">
+            <a:schemeClr val="accent1"/>
+          </a:effectRef>
+          <a:fontRef idx="minor">
+            <a:schemeClr val="lt1"/>
+          </a:fontRef>
+        </p:style>
+        <p:txBody>
+          <a:bodyPr rtlCol="0" anchor="ctr"/>
+          <a:lstStyle/>
+          <a:p>
+            <a:pPr algn="ctr"/>
+            <a:endParaRPr lang="pt-BR" dirty="0"/>
+          </a:p>
+        </p:txBody>
+      </p:sp>
+      <p:sp>
+        <p:nvSpPr>
+          <p:cNvPr id="18" name="Retângulo 17">
+            <a:extLst>
+              <a:ext uri="{FF2B5EF4-FFF2-40B4-BE49-F238E27FC236}">
+                <a16:creationId xmlns:a16="http://schemas.microsoft.com/office/drawing/2014/main" id="{AF056290-7F34-4974-9B23-4334142C4FA5}"/>
+              </a:ext>
+            </a:extLst>
+          </p:cNvPr>
+          <p:cNvSpPr/>
+          <p:nvPr/>
+        </p:nvSpPr>
+        <p:spPr>
+          <a:xfrm rot="18718225">
+            <a:off x="1861718" y="3951864"/>
+            <a:ext cx="11150221" cy="186724"/>
+          </a:xfrm>
+          <a:prstGeom prst="rect">
+            <a:avLst/>
+          </a:prstGeom>
+          <a:solidFill>
+            <a:schemeClr val="bg2">
+              <a:lumMod val="25000"/>
+            </a:schemeClr>
+          </a:solidFill>
+          <a:ln>
+            <a:noFill/>
+          </a:ln>
+        </p:spPr>
+        <p:style>
+          <a:lnRef idx="2">
+            <a:schemeClr val="accent1">
+              <a:shade val="50000"/>
+            </a:schemeClr>
+          </a:lnRef>
+          <a:fillRef idx="1">
+            <a:schemeClr val="accent1"/>
+          </a:fillRef>
+          <a:effectRef idx="0">
+            <a:schemeClr val="accent1"/>
+          </a:effectRef>
+          <a:fontRef idx="minor">
+            <a:schemeClr val="lt1"/>
+          </a:fontRef>
+        </p:style>
+        <p:txBody>
+          <a:bodyPr rtlCol="0" anchor="ctr"/>
+          <a:lstStyle/>
+          <a:p>
+            <a:pPr algn="ctr"/>
+            <a:endParaRPr lang="pt-BR" dirty="0"/>
+          </a:p>
+        </p:txBody>
+      </p:sp>
+      <p:sp>
+        <p:nvSpPr>
+          <p:cNvPr id="20" name="CaixaDeTexto 19">
+            <a:extLst>
+              <a:ext uri="{FF2B5EF4-FFF2-40B4-BE49-F238E27FC236}">
+                <a16:creationId xmlns:a16="http://schemas.microsoft.com/office/drawing/2014/main" id="{EE8C2628-581E-4D6C-B416-1EF71DE3B6E3}"/>
+              </a:ext>
+            </a:extLst>
+          </p:cNvPr>
+          <p:cNvSpPr txBox="1"/>
+          <p:nvPr/>
+        </p:nvSpPr>
+        <p:spPr>
+          <a:xfrm>
+            <a:off x="460136" y="105872"/>
+            <a:ext cx="6153324" cy="1323439"/>
+          </a:xfrm>
+          <a:prstGeom prst="rect">
+            <a:avLst/>
+          </a:prstGeom>
+          <a:noFill/>
+        </p:spPr>
+        <p:txBody>
+          <a:bodyPr wrap="square">
+            <a:spAutoFit/>
+          </a:bodyPr>
+          <a:lstStyle/>
+          <a:p>
+            <a:pPr algn="ctr"/>
+            <a:r>
+              <a:rPr lang="pt-BR" sz="4000" dirty="0">
+                <a:solidFill>
+                  <a:schemeClr val="tx1"/>
+                </a:solidFill>
+                <a:latin typeface="Felix Titling" panose="04060505060202020A04" pitchFamily="82" charset="0"/>
+              </a:rPr>
+              <a:t>Arquivos do projeto no GitHub</a:t>
+            </a:r>
+            <a:r>
+              <a:rPr lang="pt-BR" sz="4000" dirty="0">
+                <a:latin typeface="Felix Titling" panose="04060505060202020A04" pitchFamily="82" charset="0"/>
+              </a:rPr>
+              <a:t> </a:t>
+            </a:r>
+          </a:p>
+        </p:txBody>
+      </p:sp>
     </p:spTree>
     <p:extLst>
       <p:ext uri="{BB962C8B-B14F-4D97-AF65-F5344CB8AC3E}">
@@ -5214,6 +5646,389 @@
   <p:clrMapOvr>
     <a:masterClrMapping/>
   </p:clrMapOvr>
+  <p:timing>
+    <p:tnLst>
+      <p:par>
+        <p:cTn id="1" dur="indefinite" restart="never" nodeType="tmRoot">
+          <p:childTnLst>
+            <p:seq concurrent="1" nextAc="seek">
+              <p:cTn id="2" dur="indefinite" nodeType="mainSeq">
+                <p:childTnLst>
+                  <p:par>
+                    <p:cTn id="3" fill="hold">
+                      <p:stCondLst>
+                        <p:cond delay="indefinite"/>
+                      </p:stCondLst>
+                      <p:childTnLst>
+                        <p:par>
+                          <p:cTn id="4" fill="hold">
+                            <p:stCondLst>
+                              <p:cond delay="0"/>
+                            </p:stCondLst>
+                            <p:childTnLst>
+                              <p:par>
+                                <p:cTn id="5" presetID="31" presetClass="entr" presetSubtype="0" fill="hold" nodeType="clickEffect">
+                                  <p:stCondLst>
+                                    <p:cond delay="0"/>
+                                  </p:stCondLst>
+                                  <p:childTnLst>
+                                    <p:set>
+                                      <p:cBhvr>
+                                        <p:cTn id="6" dur="1" fill="hold">
+                                          <p:stCondLst>
+                                            <p:cond delay="0"/>
+                                          </p:stCondLst>
+                                        </p:cTn>
+                                        <p:tgtEl>
+                                          <p:spTgt spid="3"/>
+                                        </p:tgtEl>
+                                        <p:attrNameLst>
+                                          <p:attrName>style.visibility</p:attrName>
+                                        </p:attrNameLst>
+                                      </p:cBhvr>
+                                      <p:to>
+                                        <p:strVal val="visible"/>
+                                      </p:to>
+                                    </p:set>
+                                    <p:anim calcmode="lin" valueType="num">
+                                      <p:cBhvr>
+                                        <p:cTn id="7" dur="1000" fill="hold"/>
+                                        <p:tgtEl>
+                                          <p:spTgt spid="3"/>
+                                        </p:tgtEl>
+                                        <p:attrNameLst>
+                                          <p:attrName>ppt_w</p:attrName>
+                                        </p:attrNameLst>
+                                      </p:cBhvr>
+                                      <p:tavLst>
+                                        <p:tav tm="0">
+                                          <p:val>
+                                            <p:fltVal val="0"/>
+                                          </p:val>
+                                        </p:tav>
+                                        <p:tav tm="100000">
+                                          <p:val>
+                                            <p:strVal val="#ppt_w"/>
+                                          </p:val>
+                                        </p:tav>
+                                      </p:tavLst>
+                                    </p:anim>
+                                    <p:anim calcmode="lin" valueType="num">
+                                      <p:cBhvr>
+                                        <p:cTn id="8" dur="1000" fill="hold"/>
+                                        <p:tgtEl>
+                                          <p:spTgt spid="3"/>
+                                        </p:tgtEl>
+                                        <p:attrNameLst>
+                                          <p:attrName>ppt_h</p:attrName>
+                                        </p:attrNameLst>
+                                      </p:cBhvr>
+                                      <p:tavLst>
+                                        <p:tav tm="0">
+                                          <p:val>
+                                            <p:fltVal val="0"/>
+                                          </p:val>
+                                        </p:tav>
+                                        <p:tav tm="100000">
+                                          <p:val>
+                                            <p:strVal val="#ppt_h"/>
+                                          </p:val>
+                                        </p:tav>
+                                      </p:tavLst>
+                                    </p:anim>
+                                    <p:anim calcmode="lin" valueType="num">
+                                      <p:cBhvr>
+                                        <p:cTn id="9" dur="1000" fill="hold"/>
+                                        <p:tgtEl>
+                                          <p:spTgt spid="3"/>
+                                        </p:tgtEl>
+                                        <p:attrNameLst>
+                                          <p:attrName>style.rotation</p:attrName>
+                                        </p:attrNameLst>
+                                      </p:cBhvr>
+                                      <p:tavLst>
+                                        <p:tav tm="0">
+                                          <p:val>
+                                            <p:fltVal val="90"/>
+                                          </p:val>
+                                        </p:tav>
+                                        <p:tav tm="100000">
+                                          <p:val>
+                                            <p:fltVal val="0"/>
+                                          </p:val>
+                                        </p:tav>
+                                      </p:tavLst>
+                                    </p:anim>
+                                    <p:animEffect transition="in" filter="fade">
+                                      <p:cBhvr>
+                                        <p:cTn id="10" dur="1000"/>
+                                        <p:tgtEl>
+                                          <p:spTgt spid="3"/>
+                                        </p:tgtEl>
+                                      </p:cBhvr>
+                                    </p:animEffect>
+                                  </p:childTnLst>
+                                </p:cTn>
+                              </p:par>
+                            </p:childTnLst>
+                          </p:cTn>
+                        </p:par>
+                      </p:childTnLst>
+                    </p:cTn>
+                  </p:par>
+                  <p:par>
+                    <p:cTn id="11" fill="hold">
+                      <p:stCondLst>
+                        <p:cond delay="indefinite"/>
+                      </p:stCondLst>
+                      <p:childTnLst>
+                        <p:par>
+                          <p:cTn id="12" fill="hold">
+                            <p:stCondLst>
+                              <p:cond delay="0"/>
+                            </p:stCondLst>
+                            <p:childTnLst>
+                              <p:par>
+                                <p:cTn id="13" presetID="31" presetClass="entr" presetSubtype="0" fill="hold" nodeType="clickEffect">
+                                  <p:stCondLst>
+                                    <p:cond delay="0"/>
+                                  </p:stCondLst>
+                                  <p:childTnLst>
+                                    <p:set>
+                                      <p:cBhvr>
+                                        <p:cTn id="14" dur="1" fill="hold">
+                                          <p:stCondLst>
+                                            <p:cond delay="0"/>
+                                          </p:stCondLst>
+                                        </p:cTn>
+                                        <p:tgtEl>
+                                          <p:spTgt spid="14"/>
+                                        </p:tgtEl>
+                                        <p:attrNameLst>
+                                          <p:attrName>style.visibility</p:attrName>
+                                        </p:attrNameLst>
+                                      </p:cBhvr>
+                                      <p:to>
+                                        <p:strVal val="visible"/>
+                                      </p:to>
+                                    </p:set>
+                                    <p:anim calcmode="lin" valueType="num">
+                                      <p:cBhvr>
+                                        <p:cTn id="15" dur="1000" fill="hold"/>
+                                        <p:tgtEl>
+                                          <p:spTgt spid="14"/>
+                                        </p:tgtEl>
+                                        <p:attrNameLst>
+                                          <p:attrName>ppt_w</p:attrName>
+                                        </p:attrNameLst>
+                                      </p:cBhvr>
+                                      <p:tavLst>
+                                        <p:tav tm="0">
+                                          <p:val>
+                                            <p:fltVal val="0"/>
+                                          </p:val>
+                                        </p:tav>
+                                        <p:tav tm="100000">
+                                          <p:val>
+                                            <p:strVal val="#ppt_w"/>
+                                          </p:val>
+                                        </p:tav>
+                                      </p:tavLst>
+                                    </p:anim>
+                                    <p:anim calcmode="lin" valueType="num">
+                                      <p:cBhvr>
+                                        <p:cTn id="16" dur="1000" fill="hold"/>
+                                        <p:tgtEl>
+                                          <p:spTgt spid="14"/>
+                                        </p:tgtEl>
+                                        <p:attrNameLst>
+                                          <p:attrName>ppt_h</p:attrName>
+                                        </p:attrNameLst>
+                                      </p:cBhvr>
+                                      <p:tavLst>
+                                        <p:tav tm="0">
+                                          <p:val>
+                                            <p:fltVal val="0"/>
+                                          </p:val>
+                                        </p:tav>
+                                        <p:tav tm="100000">
+                                          <p:val>
+                                            <p:strVal val="#ppt_h"/>
+                                          </p:val>
+                                        </p:tav>
+                                      </p:tavLst>
+                                    </p:anim>
+                                    <p:anim calcmode="lin" valueType="num">
+                                      <p:cBhvr>
+                                        <p:cTn id="17" dur="1000" fill="hold"/>
+                                        <p:tgtEl>
+                                          <p:spTgt spid="14"/>
+                                        </p:tgtEl>
+                                        <p:attrNameLst>
+                                          <p:attrName>style.rotation</p:attrName>
+                                        </p:attrNameLst>
+                                      </p:cBhvr>
+                                      <p:tavLst>
+                                        <p:tav tm="0">
+                                          <p:val>
+                                            <p:fltVal val="90"/>
+                                          </p:val>
+                                        </p:tav>
+                                        <p:tav tm="100000">
+                                          <p:val>
+                                            <p:fltVal val="0"/>
+                                          </p:val>
+                                        </p:tav>
+                                      </p:tavLst>
+                                    </p:anim>
+                                    <p:animEffect transition="in" filter="fade">
+                                      <p:cBhvr>
+                                        <p:cTn id="18" dur="1000"/>
+                                        <p:tgtEl>
+                                          <p:spTgt spid="14"/>
+                                        </p:tgtEl>
+                                      </p:cBhvr>
+                                    </p:animEffect>
+                                  </p:childTnLst>
+                                </p:cTn>
+                              </p:par>
+                              <p:par>
+                                <p:cTn id="19" presetID="10" presetClass="entr" presetSubtype="0" fill="hold" nodeType="withEffect">
+                                  <p:stCondLst>
+                                    <p:cond delay="0"/>
+                                  </p:stCondLst>
+                                  <p:childTnLst>
+                                    <p:set>
+                                      <p:cBhvr>
+                                        <p:cTn id="20" dur="1" fill="hold">
+                                          <p:stCondLst>
+                                            <p:cond delay="0"/>
+                                          </p:stCondLst>
+                                        </p:cTn>
+                                        <p:tgtEl>
+                                          <p:spTgt spid="15"/>
+                                        </p:tgtEl>
+                                        <p:attrNameLst>
+                                          <p:attrName>style.visibility</p:attrName>
+                                        </p:attrNameLst>
+                                      </p:cBhvr>
+                                      <p:to>
+                                        <p:strVal val="visible"/>
+                                      </p:to>
+                                    </p:set>
+                                    <p:animEffect transition="in" filter="fade">
+                                      <p:cBhvr>
+                                        <p:cTn id="21" dur="500"/>
+                                        <p:tgtEl>
+                                          <p:spTgt spid="15"/>
+                                        </p:tgtEl>
+                                      </p:cBhvr>
+                                    </p:animEffect>
+                                  </p:childTnLst>
+                                </p:cTn>
+                              </p:par>
+                              <p:par>
+                                <p:cTn id="22" presetID="10" presetClass="entr" presetSubtype="0" fill="hold" grpId="0" nodeType="withEffect">
+                                  <p:stCondLst>
+                                    <p:cond delay="500"/>
+                                  </p:stCondLst>
+                                  <p:childTnLst>
+                                    <p:set>
+                                      <p:cBhvr>
+                                        <p:cTn id="23" dur="1" fill="hold">
+                                          <p:stCondLst>
+                                            <p:cond delay="0"/>
+                                          </p:stCondLst>
+                                        </p:cTn>
+                                        <p:tgtEl>
+                                          <p:spTgt spid="17"/>
+                                        </p:tgtEl>
+                                        <p:attrNameLst>
+                                          <p:attrName>style.visibility</p:attrName>
+                                        </p:attrNameLst>
+                                      </p:cBhvr>
+                                      <p:to>
+                                        <p:strVal val="visible"/>
+                                      </p:to>
+                                    </p:set>
+                                    <p:animEffect transition="in" filter="fade">
+                                      <p:cBhvr>
+                                        <p:cTn id="24" dur="250"/>
+                                        <p:tgtEl>
+                                          <p:spTgt spid="17"/>
+                                        </p:tgtEl>
+                                      </p:cBhvr>
+                                    </p:animEffect>
+                                  </p:childTnLst>
+                                </p:cTn>
+                              </p:par>
+                              <p:par>
+                                <p:cTn id="25" presetID="10" presetClass="entr" presetSubtype="0" fill="hold" grpId="0" nodeType="withEffect">
+                                  <p:stCondLst>
+                                    <p:cond delay="500"/>
+                                  </p:stCondLst>
+                                  <p:childTnLst>
+                                    <p:set>
+                                      <p:cBhvr>
+                                        <p:cTn id="26" dur="1" fill="hold">
+                                          <p:stCondLst>
+                                            <p:cond delay="0"/>
+                                          </p:stCondLst>
+                                        </p:cTn>
+                                        <p:tgtEl>
+                                          <p:spTgt spid="18"/>
+                                        </p:tgtEl>
+                                        <p:attrNameLst>
+                                          <p:attrName>style.visibility</p:attrName>
+                                        </p:attrNameLst>
+                                      </p:cBhvr>
+                                      <p:to>
+                                        <p:strVal val="visible"/>
+                                      </p:to>
+                                    </p:set>
+                                    <p:animEffect transition="in" filter="fade">
+                                      <p:cBhvr>
+                                        <p:cTn id="27" dur="250"/>
+                                        <p:tgtEl>
+                                          <p:spTgt spid="18"/>
+                                        </p:tgtEl>
+                                      </p:cBhvr>
+                                    </p:animEffect>
+                                  </p:childTnLst>
+                                </p:cTn>
+                              </p:par>
+                            </p:childTnLst>
+                          </p:cTn>
+                        </p:par>
+                      </p:childTnLst>
+                    </p:cTn>
+                  </p:par>
+                </p:childTnLst>
+              </p:cTn>
+              <p:prevCondLst>
+                <p:cond evt="onPrev" delay="0">
+                  <p:tgtEl>
+                    <p:sldTgt/>
+                  </p:tgtEl>
+                </p:cond>
+              </p:prevCondLst>
+              <p:nextCondLst>
+                <p:cond evt="onNext" delay="0">
+                  <p:tgtEl>
+                    <p:sldTgt/>
+                  </p:tgtEl>
+                </p:cond>
+              </p:nextCondLst>
+            </p:seq>
+          </p:childTnLst>
+        </p:cTn>
+      </p:par>
+    </p:tnLst>
+    <p:bldLst>
+      <p:bldP spid="17" grpId="0" animBg="1"/>
+      <p:bldP spid="18" grpId="0" animBg="1"/>
+    </p:bldLst>
+  </p:timing>
 </p:sld>
 </file>
 
@@ -5769,13 +6584,13 @@
   <p:clrMapOvr>
     <a:masterClrMapping/>
   </p:clrMapOvr>
-  <mc:AlternateContent xmlns:mc="http://schemas.openxmlformats.org/markup-compatibility/2006">
-    <mc:Choice xmlns:p14="http://schemas.microsoft.com/office/powerpoint/2010/main" Requires="p14">
+  <mc:AlternateContent xmlns:mc="http://schemas.openxmlformats.org/markup-compatibility/2006" xmlns:p14="http://schemas.microsoft.com/office/powerpoint/2010/main">
+    <mc:Choice Requires="p14">
       <p:transition spd="med" p14:dur="700">
         <p:fade/>
       </p:transition>
     </mc:Choice>
-    <mc:Fallback>
+    <mc:Fallback xmlns="">
       <p:transition spd="med">
         <p:fade/>
       </p:transition>
@@ -7167,13 +7982,13 @@
   <p:clrMapOvr>
     <a:masterClrMapping/>
   </p:clrMapOvr>
-  <mc:AlternateContent xmlns:mc="http://schemas.openxmlformats.org/markup-compatibility/2006">
-    <mc:Choice xmlns:p14="http://schemas.microsoft.com/office/powerpoint/2010/main" Requires="p14">
+  <mc:AlternateContent xmlns:mc="http://schemas.openxmlformats.org/markup-compatibility/2006" xmlns:p14="http://schemas.microsoft.com/office/powerpoint/2010/main">
+    <mc:Choice Requires="p14">
       <p:transition spd="slow">
         <p14:flash/>
       </p:transition>
     </mc:Choice>
-    <mc:Fallback>
+    <mc:Fallback xmlns="">
       <p:transition spd="slow">
         <p:fade/>
       </p:transition>
@@ -7498,8 +8313,8 @@
         </p:nvSpPr>
         <p:spPr>
           <a:xfrm>
-            <a:off x="752913" y="383415"/>
-            <a:ext cx="6153324" cy="584775"/>
+            <a:off x="-126042" y="182325"/>
+            <a:ext cx="6153324" cy="1077218"/>
           </a:xfrm>
           <a:prstGeom prst="rect">
             <a:avLst/>
@@ -7514,8 +8329,14 @@
           <a:p>
             <a:pPr algn="ctr"/>
             <a:r>
+              <a:rPr lang="pt-BR" sz="3200" dirty="0">
+                <a:latin typeface="Felix Titling" panose="04060505060202020A04" pitchFamily="82" charset="0"/>
+              </a:rPr>
+              <a:t>Site Institucional, Dashboard</a:t>
+            </a:r>
+            <a:r>
               <a:rPr lang="pt-BR" sz="3200" dirty="0"/>
-              <a:t>Site Institucional, Dashboard.</a:t>
+              <a:t>.</a:t>
             </a:r>
           </a:p>
         </p:txBody>
@@ -8256,7 +9077,7 @@
         </p:blipFill>
         <p:spPr bwMode="auto">
           <a:xfrm>
-            <a:off x="4057649" y="1663700"/>
+            <a:off x="4175095" y="1663700"/>
             <a:ext cx="3975100" cy="3975100"/>
           </a:xfrm>
           <a:prstGeom prst="rect">
@@ -8288,8 +9109,8 @@
         </p:nvSpPr>
         <p:spPr>
           <a:xfrm>
-            <a:off x="4623481" y="342900"/>
-            <a:ext cx="2945037" cy="584775"/>
+            <a:off x="3451697" y="225454"/>
+            <a:ext cx="5183920" cy="707886"/>
           </a:xfrm>
           <a:prstGeom prst="rect">
             <a:avLst/>
@@ -8303,7 +9124,9 @@
           <a:lstStyle/>
           <a:p>
             <a:r>
-              <a:rPr lang="pt-BR" sz="3200" dirty="0"/>
+              <a:rPr lang="pt-BR" sz="4000" dirty="0">
+                <a:latin typeface="Felix Titling" panose="04060505060202020A04" pitchFamily="82" charset="0"/>
+              </a:rPr>
               <a:t>Cadastro e Login</a:t>
             </a:r>
           </a:p>
@@ -8484,7 +9307,7 @@
                                     <p:cond delay="0"/>
                                   </p:stCondLst>
                                   <p:childTnLst>
-                                    <p:animMotion origin="layout" path="M -0.04166 0.00555 L 0.02539 0.0456 C 0.03933 0.05463 0.06029 0.05949 0.0823 0.05949 C 0.1073 0.05949 0.12735 0.05463 0.14128 0.0456 L 0.20834 0.00555 " pathEditMode="relative" rAng="0" ptsTypes="AAAAA">
+                                    <p:animMotion origin="layout" path="M -0.04167 0.00555 L 0.02539 0.0456 C 0.03932 0.05463 0.06029 0.05949 0.08229 0.05949 C 0.10729 0.05949 0.12734 0.05463 0.14127 0.0456 L 0.20833 0.00555 " pathEditMode="relative" rAng="0" ptsTypes="AAAAA">
                                       <p:cBhvr>
                                         <p:cTn id="11" dur="2000" fill="hold"/>
                                         <p:tgtEl>
@@ -9009,8 +9832,8 @@
         </p:nvSpPr>
         <p:spPr>
           <a:xfrm>
-            <a:off x="2499037" y="603564"/>
-            <a:ext cx="7234481" cy="984885"/>
+            <a:off x="1170687" y="710059"/>
+            <a:ext cx="10085518" cy="984885"/>
           </a:xfrm>
           <a:prstGeom prst="rect">
             <a:avLst/>
@@ -9028,7 +9851,7 @@
                 <a:solidFill>
                   <a:srgbClr val="FFFFFF"/>
                 </a:solidFill>
-                <a:latin typeface="+mj-lt"/>
+                <a:latin typeface="Felix Titling" panose="04060505060202020A04" pitchFamily="82" charset="0"/>
                 <a:ea typeface="+mj-ea"/>
                 <a:cs typeface="+mj-cs"/>
               </a:rPr>
@@ -9445,7 +10268,7 @@
         </p:blipFill>
         <p:spPr bwMode="auto">
           <a:xfrm>
-            <a:off x="1436460" y="2614394"/>
+            <a:off x="1464801" y="2140581"/>
             <a:ext cx="1347899" cy="3130603"/>
           </a:xfrm>
           <a:prstGeom prst="rect">
@@ -9534,12 +10357,189 @@
         </p:blipFill>
         <p:spPr>
           <a:xfrm>
-            <a:off x="8234313" y="2748014"/>
-            <a:ext cx="3245224" cy="3245224"/>
+            <a:off x="8725526" y="2140581"/>
+            <a:ext cx="2993927" cy="2993927"/>
           </a:xfrm>
           <a:prstGeom prst="rect">
             <a:avLst/>
           </a:prstGeom>
+        </p:spPr>
+      </p:pic>
+      <p:pic>
+        <p:nvPicPr>
+          <p:cNvPr id="8" name="Imagem 7" descr="Logotipo&#10;&#10;Descrição gerada automaticamente">
+            <a:extLst>
+              <a:ext uri="{FF2B5EF4-FFF2-40B4-BE49-F238E27FC236}">
+                <a16:creationId xmlns:a16="http://schemas.microsoft.com/office/drawing/2014/main" id="{E315E259-D257-46B2-8770-0179277D2740}"/>
+              </a:ext>
+            </a:extLst>
+          </p:cNvPr>
+          <p:cNvPicPr>
+            <a:picLocks noChangeAspect="1"/>
+          </p:cNvPicPr>
+          <p:nvPr/>
+        </p:nvPicPr>
+        <p:blipFill>
+          <a:blip r:embed="rId5">
+            <a:extLst>
+              <a:ext uri="{28A0092B-C50C-407E-A947-70E740481C1C}">
+                <a14:useLocalDpi xmlns:a14="http://schemas.microsoft.com/office/drawing/2010/main" val="0"/>
+              </a:ext>
+            </a:extLst>
+          </a:blip>
+          <a:stretch>
+            <a:fillRect/>
+          </a:stretch>
+        </p:blipFill>
+        <p:spPr>
+          <a:xfrm>
+            <a:off x="11473430" y="6175513"/>
+            <a:ext cx="570021" cy="559903"/>
+          </a:xfrm>
+          <a:prstGeom prst="rect">
+            <a:avLst/>
+          </a:prstGeom>
+        </p:spPr>
+      </p:pic>
+      <p:pic>
+        <p:nvPicPr>
+          <p:cNvPr id="1030" name="Picture 6" descr="Ver a imagem de origem">
+            <a:extLst>
+              <a:ext uri="{FF2B5EF4-FFF2-40B4-BE49-F238E27FC236}">
+                <a16:creationId xmlns:a16="http://schemas.microsoft.com/office/drawing/2014/main" id="{EDDB16FB-4335-45EC-9FEC-6C03F6E96DD1}"/>
+              </a:ext>
+            </a:extLst>
+          </p:cNvPr>
+          <p:cNvPicPr>
+            <a:picLocks noChangeAspect="1" noChangeArrowheads="1"/>
+          </p:cNvPicPr>
+          <p:nvPr/>
+        </p:nvPicPr>
+        <p:blipFill>
+          <a:blip r:embed="rId6">
+            <a:extLst>
+              <a:ext uri="{28A0092B-C50C-407E-A947-70E740481C1C}">
+                <a14:useLocalDpi xmlns:a14="http://schemas.microsoft.com/office/drawing/2010/main" val="0"/>
+              </a:ext>
+            </a:extLst>
+          </a:blip>
+          <a:srcRect/>
+          <a:stretch>
+            <a:fillRect/>
+          </a:stretch>
+        </p:blipFill>
+        <p:spPr bwMode="auto">
+          <a:xfrm>
+            <a:off x="8493897" y="5106781"/>
+            <a:ext cx="1235041" cy="1096460"/>
+          </a:xfrm>
+          <a:prstGeom prst="rect">
+            <a:avLst/>
+          </a:prstGeom>
+          <a:noFill/>
+          <a:extLst>
+            <a:ext uri="{909E8E84-426E-40DD-AFC4-6F175D3DCCD1}">
+              <a14:hiddenFill xmlns:a14="http://schemas.microsoft.com/office/drawing/2010/main">
+                <a:solidFill>
+                  <a:srgbClr val="FFFFFF"/>
+                </a:solidFill>
+              </a14:hiddenFill>
+            </a:ext>
+          </a:extLst>
+        </p:spPr>
+      </p:pic>
+      <p:pic>
+        <p:nvPicPr>
+          <p:cNvPr id="1032" name="Picture 8" descr="Ver a imagem de origem">
+            <a:extLst>
+              <a:ext uri="{FF2B5EF4-FFF2-40B4-BE49-F238E27FC236}">
+                <a16:creationId xmlns:a16="http://schemas.microsoft.com/office/drawing/2014/main" id="{DA2B410D-F4E3-4655-9F18-64FE460E6281}"/>
+              </a:ext>
+            </a:extLst>
+          </p:cNvPr>
+          <p:cNvPicPr>
+            <a:picLocks noChangeAspect="1" noChangeArrowheads="1"/>
+          </p:cNvPicPr>
+          <p:nvPr/>
+        </p:nvPicPr>
+        <p:blipFill>
+          <a:blip r:embed="rId7">
+            <a:extLst>
+              <a:ext uri="{28A0092B-C50C-407E-A947-70E740481C1C}">
+                <a14:useLocalDpi xmlns:a14="http://schemas.microsoft.com/office/drawing/2010/main" val="0"/>
+              </a:ext>
+            </a:extLst>
+          </a:blip>
+          <a:srcRect/>
+          <a:stretch>
+            <a:fillRect/>
+          </a:stretch>
+        </p:blipFill>
+        <p:spPr bwMode="auto">
+          <a:xfrm>
+            <a:off x="6903333" y="5140411"/>
+            <a:ext cx="1235040" cy="1029200"/>
+          </a:xfrm>
+          <a:prstGeom prst="rect">
+            <a:avLst/>
+          </a:prstGeom>
+          <a:noFill/>
+          <a:extLst>
+            <a:ext uri="{909E8E84-426E-40DD-AFC4-6F175D3DCCD1}">
+              <a14:hiddenFill xmlns:a14="http://schemas.microsoft.com/office/drawing/2010/main">
+                <a:solidFill>
+                  <a:srgbClr val="FFFFFF"/>
+                </a:solidFill>
+              </a14:hiddenFill>
+            </a:ext>
+          </a:extLst>
+        </p:spPr>
+      </p:pic>
+      <p:pic>
+        <p:nvPicPr>
+          <p:cNvPr id="1034" name="Picture 10" descr="Ver a imagem de origem">
+            <a:extLst>
+              <a:ext uri="{FF2B5EF4-FFF2-40B4-BE49-F238E27FC236}">
+                <a16:creationId xmlns:a16="http://schemas.microsoft.com/office/drawing/2014/main" id="{6A9B5E0B-A1B4-41EA-89DA-5A945F3066F6}"/>
+              </a:ext>
+            </a:extLst>
+          </p:cNvPr>
+          <p:cNvPicPr>
+            <a:picLocks noChangeAspect="1" noChangeArrowheads="1"/>
+          </p:cNvPicPr>
+          <p:nvPr/>
+        </p:nvPicPr>
+        <p:blipFill>
+          <a:blip r:embed="rId8">
+            <a:extLst>
+              <a:ext uri="{28A0092B-C50C-407E-A947-70E740481C1C}">
+                <a14:useLocalDpi xmlns:a14="http://schemas.microsoft.com/office/drawing/2010/main" val="0"/>
+              </a:ext>
+            </a:extLst>
+          </a:blip>
+          <a:srcRect/>
+          <a:stretch>
+            <a:fillRect/>
+          </a:stretch>
+        </p:blipFill>
+        <p:spPr bwMode="auto">
+          <a:xfrm>
+            <a:off x="10006130" y="4874214"/>
+            <a:ext cx="1351485" cy="1329027"/>
+          </a:xfrm>
+          <a:prstGeom prst="rect">
+            <a:avLst/>
+          </a:prstGeom>
+          <a:noFill/>
+          <a:extLst>
+            <a:ext uri="{909E8E84-426E-40DD-AFC4-6F175D3DCCD1}">
+              <a14:hiddenFill xmlns:a14="http://schemas.microsoft.com/office/drawing/2010/main">
+                <a:solidFill>
+                  <a:srgbClr val="FFFFFF"/>
+                </a:solidFill>
+              </a14:hiddenFill>
+            </a:ext>
+          </a:extLst>
         </p:spPr>
       </p:pic>
     </p:spTree>
@@ -9552,13 +10552,13 @@
   <p:clrMapOvr>
     <a:masterClrMapping/>
   </p:clrMapOvr>
-  <mc:AlternateContent xmlns:mc="http://schemas.openxmlformats.org/markup-compatibility/2006">
-    <mc:Choice xmlns:p14="http://schemas.microsoft.com/office/powerpoint/2010/main" Requires="p14">
+  <mc:AlternateContent xmlns:mc="http://schemas.openxmlformats.org/markup-compatibility/2006" xmlns:p14="http://schemas.microsoft.com/office/powerpoint/2010/main">
+    <mc:Choice Requires="p14">
       <p:transition spd="med" p14:dur="700">
         <p:fade/>
       </p:transition>
     </mc:Choice>
-    <mc:Fallback>
+    <mc:Fallback xmlns="">
       <p:transition spd="med">
         <p:fade/>
       </p:transition>
@@ -9760,6 +10760,330 @@
                                         </p:tgtEl>
                                       </p:cBhvr>
                                     </p:animEffect>
+                                  </p:childTnLst>
+                                </p:cTn>
+                              </p:par>
+                              <p:par>
+                                <p:cTn id="21" presetID="10" presetClass="entr" presetSubtype="0" fill="hold" nodeType="withEffect">
+                                  <p:stCondLst>
+                                    <p:cond delay="0"/>
+                                  </p:stCondLst>
+                                  <p:childTnLst>
+                                    <p:set>
+                                      <p:cBhvr>
+                                        <p:cTn id="22" dur="1" fill="hold">
+                                          <p:stCondLst>
+                                            <p:cond delay="0"/>
+                                          </p:stCondLst>
+                                        </p:cTn>
+                                        <p:tgtEl>
+                                          <p:spTgt spid="8"/>
+                                        </p:tgtEl>
+                                        <p:attrNameLst>
+                                          <p:attrName>style.visibility</p:attrName>
+                                        </p:attrNameLst>
+                                      </p:cBhvr>
+                                      <p:to>
+                                        <p:strVal val="visible"/>
+                                      </p:to>
+                                    </p:set>
+                                    <p:animEffect transition="in" filter="fade">
+                                      <p:cBhvr>
+                                        <p:cTn id="23" dur="500"/>
+                                        <p:tgtEl>
+                                          <p:spTgt spid="8"/>
+                                        </p:tgtEl>
+                                      </p:cBhvr>
+                                    </p:animEffect>
+                                  </p:childTnLst>
+                                </p:cTn>
+                              </p:par>
+                            </p:childTnLst>
+                          </p:cTn>
+                        </p:par>
+                      </p:childTnLst>
+                    </p:cTn>
+                  </p:par>
+                  <p:par>
+                    <p:cTn id="24" fill="hold">
+                      <p:stCondLst>
+                        <p:cond delay="indefinite"/>
+                      </p:stCondLst>
+                      <p:childTnLst>
+                        <p:par>
+                          <p:cTn id="25" fill="hold">
+                            <p:stCondLst>
+                              <p:cond delay="0"/>
+                            </p:stCondLst>
+                            <p:childTnLst>
+                              <p:par>
+                                <p:cTn id="26" presetID="42" presetClass="entr" presetSubtype="0" fill="hold" nodeType="clickEffect">
+                                  <p:stCondLst>
+                                    <p:cond delay="0"/>
+                                  </p:stCondLst>
+                                  <p:childTnLst>
+                                    <p:set>
+                                      <p:cBhvr>
+                                        <p:cTn id="27" dur="1" fill="hold">
+                                          <p:stCondLst>
+                                            <p:cond delay="0"/>
+                                          </p:stCondLst>
+                                        </p:cTn>
+                                        <p:tgtEl>
+                                          <p:spTgt spid="1032"/>
+                                        </p:tgtEl>
+                                        <p:attrNameLst>
+                                          <p:attrName>style.visibility</p:attrName>
+                                        </p:attrNameLst>
+                                      </p:cBhvr>
+                                      <p:to>
+                                        <p:strVal val="visible"/>
+                                      </p:to>
+                                    </p:set>
+                                    <p:animEffect transition="in" filter="fade">
+                                      <p:cBhvr>
+                                        <p:cTn id="28" dur="1000"/>
+                                        <p:tgtEl>
+                                          <p:spTgt spid="1032"/>
+                                        </p:tgtEl>
+                                      </p:cBhvr>
+                                    </p:animEffect>
+                                    <p:anim calcmode="lin" valueType="num">
+                                      <p:cBhvr>
+                                        <p:cTn id="29" dur="1000" fill="hold"/>
+                                        <p:tgtEl>
+                                          <p:spTgt spid="1032"/>
+                                        </p:tgtEl>
+                                        <p:attrNameLst>
+                                          <p:attrName>ppt_x</p:attrName>
+                                        </p:attrNameLst>
+                                      </p:cBhvr>
+                                      <p:tavLst>
+                                        <p:tav tm="0">
+                                          <p:val>
+                                            <p:strVal val="#ppt_x"/>
+                                          </p:val>
+                                        </p:tav>
+                                        <p:tav tm="100000">
+                                          <p:val>
+                                            <p:strVal val="#ppt_x"/>
+                                          </p:val>
+                                        </p:tav>
+                                      </p:tavLst>
+                                    </p:anim>
+                                    <p:anim calcmode="lin" valueType="num">
+                                      <p:cBhvr>
+                                        <p:cTn id="30" dur="1000" fill="hold"/>
+                                        <p:tgtEl>
+                                          <p:spTgt spid="1032"/>
+                                        </p:tgtEl>
+                                        <p:attrNameLst>
+                                          <p:attrName>ppt_y</p:attrName>
+                                        </p:attrNameLst>
+                                      </p:cBhvr>
+                                      <p:tavLst>
+                                        <p:tav tm="0">
+                                          <p:val>
+                                            <p:strVal val="#ppt_y+.1"/>
+                                          </p:val>
+                                        </p:tav>
+                                        <p:tav tm="100000">
+                                          <p:val>
+                                            <p:strVal val="#ppt_y"/>
+                                          </p:val>
+                                        </p:tav>
+                                      </p:tavLst>
+                                    </p:anim>
+                                  </p:childTnLst>
+                                </p:cTn>
+                              </p:par>
+                            </p:childTnLst>
+                          </p:cTn>
+                        </p:par>
+                      </p:childTnLst>
+                    </p:cTn>
+                  </p:par>
+                  <p:par>
+                    <p:cTn id="31" fill="hold">
+                      <p:stCondLst>
+                        <p:cond delay="indefinite"/>
+                      </p:stCondLst>
+                      <p:childTnLst>
+                        <p:par>
+                          <p:cTn id="32" fill="hold">
+                            <p:stCondLst>
+                              <p:cond delay="0"/>
+                            </p:stCondLst>
+                            <p:childTnLst>
+                              <p:par>
+                                <p:cTn id="33" presetID="42" presetClass="entr" presetSubtype="0" fill="hold" nodeType="clickEffect">
+                                  <p:stCondLst>
+                                    <p:cond delay="0"/>
+                                  </p:stCondLst>
+                                  <p:childTnLst>
+                                    <p:set>
+                                      <p:cBhvr>
+                                        <p:cTn id="34" dur="1" fill="hold">
+                                          <p:stCondLst>
+                                            <p:cond delay="0"/>
+                                          </p:stCondLst>
+                                        </p:cTn>
+                                        <p:tgtEl>
+                                          <p:spTgt spid="1030"/>
+                                        </p:tgtEl>
+                                        <p:attrNameLst>
+                                          <p:attrName>style.visibility</p:attrName>
+                                        </p:attrNameLst>
+                                      </p:cBhvr>
+                                      <p:to>
+                                        <p:strVal val="visible"/>
+                                      </p:to>
+                                    </p:set>
+                                    <p:animEffect transition="in" filter="fade">
+                                      <p:cBhvr>
+                                        <p:cTn id="35" dur="1000"/>
+                                        <p:tgtEl>
+                                          <p:spTgt spid="1030"/>
+                                        </p:tgtEl>
+                                      </p:cBhvr>
+                                    </p:animEffect>
+                                    <p:anim calcmode="lin" valueType="num">
+                                      <p:cBhvr>
+                                        <p:cTn id="36" dur="1000" fill="hold"/>
+                                        <p:tgtEl>
+                                          <p:spTgt spid="1030"/>
+                                        </p:tgtEl>
+                                        <p:attrNameLst>
+                                          <p:attrName>ppt_x</p:attrName>
+                                        </p:attrNameLst>
+                                      </p:cBhvr>
+                                      <p:tavLst>
+                                        <p:tav tm="0">
+                                          <p:val>
+                                            <p:strVal val="#ppt_x"/>
+                                          </p:val>
+                                        </p:tav>
+                                        <p:tav tm="100000">
+                                          <p:val>
+                                            <p:strVal val="#ppt_x"/>
+                                          </p:val>
+                                        </p:tav>
+                                      </p:tavLst>
+                                    </p:anim>
+                                    <p:anim calcmode="lin" valueType="num">
+                                      <p:cBhvr>
+                                        <p:cTn id="37" dur="1000" fill="hold"/>
+                                        <p:tgtEl>
+                                          <p:spTgt spid="1030"/>
+                                        </p:tgtEl>
+                                        <p:attrNameLst>
+                                          <p:attrName>ppt_y</p:attrName>
+                                        </p:attrNameLst>
+                                      </p:cBhvr>
+                                      <p:tavLst>
+                                        <p:tav tm="0">
+                                          <p:val>
+                                            <p:strVal val="#ppt_y+.1"/>
+                                          </p:val>
+                                        </p:tav>
+                                        <p:tav tm="100000">
+                                          <p:val>
+                                            <p:strVal val="#ppt_y"/>
+                                          </p:val>
+                                        </p:tav>
+                                      </p:tavLst>
+                                    </p:anim>
+                                  </p:childTnLst>
+                                </p:cTn>
+                              </p:par>
+                            </p:childTnLst>
+                          </p:cTn>
+                        </p:par>
+                      </p:childTnLst>
+                    </p:cTn>
+                  </p:par>
+                  <p:par>
+                    <p:cTn id="38" fill="hold">
+                      <p:stCondLst>
+                        <p:cond delay="indefinite"/>
+                      </p:stCondLst>
+                      <p:childTnLst>
+                        <p:par>
+                          <p:cTn id="39" fill="hold">
+                            <p:stCondLst>
+                              <p:cond delay="0"/>
+                            </p:stCondLst>
+                            <p:childTnLst>
+                              <p:par>
+                                <p:cTn id="40" presetID="2" presetClass="entr" presetSubtype="4" fill="hold" nodeType="clickEffect">
+                                  <p:stCondLst>
+                                    <p:cond delay="0"/>
+                                  </p:stCondLst>
+                                  <p:childTnLst>
+                                    <p:set>
+                                      <p:cBhvr>
+                                        <p:cTn id="41" dur="1" fill="hold">
+                                          <p:stCondLst>
+                                            <p:cond delay="0"/>
+                                          </p:stCondLst>
+                                        </p:cTn>
+                                        <p:tgtEl>
+                                          <p:spTgt spid="1034"/>
+                                        </p:tgtEl>
+                                        <p:attrNameLst>
+                                          <p:attrName>style.visibility</p:attrName>
+                                        </p:attrNameLst>
+                                      </p:cBhvr>
+                                      <p:to>
+                                        <p:strVal val="visible"/>
+                                      </p:to>
+                                    </p:set>
+                                    <p:anim calcmode="lin" valueType="num">
+                                      <p:cBhvr additive="base">
+                                        <p:cTn id="42" dur="500" fill="hold"/>
+                                        <p:tgtEl>
+                                          <p:spTgt spid="1034"/>
+                                        </p:tgtEl>
+                                        <p:attrNameLst>
+                                          <p:attrName>ppt_x</p:attrName>
+                                        </p:attrNameLst>
+                                      </p:cBhvr>
+                                      <p:tavLst>
+                                        <p:tav tm="0">
+                                          <p:val>
+                                            <p:strVal val="#ppt_x"/>
+                                          </p:val>
+                                        </p:tav>
+                                        <p:tav tm="100000">
+                                          <p:val>
+                                            <p:strVal val="#ppt_x"/>
+                                          </p:val>
+                                        </p:tav>
+                                      </p:tavLst>
+                                    </p:anim>
+                                    <p:anim calcmode="lin" valueType="num">
+                                      <p:cBhvr additive="base">
+                                        <p:cTn id="43" dur="500" fill="hold"/>
+                                        <p:tgtEl>
+                                          <p:spTgt spid="1034"/>
+                                        </p:tgtEl>
+                                        <p:attrNameLst>
+                                          <p:attrName>ppt_y</p:attrName>
+                                        </p:attrNameLst>
+                                      </p:cBhvr>
+                                      <p:tavLst>
+                                        <p:tav tm="0">
+                                          <p:val>
+                                            <p:strVal val="1+#ppt_h/2"/>
+                                          </p:val>
+                                        </p:tav>
+                                        <p:tav tm="100000">
+                                          <p:val>
+                                            <p:strVal val="#ppt_y"/>
+                                          </p:val>
+                                        </p:tav>
+                                      </p:tavLst>
+                                    </p:anim>
                                   </p:childTnLst>
                                 </p:cTn>
                               </p:par>

--- a/Documentação/Apresentação Sprint 2.pptx
+++ b/Documentação/Apresentação Sprint 2.pptx
@@ -15,6 +15,7 @@
     <p:sldId id="263" r:id="rId9"/>
     <p:sldId id="264" r:id="rId10"/>
     <p:sldId id="266" r:id="rId11"/>
+    <p:sldId id="267" r:id="rId12"/>
   </p:sldIdLst>
   <p:sldSz cx="12192000" cy="6858000"/>
   <p:notesSz cx="6858000" cy="9144000"/>
@@ -124,8 +125,7 @@
 <file path=ppt/revisionInfo.xml><?xml version="1.0" encoding="utf-8"?>
 <p1510:revInfo xmlns:a="http://schemas.openxmlformats.org/drawingml/2006/main" xmlns:r="http://schemas.openxmlformats.org/officeDocument/2006/relationships" xmlns:p1510="http://schemas.microsoft.com/office/powerpoint/2015/10/main">
   <p1510:revLst>
-    <p1510:client id="{7EE69AF9-B8A0-40A8-A92E-4E905D782AD4}" v="243" dt="2020-10-23T18:43:06.507"/>
-    <p1510:client id="{858E1AD4-1BE2-4FDC-BC75-F08A0F1EFF3E}" v="143" dt="2020-10-23T02:44:49.078"/>
+    <p1510:client id="{7EE69AF9-B8A0-40A8-A92E-4E905D782AD4}" v="789" dt="2020-10-26T03:05:32.970"/>
   </p1510:revLst>
 </p1510:revInfo>
 </file>
@@ -135,12 +135,12 @@
   <pc:docChgLst>
     <pc:chgData name="Nicholas Forte" userId="831f5f1da6d5c7f7" providerId="LiveId" clId="{7EE69AF9-B8A0-40A8-A92E-4E905D782AD4}"/>
     <pc:docChg chg="undo custSel mod addSld delSld modSld addMainMaster delMainMaster modMainMaster">
-      <pc:chgData name="Nicholas Forte" userId="831f5f1da6d5c7f7" providerId="LiveId" clId="{7EE69AF9-B8A0-40A8-A92E-4E905D782AD4}" dt="2020-10-23T18:43:11.508" v="639" actId="1076"/>
+      <pc:chgData name="Nicholas Forte" userId="831f5f1da6d5c7f7" providerId="LiveId" clId="{7EE69AF9-B8A0-40A8-A92E-4E905D782AD4}" dt="2020-10-26T03:05:50.520" v="1262" actId="115"/>
       <pc:docMkLst>
         <pc:docMk/>
       </pc:docMkLst>
       <pc:sldChg chg="modSp mod modTransition">
-        <pc:chgData name="Nicholas Forte" userId="831f5f1da6d5c7f7" providerId="LiveId" clId="{7EE69AF9-B8A0-40A8-A92E-4E905D782AD4}" dt="2020-10-23T15:21:12.913" v="121"/>
+        <pc:chgData name="Nicholas Forte" userId="831f5f1da6d5c7f7" providerId="LiveId" clId="{7EE69AF9-B8A0-40A8-A92E-4E905D782AD4}" dt="2020-10-26T03:05:50.520" v="1262" actId="115"/>
         <pc:sldMkLst>
           <pc:docMk/>
           <pc:sldMk cId="3108710905" sldId="258"/>
@@ -154,7 +154,7 @@
           </ac:spMkLst>
         </pc:spChg>
         <pc:spChg chg="mod">
-          <ac:chgData name="Nicholas Forte" userId="831f5f1da6d5c7f7" providerId="LiveId" clId="{7EE69AF9-B8A0-40A8-A92E-4E905D782AD4}" dt="2020-10-23T14:07:42.371" v="6" actId="1076"/>
+          <ac:chgData name="Nicholas Forte" userId="831f5f1da6d5c7f7" providerId="LiveId" clId="{7EE69AF9-B8A0-40A8-A92E-4E905D782AD4}" dt="2020-10-26T03:05:50.520" v="1262" actId="115"/>
           <ac:spMkLst>
             <pc:docMk/>
             <pc:sldMk cId="3108710905" sldId="258"/>
@@ -542,7 +542,7 @@
         </pc:cxnChg>
       </pc:sldChg>
       <pc:sldChg chg="addSp delSp modSp mod modTransition setBg modAnim">
-        <pc:chgData name="Nicholas Forte" userId="831f5f1da6d5c7f7" providerId="LiveId" clId="{7EE69AF9-B8A0-40A8-A92E-4E905D782AD4}" dt="2020-10-23T18:36:08.111" v="570"/>
+        <pc:chgData name="Nicholas Forte" userId="831f5f1da6d5c7f7" providerId="LiveId" clId="{7EE69AF9-B8A0-40A8-A92E-4E905D782AD4}" dt="2020-10-26T03:05:32.970" v="1261" actId="14861"/>
         <pc:sldMkLst>
           <pc:docMk/>
           <pc:sldMk cId="1568061823" sldId="264"/>
@@ -588,7 +588,7 @@
           </ac:spMkLst>
         </pc:spChg>
         <pc:picChg chg="add mod">
-          <ac:chgData name="Nicholas Forte" userId="831f5f1da6d5c7f7" providerId="LiveId" clId="{7EE69AF9-B8A0-40A8-A92E-4E905D782AD4}" dt="2020-10-23T18:35:45.708" v="567" actId="1076"/>
+          <ac:chgData name="Nicholas Forte" userId="831f5f1da6d5c7f7" providerId="LiveId" clId="{7EE69AF9-B8A0-40A8-A92E-4E905D782AD4}" dt="2020-10-26T03:05:32.970" v="1261" actId="14861"/>
           <ac:picMkLst>
             <pc:docMk/>
             <pc:sldMk cId="1568061823" sldId="264"/>
@@ -604,7 +604,7 @@
           </ac:picMkLst>
         </pc:picChg>
         <pc:picChg chg="add mod">
-          <ac:chgData name="Nicholas Forte" userId="831f5f1da6d5c7f7" providerId="LiveId" clId="{7EE69AF9-B8A0-40A8-A92E-4E905D782AD4}" dt="2020-10-23T18:35:29.037" v="561" actId="1076"/>
+          <ac:chgData name="Nicholas Forte" userId="831f5f1da6d5c7f7" providerId="LiveId" clId="{7EE69AF9-B8A0-40A8-A92E-4E905D782AD4}" dt="2020-10-26T03:04:28.569" v="997" actId="207"/>
           <ac:picMkLst>
             <pc:docMk/>
             <pc:sldMk cId="1568061823" sldId="264"/>
@@ -627,24 +627,24 @@
             <ac:picMk id="1028" creationId="{328A6167-2758-4B67-A7FA-5F834B2F5F2F}"/>
           </ac:picMkLst>
         </pc:picChg>
-        <pc:picChg chg="add mod">
-          <ac:chgData name="Nicholas Forte" userId="831f5f1da6d5c7f7" providerId="LiveId" clId="{7EE69AF9-B8A0-40A8-A92E-4E905D782AD4}" dt="2020-10-23T18:35:30.676" v="562" actId="1076"/>
+        <pc:picChg chg="add del mod">
+          <ac:chgData name="Nicholas Forte" userId="831f5f1da6d5c7f7" providerId="LiveId" clId="{7EE69AF9-B8A0-40A8-A92E-4E905D782AD4}" dt="2020-10-26T03:04:19.735" v="994" actId="478"/>
           <ac:picMkLst>
             <pc:docMk/>
             <pc:sldMk cId="1568061823" sldId="264"/>
             <ac:picMk id="1030" creationId="{EDDB16FB-4335-45EC-9FEC-6C03F6E96DD1}"/>
           </ac:picMkLst>
         </pc:picChg>
-        <pc:picChg chg="add mod">
-          <ac:chgData name="Nicholas Forte" userId="831f5f1da6d5c7f7" providerId="LiveId" clId="{7EE69AF9-B8A0-40A8-A92E-4E905D782AD4}" dt="2020-10-23T18:35:37.404" v="565" actId="1076"/>
+        <pc:picChg chg="add del mod">
+          <ac:chgData name="Nicholas Forte" userId="831f5f1da6d5c7f7" providerId="LiveId" clId="{7EE69AF9-B8A0-40A8-A92E-4E905D782AD4}" dt="2020-10-26T03:04:19.018" v="993" actId="478"/>
           <ac:picMkLst>
             <pc:docMk/>
             <pc:sldMk cId="1568061823" sldId="264"/>
             <ac:picMk id="1032" creationId="{DA2B410D-F4E3-4655-9F18-64FE460E6281}"/>
           </ac:picMkLst>
         </pc:picChg>
-        <pc:picChg chg="add mod">
-          <ac:chgData name="Nicholas Forte" userId="831f5f1da6d5c7f7" providerId="LiveId" clId="{7EE69AF9-B8A0-40A8-A92E-4E905D782AD4}" dt="2020-10-23T18:35:40.644" v="566" actId="1076"/>
+        <pc:picChg chg="add del mod">
+          <ac:chgData name="Nicholas Forte" userId="831f5f1da6d5c7f7" providerId="LiveId" clId="{7EE69AF9-B8A0-40A8-A92E-4E905D782AD4}" dt="2020-10-26T03:04:21.111" v="995" actId="478"/>
           <ac:picMkLst>
             <pc:docMk/>
             <pc:sldMk cId="1568061823" sldId="264"/>
@@ -708,7 +708,7 @@
         </pc:picChg>
       </pc:sldChg>
       <pc:sldChg chg="addSp delSp modSp new mod setBg delAnim modAnim">
-        <pc:chgData name="Nicholas Forte" userId="831f5f1da6d5c7f7" providerId="LiveId" clId="{7EE69AF9-B8A0-40A8-A92E-4E905D782AD4}" dt="2020-10-23T18:43:11.508" v="639" actId="1076"/>
+        <pc:chgData name="Nicholas Forte" userId="831f5f1da6d5c7f7" providerId="LiveId" clId="{7EE69AF9-B8A0-40A8-A92E-4E905D782AD4}" dt="2020-10-26T02:52:30.989" v="689" actId="1076"/>
         <pc:sldMkLst>
           <pc:docMk/>
           <pc:sldMk cId="160208660" sldId="266"/>
@@ -746,7 +746,7 @@
           </ac:spMkLst>
         </pc:spChg>
         <pc:spChg chg="add mod">
-          <ac:chgData name="Nicholas Forte" userId="831f5f1da6d5c7f7" providerId="LiveId" clId="{7EE69AF9-B8A0-40A8-A92E-4E905D782AD4}" dt="2020-10-23T18:41:00.132" v="581"/>
+          <ac:chgData name="Nicholas Forte" userId="831f5f1da6d5c7f7" providerId="LiveId" clId="{7EE69AF9-B8A0-40A8-A92E-4E905D782AD4}" dt="2020-10-26T02:52:30.989" v="689" actId="1076"/>
           <ac:spMkLst>
             <pc:docMk/>
             <pc:sldMk cId="160208660" sldId="266"/>
@@ -762,7 +762,7 @@
           </ac:spMkLst>
         </pc:spChg>
         <pc:spChg chg="add mod">
-          <ac:chgData name="Nicholas Forte" userId="831f5f1da6d5c7f7" providerId="LiveId" clId="{7EE69AF9-B8A0-40A8-A92E-4E905D782AD4}" dt="2020-10-23T18:42:28.436" v="626" actId="1076"/>
+          <ac:chgData name="Nicholas Forte" userId="831f5f1da6d5c7f7" providerId="LiveId" clId="{7EE69AF9-B8A0-40A8-A92E-4E905D782AD4}" dt="2020-10-26T02:51:25.293" v="680" actId="20577"/>
           <ac:spMkLst>
             <pc:docMk/>
             <pc:sldMk cId="160208660" sldId="266"/>
@@ -770,7 +770,7 @@
           </ac:spMkLst>
         </pc:spChg>
         <pc:picChg chg="add mod">
-          <ac:chgData name="Nicholas Forte" userId="831f5f1da6d5c7f7" providerId="LiveId" clId="{7EE69AF9-B8A0-40A8-A92E-4E905D782AD4}" dt="2020-10-23T18:43:11.508" v="639" actId="1076"/>
+          <ac:chgData name="Nicholas Forte" userId="831f5f1da6d5c7f7" providerId="LiveId" clId="{7EE69AF9-B8A0-40A8-A92E-4E905D782AD4}" dt="2020-10-26T02:48:23.725" v="640" actId="1076"/>
           <ac:picMkLst>
             <pc:docMk/>
             <pc:sldMk cId="160208660" sldId="266"/>
@@ -847,6 +847,109 @@
           <pc:docMk/>
           <pc:sldMk cId="3103029421" sldId="266"/>
         </pc:sldMkLst>
+      </pc:sldChg>
+      <pc:sldChg chg="addSp delSp modSp new mod setBg modAnim">
+        <pc:chgData name="Nicholas Forte" userId="831f5f1da6d5c7f7" providerId="LiveId" clId="{7EE69AF9-B8A0-40A8-A92E-4E905D782AD4}" dt="2020-10-26T03:04:02.130" v="992"/>
+        <pc:sldMkLst>
+          <pc:docMk/>
+          <pc:sldMk cId="1618693231" sldId="267"/>
+        </pc:sldMkLst>
+        <pc:spChg chg="add mod">
+          <ac:chgData name="Nicholas Forte" userId="831f5f1da6d5c7f7" providerId="LiveId" clId="{7EE69AF9-B8A0-40A8-A92E-4E905D782AD4}" dt="2020-10-26T02:51:06.665" v="678" actId="6549"/>
+          <ac:spMkLst>
+            <pc:docMk/>
+            <pc:sldMk cId="1618693231" sldId="267"/>
+            <ac:spMk id="3" creationId="{EE441B15-9D61-4EF4-A8F9-54774D80F067}"/>
+          </ac:spMkLst>
+        </pc:spChg>
+        <pc:spChg chg="add mod">
+          <ac:chgData name="Nicholas Forte" userId="831f5f1da6d5c7f7" providerId="LiveId" clId="{7EE69AF9-B8A0-40A8-A92E-4E905D782AD4}" dt="2020-10-26T02:52:27.692" v="688" actId="1076"/>
+          <ac:spMkLst>
+            <pc:docMk/>
+            <pc:sldMk cId="1618693231" sldId="267"/>
+            <ac:spMk id="5" creationId="{89C62006-CEAA-4A1E-BD66-1140879C21AD}"/>
+          </ac:spMkLst>
+        </pc:spChg>
+        <pc:spChg chg="add mod">
+          <ac:chgData name="Nicholas Forte" userId="831f5f1da6d5c7f7" providerId="LiveId" clId="{7EE69AF9-B8A0-40A8-A92E-4E905D782AD4}" dt="2020-10-26T02:52:34.652" v="690"/>
+          <ac:spMkLst>
+            <pc:docMk/>
+            <pc:sldMk cId="1618693231" sldId="267"/>
+            <ac:spMk id="6" creationId="{D70366E0-FBDF-4304-B335-5708B7C04AB5}"/>
+          </ac:spMkLst>
+        </pc:spChg>
+        <pc:spChg chg="add mod">
+          <ac:chgData name="Nicholas Forte" userId="831f5f1da6d5c7f7" providerId="LiveId" clId="{7EE69AF9-B8A0-40A8-A92E-4E905D782AD4}" dt="2020-10-26T02:52:43.485" v="691"/>
+          <ac:spMkLst>
+            <pc:docMk/>
+            <pc:sldMk cId="1618693231" sldId="267"/>
+            <ac:spMk id="7" creationId="{24DE6905-62AE-480C-A5DF-5B28F6FE5A05}"/>
+          </ac:spMkLst>
+        </pc:spChg>
+        <pc:spChg chg="add mod">
+          <ac:chgData name="Nicholas Forte" userId="831f5f1da6d5c7f7" providerId="LiveId" clId="{7EE69AF9-B8A0-40A8-A92E-4E905D782AD4}" dt="2020-10-26T03:02:33.542" v="983" actId="1076"/>
+          <ac:spMkLst>
+            <pc:docMk/>
+            <pc:sldMk cId="1618693231" sldId="267"/>
+            <ac:spMk id="14" creationId="{D5CCB497-2128-4E6F-8EED-0781D5E3646A}"/>
+          </ac:spMkLst>
+        </pc:spChg>
+        <pc:graphicFrameChg chg="add mod">
+          <ac:chgData name="Nicholas Forte" userId="831f5f1da6d5c7f7" providerId="LiveId" clId="{7EE69AF9-B8A0-40A8-A92E-4E905D782AD4}" dt="2020-10-26T02:57:28.746" v="719"/>
+          <ac:graphicFrameMkLst>
+            <pc:docMk/>
+            <pc:sldMk cId="1618693231" sldId="267"/>
+            <ac:graphicFrameMk id="10" creationId="{67C5D870-AB63-46EF-AE95-13A365BA418B}"/>
+          </ac:graphicFrameMkLst>
+        </pc:graphicFrameChg>
+        <pc:picChg chg="add mod">
+          <ac:chgData name="Nicholas Forte" userId="831f5f1da6d5c7f7" providerId="LiveId" clId="{7EE69AF9-B8A0-40A8-A92E-4E905D782AD4}" dt="2020-10-26T02:49:20.900" v="646"/>
+          <ac:picMkLst>
+            <pc:docMk/>
+            <pc:sldMk cId="1618693231" sldId="267"/>
+            <ac:picMk id="2" creationId="{6993A1FA-7278-4156-82C2-B58F8818EFED}"/>
+          </ac:picMkLst>
+        </pc:picChg>
+        <pc:picChg chg="add mod">
+          <ac:chgData name="Nicholas Forte" userId="831f5f1da6d5c7f7" providerId="LiveId" clId="{7EE69AF9-B8A0-40A8-A92E-4E905D782AD4}" dt="2020-10-26T03:00:35.114" v="761" actId="1076"/>
+          <ac:picMkLst>
+            <pc:docMk/>
+            <pc:sldMk cId="1618693231" sldId="267"/>
+            <ac:picMk id="11" creationId="{4DAA65F3-E71E-4320-A95D-1018BC9BD7D2}"/>
+          </ac:picMkLst>
+        </pc:picChg>
+        <pc:picChg chg="add mod">
+          <ac:chgData name="Nicholas Forte" userId="831f5f1da6d5c7f7" providerId="LiveId" clId="{7EE69AF9-B8A0-40A8-A92E-4E905D782AD4}" dt="2020-10-26T03:01:04.490" v="772" actId="1076"/>
+          <ac:picMkLst>
+            <pc:docMk/>
+            <pc:sldMk cId="1618693231" sldId="267"/>
+            <ac:picMk id="12" creationId="{555C13F9-BD5B-4D78-AC17-D3A9505D5A4D}"/>
+          </ac:picMkLst>
+        </pc:picChg>
+        <pc:picChg chg="add mod">
+          <ac:chgData name="Nicholas Forte" userId="831f5f1da6d5c7f7" providerId="LiveId" clId="{7EE69AF9-B8A0-40A8-A92E-4E905D782AD4}" dt="2020-10-26T03:00:56.353" v="770" actId="14100"/>
+          <ac:picMkLst>
+            <pc:docMk/>
+            <pc:sldMk cId="1618693231" sldId="267"/>
+            <ac:picMk id="13" creationId="{5AD58F30-1FB1-4C9B-825D-220F63F8B4FA}"/>
+          </ac:picMkLst>
+        </pc:picChg>
+        <pc:picChg chg="add del mod">
+          <ac:chgData name="Nicholas Forte" userId="831f5f1da6d5c7f7" providerId="LiveId" clId="{7EE69AF9-B8A0-40A8-A92E-4E905D782AD4}" dt="2020-10-26T02:59:21.008" v="732"/>
+          <ac:picMkLst>
+            <pc:docMk/>
+            <pc:sldMk cId="1618693231" sldId="267"/>
+            <ac:picMk id="1026" creationId="{4817E025-77DF-4250-B291-42751DA1C3EF}"/>
+          </ac:picMkLst>
+        </pc:picChg>
+        <pc:picChg chg="add mod">
+          <ac:chgData name="Nicholas Forte" userId="831f5f1da6d5c7f7" providerId="LiveId" clId="{7EE69AF9-B8A0-40A8-A92E-4E905D782AD4}" dt="2020-10-26T03:02:41.993" v="984" actId="1076"/>
+          <ac:picMkLst>
+            <pc:docMk/>
+            <pc:sldMk cId="1618693231" sldId="267"/>
+            <ac:picMk id="1028" creationId="{2CA75B5E-71A5-42A1-B2E3-D479B349DF4A}"/>
+          </ac:picMkLst>
+        </pc:picChg>
       </pc:sldChg>
       <pc:sldMasterChg chg="add del addSldLayout delSldLayout">
         <pc:chgData name="Nicholas Forte" userId="831f5f1da6d5c7f7" providerId="LiveId" clId="{7EE69AF9-B8A0-40A8-A92E-4E905D782AD4}" dt="2020-10-23T14:07:25.942" v="4" actId="2696"/>
@@ -1242,6 +1345,980 @@
 </pc:chgInfo>
 </file>
 
+<file path=ppt/charts/chart1.xml><?xml version="1.0" encoding="utf-8"?>
+<c:chartSpace xmlns:c="http://schemas.openxmlformats.org/drawingml/2006/chart" xmlns:a="http://schemas.openxmlformats.org/drawingml/2006/main" xmlns:r="http://schemas.openxmlformats.org/officeDocument/2006/relationships" xmlns:c16r2="http://schemas.microsoft.com/office/drawing/2015/06/chart">
+  <c:date1904 val="0"/>
+  <c:lang val="pt-BR"/>
+  <c:roundedCorners val="0"/>
+  <mc:AlternateContent xmlns:mc="http://schemas.openxmlformats.org/markup-compatibility/2006">
+    <mc:Choice xmlns:c14="http://schemas.microsoft.com/office/drawing/2007/8/2/chart" Requires="c14">
+      <c14:style val="102"/>
+    </mc:Choice>
+    <mc:Fallback>
+      <c:style val="2"/>
+    </mc:Fallback>
+  </mc:AlternateContent>
+  <c:chart>
+    <c:autoTitleDeleted val="1"/>
+    <c:plotArea>
+      <c:layout>
+        <c:manualLayout>
+          <c:layoutTarget val="inner"/>
+          <c:xMode val="edge"/>
+          <c:yMode val="edge"/>
+          <c:x val="7.7464810209828719E-2"/>
+          <c:y val="9.843751211091438E-2"/>
+          <c:w val="0.92253518979017124"/>
+          <c:h val="0.89687498731237536"/>
+        </c:manualLayout>
+      </c:layout>
+      <c:lineChart>
+        <c:grouping val="standard"/>
+        <c:varyColors val="0"/>
+        <c:ser>
+          <c:idx val="0"/>
+          <c:order val="0"/>
+          <c:tx>
+            <c:strRef>
+              <c:f>Planilha1!$B$1</c:f>
+              <c:strCache>
+                <c:ptCount val="1"/>
+                <c:pt idx="0">
+                  <c:v>Ideal</c:v>
+                </c:pt>
+              </c:strCache>
+            </c:strRef>
+          </c:tx>
+          <c:spPr>
+            <a:ln w="28575" cap="rnd">
+              <a:solidFill>
+                <a:schemeClr val="accent6">
+                  <a:lumMod val="75000"/>
+                </a:schemeClr>
+              </a:solidFill>
+              <a:round/>
+            </a:ln>
+            <a:effectLst/>
+          </c:spPr>
+          <c:marker>
+            <c:symbol val="none"/>
+          </c:marker>
+          <c:cat>
+            <c:strRef>
+              <c:f>Planilha1!$A$2:$A$5</c:f>
+              <c:strCache>
+                <c:ptCount val="4"/>
+                <c:pt idx="0">
+                  <c:v>Categoria 1</c:v>
+                </c:pt>
+                <c:pt idx="1">
+                  <c:v>Categoria 2</c:v>
+                </c:pt>
+                <c:pt idx="2">
+                  <c:v>Categoria 3</c:v>
+                </c:pt>
+                <c:pt idx="3">
+                  <c:v>Categoria 4</c:v>
+                </c:pt>
+              </c:strCache>
+            </c:strRef>
+          </c:cat>
+          <c:val>
+            <c:numRef>
+              <c:f>Planilha1!$B$2:$B$5</c:f>
+              <c:numCache>
+                <c:formatCode>General</c:formatCode>
+                <c:ptCount val="4"/>
+                <c:pt idx="0">
+                  <c:v>4.3</c:v>
+                </c:pt>
+                <c:pt idx="1">
+                  <c:v>2.5</c:v>
+                </c:pt>
+                <c:pt idx="2">
+                  <c:v>3.5</c:v>
+                </c:pt>
+                <c:pt idx="3">
+                  <c:v>4.5</c:v>
+                </c:pt>
+              </c:numCache>
+            </c:numRef>
+          </c:val>
+          <c:smooth val="0"/>
+          <c:extLst>
+            <c:ext xmlns:c16="http://schemas.microsoft.com/office/drawing/2014/chart" uri="{C3380CC4-5D6E-409C-BE32-E72D297353CC}">
+              <c16:uniqueId val="{00000000-33CD-485E-86B2-24A9850CF5F4}"/>
+            </c:ext>
+          </c:extLst>
+        </c:ser>
+        <c:ser>
+          <c:idx val="1"/>
+          <c:order val="1"/>
+          <c:tx>
+            <c:strRef>
+              <c:f>Planilha1!$C$1</c:f>
+              <c:strCache>
+                <c:ptCount val="1"/>
+                <c:pt idx="0">
+                  <c:v>alerta</c:v>
+                </c:pt>
+              </c:strCache>
+            </c:strRef>
+          </c:tx>
+          <c:spPr>
+            <a:ln w="28575" cap="rnd">
+              <a:solidFill>
+                <a:schemeClr val="accent4">
+                  <a:lumMod val="60000"/>
+                  <a:lumOff val="40000"/>
+                </a:schemeClr>
+              </a:solidFill>
+              <a:round/>
+            </a:ln>
+            <a:effectLst/>
+          </c:spPr>
+          <c:marker>
+            <c:symbol val="none"/>
+          </c:marker>
+          <c:cat>
+            <c:strRef>
+              <c:f>Planilha1!$A$2:$A$5</c:f>
+              <c:strCache>
+                <c:ptCount val="4"/>
+                <c:pt idx="0">
+                  <c:v>Categoria 1</c:v>
+                </c:pt>
+                <c:pt idx="1">
+                  <c:v>Categoria 2</c:v>
+                </c:pt>
+                <c:pt idx="2">
+                  <c:v>Categoria 3</c:v>
+                </c:pt>
+                <c:pt idx="3">
+                  <c:v>Categoria 4</c:v>
+                </c:pt>
+              </c:strCache>
+            </c:strRef>
+          </c:cat>
+          <c:val>
+            <c:numRef>
+              <c:f>Planilha1!$C$2:$C$5</c:f>
+              <c:numCache>
+                <c:formatCode>General</c:formatCode>
+                <c:ptCount val="4"/>
+                <c:pt idx="0">
+                  <c:v>2.4</c:v>
+                </c:pt>
+                <c:pt idx="1">
+                  <c:v>4.4000000000000004</c:v>
+                </c:pt>
+                <c:pt idx="2">
+                  <c:v>1.8</c:v>
+                </c:pt>
+                <c:pt idx="3">
+                  <c:v>2.8</c:v>
+                </c:pt>
+              </c:numCache>
+            </c:numRef>
+          </c:val>
+          <c:smooth val="0"/>
+          <c:extLst>
+            <c:ext xmlns:c16="http://schemas.microsoft.com/office/drawing/2014/chart" uri="{C3380CC4-5D6E-409C-BE32-E72D297353CC}">
+              <c16:uniqueId val="{00000001-33CD-485E-86B2-24A9850CF5F4}"/>
+            </c:ext>
+          </c:extLst>
+        </c:ser>
+        <c:ser>
+          <c:idx val="2"/>
+          <c:order val="2"/>
+          <c:tx>
+            <c:strRef>
+              <c:f>Planilha1!$D$1</c:f>
+              <c:strCache>
+                <c:ptCount val="1"/>
+                <c:pt idx="0">
+                  <c:v>Atenção</c:v>
+                </c:pt>
+              </c:strCache>
+            </c:strRef>
+          </c:tx>
+          <c:spPr>
+            <a:ln w="28575" cap="rnd">
+              <a:solidFill>
+                <a:srgbClr val="FF0000"/>
+              </a:solidFill>
+              <a:round/>
+            </a:ln>
+            <a:effectLst/>
+          </c:spPr>
+          <c:marker>
+            <c:symbol val="none"/>
+          </c:marker>
+          <c:cat>
+            <c:strRef>
+              <c:f>Planilha1!$A$2:$A$5</c:f>
+              <c:strCache>
+                <c:ptCount val="4"/>
+                <c:pt idx="0">
+                  <c:v>Categoria 1</c:v>
+                </c:pt>
+                <c:pt idx="1">
+                  <c:v>Categoria 2</c:v>
+                </c:pt>
+                <c:pt idx="2">
+                  <c:v>Categoria 3</c:v>
+                </c:pt>
+                <c:pt idx="3">
+                  <c:v>Categoria 4</c:v>
+                </c:pt>
+              </c:strCache>
+            </c:strRef>
+          </c:cat>
+          <c:val>
+            <c:numRef>
+              <c:f>Planilha1!$D$2:$D$5</c:f>
+              <c:numCache>
+                <c:formatCode>General</c:formatCode>
+                <c:ptCount val="4"/>
+                <c:pt idx="0">
+                  <c:v>2</c:v>
+                </c:pt>
+                <c:pt idx="1">
+                  <c:v>2</c:v>
+                </c:pt>
+                <c:pt idx="2">
+                  <c:v>3</c:v>
+                </c:pt>
+                <c:pt idx="3">
+                  <c:v>5</c:v>
+                </c:pt>
+              </c:numCache>
+            </c:numRef>
+          </c:val>
+          <c:smooth val="0"/>
+          <c:extLst>
+            <c:ext xmlns:c16="http://schemas.microsoft.com/office/drawing/2014/chart" uri="{C3380CC4-5D6E-409C-BE32-E72D297353CC}">
+              <c16:uniqueId val="{00000002-33CD-485E-86B2-24A9850CF5F4}"/>
+            </c:ext>
+          </c:extLst>
+        </c:ser>
+        <c:ser>
+          <c:idx val="3"/>
+          <c:order val="3"/>
+          <c:tx>
+            <c:strRef>
+              <c:f>Planilha1!$E$1</c:f>
+              <c:strCache>
+                <c:ptCount val="1"/>
+                <c:pt idx="0">
+                  <c:v>Crítico</c:v>
+                </c:pt>
+              </c:strCache>
+            </c:strRef>
+          </c:tx>
+          <c:spPr>
+            <a:ln w="28575" cap="rnd">
+              <a:solidFill>
+                <a:schemeClr val="accent4"/>
+              </a:solidFill>
+              <a:round/>
+            </a:ln>
+            <a:effectLst/>
+          </c:spPr>
+          <c:marker>
+            <c:symbol val="none"/>
+          </c:marker>
+          <c:cat>
+            <c:strRef>
+              <c:f>Planilha1!$A$2:$A$5</c:f>
+              <c:strCache>
+                <c:ptCount val="4"/>
+                <c:pt idx="0">
+                  <c:v>Categoria 1</c:v>
+                </c:pt>
+                <c:pt idx="1">
+                  <c:v>Categoria 2</c:v>
+                </c:pt>
+                <c:pt idx="2">
+                  <c:v>Categoria 3</c:v>
+                </c:pt>
+                <c:pt idx="3">
+                  <c:v>Categoria 4</c:v>
+                </c:pt>
+              </c:strCache>
+            </c:strRef>
+          </c:cat>
+          <c:val>
+            <c:numRef>
+              <c:f>Planilha1!$E$2:$E$5</c:f>
+              <c:numCache>
+                <c:formatCode>General</c:formatCode>
+                <c:ptCount val="4"/>
+                <c:pt idx="0">
+                  <c:v>1</c:v>
+                </c:pt>
+                <c:pt idx="1">
+                  <c:v>1.3</c:v>
+                </c:pt>
+                <c:pt idx="2">
+                  <c:v>1.7</c:v>
+                </c:pt>
+                <c:pt idx="3">
+                  <c:v>1.5</c:v>
+                </c:pt>
+              </c:numCache>
+            </c:numRef>
+          </c:val>
+          <c:smooth val="0"/>
+          <c:extLst>
+            <c:ext xmlns:c16="http://schemas.microsoft.com/office/drawing/2014/chart" uri="{C3380CC4-5D6E-409C-BE32-E72D297353CC}">
+              <c16:uniqueId val="{00000004-33CD-485E-86B2-24A9850CF5F4}"/>
+            </c:ext>
+          </c:extLst>
+        </c:ser>
+        <c:dLbls>
+          <c:showLegendKey val="0"/>
+          <c:showVal val="0"/>
+          <c:showCatName val="0"/>
+          <c:showSerName val="0"/>
+          <c:showPercent val="0"/>
+          <c:showBubbleSize val="0"/>
+        </c:dLbls>
+        <c:smooth val="0"/>
+        <c:axId val="127085295"/>
+        <c:axId val="125776079"/>
+      </c:lineChart>
+      <c:catAx>
+        <c:axId val="127085295"/>
+        <c:scaling>
+          <c:orientation val="minMax"/>
+        </c:scaling>
+        <c:delete val="1"/>
+        <c:axPos val="b"/>
+        <c:numFmt formatCode="General" sourceLinked="1"/>
+        <c:majorTickMark val="none"/>
+        <c:minorTickMark val="none"/>
+        <c:tickLblPos val="nextTo"/>
+        <c:crossAx val="125776079"/>
+        <c:crosses val="autoZero"/>
+        <c:auto val="1"/>
+        <c:lblAlgn val="ctr"/>
+        <c:lblOffset val="100"/>
+        <c:noMultiLvlLbl val="0"/>
+      </c:catAx>
+      <c:valAx>
+        <c:axId val="125776079"/>
+        <c:scaling>
+          <c:orientation val="minMax"/>
+        </c:scaling>
+        <c:delete val="1"/>
+        <c:axPos val="l"/>
+        <c:numFmt formatCode="General" sourceLinked="1"/>
+        <c:majorTickMark val="none"/>
+        <c:minorTickMark val="none"/>
+        <c:tickLblPos val="nextTo"/>
+        <c:crossAx val="127085295"/>
+        <c:crosses val="autoZero"/>
+        <c:crossBetween val="between"/>
+      </c:valAx>
+      <c:spPr>
+        <a:noFill/>
+        <a:ln>
+          <a:noFill/>
+        </a:ln>
+        <a:effectLst/>
+      </c:spPr>
+    </c:plotArea>
+    <c:plotVisOnly val="1"/>
+    <c:dispBlanksAs val="gap"/>
+    <c:extLst>
+      <c:ext xmlns:c16r3="http://schemas.microsoft.com/office/drawing/2017/03/chart" uri="{56B9EC1D-385E-4148-901F-78D8002777C0}">
+        <c16r3:dataDisplayOptions16>
+          <c16r3:dispNaAsBlank val="1"/>
+        </c16r3:dataDisplayOptions16>
+      </c:ext>
+    </c:extLst>
+    <c:showDLblsOverMax val="0"/>
+  </c:chart>
+  <c:spPr>
+    <a:noFill/>
+    <a:ln>
+      <a:noFill/>
+    </a:ln>
+    <a:effectLst/>
+  </c:spPr>
+  <c:txPr>
+    <a:bodyPr/>
+    <a:lstStyle/>
+    <a:p>
+      <a:pPr>
+        <a:defRPr/>
+      </a:pPr>
+      <a:endParaRPr lang="pt-BR"/>
+    </a:p>
+  </c:txPr>
+  <c:externalData r:id="rId3">
+    <c:autoUpdate val="0"/>
+  </c:externalData>
+</c:chartSpace>
+</file>
+
+<file path=ppt/charts/colors1.xml><?xml version="1.0" encoding="utf-8"?>
+<cs:colorStyle xmlns:cs="http://schemas.microsoft.com/office/drawing/2012/chartStyle" xmlns:a="http://schemas.openxmlformats.org/drawingml/2006/main" meth="cycle" id="10">
+  <a:schemeClr val="accent1"/>
+  <a:schemeClr val="accent2"/>
+  <a:schemeClr val="accent3"/>
+  <a:schemeClr val="accent4"/>
+  <a:schemeClr val="accent5"/>
+  <a:schemeClr val="accent6"/>
+  <cs:variation/>
+  <cs:variation>
+    <a:lumMod val="60000"/>
+  </cs:variation>
+  <cs:variation>
+    <a:lumMod val="80000"/>
+    <a:lumOff val="20000"/>
+  </cs:variation>
+  <cs:variation>
+    <a:lumMod val="80000"/>
+  </cs:variation>
+  <cs:variation>
+    <a:lumMod val="60000"/>
+    <a:lumOff val="40000"/>
+  </cs:variation>
+  <cs:variation>
+    <a:lumMod val="50000"/>
+  </cs:variation>
+  <cs:variation>
+    <a:lumMod val="70000"/>
+    <a:lumOff val="30000"/>
+  </cs:variation>
+  <cs:variation>
+    <a:lumMod val="70000"/>
+  </cs:variation>
+  <cs:variation>
+    <a:lumMod val="50000"/>
+    <a:lumOff val="50000"/>
+  </cs:variation>
+</cs:colorStyle>
+</file>
+
+<file path=ppt/charts/style1.xml><?xml version="1.0" encoding="utf-8"?>
+<cs:chartStyle xmlns:cs="http://schemas.microsoft.com/office/drawing/2012/chartStyle" xmlns:a="http://schemas.openxmlformats.org/drawingml/2006/main" id="227">
+  <cs:axisTitle>
+    <cs:lnRef idx="0"/>
+    <cs:fillRef idx="0"/>
+    <cs:effectRef idx="0"/>
+    <cs:fontRef idx="minor">
+      <a:schemeClr val="tx1">
+        <a:lumMod val="65000"/>
+        <a:lumOff val="35000"/>
+      </a:schemeClr>
+    </cs:fontRef>
+    <cs:defRPr sz="1330" kern="1200"/>
+  </cs:axisTitle>
+  <cs:categoryAxis>
+    <cs:lnRef idx="0"/>
+    <cs:fillRef idx="0"/>
+    <cs:effectRef idx="0"/>
+    <cs:fontRef idx="minor">
+      <a:schemeClr val="tx1">
+        <a:lumMod val="65000"/>
+        <a:lumOff val="35000"/>
+      </a:schemeClr>
+    </cs:fontRef>
+    <cs:spPr>
+      <a:ln w="9525" cap="flat" cmpd="sng" algn="ctr">
+        <a:solidFill>
+          <a:schemeClr val="tx1">
+            <a:lumMod val="15000"/>
+            <a:lumOff val="85000"/>
+          </a:schemeClr>
+        </a:solidFill>
+        <a:round/>
+      </a:ln>
+    </cs:spPr>
+    <cs:defRPr sz="1197" kern="1200"/>
+  </cs:categoryAxis>
+  <cs:chartArea mods="allowNoFillOverride allowNoLineOverride">
+    <cs:lnRef idx="0"/>
+    <cs:fillRef idx="0"/>
+    <cs:effectRef idx="0"/>
+    <cs:fontRef idx="minor">
+      <a:schemeClr val="tx1"/>
+    </cs:fontRef>
+    <cs:spPr>
+      <a:solidFill>
+        <a:schemeClr val="bg1"/>
+      </a:solidFill>
+      <a:ln w="9525" cap="flat" cmpd="sng" algn="ctr">
+        <a:solidFill>
+          <a:schemeClr val="tx1">
+            <a:lumMod val="15000"/>
+            <a:lumOff val="85000"/>
+          </a:schemeClr>
+        </a:solidFill>
+        <a:round/>
+      </a:ln>
+    </cs:spPr>
+    <cs:defRPr sz="1330" kern="1200"/>
+  </cs:chartArea>
+  <cs:dataLabel>
+    <cs:lnRef idx="0"/>
+    <cs:fillRef idx="0"/>
+    <cs:effectRef idx="0"/>
+    <cs:fontRef idx="minor">
+      <a:schemeClr val="tx1">
+        <a:lumMod val="75000"/>
+        <a:lumOff val="25000"/>
+      </a:schemeClr>
+    </cs:fontRef>
+    <cs:defRPr sz="1197" kern="1200"/>
+  </cs:dataLabel>
+  <cs:dataLabelCallout>
+    <cs:lnRef idx="0"/>
+    <cs:fillRef idx="0"/>
+    <cs:effectRef idx="0"/>
+    <cs:fontRef idx="minor">
+      <a:schemeClr val="dk1">
+        <a:lumMod val="65000"/>
+        <a:lumOff val="35000"/>
+      </a:schemeClr>
+    </cs:fontRef>
+    <cs:spPr>
+      <a:solidFill>
+        <a:schemeClr val="lt1"/>
+      </a:solidFill>
+      <a:ln>
+        <a:solidFill>
+          <a:schemeClr val="dk1">
+            <a:lumMod val="25000"/>
+            <a:lumOff val="75000"/>
+          </a:schemeClr>
+        </a:solidFill>
+      </a:ln>
+    </cs:spPr>
+    <cs:defRPr sz="1197" kern="1200"/>
+    <cs:bodyPr rot="0" spcFirstLastPara="1" vertOverflow="clip" horzOverflow="clip" vert="horz" wrap="square" lIns="36576" tIns="18288" rIns="36576" bIns="18288" anchor="ctr" anchorCtr="1">
+      <a:spAutoFit/>
+    </cs:bodyPr>
+  </cs:dataLabelCallout>
+  <cs:dataPoint>
+    <cs:lnRef idx="0"/>
+    <cs:fillRef idx="1">
+      <cs:styleClr val="auto"/>
+    </cs:fillRef>
+    <cs:effectRef idx="0"/>
+    <cs:fontRef idx="minor">
+      <a:schemeClr val="tx1"/>
+    </cs:fontRef>
+    <cs:spPr>
+      <a:solidFill>
+        <a:schemeClr val="phClr"/>
+      </a:solidFill>
+    </cs:spPr>
+  </cs:dataPoint>
+  <cs:dataPoint3D>
+    <cs:lnRef idx="0"/>
+    <cs:fillRef idx="1">
+      <cs:styleClr val="auto"/>
+    </cs:fillRef>
+    <cs:effectRef idx="0"/>
+    <cs:fontRef idx="minor">
+      <a:schemeClr val="tx1"/>
+    </cs:fontRef>
+    <cs:spPr>
+      <a:solidFill>
+        <a:schemeClr val="phClr"/>
+      </a:solidFill>
+    </cs:spPr>
+  </cs:dataPoint3D>
+  <cs:dataPointLine>
+    <cs:lnRef idx="0">
+      <cs:styleClr val="auto"/>
+    </cs:lnRef>
+    <cs:fillRef idx="1"/>
+    <cs:effectRef idx="0"/>
+    <cs:fontRef idx="minor">
+      <a:schemeClr val="tx1"/>
+    </cs:fontRef>
+    <cs:spPr>
+      <a:ln w="28575" cap="rnd">
+        <a:solidFill>
+          <a:schemeClr val="phClr"/>
+        </a:solidFill>
+        <a:round/>
+      </a:ln>
+    </cs:spPr>
+  </cs:dataPointLine>
+  <cs:dataPointMarker>
+    <cs:lnRef idx="0">
+      <cs:styleClr val="auto"/>
+    </cs:lnRef>
+    <cs:fillRef idx="1">
+      <cs:styleClr val="auto"/>
+    </cs:fillRef>
+    <cs:effectRef idx="0"/>
+    <cs:fontRef idx="minor">
+      <a:schemeClr val="tx1"/>
+    </cs:fontRef>
+    <cs:spPr>
+      <a:solidFill>
+        <a:schemeClr val="phClr"/>
+      </a:solidFill>
+      <a:ln w="9525">
+        <a:solidFill>
+          <a:schemeClr val="phClr"/>
+        </a:solidFill>
+      </a:ln>
+    </cs:spPr>
+  </cs:dataPointMarker>
+  <cs:dataPointMarkerLayout symbol="circle" size="5"/>
+  <cs:dataPointWireframe>
+    <cs:lnRef idx="0">
+      <cs:styleClr val="auto"/>
+    </cs:lnRef>
+    <cs:fillRef idx="1"/>
+    <cs:effectRef idx="0"/>
+    <cs:fontRef idx="minor">
+      <a:schemeClr val="tx1"/>
+    </cs:fontRef>
+    <cs:spPr>
+      <a:ln w="9525" cap="rnd">
+        <a:solidFill>
+          <a:schemeClr val="phClr"/>
+        </a:solidFill>
+        <a:round/>
+      </a:ln>
+    </cs:spPr>
+  </cs:dataPointWireframe>
+  <cs:dataTable>
+    <cs:lnRef idx="0"/>
+    <cs:fillRef idx="0"/>
+    <cs:effectRef idx="0"/>
+    <cs:fontRef idx="minor">
+      <a:schemeClr val="tx1">
+        <a:lumMod val="65000"/>
+        <a:lumOff val="35000"/>
+      </a:schemeClr>
+    </cs:fontRef>
+    <cs:spPr>
+      <a:noFill/>
+      <a:ln w="9525" cap="flat" cmpd="sng" algn="ctr">
+        <a:solidFill>
+          <a:schemeClr val="tx1">
+            <a:lumMod val="15000"/>
+            <a:lumOff val="85000"/>
+          </a:schemeClr>
+        </a:solidFill>
+        <a:round/>
+      </a:ln>
+    </cs:spPr>
+    <cs:defRPr sz="1197" kern="1200"/>
+  </cs:dataTable>
+  <cs:downBar>
+    <cs:lnRef idx="0"/>
+    <cs:fillRef idx="0"/>
+    <cs:effectRef idx="0"/>
+    <cs:fontRef idx="minor">
+      <a:schemeClr val="dk1"/>
+    </cs:fontRef>
+    <cs:spPr>
+      <a:solidFill>
+        <a:schemeClr val="dk1">
+          <a:lumMod val="65000"/>
+          <a:lumOff val="35000"/>
+        </a:schemeClr>
+      </a:solidFill>
+      <a:ln w="9525">
+        <a:solidFill>
+          <a:schemeClr val="tx1">
+            <a:lumMod val="65000"/>
+            <a:lumOff val="35000"/>
+          </a:schemeClr>
+        </a:solidFill>
+      </a:ln>
+    </cs:spPr>
+  </cs:downBar>
+  <cs:dropLine>
+    <cs:lnRef idx="0"/>
+    <cs:fillRef idx="0"/>
+    <cs:effectRef idx="0"/>
+    <cs:fontRef idx="minor">
+      <a:schemeClr val="tx1"/>
+    </cs:fontRef>
+    <cs:spPr>
+      <a:ln w="9525" cap="flat" cmpd="sng" algn="ctr">
+        <a:solidFill>
+          <a:schemeClr val="tx1">
+            <a:lumMod val="35000"/>
+            <a:lumOff val="65000"/>
+          </a:schemeClr>
+        </a:solidFill>
+        <a:round/>
+      </a:ln>
+    </cs:spPr>
+  </cs:dropLine>
+  <cs:errorBar>
+    <cs:lnRef idx="0"/>
+    <cs:fillRef idx="0"/>
+    <cs:effectRef idx="0"/>
+    <cs:fontRef idx="minor">
+      <a:schemeClr val="tx1"/>
+    </cs:fontRef>
+    <cs:spPr>
+      <a:ln w="9525" cap="flat" cmpd="sng" algn="ctr">
+        <a:solidFill>
+          <a:schemeClr val="tx1">
+            <a:lumMod val="65000"/>
+            <a:lumOff val="35000"/>
+          </a:schemeClr>
+        </a:solidFill>
+        <a:round/>
+      </a:ln>
+    </cs:spPr>
+  </cs:errorBar>
+  <cs:floor>
+    <cs:lnRef idx="0"/>
+    <cs:fillRef idx="0"/>
+    <cs:effectRef idx="0"/>
+    <cs:fontRef idx="minor">
+      <a:schemeClr val="tx1"/>
+    </cs:fontRef>
+    <cs:spPr>
+      <a:noFill/>
+      <a:ln>
+        <a:noFill/>
+      </a:ln>
+    </cs:spPr>
+  </cs:floor>
+  <cs:gridlineMajor>
+    <cs:lnRef idx="0"/>
+    <cs:fillRef idx="0"/>
+    <cs:effectRef idx="0"/>
+    <cs:fontRef idx="minor">
+      <a:schemeClr val="tx1"/>
+    </cs:fontRef>
+    <cs:spPr>
+      <a:ln w="9525" cap="flat" cmpd="sng" algn="ctr">
+        <a:solidFill>
+          <a:schemeClr val="tx1">
+            <a:lumMod val="15000"/>
+            <a:lumOff val="85000"/>
+          </a:schemeClr>
+        </a:solidFill>
+        <a:round/>
+      </a:ln>
+    </cs:spPr>
+  </cs:gridlineMajor>
+  <cs:gridlineMinor>
+    <cs:lnRef idx="0"/>
+    <cs:fillRef idx="0"/>
+    <cs:effectRef idx="0"/>
+    <cs:fontRef idx="minor">
+      <a:schemeClr val="tx1"/>
+    </cs:fontRef>
+    <cs:spPr>
+      <a:ln w="9525" cap="flat" cmpd="sng" algn="ctr">
+        <a:solidFill>
+          <a:schemeClr val="tx1">
+            <a:lumMod val="5000"/>
+            <a:lumOff val="95000"/>
+          </a:schemeClr>
+        </a:solidFill>
+        <a:round/>
+      </a:ln>
+    </cs:spPr>
+  </cs:gridlineMinor>
+  <cs:hiLoLine>
+    <cs:lnRef idx="0"/>
+    <cs:fillRef idx="0"/>
+    <cs:effectRef idx="0"/>
+    <cs:fontRef idx="minor">
+      <a:schemeClr val="tx1"/>
+    </cs:fontRef>
+    <cs:spPr>
+      <a:ln w="9525" cap="flat" cmpd="sng" algn="ctr">
+        <a:solidFill>
+          <a:schemeClr val="tx1">
+            <a:lumMod val="75000"/>
+            <a:lumOff val="25000"/>
+          </a:schemeClr>
+        </a:solidFill>
+        <a:round/>
+      </a:ln>
+    </cs:spPr>
+  </cs:hiLoLine>
+  <cs:leaderLine>
+    <cs:lnRef idx="0"/>
+    <cs:fillRef idx="0"/>
+    <cs:effectRef idx="0"/>
+    <cs:fontRef idx="minor">
+      <a:schemeClr val="tx1"/>
+    </cs:fontRef>
+    <cs:spPr>
+      <a:ln w="9525" cap="flat" cmpd="sng" algn="ctr">
+        <a:solidFill>
+          <a:schemeClr val="tx1">
+            <a:lumMod val="35000"/>
+            <a:lumOff val="65000"/>
+          </a:schemeClr>
+        </a:solidFill>
+        <a:round/>
+      </a:ln>
+    </cs:spPr>
+  </cs:leaderLine>
+  <cs:legend>
+    <cs:lnRef idx="0"/>
+    <cs:fillRef idx="0"/>
+    <cs:effectRef idx="0"/>
+    <cs:fontRef idx="minor">
+      <a:schemeClr val="tx1">
+        <a:lumMod val="65000"/>
+        <a:lumOff val="35000"/>
+      </a:schemeClr>
+    </cs:fontRef>
+    <cs:defRPr sz="1197" kern="1200"/>
+  </cs:legend>
+  <cs:plotArea mods="allowNoFillOverride allowNoLineOverride">
+    <cs:lnRef idx="0"/>
+    <cs:fillRef idx="0"/>
+    <cs:effectRef idx="0"/>
+    <cs:fontRef idx="minor">
+      <a:schemeClr val="tx1"/>
+    </cs:fontRef>
+  </cs:plotArea>
+  <cs:plotArea3D mods="allowNoFillOverride allowNoLineOverride">
+    <cs:lnRef idx="0"/>
+    <cs:fillRef idx="0"/>
+    <cs:effectRef idx="0"/>
+    <cs:fontRef idx="minor">
+      <a:schemeClr val="tx1"/>
+    </cs:fontRef>
+  </cs:plotArea3D>
+  <cs:seriesAxis>
+    <cs:lnRef idx="0"/>
+    <cs:fillRef idx="0"/>
+    <cs:effectRef idx="0"/>
+    <cs:fontRef idx="minor">
+      <a:schemeClr val="tx1">
+        <a:lumMod val="65000"/>
+        <a:lumOff val="35000"/>
+      </a:schemeClr>
+    </cs:fontRef>
+    <cs:defRPr sz="1197" kern="1200"/>
+  </cs:seriesAxis>
+  <cs:seriesLine>
+    <cs:lnRef idx="0"/>
+    <cs:fillRef idx="0"/>
+    <cs:effectRef idx="0"/>
+    <cs:fontRef idx="minor">
+      <a:schemeClr val="tx1"/>
+    </cs:fontRef>
+    <cs:spPr>
+      <a:ln w="9525" cap="flat" cmpd="sng" algn="ctr">
+        <a:solidFill>
+          <a:schemeClr val="tx1">
+            <a:lumMod val="35000"/>
+            <a:lumOff val="65000"/>
+          </a:schemeClr>
+        </a:solidFill>
+        <a:round/>
+      </a:ln>
+    </cs:spPr>
+  </cs:seriesLine>
+  <cs:title>
+    <cs:lnRef idx="0"/>
+    <cs:fillRef idx="0"/>
+    <cs:effectRef idx="0"/>
+    <cs:fontRef idx="minor">
+      <a:schemeClr val="tx1">
+        <a:lumMod val="65000"/>
+        <a:lumOff val="35000"/>
+      </a:schemeClr>
+    </cs:fontRef>
+    <cs:defRPr sz="1862" b="0" kern="1200" spc="0" baseline="0"/>
+  </cs:title>
+  <cs:trendline>
+    <cs:lnRef idx="0">
+      <cs:styleClr val="auto"/>
+    </cs:lnRef>
+    <cs:fillRef idx="0"/>
+    <cs:effectRef idx="0"/>
+    <cs:fontRef idx="minor">
+      <a:schemeClr val="tx1"/>
+    </cs:fontRef>
+    <cs:spPr>
+      <a:ln w="19050" cap="rnd">
+        <a:solidFill>
+          <a:schemeClr val="phClr"/>
+        </a:solidFill>
+        <a:prstDash val="sysDot"/>
+      </a:ln>
+    </cs:spPr>
+  </cs:trendline>
+  <cs:trendlineLabel>
+    <cs:lnRef idx="0"/>
+    <cs:fillRef idx="0"/>
+    <cs:effectRef idx="0"/>
+    <cs:fontRef idx="minor">
+      <a:schemeClr val="tx1">
+        <a:lumMod val="65000"/>
+        <a:lumOff val="35000"/>
+      </a:schemeClr>
+    </cs:fontRef>
+    <cs:defRPr sz="1197" kern="1200"/>
+  </cs:trendlineLabel>
+  <cs:upBar>
+    <cs:lnRef idx="0"/>
+    <cs:fillRef idx="0"/>
+    <cs:effectRef idx="0"/>
+    <cs:fontRef idx="minor">
+      <a:schemeClr val="dk1"/>
+    </cs:fontRef>
+    <cs:spPr>
+      <a:solidFill>
+        <a:schemeClr val="lt1"/>
+      </a:solidFill>
+      <a:ln w="9525">
+        <a:solidFill>
+          <a:schemeClr val="tx1">
+            <a:lumMod val="15000"/>
+            <a:lumOff val="85000"/>
+          </a:schemeClr>
+        </a:solidFill>
+      </a:ln>
+    </cs:spPr>
+  </cs:upBar>
+  <cs:valueAxis>
+    <cs:lnRef idx="0"/>
+    <cs:fillRef idx="0"/>
+    <cs:effectRef idx="0"/>
+    <cs:fontRef idx="minor">
+      <a:schemeClr val="tx1">
+        <a:lumMod val="65000"/>
+        <a:lumOff val="35000"/>
+      </a:schemeClr>
+    </cs:fontRef>
+    <cs:defRPr sz="1197" kern="1200"/>
+  </cs:valueAxis>
+  <cs:wall>
+    <cs:lnRef idx="0"/>
+    <cs:fillRef idx="0"/>
+    <cs:effectRef idx="0"/>
+    <cs:fontRef idx="minor">
+      <a:schemeClr val="tx1"/>
+    </cs:fontRef>
+    <cs:spPr>
+      <a:noFill/>
+      <a:ln>
+        <a:noFill/>
+      </a:ln>
+    </cs:spPr>
+  </cs:wall>
+</cs:chartStyle>
+</file>
+
 <file path=ppt/slideLayouts/slideLayout1.xml><?xml version="1.0" encoding="utf-8"?>
 <p:sldLayout xmlns:a="http://schemas.openxmlformats.org/drawingml/2006/main" xmlns:r="http://schemas.openxmlformats.org/officeDocument/2006/relationships" xmlns:p="http://schemas.openxmlformats.org/presentationml/2006/main" type="title" preserve="1">
   <p:cSld name="Slide de Título">
@@ -1389,7 +2466,7 @@
           <a:p>
             <a:fld id="{1F9606BC-5244-47D9-93DD-4B4F41B61F0A}" type="datetimeFigureOut">
               <a:rPr lang="pt-BR" smtClean="0"/>
-              <a:t>23/10/2020</a:t>
+              <a:t>25/10/2020</a:t>
             </a:fld>
             <a:endParaRPr lang="pt-BR"/>
           </a:p>
@@ -1587,7 +2664,7 @@
           <a:p>
             <a:fld id="{1F9606BC-5244-47D9-93DD-4B4F41B61F0A}" type="datetimeFigureOut">
               <a:rPr lang="pt-BR" smtClean="0"/>
-              <a:t>23/10/2020</a:t>
+              <a:t>25/10/2020</a:t>
             </a:fld>
             <a:endParaRPr lang="pt-BR"/>
           </a:p>
@@ -1795,7 +2872,7 @@
           <a:p>
             <a:fld id="{1F9606BC-5244-47D9-93DD-4B4F41B61F0A}" type="datetimeFigureOut">
               <a:rPr lang="pt-BR" smtClean="0"/>
-              <a:t>23/10/2020</a:t>
+              <a:t>25/10/2020</a:t>
             </a:fld>
             <a:endParaRPr lang="pt-BR"/>
           </a:p>
@@ -1993,7 +3070,7 @@
           <a:p>
             <a:fld id="{1F9606BC-5244-47D9-93DD-4B4F41B61F0A}" type="datetimeFigureOut">
               <a:rPr lang="pt-BR" smtClean="0"/>
-              <a:t>23/10/2020</a:t>
+              <a:t>25/10/2020</a:t>
             </a:fld>
             <a:endParaRPr lang="pt-BR"/>
           </a:p>
@@ -2268,7 +3345,7 @@
           <a:p>
             <a:fld id="{1F9606BC-5244-47D9-93DD-4B4F41B61F0A}" type="datetimeFigureOut">
               <a:rPr lang="pt-BR" smtClean="0"/>
-              <a:t>23/10/2020</a:t>
+              <a:t>25/10/2020</a:t>
             </a:fld>
             <a:endParaRPr lang="pt-BR"/>
           </a:p>
@@ -2533,7 +3610,7 @@
           <a:p>
             <a:fld id="{1F9606BC-5244-47D9-93DD-4B4F41B61F0A}" type="datetimeFigureOut">
               <a:rPr lang="pt-BR" smtClean="0"/>
-              <a:t>23/10/2020</a:t>
+              <a:t>25/10/2020</a:t>
             </a:fld>
             <a:endParaRPr lang="pt-BR"/>
           </a:p>
@@ -2945,7 +4022,7 @@
           <a:p>
             <a:fld id="{1F9606BC-5244-47D9-93DD-4B4F41B61F0A}" type="datetimeFigureOut">
               <a:rPr lang="pt-BR" smtClean="0"/>
-              <a:t>23/10/2020</a:t>
+              <a:t>25/10/2020</a:t>
             </a:fld>
             <a:endParaRPr lang="pt-BR"/>
           </a:p>
@@ -3086,7 +4163,7 @@
           <a:p>
             <a:fld id="{1F9606BC-5244-47D9-93DD-4B4F41B61F0A}" type="datetimeFigureOut">
               <a:rPr lang="pt-BR" smtClean="0"/>
-              <a:t>23/10/2020</a:t>
+              <a:t>25/10/2020</a:t>
             </a:fld>
             <a:endParaRPr lang="pt-BR"/>
           </a:p>
@@ -3199,7 +4276,7 @@
           <a:p>
             <a:fld id="{1F9606BC-5244-47D9-93DD-4B4F41B61F0A}" type="datetimeFigureOut">
               <a:rPr lang="pt-BR" smtClean="0"/>
-              <a:t>23/10/2020</a:t>
+              <a:t>25/10/2020</a:t>
             </a:fld>
             <a:endParaRPr lang="pt-BR"/>
           </a:p>
@@ -3510,7 +4587,7 @@
           <a:p>
             <a:fld id="{1F9606BC-5244-47D9-93DD-4B4F41B61F0A}" type="datetimeFigureOut">
               <a:rPr lang="pt-BR" smtClean="0"/>
-              <a:t>23/10/2020</a:t>
+              <a:t>25/10/2020</a:t>
             </a:fld>
             <a:endParaRPr lang="pt-BR"/>
           </a:p>
@@ -3798,7 +4875,7 @@
           <a:p>
             <a:fld id="{1F9606BC-5244-47D9-93DD-4B4F41B61F0A}" type="datetimeFigureOut">
               <a:rPr lang="pt-BR" smtClean="0"/>
-              <a:t>23/10/2020</a:t>
+              <a:t>25/10/2020</a:t>
             </a:fld>
             <a:endParaRPr lang="pt-BR"/>
           </a:p>
@@ -4039,7 +5116,7 @@
           <a:p>
             <a:fld id="{1F9606BC-5244-47D9-93DD-4B4F41B61F0A}" type="datetimeFigureOut">
               <a:rPr lang="pt-BR" smtClean="0"/>
-              <a:t>23/10/2020</a:t>
+              <a:t>25/10/2020</a:t>
             </a:fld>
             <a:endParaRPr lang="pt-BR"/>
           </a:p>
@@ -5339,7 +6416,7 @@
         </p:blipFill>
         <p:spPr>
           <a:xfrm>
-            <a:off x="8929040" y="3337986"/>
+            <a:off x="8929040" y="3487297"/>
             <a:ext cx="2188007" cy="723973"/>
           </a:xfrm>
           <a:prstGeom prst="rect">
@@ -5495,7 +6572,7 @@
         </p:nvSpPr>
         <p:spPr>
           <a:xfrm rot="18718225">
-            <a:off x="904717" y="2559645"/>
+            <a:off x="859892" y="2559645"/>
             <a:ext cx="11150221" cy="1855304"/>
           </a:xfrm>
           <a:prstGeom prst="rect">
@@ -5631,7 +6708,7 @@
               <a:rPr lang="pt-BR" sz="4000" dirty="0">
                 <a:latin typeface="Felix Titling" panose="04060505060202020A04" pitchFamily="82" charset="0"/>
               </a:rPr>
-              <a:t> </a:t>
+              <a:t> a</a:t>
             </a:r>
           </a:p>
         </p:txBody>
@@ -6032,6 +7109,1163 @@
 </p:sld>
 </file>
 
+<file path=ppt/slides/slide11.xml><?xml version="1.0" encoding="utf-8"?>
+<p:sld xmlns:a="http://schemas.openxmlformats.org/drawingml/2006/main" xmlns:r="http://schemas.openxmlformats.org/officeDocument/2006/relationships" xmlns:p="http://schemas.openxmlformats.org/presentationml/2006/main">
+  <p:cSld>
+    <p:bg>
+      <p:bgPr>
+        <a:solidFill>
+          <a:schemeClr val="bg2">
+            <a:lumMod val="90000"/>
+          </a:schemeClr>
+        </a:solidFill>
+        <a:effectLst/>
+      </p:bgPr>
+    </p:bg>
+    <p:spTree>
+      <p:nvGrpSpPr>
+        <p:cNvPr id="1" name=""/>
+        <p:cNvGrpSpPr/>
+        <p:nvPr/>
+      </p:nvGrpSpPr>
+      <p:grpSpPr>
+        <a:xfrm>
+          <a:off x="0" y="0"/>
+          <a:ext cx="0" cy="0"/>
+          <a:chOff x="0" y="0"/>
+          <a:chExt cx="0" cy="0"/>
+        </a:xfrm>
+      </p:grpSpPr>
+      <p:pic>
+        <p:nvPicPr>
+          <p:cNvPr id="2" name="Imagem 1" descr="Logotipo&#10;&#10;Descrição gerada automaticamente">
+            <a:extLst>
+              <a:ext uri="{FF2B5EF4-FFF2-40B4-BE49-F238E27FC236}">
+                <a16:creationId xmlns:a16="http://schemas.microsoft.com/office/drawing/2014/main" id="{6993A1FA-7278-4156-82C2-B58F8818EFED}"/>
+              </a:ext>
+            </a:extLst>
+          </p:cNvPr>
+          <p:cNvPicPr>
+            <a:picLocks noChangeAspect="1"/>
+          </p:cNvPicPr>
+          <p:nvPr/>
+        </p:nvPicPr>
+        <p:blipFill>
+          <a:blip r:embed="rId2">
+            <a:extLst>
+              <a:ext uri="{28A0092B-C50C-407E-A947-70E740481C1C}">
+                <a14:useLocalDpi xmlns:a14="http://schemas.microsoft.com/office/drawing/2010/main" val="0"/>
+              </a:ext>
+            </a:extLst>
+          </a:blip>
+          <a:stretch>
+            <a:fillRect/>
+          </a:stretch>
+        </p:blipFill>
+        <p:spPr>
+          <a:xfrm>
+            <a:off x="11473430" y="6175513"/>
+            <a:ext cx="570021" cy="559903"/>
+          </a:xfrm>
+          <a:prstGeom prst="rect">
+            <a:avLst/>
+          </a:prstGeom>
+        </p:spPr>
+      </p:pic>
+      <p:sp>
+        <p:nvSpPr>
+          <p:cNvPr id="3" name="Retângulo 2">
+            <a:extLst>
+              <a:ext uri="{FF2B5EF4-FFF2-40B4-BE49-F238E27FC236}">
+                <a16:creationId xmlns:a16="http://schemas.microsoft.com/office/drawing/2014/main" id="{EE441B15-9D61-4EF4-A8F9-54774D80F067}"/>
+              </a:ext>
+            </a:extLst>
+          </p:cNvPr>
+          <p:cNvSpPr/>
+          <p:nvPr/>
+        </p:nvSpPr>
+        <p:spPr>
+          <a:xfrm>
+            <a:off x="0" y="0"/>
+            <a:ext cx="12192000" cy="1461247"/>
+          </a:xfrm>
+          <a:prstGeom prst="rect">
+            <a:avLst/>
+          </a:prstGeom>
+        </p:spPr>
+        <p:style>
+          <a:lnRef idx="2">
+            <a:schemeClr val="dk1"/>
+          </a:lnRef>
+          <a:fillRef idx="1">
+            <a:schemeClr val="lt1"/>
+          </a:fillRef>
+          <a:effectRef idx="0">
+            <a:schemeClr val="dk1"/>
+          </a:effectRef>
+          <a:fontRef idx="minor">
+            <a:schemeClr val="dk1"/>
+          </a:fontRef>
+        </p:style>
+        <p:txBody>
+          <a:bodyPr rtlCol="0" anchor="ctr"/>
+          <a:lstStyle/>
+          <a:p>
+            <a:pPr algn="ctr"/>
+            <a:endParaRPr lang="pt-BR" dirty="0"/>
+          </a:p>
+        </p:txBody>
+      </p:sp>
+      <p:sp>
+        <p:nvSpPr>
+          <p:cNvPr id="5" name="CaixaDeTexto 4">
+            <a:extLst>
+              <a:ext uri="{FF2B5EF4-FFF2-40B4-BE49-F238E27FC236}">
+                <a16:creationId xmlns:a16="http://schemas.microsoft.com/office/drawing/2014/main" id="{89C62006-CEAA-4A1E-BD66-1140879C21AD}"/>
+              </a:ext>
+            </a:extLst>
+          </p:cNvPr>
+          <p:cNvSpPr txBox="1"/>
+          <p:nvPr/>
+        </p:nvSpPr>
+        <p:spPr>
+          <a:xfrm>
+            <a:off x="-237563" y="137808"/>
+            <a:ext cx="6158752" cy="1323439"/>
+          </a:xfrm>
+          <a:prstGeom prst="rect">
+            <a:avLst/>
+          </a:prstGeom>
+          <a:noFill/>
+        </p:spPr>
+        <p:txBody>
+          <a:bodyPr wrap="square">
+            <a:spAutoFit/>
+          </a:bodyPr>
+          <a:lstStyle/>
+          <a:p>
+            <a:pPr algn="ctr"/>
+            <a:r>
+              <a:rPr lang="pt-BR" sz="4000" dirty="0">
+                <a:latin typeface="Felix Titling" panose="04060505060202020A04" pitchFamily="82" charset="0"/>
+              </a:rPr>
+              <a:t>Especificação do Analitycs</a:t>
+            </a:r>
+          </a:p>
+        </p:txBody>
+      </p:sp>
+      <p:sp>
+        <p:nvSpPr>
+          <p:cNvPr id="6" name="Retângulo 5">
+            <a:extLst>
+              <a:ext uri="{FF2B5EF4-FFF2-40B4-BE49-F238E27FC236}">
+                <a16:creationId xmlns:a16="http://schemas.microsoft.com/office/drawing/2014/main" id="{D70366E0-FBDF-4304-B335-5708B7C04AB5}"/>
+              </a:ext>
+            </a:extLst>
+          </p:cNvPr>
+          <p:cNvSpPr/>
+          <p:nvPr/>
+        </p:nvSpPr>
+        <p:spPr>
+          <a:xfrm rot="18718225">
+            <a:off x="859892" y="2559645"/>
+            <a:ext cx="11150221" cy="1855304"/>
+          </a:xfrm>
+          <a:prstGeom prst="rect">
+            <a:avLst/>
+          </a:prstGeom>
+          <a:solidFill>
+            <a:schemeClr val="bg2">
+              <a:lumMod val="25000"/>
+            </a:schemeClr>
+          </a:solidFill>
+          <a:ln>
+            <a:noFill/>
+          </a:ln>
+        </p:spPr>
+        <p:style>
+          <a:lnRef idx="2">
+            <a:schemeClr val="accent1">
+              <a:shade val="50000"/>
+            </a:schemeClr>
+          </a:lnRef>
+          <a:fillRef idx="1">
+            <a:schemeClr val="accent1"/>
+          </a:fillRef>
+          <a:effectRef idx="0">
+            <a:schemeClr val="accent1"/>
+          </a:effectRef>
+          <a:fontRef idx="minor">
+            <a:schemeClr val="lt1"/>
+          </a:fontRef>
+        </p:style>
+        <p:txBody>
+          <a:bodyPr rtlCol="0" anchor="ctr"/>
+          <a:lstStyle/>
+          <a:p>
+            <a:pPr algn="ctr"/>
+            <a:endParaRPr lang="pt-BR" dirty="0"/>
+          </a:p>
+        </p:txBody>
+      </p:sp>
+      <p:sp>
+        <p:nvSpPr>
+          <p:cNvPr id="7" name="Retângulo 6">
+            <a:extLst>
+              <a:ext uri="{FF2B5EF4-FFF2-40B4-BE49-F238E27FC236}">
+                <a16:creationId xmlns:a16="http://schemas.microsoft.com/office/drawing/2014/main" id="{24DE6905-62AE-480C-A5DF-5B28F6FE5A05}"/>
+              </a:ext>
+            </a:extLst>
+          </p:cNvPr>
+          <p:cNvSpPr/>
+          <p:nvPr/>
+        </p:nvSpPr>
+        <p:spPr>
+          <a:xfrm rot="18718225">
+            <a:off x="1861718" y="3951864"/>
+            <a:ext cx="11150221" cy="186724"/>
+          </a:xfrm>
+          <a:prstGeom prst="rect">
+            <a:avLst/>
+          </a:prstGeom>
+          <a:solidFill>
+            <a:schemeClr val="bg2">
+              <a:lumMod val="25000"/>
+            </a:schemeClr>
+          </a:solidFill>
+          <a:ln>
+            <a:noFill/>
+          </a:ln>
+        </p:spPr>
+        <p:style>
+          <a:lnRef idx="2">
+            <a:schemeClr val="accent1">
+              <a:shade val="50000"/>
+            </a:schemeClr>
+          </a:lnRef>
+          <a:fillRef idx="1">
+            <a:schemeClr val="accent1"/>
+          </a:fillRef>
+          <a:effectRef idx="0">
+            <a:schemeClr val="accent1"/>
+          </a:effectRef>
+          <a:fontRef idx="minor">
+            <a:schemeClr val="lt1"/>
+          </a:fontRef>
+        </p:style>
+        <p:txBody>
+          <a:bodyPr rtlCol="0" anchor="ctr"/>
+          <a:lstStyle/>
+          <a:p>
+            <a:pPr algn="ctr"/>
+            <a:endParaRPr lang="pt-BR" dirty="0"/>
+          </a:p>
+        </p:txBody>
+      </p:sp>
+      <p:graphicFrame>
+        <p:nvGraphicFramePr>
+          <p:cNvPr id="10" name="Gráfico 9">
+            <a:extLst>
+              <a:ext uri="{FF2B5EF4-FFF2-40B4-BE49-F238E27FC236}">
+                <a16:creationId xmlns:a16="http://schemas.microsoft.com/office/drawing/2014/main" id="{67C5D870-AB63-46EF-AE95-13A365BA418B}"/>
+              </a:ext>
+            </a:extLst>
+          </p:cNvPr>
+          <p:cNvGraphicFramePr/>
+          <p:nvPr>
+            <p:extLst>
+              <p:ext uri="{D42A27DB-BD31-4B8C-83A1-F6EECF244321}">
+                <p14:modId xmlns:p14="http://schemas.microsoft.com/office/powerpoint/2010/main" val="3274684723"/>
+              </p:ext>
+            </p:extLst>
+          </p:nvPr>
+        </p:nvGraphicFramePr>
+        <p:xfrm>
+          <a:off x="358588" y="2463713"/>
+          <a:ext cx="3606799" cy="2709333"/>
+        </p:xfrm>
+        <a:graphic>
+          <a:graphicData uri="http://schemas.openxmlformats.org/drawingml/2006/chart">
+            <c:chart xmlns:c="http://schemas.openxmlformats.org/drawingml/2006/chart" xmlns:r="http://schemas.openxmlformats.org/officeDocument/2006/relationships" r:id="rId3"/>
+          </a:graphicData>
+        </a:graphic>
+      </p:graphicFrame>
+      <p:pic>
+        <p:nvPicPr>
+          <p:cNvPr id="11" name="Picture 8" descr="Ver a imagem de origem">
+            <a:extLst>
+              <a:ext uri="{FF2B5EF4-FFF2-40B4-BE49-F238E27FC236}">
+                <a16:creationId xmlns:a16="http://schemas.microsoft.com/office/drawing/2014/main" id="{4DAA65F3-E71E-4320-A95D-1018BC9BD7D2}"/>
+              </a:ext>
+            </a:extLst>
+          </p:cNvPr>
+          <p:cNvPicPr>
+            <a:picLocks noChangeAspect="1" noChangeArrowheads="1"/>
+          </p:cNvPicPr>
+          <p:nvPr/>
+        </p:nvPicPr>
+        <p:blipFill>
+          <a:blip r:embed="rId4">
+            <a:extLst>
+              <a:ext uri="{28A0092B-C50C-407E-A947-70E740481C1C}">
+                <a14:useLocalDpi xmlns:a14="http://schemas.microsoft.com/office/drawing/2010/main" val="0"/>
+              </a:ext>
+            </a:extLst>
+          </a:blip>
+          <a:srcRect/>
+          <a:stretch>
+            <a:fillRect/>
+          </a:stretch>
+        </p:blipFill>
+        <p:spPr bwMode="auto">
+          <a:xfrm>
+            <a:off x="9713850" y="1514387"/>
+            <a:ext cx="1139191" cy="949326"/>
+          </a:xfrm>
+          <a:prstGeom prst="rect">
+            <a:avLst/>
+          </a:prstGeom>
+          <a:noFill/>
+          <a:extLst>
+            <a:ext uri="{909E8E84-426E-40DD-AFC4-6F175D3DCCD1}">
+              <a14:hiddenFill xmlns:a14="http://schemas.microsoft.com/office/drawing/2010/main">
+                <a:solidFill>
+                  <a:srgbClr val="FFFFFF"/>
+                </a:solidFill>
+              </a14:hiddenFill>
+            </a:ext>
+          </a:extLst>
+        </p:spPr>
+      </p:pic>
+      <p:pic>
+        <p:nvPicPr>
+          <p:cNvPr id="12" name="Picture 6" descr="Ver a imagem de origem">
+            <a:extLst>
+              <a:ext uri="{FF2B5EF4-FFF2-40B4-BE49-F238E27FC236}">
+                <a16:creationId xmlns:a16="http://schemas.microsoft.com/office/drawing/2014/main" id="{555C13F9-BD5B-4D78-AC17-D3A9505D5A4D}"/>
+              </a:ext>
+            </a:extLst>
+          </p:cNvPr>
+          <p:cNvPicPr>
+            <a:picLocks noChangeAspect="1" noChangeArrowheads="1"/>
+          </p:cNvPicPr>
+          <p:nvPr/>
+        </p:nvPicPr>
+        <p:blipFill>
+          <a:blip r:embed="rId5">
+            <a:extLst>
+              <a:ext uri="{28A0092B-C50C-407E-A947-70E740481C1C}">
+                <a14:useLocalDpi xmlns:a14="http://schemas.microsoft.com/office/drawing/2010/main" val="0"/>
+              </a:ext>
+            </a:extLst>
+          </a:blip>
+          <a:srcRect/>
+          <a:stretch>
+            <a:fillRect/>
+          </a:stretch>
+        </p:blipFill>
+        <p:spPr bwMode="auto">
+          <a:xfrm>
+            <a:off x="8966501" y="2629611"/>
+            <a:ext cx="984417" cy="873958"/>
+          </a:xfrm>
+          <a:prstGeom prst="rect">
+            <a:avLst/>
+          </a:prstGeom>
+          <a:noFill/>
+          <a:extLst>
+            <a:ext uri="{909E8E84-426E-40DD-AFC4-6F175D3DCCD1}">
+              <a14:hiddenFill xmlns:a14="http://schemas.microsoft.com/office/drawing/2010/main">
+                <a:solidFill>
+                  <a:srgbClr val="FFFFFF"/>
+                </a:solidFill>
+              </a14:hiddenFill>
+            </a:ext>
+          </a:extLst>
+        </p:spPr>
+      </p:pic>
+      <p:pic>
+        <p:nvPicPr>
+          <p:cNvPr id="13" name="Picture 10" descr="Ver a imagem de origem">
+            <a:extLst>
+              <a:ext uri="{FF2B5EF4-FFF2-40B4-BE49-F238E27FC236}">
+                <a16:creationId xmlns:a16="http://schemas.microsoft.com/office/drawing/2014/main" id="{5AD58F30-1FB1-4C9B-825D-220F63F8B4FA}"/>
+              </a:ext>
+            </a:extLst>
+          </p:cNvPr>
+          <p:cNvPicPr>
+            <a:picLocks noChangeAspect="1" noChangeArrowheads="1"/>
+          </p:cNvPicPr>
+          <p:nvPr/>
+        </p:nvPicPr>
+        <p:blipFill>
+          <a:blip r:embed="rId6">
+            <a:extLst>
+              <a:ext uri="{28A0092B-C50C-407E-A947-70E740481C1C}">
+                <a14:useLocalDpi xmlns:a14="http://schemas.microsoft.com/office/drawing/2010/main" val="0"/>
+              </a:ext>
+            </a:extLst>
+          </a:blip>
+          <a:srcRect/>
+          <a:stretch>
+            <a:fillRect/>
+          </a:stretch>
+        </p:blipFill>
+        <p:spPr bwMode="auto">
+          <a:xfrm>
+            <a:off x="6607966" y="5173046"/>
+            <a:ext cx="1304088" cy="1282418"/>
+          </a:xfrm>
+          <a:prstGeom prst="rect">
+            <a:avLst/>
+          </a:prstGeom>
+          <a:noFill/>
+          <a:extLst>
+            <a:ext uri="{909E8E84-426E-40DD-AFC4-6F175D3DCCD1}">
+              <a14:hiddenFill xmlns:a14="http://schemas.microsoft.com/office/drawing/2010/main">
+                <a:solidFill>
+                  <a:srgbClr val="FFFFFF"/>
+                </a:solidFill>
+              </a14:hiddenFill>
+            </a:ext>
+          </a:extLst>
+        </p:spPr>
+      </p:pic>
+      <p:pic>
+        <p:nvPicPr>
+          <p:cNvPr id="1028" name="Picture 4" descr="Ver a imagem de origem">
+            <a:extLst>
+              <a:ext uri="{FF2B5EF4-FFF2-40B4-BE49-F238E27FC236}">
+                <a16:creationId xmlns:a16="http://schemas.microsoft.com/office/drawing/2014/main" id="{2CA75B5E-71A5-42A1-B2E3-D479B349DF4A}"/>
+              </a:ext>
+            </a:extLst>
+          </p:cNvPr>
+          <p:cNvPicPr>
+            <a:picLocks noChangeAspect="1" noChangeArrowheads="1"/>
+          </p:cNvPicPr>
+          <p:nvPr/>
+        </p:nvPicPr>
+        <p:blipFill>
+          <a:blip r:embed="rId7">
+            <a:extLst>
+              <a:ext uri="{28A0092B-C50C-407E-A947-70E740481C1C}">
+                <a14:useLocalDpi xmlns:a14="http://schemas.microsoft.com/office/drawing/2010/main" val="0"/>
+              </a:ext>
+            </a:extLst>
+          </a:blip>
+          <a:srcRect/>
+          <a:stretch>
+            <a:fillRect/>
+          </a:stretch>
+        </p:blipFill>
+        <p:spPr bwMode="auto">
+          <a:xfrm>
+            <a:off x="8025674" y="3669467"/>
+            <a:ext cx="1041327" cy="1041327"/>
+          </a:xfrm>
+          <a:prstGeom prst="rect">
+            <a:avLst/>
+          </a:prstGeom>
+          <a:noFill/>
+          <a:effectLst>
+            <a:outerShdw dir="5400000" sx="107000" sy="107000" algn="ctr" rotWithShape="0">
+              <a:schemeClr val="accent2">
+                <a:lumMod val="75000"/>
+              </a:schemeClr>
+            </a:outerShdw>
+          </a:effectLst>
+          <a:extLst>
+            <a:ext uri="{909E8E84-426E-40DD-AFC4-6F175D3DCCD1}">
+              <a14:hiddenFill xmlns:a14="http://schemas.microsoft.com/office/drawing/2010/main">
+                <a:solidFill>
+                  <a:srgbClr val="FFFFFF"/>
+                </a:solidFill>
+              </a14:hiddenFill>
+            </a:ext>
+          </a:extLst>
+        </p:spPr>
+      </p:pic>
+      <p:sp>
+        <p:nvSpPr>
+          <p:cNvPr id="14" name="CaixaDeTexto 13">
+            <a:extLst>
+              <a:ext uri="{FF2B5EF4-FFF2-40B4-BE49-F238E27FC236}">
+                <a16:creationId xmlns:a16="http://schemas.microsoft.com/office/drawing/2014/main" id="{D5CCB497-2128-4E6F-8EED-0781D5E3646A}"/>
+              </a:ext>
+            </a:extLst>
+          </p:cNvPr>
+          <p:cNvSpPr txBox="1"/>
+          <p:nvPr/>
+        </p:nvSpPr>
+        <p:spPr>
+          <a:xfrm>
+            <a:off x="8264524" y="3631917"/>
+            <a:ext cx="1800416" cy="1323439"/>
+          </a:xfrm>
+          <a:prstGeom prst="rect">
+            <a:avLst/>
+          </a:prstGeom>
+          <a:noFill/>
+        </p:spPr>
+        <p:txBody>
+          <a:bodyPr wrap="square" rtlCol="0">
+            <a:spAutoFit/>
+          </a:bodyPr>
+          <a:lstStyle/>
+          <a:p>
+            <a:r>
+              <a:rPr lang="pt-BR" sz="8000" dirty="0"/>
+              <a:t>!</a:t>
+            </a:r>
+          </a:p>
+        </p:txBody>
+      </p:sp>
+    </p:spTree>
+    <p:extLst>
+      <p:ext uri="{BB962C8B-B14F-4D97-AF65-F5344CB8AC3E}">
+        <p14:creationId xmlns:p14="http://schemas.microsoft.com/office/powerpoint/2010/main" val="1618693231"/>
+      </p:ext>
+    </p:extLst>
+  </p:cSld>
+  <p:clrMapOvr>
+    <a:masterClrMapping/>
+  </p:clrMapOvr>
+  <p:timing>
+    <p:tnLst>
+      <p:par>
+        <p:cTn id="1" dur="indefinite" restart="never" nodeType="tmRoot">
+          <p:childTnLst>
+            <p:seq concurrent="1" nextAc="seek">
+              <p:cTn id="2" dur="indefinite" nodeType="mainSeq">
+                <p:childTnLst>
+                  <p:par>
+                    <p:cTn id="3" fill="hold">
+                      <p:stCondLst>
+                        <p:cond delay="indefinite"/>
+                        <p:cond evt="onBegin" delay="0">
+                          <p:tn val="2"/>
+                        </p:cond>
+                      </p:stCondLst>
+                      <p:childTnLst>
+                        <p:par>
+                          <p:cTn id="4" fill="hold">
+                            <p:stCondLst>
+                              <p:cond delay="0"/>
+                            </p:stCondLst>
+                            <p:childTnLst>
+                              <p:par>
+                                <p:cTn id="5" presetID="10" presetClass="entr" presetSubtype="0" fill="hold" nodeType="withEffect">
+                                  <p:stCondLst>
+                                    <p:cond delay="0"/>
+                                  </p:stCondLst>
+                                  <p:childTnLst>
+                                    <p:set>
+                                      <p:cBhvr>
+                                        <p:cTn id="6" dur="1" fill="hold">
+                                          <p:stCondLst>
+                                            <p:cond delay="0"/>
+                                          </p:stCondLst>
+                                        </p:cTn>
+                                        <p:tgtEl>
+                                          <p:spTgt spid="2"/>
+                                        </p:tgtEl>
+                                        <p:attrNameLst>
+                                          <p:attrName>style.visibility</p:attrName>
+                                        </p:attrNameLst>
+                                      </p:cBhvr>
+                                      <p:to>
+                                        <p:strVal val="visible"/>
+                                      </p:to>
+                                    </p:set>
+                                    <p:animEffect transition="in" filter="fade">
+                                      <p:cBhvr>
+                                        <p:cTn id="7" dur="500"/>
+                                        <p:tgtEl>
+                                          <p:spTgt spid="2"/>
+                                        </p:tgtEl>
+                                      </p:cBhvr>
+                                    </p:animEffect>
+                                  </p:childTnLst>
+                                </p:cTn>
+                              </p:par>
+                              <p:par>
+                                <p:cTn id="8" presetID="10" presetClass="entr" presetSubtype="0" fill="hold" grpId="0" nodeType="withEffect">
+                                  <p:stCondLst>
+                                    <p:cond delay="500"/>
+                                  </p:stCondLst>
+                                  <p:childTnLst>
+                                    <p:set>
+                                      <p:cBhvr>
+                                        <p:cTn id="9" dur="1" fill="hold">
+                                          <p:stCondLst>
+                                            <p:cond delay="0"/>
+                                          </p:stCondLst>
+                                        </p:cTn>
+                                        <p:tgtEl>
+                                          <p:spTgt spid="6"/>
+                                        </p:tgtEl>
+                                        <p:attrNameLst>
+                                          <p:attrName>style.visibility</p:attrName>
+                                        </p:attrNameLst>
+                                      </p:cBhvr>
+                                      <p:to>
+                                        <p:strVal val="visible"/>
+                                      </p:to>
+                                    </p:set>
+                                    <p:animEffect transition="in" filter="fade">
+                                      <p:cBhvr>
+                                        <p:cTn id="10" dur="250"/>
+                                        <p:tgtEl>
+                                          <p:spTgt spid="6"/>
+                                        </p:tgtEl>
+                                      </p:cBhvr>
+                                    </p:animEffect>
+                                  </p:childTnLst>
+                                </p:cTn>
+                              </p:par>
+                              <p:par>
+                                <p:cTn id="11" presetID="10" presetClass="entr" presetSubtype="0" fill="hold" grpId="0" nodeType="withEffect">
+                                  <p:stCondLst>
+                                    <p:cond delay="500"/>
+                                  </p:stCondLst>
+                                  <p:childTnLst>
+                                    <p:set>
+                                      <p:cBhvr>
+                                        <p:cTn id="12" dur="1" fill="hold">
+                                          <p:stCondLst>
+                                            <p:cond delay="0"/>
+                                          </p:stCondLst>
+                                        </p:cTn>
+                                        <p:tgtEl>
+                                          <p:spTgt spid="7"/>
+                                        </p:tgtEl>
+                                        <p:attrNameLst>
+                                          <p:attrName>style.visibility</p:attrName>
+                                        </p:attrNameLst>
+                                      </p:cBhvr>
+                                      <p:to>
+                                        <p:strVal val="visible"/>
+                                      </p:to>
+                                    </p:set>
+                                    <p:animEffect transition="in" filter="fade">
+                                      <p:cBhvr>
+                                        <p:cTn id="13" dur="250"/>
+                                        <p:tgtEl>
+                                          <p:spTgt spid="7"/>
+                                        </p:tgtEl>
+                                      </p:cBhvr>
+                                    </p:animEffect>
+                                  </p:childTnLst>
+                                </p:cTn>
+                              </p:par>
+                            </p:childTnLst>
+                          </p:cTn>
+                        </p:par>
+                      </p:childTnLst>
+                    </p:cTn>
+                  </p:par>
+                  <p:par>
+                    <p:cTn id="14" fill="hold">
+                      <p:stCondLst>
+                        <p:cond delay="indefinite"/>
+                      </p:stCondLst>
+                      <p:childTnLst>
+                        <p:par>
+                          <p:cTn id="15" fill="hold">
+                            <p:stCondLst>
+                              <p:cond delay="0"/>
+                            </p:stCondLst>
+                            <p:childTnLst>
+                              <p:par>
+                                <p:cTn id="16" presetID="42" presetClass="entr" presetSubtype="0" fill="hold" nodeType="clickEffect">
+                                  <p:stCondLst>
+                                    <p:cond delay="0"/>
+                                  </p:stCondLst>
+                                  <p:childTnLst>
+                                    <p:set>
+                                      <p:cBhvr>
+                                        <p:cTn id="17" dur="1" fill="hold">
+                                          <p:stCondLst>
+                                            <p:cond delay="0"/>
+                                          </p:stCondLst>
+                                        </p:cTn>
+                                        <p:tgtEl>
+                                          <p:spTgt spid="11"/>
+                                        </p:tgtEl>
+                                        <p:attrNameLst>
+                                          <p:attrName>style.visibility</p:attrName>
+                                        </p:attrNameLst>
+                                      </p:cBhvr>
+                                      <p:to>
+                                        <p:strVal val="visible"/>
+                                      </p:to>
+                                    </p:set>
+                                    <p:animEffect transition="in" filter="fade">
+                                      <p:cBhvr>
+                                        <p:cTn id="18" dur="1000"/>
+                                        <p:tgtEl>
+                                          <p:spTgt spid="11"/>
+                                        </p:tgtEl>
+                                      </p:cBhvr>
+                                    </p:animEffect>
+                                    <p:anim calcmode="lin" valueType="num">
+                                      <p:cBhvr>
+                                        <p:cTn id="19" dur="1000" fill="hold"/>
+                                        <p:tgtEl>
+                                          <p:spTgt spid="11"/>
+                                        </p:tgtEl>
+                                        <p:attrNameLst>
+                                          <p:attrName>ppt_x</p:attrName>
+                                        </p:attrNameLst>
+                                      </p:cBhvr>
+                                      <p:tavLst>
+                                        <p:tav tm="0">
+                                          <p:val>
+                                            <p:strVal val="#ppt_x"/>
+                                          </p:val>
+                                        </p:tav>
+                                        <p:tav tm="100000">
+                                          <p:val>
+                                            <p:strVal val="#ppt_x"/>
+                                          </p:val>
+                                        </p:tav>
+                                      </p:tavLst>
+                                    </p:anim>
+                                    <p:anim calcmode="lin" valueType="num">
+                                      <p:cBhvr>
+                                        <p:cTn id="20" dur="1000" fill="hold"/>
+                                        <p:tgtEl>
+                                          <p:spTgt spid="11"/>
+                                        </p:tgtEl>
+                                        <p:attrNameLst>
+                                          <p:attrName>ppt_y</p:attrName>
+                                        </p:attrNameLst>
+                                      </p:cBhvr>
+                                      <p:tavLst>
+                                        <p:tav tm="0">
+                                          <p:val>
+                                            <p:strVal val="#ppt_y+.1"/>
+                                          </p:val>
+                                        </p:tav>
+                                        <p:tav tm="100000">
+                                          <p:val>
+                                            <p:strVal val="#ppt_y"/>
+                                          </p:val>
+                                        </p:tav>
+                                      </p:tavLst>
+                                    </p:anim>
+                                  </p:childTnLst>
+                                </p:cTn>
+                              </p:par>
+                            </p:childTnLst>
+                          </p:cTn>
+                        </p:par>
+                      </p:childTnLst>
+                    </p:cTn>
+                  </p:par>
+                  <p:par>
+                    <p:cTn id="21" fill="hold">
+                      <p:stCondLst>
+                        <p:cond delay="indefinite"/>
+                      </p:stCondLst>
+                      <p:childTnLst>
+                        <p:par>
+                          <p:cTn id="22" fill="hold">
+                            <p:stCondLst>
+                              <p:cond delay="0"/>
+                            </p:stCondLst>
+                            <p:childTnLst>
+                              <p:par>
+                                <p:cTn id="23" presetID="42" presetClass="entr" presetSubtype="0" fill="hold" nodeType="clickEffect">
+                                  <p:stCondLst>
+                                    <p:cond delay="0"/>
+                                  </p:stCondLst>
+                                  <p:childTnLst>
+                                    <p:set>
+                                      <p:cBhvr>
+                                        <p:cTn id="24" dur="1" fill="hold">
+                                          <p:stCondLst>
+                                            <p:cond delay="0"/>
+                                          </p:stCondLst>
+                                        </p:cTn>
+                                        <p:tgtEl>
+                                          <p:spTgt spid="12"/>
+                                        </p:tgtEl>
+                                        <p:attrNameLst>
+                                          <p:attrName>style.visibility</p:attrName>
+                                        </p:attrNameLst>
+                                      </p:cBhvr>
+                                      <p:to>
+                                        <p:strVal val="visible"/>
+                                      </p:to>
+                                    </p:set>
+                                    <p:animEffect transition="in" filter="fade">
+                                      <p:cBhvr>
+                                        <p:cTn id="25" dur="1000"/>
+                                        <p:tgtEl>
+                                          <p:spTgt spid="12"/>
+                                        </p:tgtEl>
+                                      </p:cBhvr>
+                                    </p:animEffect>
+                                    <p:anim calcmode="lin" valueType="num">
+                                      <p:cBhvr>
+                                        <p:cTn id="26" dur="1000" fill="hold"/>
+                                        <p:tgtEl>
+                                          <p:spTgt spid="12"/>
+                                        </p:tgtEl>
+                                        <p:attrNameLst>
+                                          <p:attrName>ppt_x</p:attrName>
+                                        </p:attrNameLst>
+                                      </p:cBhvr>
+                                      <p:tavLst>
+                                        <p:tav tm="0">
+                                          <p:val>
+                                            <p:strVal val="#ppt_x"/>
+                                          </p:val>
+                                        </p:tav>
+                                        <p:tav tm="100000">
+                                          <p:val>
+                                            <p:strVal val="#ppt_x"/>
+                                          </p:val>
+                                        </p:tav>
+                                      </p:tavLst>
+                                    </p:anim>
+                                    <p:anim calcmode="lin" valueType="num">
+                                      <p:cBhvr>
+                                        <p:cTn id="27" dur="1000" fill="hold"/>
+                                        <p:tgtEl>
+                                          <p:spTgt spid="12"/>
+                                        </p:tgtEl>
+                                        <p:attrNameLst>
+                                          <p:attrName>ppt_y</p:attrName>
+                                        </p:attrNameLst>
+                                      </p:cBhvr>
+                                      <p:tavLst>
+                                        <p:tav tm="0">
+                                          <p:val>
+                                            <p:strVal val="#ppt_y+.1"/>
+                                          </p:val>
+                                        </p:tav>
+                                        <p:tav tm="100000">
+                                          <p:val>
+                                            <p:strVal val="#ppt_y"/>
+                                          </p:val>
+                                        </p:tav>
+                                      </p:tavLst>
+                                    </p:anim>
+                                  </p:childTnLst>
+                                </p:cTn>
+                              </p:par>
+                            </p:childTnLst>
+                          </p:cTn>
+                        </p:par>
+                      </p:childTnLst>
+                    </p:cTn>
+                  </p:par>
+                  <p:par>
+                    <p:cTn id="28" fill="hold">
+                      <p:stCondLst>
+                        <p:cond delay="indefinite"/>
+                      </p:stCondLst>
+                      <p:childTnLst>
+                        <p:par>
+                          <p:cTn id="29" fill="hold">
+                            <p:stCondLst>
+                              <p:cond delay="0"/>
+                            </p:stCondLst>
+                            <p:childTnLst>
+                              <p:par>
+                                <p:cTn id="30" presetID="31" presetClass="entr" presetSubtype="0" fill="hold" nodeType="clickEffect">
+                                  <p:stCondLst>
+                                    <p:cond delay="0"/>
+                                  </p:stCondLst>
+                                  <p:childTnLst>
+                                    <p:set>
+                                      <p:cBhvr>
+                                        <p:cTn id="31" dur="1" fill="hold">
+                                          <p:stCondLst>
+                                            <p:cond delay="0"/>
+                                          </p:stCondLst>
+                                        </p:cTn>
+                                        <p:tgtEl>
+                                          <p:spTgt spid="1028"/>
+                                        </p:tgtEl>
+                                        <p:attrNameLst>
+                                          <p:attrName>style.visibility</p:attrName>
+                                        </p:attrNameLst>
+                                      </p:cBhvr>
+                                      <p:to>
+                                        <p:strVal val="visible"/>
+                                      </p:to>
+                                    </p:set>
+                                    <p:anim calcmode="lin" valueType="num">
+                                      <p:cBhvr>
+                                        <p:cTn id="32" dur="1000" fill="hold"/>
+                                        <p:tgtEl>
+                                          <p:spTgt spid="1028"/>
+                                        </p:tgtEl>
+                                        <p:attrNameLst>
+                                          <p:attrName>ppt_w</p:attrName>
+                                        </p:attrNameLst>
+                                      </p:cBhvr>
+                                      <p:tavLst>
+                                        <p:tav tm="0">
+                                          <p:val>
+                                            <p:fltVal val="0"/>
+                                          </p:val>
+                                        </p:tav>
+                                        <p:tav tm="100000">
+                                          <p:val>
+                                            <p:strVal val="#ppt_w"/>
+                                          </p:val>
+                                        </p:tav>
+                                      </p:tavLst>
+                                    </p:anim>
+                                    <p:anim calcmode="lin" valueType="num">
+                                      <p:cBhvr>
+                                        <p:cTn id="33" dur="1000" fill="hold"/>
+                                        <p:tgtEl>
+                                          <p:spTgt spid="1028"/>
+                                        </p:tgtEl>
+                                        <p:attrNameLst>
+                                          <p:attrName>ppt_h</p:attrName>
+                                        </p:attrNameLst>
+                                      </p:cBhvr>
+                                      <p:tavLst>
+                                        <p:tav tm="0">
+                                          <p:val>
+                                            <p:fltVal val="0"/>
+                                          </p:val>
+                                        </p:tav>
+                                        <p:tav tm="100000">
+                                          <p:val>
+                                            <p:strVal val="#ppt_h"/>
+                                          </p:val>
+                                        </p:tav>
+                                      </p:tavLst>
+                                    </p:anim>
+                                    <p:anim calcmode="lin" valueType="num">
+                                      <p:cBhvr>
+                                        <p:cTn id="34" dur="1000" fill="hold"/>
+                                        <p:tgtEl>
+                                          <p:spTgt spid="1028"/>
+                                        </p:tgtEl>
+                                        <p:attrNameLst>
+                                          <p:attrName>style.rotation</p:attrName>
+                                        </p:attrNameLst>
+                                      </p:cBhvr>
+                                      <p:tavLst>
+                                        <p:tav tm="0">
+                                          <p:val>
+                                            <p:fltVal val="90"/>
+                                          </p:val>
+                                        </p:tav>
+                                        <p:tav tm="100000">
+                                          <p:val>
+                                            <p:fltVal val="0"/>
+                                          </p:val>
+                                        </p:tav>
+                                      </p:tavLst>
+                                    </p:anim>
+                                    <p:animEffect transition="in" filter="fade">
+                                      <p:cBhvr>
+                                        <p:cTn id="35" dur="1000"/>
+                                        <p:tgtEl>
+                                          <p:spTgt spid="1028"/>
+                                        </p:tgtEl>
+                                      </p:cBhvr>
+                                    </p:animEffect>
+                                  </p:childTnLst>
+                                </p:cTn>
+                              </p:par>
+                            </p:childTnLst>
+                          </p:cTn>
+                        </p:par>
+                      </p:childTnLst>
+                    </p:cTn>
+                  </p:par>
+                  <p:par>
+                    <p:cTn id="36" fill="hold">
+                      <p:stCondLst>
+                        <p:cond delay="indefinite"/>
+                      </p:stCondLst>
+                      <p:childTnLst>
+                        <p:par>
+                          <p:cTn id="37" fill="hold">
+                            <p:stCondLst>
+                              <p:cond delay="0"/>
+                            </p:stCondLst>
+                            <p:childTnLst>
+                              <p:par>
+                                <p:cTn id="38" presetID="16" presetClass="entr" presetSubtype="21" fill="hold" grpId="0" nodeType="clickEffect">
+                                  <p:stCondLst>
+                                    <p:cond delay="0"/>
+                                  </p:stCondLst>
+                                  <p:childTnLst>
+                                    <p:set>
+                                      <p:cBhvr>
+                                        <p:cTn id="39" dur="1" fill="hold">
+                                          <p:stCondLst>
+                                            <p:cond delay="0"/>
+                                          </p:stCondLst>
+                                        </p:cTn>
+                                        <p:tgtEl>
+                                          <p:spTgt spid="14"/>
+                                        </p:tgtEl>
+                                        <p:attrNameLst>
+                                          <p:attrName>style.visibility</p:attrName>
+                                        </p:attrNameLst>
+                                      </p:cBhvr>
+                                      <p:to>
+                                        <p:strVal val="visible"/>
+                                      </p:to>
+                                    </p:set>
+                                    <p:animEffect transition="in" filter="barn(inVertical)">
+                                      <p:cBhvr>
+                                        <p:cTn id="40" dur="500"/>
+                                        <p:tgtEl>
+                                          <p:spTgt spid="14"/>
+                                        </p:tgtEl>
+                                      </p:cBhvr>
+                                    </p:animEffect>
+                                  </p:childTnLst>
+                                </p:cTn>
+                              </p:par>
+                            </p:childTnLst>
+                          </p:cTn>
+                        </p:par>
+                      </p:childTnLst>
+                    </p:cTn>
+                  </p:par>
+                  <p:par>
+                    <p:cTn id="41" fill="hold">
+                      <p:stCondLst>
+                        <p:cond delay="indefinite"/>
+                      </p:stCondLst>
+                      <p:childTnLst>
+                        <p:par>
+                          <p:cTn id="42" fill="hold">
+                            <p:stCondLst>
+                              <p:cond delay="0"/>
+                            </p:stCondLst>
+                            <p:childTnLst>
+                              <p:par>
+                                <p:cTn id="43" presetID="53" presetClass="entr" presetSubtype="16" fill="hold" nodeType="clickEffect">
+                                  <p:stCondLst>
+                                    <p:cond delay="0"/>
+                                  </p:stCondLst>
+                                  <p:childTnLst>
+                                    <p:set>
+                                      <p:cBhvr>
+                                        <p:cTn id="44" dur="1" fill="hold">
+                                          <p:stCondLst>
+                                            <p:cond delay="0"/>
+                                          </p:stCondLst>
+                                        </p:cTn>
+                                        <p:tgtEl>
+                                          <p:spTgt spid="13"/>
+                                        </p:tgtEl>
+                                        <p:attrNameLst>
+                                          <p:attrName>style.visibility</p:attrName>
+                                        </p:attrNameLst>
+                                      </p:cBhvr>
+                                      <p:to>
+                                        <p:strVal val="visible"/>
+                                      </p:to>
+                                    </p:set>
+                                    <p:anim calcmode="lin" valueType="num">
+                                      <p:cBhvr>
+                                        <p:cTn id="45" dur="500" fill="hold"/>
+                                        <p:tgtEl>
+                                          <p:spTgt spid="13"/>
+                                        </p:tgtEl>
+                                        <p:attrNameLst>
+                                          <p:attrName>ppt_w</p:attrName>
+                                        </p:attrNameLst>
+                                      </p:cBhvr>
+                                      <p:tavLst>
+                                        <p:tav tm="0">
+                                          <p:val>
+                                            <p:fltVal val="0"/>
+                                          </p:val>
+                                        </p:tav>
+                                        <p:tav tm="100000">
+                                          <p:val>
+                                            <p:strVal val="#ppt_w"/>
+                                          </p:val>
+                                        </p:tav>
+                                      </p:tavLst>
+                                    </p:anim>
+                                    <p:anim calcmode="lin" valueType="num">
+                                      <p:cBhvr>
+                                        <p:cTn id="46" dur="500" fill="hold"/>
+                                        <p:tgtEl>
+                                          <p:spTgt spid="13"/>
+                                        </p:tgtEl>
+                                        <p:attrNameLst>
+                                          <p:attrName>ppt_h</p:attrName>
+                                        </p:attrNameLst>
+                                      </p:cBhvr>
+                                      <p:tavLst>
+                                        <p:tav tm="0">
+                                          <p:val>
+                                            <p:fltVal val="0"/>
+                                          </p:val>
+                                        </p:tav>
+                                        <p:tav tm="100000">
+                                          <p:val>
+                                            <p:strVal val="#ppt_h"/>
+                                          </p:val>
+                                        </p:tav>
+                                      </p:tavLst>
+                                    </p:anim>
+                                    <p:animEffect transition="in" filter="fade">
+                                      <p:cBhvr>
+                                        <p:cTn id="47" dur="500"/>
+                                        <p:tgtEl>
+                                          <p:spTgt spid="13"/>
+                                        </p:tgtEl>
+                                      </p:cBhvr>
+                                    </p:animEffect>
+                                  </p:childTnLst>
+                                </p:cTn>
+                              </p:par>
+                            </p:childTnLst>
+                          </p:cTn>
+                        </p:par>
+                      </p:childTnLst>
+                    </p:cTn>
+                  </p:par>
+                </p:childTnLst>
+              </p:cTn>
+              <p:prevCondLst>
+                <p:cond evt="onPrev" delay="0">
+                  <p:tgtEl>
+                    <p:sldTgt/>
+                  </p:tgtEl>
+                </p:cond>
+              </p:prevCondLst>
+              <p:nextCondLst>
+                <p:cond evt="onNext" delay="0">
+                  <p:tgtEl>
+                    <p:sldTgt/>
+                  </p:tgtEl>
+                </p:cond>
+              </p:nextCondLst>
+            </p:seq>
+          </p:childTnLst>
+        </p:cTn>
+      </p:par>
+    </p:tnLst>
+    <p:bldLst>
+      <p:bldP spid="6" grpId="0" animBg="1"/>
+      <p:bldP spid="7" grpId="0" animBg="1"/>
+      <p:bldP spid="14" grpId="0"/>
+    </p:bldLst>
+  </p:timing>
+</p:sld>
+</file>
+
 <file path=ppt/slides/slide2.xml><?xml version="1.0" encoding="utf-8"?>
 <p:sld xmlns:a="http://schemas.openxmlformats.org/drawingml/2006/main" xmlns:r="http://schemas.openxmlformats.org/officeDocument/2006/relationships" xmlns:p="http://schemas.openxmlformats.org/presentationml/2006/main">
   <p:cSld>
@@ -6100,7 +8334,7 @@
           <a:lstStyle/>
           <a:p>
             <a:pPr algn="ctr"/>
-            <a:endParaRPr lang="pt-BR" dirty="0"/>
+            <a:endParaRPr lang="pt-BR" u="sng" dirty="0"/>
           </a:p>
         </p:txBody>
       </p:sp>
@@ -10276,9 +12510,16 @@
           </a:prstGeom>
           <a:noFill/>
           <a:effectLst>
-            <a:glow>
+            <a:glow rad="38100">
               <a:schemeClr val="bg1"/>
             </a:glow>
+            <a:outerShdw dir="5400000" sx="113000" sy="113000" algn="ctr" rotWithShape="0">
+              <a:schemeClr val="accent1">
+                <a:lumMod val="40000"/>
+                <a:lumOff val="60000"/>
+              </a:schemeClr>
+            </a:outerShdw>
+            <a:reflection endPos="0" dir="5400000" sy="-100000" algn="bl" rotWithShape="0"/>
           </a:effectLst>
           <a:extLst>
             <a:ext uri="{909E8E84-426E-40DD-AFC4-6F175D3DCCD1}">
@@ -10357,7 +12598,7 @@
         </p:blipFill>
         <p:spPr>
           <a:xfrm>
-            <a:off x="8725526" y="2140581"/>
+            <a:off x="8682628" y="2427451"/>
             <a:ext cx="2993927" cy="2993927"/>
           </a:xfrm>
           <a:prstGeom prst="rect">
@@ -10399,147 +12640,6 @@
           <a:prstGeom prst="rect">
             <a:avLst/>
           </a:prstGeom>
-        </p:spPr>
-      </p:pic>
-      <p:pic>
-        <p:nvPicPr>
-          <p:cNvPr id="1030" name="Picture 6" descr="Ver a imagem de origem">
-            <a:extLst>
-              <a:ext uri="{FF2B5EF4-FFF2-40B4-BE49-F238E27FC236}">
-                <a16:creationId xmlns:a16="http://schemas.microsoft.com/office/drawing/2014/main" id="{EDDB16FB-4335-45EC-9FEC-6C03F6E96DD1}"/>
-              </a:ext>
-            </a:extLst>
-          </p:cNvPr>
-          <p:cNvPicPr>
-            <a:picLocks noChangeAspect="1" noChangeArrowheads="1"/>
-          </p:cNvPicPr>
-          <p:nvPr/>
-        </p:nvPicPr>
-        <p:blipFill>
-          <a:blip r:embed="rId6">
-            <a:extLst>
-              <a:ext uri="{28A0092B-C50C-407E-A947-70E740481C1C}">
-                <a14:useLocalDpi xmlns:a14="http://schemas.microsoft.com/office/drawing/2010/main" val="0"/>
-              </a:ext>
-            </a:extLst>
-          </a:blip>
-          <a:srcRect/>
-          <a:stretch>
-            <a:fillRect/>
-          </a:stretch>
-        </p:blipFill>
-        <p:spPr bwMode="auto">
-          <a:xfrm>
-            <a:off x="8493897" y="5106781"/>
-            <a:ext cx="1235041" cy="1096460"/>
-          </a:xfrm>
-          <a:prstGeom prst="rect">
-            <a:avLst/>
-          </a:prstGeom>
-          <a:noFill/>
-          <a:extLst>
-            <a:ext uri="{909E8E84-426E-40DD-AFC4-6F175D3DCCD1}">
-              <a14:hiddenFill xmlns:a14="http://schemas.microsoft.com/office/drawing/2010/main">
-                <a:solidFill>
-                  <a:srgbClr val="FFFFFF"/>
-                </a:solidFill>
-              </a14:hiddenFill>
-            </a:ext>
-          </a:extLst>
-        </p:spPr>
-      </p:pic>
-      <p:pic>
-        <p:nvPicPr>
-          <p:cNvPr id="1032" name="Picture 8" descr="Ver a imagem de origem">
-            <a:extLst>
-              <a:ext uri="{FF2B5EF4-FFF2-40B4-BE49-F238E27FC236}">
-                <a16:creationId xmlns:a16="http://schemas.microsoft.com/office/drawing/2014/main" id="{DA2B410D-F4E3-4655-9F18-64FE460E6281}"/>
-              </a:ext>
-            </a:extLst>
-          </p:cNvPr>
-          <p:cNvPicPr>
-            <a:picLocks noChangeAspect="1" noChangeArrowheads="1"/>
-          </p:cNvPicPr>
-          <p:nvPr/>
-        </p:nvPicPr>
-        <p:blipFill>
-          <a:blip r:embed="rId7">
-            <a:extLst>
-              <a:ext uri="{28A0092B-C50C-407E-A947-70E740481C1C}">
-                <a14:useLocalDpi xmlns:a14="http://schemas.microsoft.com/office/drawing/2010/main" val="0"/>
-              </a:ext>
-            </a:extLst>
-          </a:blip>
-          <a:srcRect/>
-          <a:stretch>
-            <a:fillRect/>
-          </a:stretch>
-        </p:blipFill>
-        <p:spPr bwMode="auto">
-          <a:xfrm>
-            <a:off x="6903333" y="5140411"/>
-            <a:ext cx="1235040" cy="1029200"/>
-          </a:xfrm>
-          <a:prstGeom prst="rect">
-            <a:avLst/>
-          </a:prstGeom>
-          <a:noFill/>
-          <a:extLst>
-            <a:ext uri="{909E8E84-426E-40DD-AFC4-6F175D3DCCD1}">
-              <a14:hiddenFill xmlns:a14="http://schemas.microsoft.com/office/drawing/2010/main">
-                <a:solidFill>
-                  <a:srgbClr val="FFFFFF"/>
-                </a:solidFill>
-              </a14:hiddenFill>
-            </a:ext>
-          </a:extLst>
-        </p:spPr>
-      </p:pic>
-      <p:pic>
-        <p:nvPicPr>
-          <p:cNvPr id="1034" name="Picture 10" descr="Ver a imagem de origem">
-            <a:extLst>
-              <a:ext uri="{FF2B5EF4-FFF2-40B4-BE49-F238E27FC236}">
-                <a16:creationId xmlns:a16="http://schemas.microsoft.com/office/drawing/2014/main" id="{6A9B5E0B-A1B4-41EA-89DA-5A945F3066F6}"/>
-              </a:ext>
-            </a:extLst>
-          </p:cNvPr>
-          <p:cNvPicPr>
-            <a:picLocks noChangeAspect="1" noChangeArrowheads="1"/>
-          </p:cNvPicPr>
-          <p:nvPr/>
-        </p:nvPicPr>
-        <p:blipFill>
-          <a:blip r:embed="rId8">
-            <a:extLst>
-              <a:ext uri="{28A0092B-C50C-407E-A947-70E740481C1C}">
-                <a14:useLocalDpi xmlns:a14="http://schemas.microsoft.com/office/drawing/2010/main" val="0"/>
-              </a:ext>
-            </a:extLst>
-          </a:blip>
-          <a:srcRect/>
-          <a:stretch>
-            <a:fillRect/>
-          </a:stretch>
-        </p:blipFill>
-        <p:spPr bwMode="auto">
-          <a:xfrm>
-            <a:off x="10006130" y="4874214"/>
-            <a:ext cx="1351485" cy="1329027"/>
-          </a:xfrm>
-          <a:prstGeom prst="rect">
-            <a:avLst/>
-          </a:prstGeom>
-          <a:noFill/>
-          <a:extLst>
-            <a:ext uri="{909E8E84-426E-40DD-AFC4-6F175D3DCCD1}">
-              <a14:hiddenFill xmlns:a14="http://schemas.microsoft.com/office/drawing/2010/main">
-                <a:solidFill>
-                  <a:srgbClr val="FFFFFF"/>
-                </a:solidFill>
-              </a14:hiddenFill>
-            </a:ext>
-          </a:extLst>
         </p:spPr>
       </p:pic>
     </p:spTree>
@@ -10795,295 +12895,6 @@
                                         </p:tgtEl>
                                       </p:cBhvr>
                                     </p:animEffect>
-                                  </p:childTnLst>
-                                </p:cTn>
-                              </p:par>
-                            </p:childTnLst>
-                          </p:cTn>
-                        </p:par>
-                      </p:childTnLst>
-                    </p:cTn>
-                  </p:par>
-                  <p:par>
-                    <p:cTn id="24" fill="hold">
-                      <p:stCondLst>
-                        <p:cond delay="indefinite"/>
-                      </p:stCondLst>
-                      <p:childTnLst>
-                        <p:par>
-                          <p:cTn id="25" fill="hold">
-                            <p:stCondLst>
-                              <p:cond delay="0"/>
-                            </p:stCondLst>
-                            <p:childTnLst>
-                              <p:par>
-                                <p:cTn id="26" presetID="42" presetClass="entr" presetSubtype="0" fill="hold" nodeType="clickEffect">
-                                  <p:stCondLst>
-                                    <p:cond delay="0"/>
-                                  </p:stCondLst>
-                                  <p:childTnLst>
-                                    <p:set>
-                                      <p:cBhvr>
-                                        <p:cTn id="27" dur="1" fill="hold">
-                                          <p:stCondLst>
-                                            <p:cond delay="0"/>
-                                          </p:stCondLst>
-                                        </p:cTn>
-                                        <p:tgtEl>
-                                          <p:spTgt spid="1032"/>
-                                        </p:tgtEl>
-                                        <p:attrNameLst>
-                                          <p:attrName>style.visibility</p:attrName>
-                                        </p:attrNameLst>
-                                      </p:cBhvr>
-                                      <p:to>
-                                        <p:strVal val="visible"/>
-                                      </p:to>
-                                    </p:set>
-                                    <p:animEffect transition="in" filter="fade">
-                                      <p:cBhvr>
-                                        <p:cTn id="28" dur="1000"/>
-                                        <p:tgtEl>
-                                          <p:spTgt spid="1032"/>
-                                        </p:tgtEl>
-                                      </p:cBhvr>
-                                    </p:animEffect>
-                                    <p:anim calcmode="lin" valueType="num">
-                                      <p:cBhvr>
-                                        <p:cTn id="29" dur="1000" fill="hold"/>
-                                        <p:tgtEl>
-                                          <p:spTgt spid="1032"/>
-                                        </p:tgtEl>
-                                        <p:attrNameLst>
-                                          <p:attrName>ppt_x</p:attrName>
-                                        </p:attrNameLst>
-                                      </p:cBhvr>
-                                      <p:tavLst>
-                                        <p:tav tm="0">
-                                          <p:val>
-                                            <p:strVal val="#ppt_x"/>
-                                          </p:val>
-                                        </p:tav>
-                                        <p:tav tm="100000">
-                                          <p:val>
-                                            <p:strVal val="#ppt_x"/>
-                                          </p:val>
-                                        </p:tav>
-                                      </p:tavLst>
-                                    </p:anim>
-                                    <p:anim calcmode="lin" valueType="num">
-                                      <p:cBhvr>
-                                        <p:cTn id="30" dur="1000" fill="hold"/>
-                                        <p:tgtEl>
-                                          <p:spTgt spid="1032"/>
-                                        </p:tgtEl>
-                                        <p:attrNameLst>
-                                          <p:attrName>ppt_y</p:attrName>
-                                        </p:attrNameLst>
-                                      </p:cBhvr>
-                                      <p:tavLst>
-                                        <p:tav tm="0">
-                                          <p:val>
-                                            <p:strVal val="#ppt_y+.1"/>
-                                          </p:val>
-                                        </p:tav>
-                                        <p:tav tm="100000">
-                                          <p:val>
-                                            <p:strVal val="#ppt_y"/>
-                                          </p:val>
-                                        </p:tav>
-                                      </p:tavLst>
-                                    </p:anim>
-                                  </p:childTnLst>
-                                </p:cTn>
-                              </p:par>
-                            </p:childTnLst>
-                          </p:cTn>
-                        </p:par>
-                      </p:childTnLst>
-                    </p:cTn>
-                  </p:par>
-                  <p:par>
-                    <p:cTn id="31" fill="hold">
-                      <p:stCondLst>
-                        <p:cond delay="indefinite"/>
-                      </p:stCondLst>
-                      <p:childTnLst>
-                        <p:par>
-                          <p:cTn id="32" fill="hold">
-                            <p:stCondLst>
-                              <p:cond delay="0"/>
-                            </p:stCondLst>
-                            <p:childTnLst>
-                              <p:par>
-                                <p:cTn id="33" presetID="42" presetClass="entr" presetSubtype="0" fill="hold" nodeType="clickEffect">
-                                  <p:stCondLst>
-                                    <p:cond delay="0"/>
-                                  </p:stCondLst>
-                                  <p:childTnLst>
-                                    <p:set>
-                                      <p:cBhvr>
-                                        <p:cTn id="34" dur="1" fill="hold">
-                                          <p:stCondLst>
-                                            <p:cond delay="0"/>
-                                          </p:stCondLst>
-                                        </p:cTn>
-                                        <p:tgtEl>
-                                          <p:spTgt spid="1030"/>
-                                        </p:tgtEl>
-                                        <p:attrNameLst>
-                                          <p:attrName>style.visibility</p:attrName>
-                                        </p:attrNameLst>
-                                      </p:cBhvr>
-                                      <p:to>
-                                        <p:strVal val="visible"/>
-                                      </p:to>
-                                    </p:set>
-                                    <p:animEffect transition="in" filter="fade">
-                                      <p:cBhvr>
-                                        <p:cTn id="35" dur="1000"/>
-                                        <p:tgtEl>
-                                          <p:spTgt spid="1030"/>
-                                        </p:tgtEl>
-                                      </p:cBhvr>
-                                    </p:animEffect>
-                                    <p:anim calcmode="lin" valueType="num">
-                                      <p:cBhvr>
-                                        <p:cTn id="36" dur="1000" fill="hold"/>
-                                        <p:tgtEl>
-                                          <p:spTgt spid="1030"/>
-                                        </p:tgtEl>
-                                        <p:attrNameLst>
-                                          <p:attrName>ppt_x</p:attrName>
-                                        </p:attrNameLst>
-                                      </p:cBhvr>
-                                      <p:tavLst>
-                                        <p:tav tm="0">
-                                          <p:val>
-                                            <p:strVal val="#ppt_x"/>
-                                          </p:val>
-                                        </p:tav>
-                                        <p:tav tm="100000">
-                                          <p:val>
-                                            <p:strVal val="#ppt_x"/>
-                                          </p:val>
-                                        </p:tav>
-                                      </p:tavLst>
-                                    </p:anim>
-                                    <p:anim calcmode="lin" valueType="num">
-                                      <p:cBhvr>
-                                        <p:cTn id="37" dur="1000" fill="hold"/>
-                                        <p:tgtEl>
-                                          <p:spTgt spid="1030"/>
-                                        </p:tgtEl>
-                                        <p:attrNameLst>
-                                          <p:attrName>ppt_y</p:attrName>
-                                        </p:attrNameLst>
-                                      </p:cBhvr>
-                                      <p:tavLst>
-                                        <p:tav tm="0">
-                                          <p:val>
-                                            <p:strVal val="#ppt_y+.1"/>
-                                          </p:val>
-                                        </p:tav>
-                                        <p:tav tm="100000">
-                                          <p:val>
-                                            <p:strVal val="#ppt_y"/>
-                                          </p:val>
-                                        </p:tav>
-                                      </p:tavLst>
-                                    </p:anim>
-                                  </p:childTnLst>
-                                </p:cTn>
-                              </p:par>
-                            </p:childTnLst>
-                          </p:cTn>
-                        </p:par>
-                      </p:childTnLst>
-                    </p:cTn>
-                  </p:par>
-                  <p:par>
-                    <p:cTn id="38" fill="hold">
-                      <p:stCondLst>
-                        <p:cond delay="indefinite"/>
-                      </p:stCondLst>
-                      <p:childTnLst>
-                        <p:par>
-                          <p:cTn id="39" fill="hold">
-                            <p:stCondLst>
-                              <p:cond delay="0"/>
-                            </p:stCondLst>
-                            <p:childTnLst>
-                              <p:par>
-                                <p:cTn id="40" presetID="2" presetClass="entr" presetSubtype="4" fill="hold" nodeType="clickEffect">
-                                  <p:stCondLst>
-                                    <p:cond delay="0"/>
-                                  </p:stCondLst>
-                                  <p:childTnLst>
-                                    <p:set>
-                                      <p:cBhvr>
-                                        <p:cTn id="41" dur="1" fill="hold">
-                                          <p:stCondLst>
-                                            <p:cond delay="0"/>
-                                          </p:stCondLst>
-                                        </p:cTn>
-                                        <p:tgtEl>
-                                          <p:spTgt spid="1034"/>
-                                        </p:tgtEl>
-                                        <p:attrNameLst>
-                                          <p:attrName>style.visibility</p:attrName>
-                                        </p:attrNameLst>
-                                      </p:cBhvr>
-                                      <p:to>
-                                        <p:strVal val="visible"/>
-                                      </p:to>
-                                    </p:set>
-                                    <p:anim calcmode="lin" valueType="num">
-                                      <p:cBhvr additive="base">
-                                        <p:cTn id="42" dur="500" fill="hold"/>
-                                        <p:tgtEl>
-                                          <p:spTgt spid="1034"/>
-                                        </p:tgtEl>
-                                        <p:attrNameLst>
-                                          <p:attrName>ppt_x</p:attrName>
-                                        </p:attrNameLst>
-                                      </p:cBhvr>
-                                      <p:tavLst>
-                                        <p:tav tm="0">
-                                          <p:val>
-                                            <p:strVal val="#ppt_x"/>
-                                          </p:val>
-                                        </p:tav>
-                                        <p:tav tm="100000">
-                                          <p:val>
-                                            <p:strVal val="#ppt_x"/>
-                                          </p:val>
-                                        </p:tav>
-                                      </p:tavLst>
-                                    </p:anim>
-                                    <p:anim calcmode="lin" valueType="num">
-                                      <p:cBhvr additive="base">
-                                        <p:cTn id="43" dur="500" fill="hold"/>
-                                        <p:tgtEl>
-                                          <p:spTgt spid="1034"/>
-                                        </p:tgtEl>
-                                        <p:attrNameLst>
-                                          <p:attrName>ppt_y</p:attrName>
-                                        </p:attrNameLst>
-                                      </p:cBhvr>
-                                      <p:tavLst>
-                                        <p:tav tm="0">
-                                          <p:val>
-                                            <p:strVal val="1+#ppt_h/2"/>
-                                          </p:val>
-                                        </p:tav>
-                                        <p:tav tm="100000">
-                                          <p:val>
-                                            <p:strVal val="#ppt_y"/>
-                                          </p:val>
-                                        </p:tav>
-                                      </p:tavLst>
-                                    </p:anim>
                                   </p:childTnLst>
                                 </p:cTn>
                               </p:par>

--- a/Documentação/Apresentação Sprint 2.pptx
+++ b/Documentação/Apresentação Sprint 2.pptx
@@ -125,7 +125,7 @@
 <file path=ppt/revisionInfo.xml><?xml version="1.0" encoding="utf-8"?>
 <p1510:revInfo xmlns:a="http://schemas.openxmlformats.org/drawingml/2006/main" xmlns:r="http://schemas.openxmlformats.org/officeDocument/2006/relationships" xmlns:p1510="http://schemas.microsoft.com/office/powerpoint/2015/10/main">
   <p1510:revLst>
-    <p1510:client id="{7EE69AF9-B8A0-40A8-A92E-4E905D782AD4}" v="789" dt="2020-10-26T03:05:32.970"/>
+    <p1510:client id="{7EE69AF9-B8A0-40A8-A92E-4E905D782AD4}" v="888" dt="2020-10-27T02:11:59.547"/>
   </p1510:revLst>
 </p1510:revInfo>
 </file>
@@ -135,18 +135,26 @@
   <pc:docChgLst>
     <pc:chgData name="Nicholas Forte" userId="831f5f1da6d5c7f7" providerId="LiveId" clId="{7EE69AF9-B8A0-40A8-A92E-4E905D782AD4}"/>
     <pc:docChg chg="undo custSel mod addSld delSld modSld addMainMaster delMainMaster modMainMaster">
-      <pc:chgData name="Nicholas Forte" userId="831f5f1da6d5c7f7" providerId="LiveId" clId="{7EE69AF9-B8A0-40A8-A92E-4E905D782AD4}" dt="2020-10-26T03:05:50.520" v="1262" actId="115"/>
+      <pc:chgData name="Nicholas Forte" userId="831f5f1da6d5c7f7" providerId="LiveId" clId="{7EE69AF9-B8A0-40A8-A92E-4E905D782AD4}" dt="2020-10-27T02:11:59.544" v="1361" actId="115"/>
       <pc:docMkLst>
         <pc:docMk/>
       </pc:docMkLst>
-      <pc:sldChg chg="modSp mod modTransition">
-        <pc:chgData name="Nicholas Forte" userId="831f5f1da6d5c7f7" providerId="LiveId" clId="{7EE69AF9-B8A0-40A8-A92E-4E905D782AD4}" dt="2020-10-26T03:05:50.520" v="1262" actId="115"/>
+      <pc:sldChg chg="modSp mod modTransition modAnim">
+        <pc:chgData name="Nicholas Forte" userId="831f5f1da6d5c7f7" providerId="LiveId" clId="{7EE69AF9-B8A0-40A8-A92E-4E905D782AD4}" dt="2020-10-27T02:11:59.544" v="1361" actId="115"/>
         <pc:sldMkLst>
           <pc:docMk/>
           <pc:sldMk cId="3108710905" sldId="258"/>
         </pc:sldMkLst>
         <pc:spChg chg="mod">
-          <ac:chgData name="Nicholas Forte" userId="831f5f1da6d5c7f7" providerId="LiveId" clId="{7EE69AF9-B8A0-40A8-A92E-4E905D782AD4}" dt="2020-10-23T14:49:58.715" v="22" actId="1076"/>
+          <ac:chgData name="Nicholas Forte" userId="831f5f1da6d5c7f7" providerId="LiveId" clId="{7EE69AF9-B8A0-40A8-A92E-4E905D782AD4}" dt="2020-10-27T02:11:40.742" v="1360" actId="113"/>
+          <ac:spMkLst>
+            <pc:docMk/>
+            <pc:sldMk cId="3108710905" sldId="258"/>
+            <ac:spMk id="4" creationId="{5CEFF207-9BF9-4B40-9B67-6632E59CF946}"/>
+          </ac:spMkLst>
+        </pc:spChg>
+        <pc:spChg chg="mod">
+          <ac:chgData name="Nicholas Forte" userId="831f5f1da6d5c7f7" providerId="LiveId" clId="{7EE69AF9-B8A0-40A8-A92E-4E905D782AD4}" dt="2020-10-27T02:11:59.544" v="1361" actId="115"/>
           <ac:spMkLst>
             <pc:docMk/>
             <pc:sldMk cId="3108710905" sldId="258"/>
@@ -2466,7 +2474,7 @@
           <a:p>
             <a:fld id="{1F9606BC-5244-47D9-93DD-4B4F41B61F0A}" type="datetimeFigureOut">
               <a:rPr lang="pt-BR" smtClean="0"/>
-              <a:t>25/10/2020</a:t>
+              <a:t>26/10/2020</a:t>
             </a:fld>
             <a:endParaRPr lang="pt-BR"/>
           </a:p>
@@ -2664,7 +2672,7 @@
           <a:p>
             <a:fld id="{1F9606BC-5244-47D9-93DD-4B4F41B61F0A}" type="datetimeFigureOut">
               <a:rPr lang="pt-BR" smtClean="0"/>
-              <a:t>25/10/2020</a:t>
+              <a:t>26/10/2020</a:t>
             </a:fld>
             <a:endParaRPr lang="pt-BR"/>
           </a:p>
@@ -2872,7 +2880,7 @@
           <a:p>
             <a:fld id="{1F9606BC-5244-47D9-93DD-4B4F41B61F0A}" type="datetimeFigureOut">
               <a:rPr lang="pt-BR" smtClean="0"/>
-              <a:t>25/10/2020</a:t>
+              <a:t>26/10/2020</a:t>
             </a:fld>
             <a:endParaRPr lang="pt-BR"/>
           </a:p>
@@ -3070,7 +3078,7 @@
           <a:p>
             <a:fld id="{1F9606BC-5244-47D9-93DD-4B4F41B61F0A}" type="datetimeFigureOut">
               <a:rPr lang="pt-BR" smtClean="0"/>
-              <a:t>25/10/2020</a:t>
+              <a:t>26/10/2020</a:t>
             </a:fld>
             <a:endParaRPr lang="pt-BR"/>
           </a:p>
@@ -3345,7 +3353,7 @@
           <a:p>
             <a:fld id="{1F9606BC-5244-47D9-93DD-4B4F41B61F0A}" type="datetimeFigureOut">
               <a:rPr lang="pt-BR" smtClean="0"/>
-              <a:t>25/10/2020</a:t>
+              <a:t>26/10/2020</a:t>
             </a:fld>
             <a:endParaRPr lang="pt-BR"/>
           </a:p>
@@ -3610,7 +3618,7 @@
           <a:p>
             <a:fld id="{1F9606BC-5244-47D9-93DD-4B4F41B61F0A}" type="datetimeFigureOut">
               <a:rPr lang="pt-BR" smtClean="0"/>
-              <a:t>25/10/2020</a:t>
+              <a:t>26/10/2020</a:t>
             </a:fld>
             <a:endParaRPr lang="pt-BR"/>
           </a:p>
@@ -4022,7 +4030,7 @@
           <a:p>
             <a:fld id="{1F9606BC-5244-47D9-93DD-4B4F41B61F0A}" type="datetimeFigureOut">
               <a:rPr lang="pt-BR" smtClean="0"/>
-              <a:t>25/10/2020</a:t>
+              <a:t>26/10/2020</a:t>
             </a:fld>
             <a:endParaRPr lang="pt-BR"/>
           </a:p>
@@ -4163,7 +4171,7 @@
           <a:p>
             <a:fld id="{1F9606BC-5244-47D9-93DD-4B4F41B61F0A}" type="datetimeFigureOut">
               <a:rPr lang="pt-BR" smtClean="0"/>
-              <a:t>25/10/2020</a:t>
+              <a:t>26/10/2020</a:t>
             </a:fld>
             <a:endParaRPr lang="pt-BR"/>
           </a:p>
@@ -4276,7 +4284,7 @@
           <a:p>
             <a:fld id="{1F9606BC-5244-47D9-93DD-4B4F41B61F0A}" type="datetimeFigureOut">
               <a:rPr lang="pt-BR" smtClean="0"/>
-              <a:t>25/10/2020</a:t>
+              <a:t>26/10/2020</a:t>
             </a:fld>
             <a:endParaRPr lang="pt-BR"/>
           </a:p>
@@ -4587,7 +4595,7 @@
           <a:p>
             <a:fld id="{1F9606BC-5244-47D9-93DD-4B4F41B61F0A}" type="datetimeFigureOut">
               <a:rPr lang="pt-BR" smtClean="0"/>
-              <a:t>25/10/2020</a:t>
+              <a:t>26/10/2020</a:t>
             </a:fld>
             <a:endParaRPr lang="pt-BR"/>
           </a:p>
@@ -4875,7 +4883,7 @@
           <a:p>
             <a:fld id="{1F9606BC-5244-47D9-93DD-4B4F41B61F0A}" type="datetimeFigureOut">
               <a:rPr lang="pt-BR" smtClean="0"/>
-              <a:t>25/10/2020</a:t>
+              <a:t>26/10/2020</a:t>
             </a:fld>
             <a:endParaRPr lang="pt-BR"/>
           </a:p>
@@ -5116,7 +5124,7 @@
           <a:p>
             <a:fld id="{1F9606BC-5244-47D9-93DD-4B4F41B61F0A}" type="datetimeFigureOut">
               <a:rPr lang="pt-BR" smtClean="0"/>
-              <a:t>25/10/2020</a:t>
+              <a:t>26/10/2020</a:t>
             </a:fld>
             <a:endParaRPr lang="pt-BR"/>
           </a:p>
@@ -8763,7 +8771,7 @@
           <a:lstStyle/>
           <a:p>
             <a:pPr algn="ctr"/>
-            <a:endParaRPr lang="pt-BR" dirty="0"/>
+            <a:endParaRPr lang="pt-BR" u="sng" dirty="0"/>
           </a:p>
         </p:txBody>
       </p:sp>
@@ -8781,8 +8789,8 @@
         </p:nvSpPr>
         <p:spPr>
           <a:xfrm>
-            <a:off x="1592721" y="2365028"/>
-            <a:ext cx="5208106" cy="461665"/>
+            <a:off x="292426" y="1958297"/>
+            <a:ext cx="6494267" cy="2677656"/>
           </a:xfrm>
           <a:prstGeom prst="rect">
             <a:avLst/>
@@ -8795,16 +8803,75 @@
           </a:bodyPr>
           <a:lstStyle/>
           <a:p>
+            <a:pPr marL="342900" indent="-342900">
+              <a:buFont typeface="Arial" panose="020B0604020202020204" pitchFamily="34" charset="0"/>
+              <a:buChar char="•"/>
+            </a:pPr>
             <a:r>
               <a:rPr lang="pt-BR" sz="2400" dirty="0">
                 <a:solidFill>
                   <a:schemeClr val="bg1"/>
                 </a:solidFill>
-                <a:latin typeface="Felix Titling" panose="04060505060202020A04" pitchFamily="82" charset="0"/>
-                <a:ea typeface="MS Mincho" panose="020B0400000000000000" pitchFamily="49" charset="-128"/>
               </a:rPr>
-              <a:t>Alguma coisa aqui!</a:t>
+              <a:t>A empresa: </a:t>
             </a:r>
+            <a:r>
+              <a:rPr lang="pt-BR" sz="2400" dirty="0">
+                <a:solidFill>
+                  <a:schemeClr val="bg1"/>
+                </a:solidFill>
+                <a:latin typeface="Calibri" panose="020F0502020204030204" pitchFamily="34" charset="0"/>
+                <a:ea typeface="Calibri" panose="020F0502020204030204" pitchFamily="34" charset="0"/>
+                <a:cs typeface="Times New Roman" panose="02020603050405020304" pitchFamily="18" charset="0"/>
+              </a:rPr>
+              <a:t>Harbor solutions é uma empresa de soluções portuárias com foco na logística, importação e exportação.</a:t>
+            </a:r>
+          </a:p>
+          <a:p>
+            <a:pPr marL="342900" indent="-342900">
+              <a:buFont typeface="Arial" panose="020B0604020202020204" pitchFamily="34" charset="0"/>
+              <a:buChar char="•"/>
+            </a:pPr>
+            <a:endParaRPr lang="pt-BR" sz="2400" dirty="0">
+              <a:solidFill>
+                <a:schemeClr val="bg1"/>
+              </a:solidFill>
+              <a:latin typeface="Calibri" panose="020F0502020204030204" pitchFamily="34" charset="0"/>
+              <a:ea typeface="Calibri" panose="020F0502020204030204" pitchFamily="34" charset="0"/>
+              <a:cs typeface="Times New Roman" panose="02020603050405020304" pitchFamily="18" charset="0"/>
+            </a:endParaRPr>
+          </a:p>
+          <a:p>
+            <a:pPr marL="342900" indent="-342900">
+              <a:buFont typeface="Arial" panose="020B0604020202020204" pitchFamily="34" charset="0"/>
+              <a:buChar char="•"/>
+            </a:pPr>
+            <a:r>
+              <a:rPr lang="pt-BR" sz="2400" dirty="0">
+                <a:solidFill>
+                  <a:srgbClr val="EBEBEB"/>
+                </a:solidFill>
+                <a:ea typeface="Calibri" panose="020F0502020204030204" pitchFamily="34" charset="0"/>
+                <a:cs typeface="Arial" panose="020B0604020202020204" pitchFamily="34" charset="0"/>
+              </a:rPr>
+              <a:t>Controle de temperatura nos transportes marítimos com foco no peixes polaca e panga.</a:t>
+            </a:r>
+            <a:endParaRPr lang="pt-BR" sz="2400" dirty="0">
+              <a:solidFill>
+                <a:schemeClr val="bg1"/>
+              </a:solidFill>
+              <a:ea typeface="Calibri" panose="020F0502020204030204" pitchFamily="34" charset="0"/>
+              <a:cs typeface="Times New Roman" panose="02020603050405020304" pitchFamily="18" charset="0"/>
+            </a:endParaRPr>
+          </a:p>
+          <a:p>
+            <a:endParaRPr lang="pt-BR" sz="2400" dirty="0">
+              <a:solidFill>
+                <a:schemeClr val="bg1"/>
+              </a:solidFill>
+              <a:latin typeface="Felix Titling" panose="04060505060202020A04" pitchFamily="82" charset="0"/>
+              <a:ea typeface="MS Mincho" panose="020B0400000000000000" pitchFamily="49" charset="-128"/>
+            </a:endParaRPr>
           </a:p>
         </p:txBody>
       </p:sp>

--- a/Documentação/Apresentação Sprint 2.pptx
+++ b/Documentação/Apresentação Sprint 2.pptx
@@ -2474,7 +2474,7 @@
           <a:p>
             <a:fld id="{1F9606BC-5244-47D9-93DD-4B4F41B61F0A}" type="datetimeFigureOut">
               <a:rPr lang="pt-BR" smtClean="0"/>
-              <a:t>26/10/2020</a:t>
+              <a:t>27/10/2020</a:t>
             </a:fld>
             <a:endParaRPr lang="pt-BR"/>
           </a:p>
@@ -2672,7 +2672,7 @@
           <a:p>
             <a:fld id="{1F9606BC-5244-47D9-93DD-4B4F41B61F0A}" type="datetimeFigureOut">
               <a:rPr lang="pt-BR" smtClean="0"/>
-              <a:t>26/10/2020</a:t>
+              <a:t>27/10/2020</a:t>
             </a:fld>
             <a:endParaRPr lang="pt-BR"/>
           </a:p>
@@ -2880,7 +2880,7 @@
           <a:p>
             <a:fld id="{1F9606BC-5244-47D9-93DD-4B4F41B61F0A}" type="datetimeFigureOut">
               <a:rPr lang="pt-BR" smtClean="0"/>
-              <a:t>26/10/2020</a:t>
+              <a:t>27/10/2020</a:t>
             </a:fld>
             <a:endParaRPr lang="pt-BR"/>
           </a:p>
@@ -3078,7 +3078,7 @@
           <a:p>
             <a:fld id="{1F9606BC-5244-47D9-93DD-4B4F41B61F0A}" type="datetimeFigureOut">
               <a:rPr lang="pt-BR" smtClean="0"/>
-              <a:t>26/10/2020</a:t>
+              <a:t>27/10/2020</a:t>
             </a:fld>
             <a:endParaRPr lang="pt-BR"/>
           </a:p>
@@ -3353,7 +3353,7 @@
           <a:p>
             <a:fld id="{1F9606BC-5244-47D9-93DD-4B4F41B61F0A}" type="datetimeFigureOut">
               <a:rPr lang="pt-BR" smtClean="0"/>
-              <a:t>26/10/2020</a:t>
+              <a:t>27/10/2020</a:t>
             </a:fld>
             <a:endParaRPr lang="pt-BR"/>
           </a:p>
@@ -3618,7 +3618,7 @@
           <a:p>
             <a:fld id="{1F9606BC-5244-47D9-93DD-4B4F41B61F0A}" type="datetimeFigureOut">
               <a:rPr lang="pt-BR" smtClean="0"/>
-              <a:t>26/10/2020</a:t>
+              <a:t>27/10/2020</a:t>
             </a:fld>
             <a:endParaRPr lang="pt-BR"/>
           </a:p>
@@ -4030,7 +4030,7 @@
           <a:p>
             <a:fld id="{1F9606BC-5244-47D9-93DD-4B4F41B61F0A}" type="datetimeFigureOut">
               <a:rPr lang="pt-BR" smtClean="0"/>
-              <a:t>26/10/2020</a:t>
+              <a:t>27/10/2020</a:t>
             </a:fld>
             <a:endParaRPr lang="pt-BR"/>
           </a:p>
@@ -4171,7 +4171,7 @@
           <a:p>
             <a:fld id="{1F9606BC-5244-47D9-93DD-4B4F41B61F0A}" type="datetimeFigureOut">
               <a:rPr lang="pt-BR" smtClean="0"/>
-              <a:t>26/10/2020</a:t>
+              <a:t>27/10/2020</a:t>
             </a:fld>
             <a:endParaRPr lang="pt-BR"/>
           </a:p>
@@ -4284,7 +4284,7 @@
           <a:p>
             <a:fld id="{1F9606BC-5244-47D9-93DD-4B4F41B61F0A}" type="datetimeFigureOut">
               <a:rPr lang="pt-BR" smtClean="0"/>
-              <a:t>26/10/2020</a:t>
+              <a:t>27/10/2020</a:t>
             </a:fld>
             <a:endParaRPr lang="pt-BR"/>
           </a:p>
@@ -4595,7 +4595,7 @@
           <a:p>
             <a:fld id="{1F9606BC-5244-47D9-93DD-4B4F41B61F0A}" type="datetimeFigureOut">
               <a:rPr lang="pt-BR" smtClean="0"/>
-              <a:t>26/10/2020</a:t>
+              <a:t>27/10/2020</a:t>
             </a:fld>
             <a:endParaRPr lang="pt-BR"/>
           </a:p>
@@ -4883,7 +4883,7 @@
           <a:p>
             <a:fld id="{1F9606BC-5244-47D9-93DD-4B4F41B61F0A}" type="datetimeFigureOut">
               <a:rPr lang="pt-BR" smtClean="0"/>
-              <a:t>26/10/2020</a:t>
+              <a:t>27/10/2020</a:t>
             </a:fld>
             <a:endParaRPr lang="pt-BR"/>
           </a:p>
@@ -5124,7 +5124,7 @@
           <a:p>
             <a:fld id="{1F9606BC-5244-47D9-93DD-4B4F41B61F0A}" type="datetimeFigureOut">
               <a:rPr lang="pt-BR" smtClean="0"/>
-              <a:t>26/10/2020</a:t>
+              <a:t>27/10/2020</a:t>
             </a:fld>
             <a:endParaRPr lang="pt-BR"/>
           </a:p>
@@ -6716,7 +6716,7 @@
               <a:rPr lang="pt-BR" sz="4000" dirty="0">
                 <a:latin typeface="Felix Titling" panose="04060505060202020A04" pitchFamily="82" charset="0"/>
               </a:rPr>
-              <a:t> a</a:t>
+              <a:t> </a:t>
             </a:r>
           </a:p>
         </p:txBody>
@@ -8277,6 +8277,16 @@
 <file path=ppt/slides/slide2.xml><?xml version="1.0" encoding="utf-8"?>
 <p:sld xmlns:a="http://schemas.openxmlformats.org/drawingml/2006/main" xmlns:r="http://schemas.openxmlformats.org/officeDocument/2006/relationships" xmlns:p="http://schemas.openxmlformats.org/presentationml/2006/main">
   <p:cSld>
+    <p:bg>
+      <p:bgPr>
+        <a:solidFill>
+          <a:schemeClr val="bg2">
+            <a:lumMod val="90000"/>
+          </a:schemeClr>
+        </a:solidFill>
+        <a:effectLst/>
+      </p:bgPr>
+    </p:bg>
     <p:spTree>
       <p:nvGrpSpPr>
         <p:cNvPr id="1" name=""/>
@@ -8293,10 +8303,10 @@
       </p:grpSpPr>
       <p:sp>
         <p:nvSpPr>
-          <p:cNvPr id="11" name="Retângulo 10">
-            <a:extLst>
-              <a:ext uri="{FF2B5EF4-FFF2-40B4-BE49-F238E27FC236}">
-                <a16:creationId xmlns:a16="http://schemas.microsoft.com/office/drawing/2014/main" id="{958D7C57-67A8-40A6-9C8A-F97FDC0747FC}"/>
+          <p:cNvPr id="2" name="Retângulo 1">
+            <a:extLst>
+              <a:ext uri="{FF2B5EF4-FFF2-40B4-BE49-F238E27FC236}">
+                <a16:creationId xmlns:a16="http://schemas.microsoft.com/office/drawing/2014/main" id="{1CC934F3-2EB8-4EC7-A8CD-FAEB831A3F77}"/>
               </a:ext>
             </a:extLst>
           </p:cNvPr>
@@ -8305,62 +8315,7 @@
         </p:nvSpPr>
         <p:spPr>
           <a:xfrm>
-            <a:off x="0" y="0"/>
-            <a:ext cx="12192001" cy="6858000"/>
-          </a:xfrm>
-          <a:prstGeom prst="rect">
-            <a:avLst/>
-          </a:prstGeom>
-          <a:solidFill>
-            <a:schemeClr val="bg2">
-              <a:lumMod val="50000"/>
-              <a:alpha val="38000"/>
-            </a:schemeClr>
-          </a:solidFill>
-          <a:ln>
-            <a:noFill/>
-          </a:ln>
-        </p:spPr>
-        <p:style>
-          <a:lnRef idx="2">
-            <a:schemeClr val="accent1">
-              <a:shade val="50000"/>
-            </a:schemeClr>
-          </a:lnRef>
-          <a:fillRef idx="1">
-            <a:schemeClr val="accent1"/>
-          </a:fillRef>
-          <a:effectRef idx="0">
-            <a:schemeClr val="accent1"/>
-          </a:effectRef>
-          <a:fontRef idx="minor">
-            <a:schemeClr val="lt1"/>
-          </a:fontRef>
-        </p:style>
-        <p:txBody>
-          <a:bodyPr rtlCol="0" anchor="ctr"/>
-          <a:lstStyle/>
-          <a:p>
-            <a:pPr algn="ctr"/>
-            <a:endParaRPr lang="pt-BR" u="sng" dirty="0"/>
-          </a:p>
-        </p:txBody>
-      </p:sp>
-      <p:sp>
-        <p:nvSpPr>
-          <p:cNvPr id="2" name="Retângulo 1">
-            <a:extLst>
-              <a:ext uri="{FF2B5EF4-FFF2-40B4-BE49-F238E27FC236}">
-                <a16:creationId xmlns:a16="http://schemas.microsoft.com/office/drawing/2014/main" id="{1CC934F3-2EB8-4EC7-A8CD-FAEB831A3F77}"/>
-              </a:ext>
-            </a:extLst>
-          </p:cNvPr>
-          <p:cNvSpPr/>
-          <p:nvPr/>
-        </p:nvSpPr>
-        <p:spPr>
-          <a:xfrm>
-            <a:off x="0" y="1659835"/>
+            <a:off x="67649" y="1659835"/>
             <a:ext cx="12192000" cy="3538330"/>
           </a:xfrm>
           <a:prstGeom prst="rect">
@@ -8438,42 +8393,6 @@
           </a:p>
         </p:txBody>
       </p:sp>
-      <p:pic>
-        <p:nvPicPr>
-          <p:cNvPr id="6" name="Imagem 5" descr="Logotipo&#10;&#10;Descrição gerada automaticamente">
-            <a:extLst>
-              <a:ext uri="{FF2B5EF4-FFF2-40B4-BE49-F238E27FC236}">
-                <a16:creationId xmlns:a16="http://schemas.microsoft.com/office/drawing/2014/main" id="{E9745B06-DB44-4516-8F12-97F363EAFDFB}"/>
-              </a:ext>
-            </a:extLst>
-          </p:cNvPr>
-          <p:cNvPicPr>
-            <a:picLocks noChangeAspect="1"/>
-          </p:cNvPicPr>
-          <p:nvPr/>
-        </p:nvPicPr>
-        <p:blipFill>
-          <a:blip r:embed="rId2">
-            <a:extLst>
-              <a:ext uri="{28A0092B-C50C-407E-A947-70E740481C1C}">
-                <a14:useLocalDpi xmlns:a14="http://schemas.microsoft.com/office/drawing/2010/main" val="0"/>
-              </a:ext>
-            </a:extLst>
-          </a:blip>
-          <a:stretch>
-            <a:fillRect/>
-          </a:stretch>
-        </p:blipFill>
-        <p:spPr>
-          <a:xfrm>
-            <a:off x="11702357" y="4783662"/>
-            <a:ext cx="421994" cy="414503"/>
-          </a:xfrm>
-          <a:prstGeom prst="rect">
-            <a:avLst/>
-          </a:prstGeom>
-        </p:spPr>
-      </p:pic>
       <p:sp>
         <p:nvSpPr>
           <p:cNvPr id="7" name="Elipse 6">
@@ -8790,7 +8709,7 @@
         <p:spPr>
           <a:xfrm>
             <a:off x="292426" y="1958297"/>
-            <a:ext cx="6494267" cy="2677656"/>
+            <a:ext cx="6494267" cy="3416320"/>
           </a:xfrm>
           <a:prstGeom prst="rect">
             <a:avLst/>
@@ -8812,26 +8731,14 @@
                 <a:solidFill>
                   <a:schemeClr val="bg1"/>
                 </a:solidFill>
-              </a:rPr>
-              <a:t>A empresa: </a:t>
-            </a:r>
-            <a:r>
-              <a:rPr lang="pt-BR" sz="2400" dirty="0">
-                <a:solidFill>
-                  <a:schemeClr val="bg1"/>
-                </a:solidFill>
                 <a:latin typeface="Calibri" panose="020F0502020204030204" pitchFamily="34" charset="0"/>
                 <a:ea typeface="Calibri" panose="020F0502020204030204" pitchFamily="34" charset="0"/>
                 <a:cs typeface="Times New Roman" panose="02020603050405020304" pitchFamily="18" charset="0"/>
               </a:rPr>
-              <a:t>Harbor solutions é uma empresa de soluções portuárias com foco na logística, importação e exportação.</a:t>
+              <a:t>Objetivos da empresa.</a:t>
             </a:r>
           </a:p>
           <a:p>
-            <a:pPr marL="342900" indent="-342900">
-              <a:buFont typeface="Arial" panose="020B0604020202020204" pitchFamily="34" charset="0"/>
-              <a:buChar char="•"/>
-            </a:pPr>
             <a:endParaRPr lang="pt-BR" sz="2400" dirty="0">
               <a:solidFill>
                 <a:schemeClr val="bg1"/>
@@ -8854,27 +8761,127 @@
                 <a:ea typeface="Calibri" panose="020F0502020204030204" pitchFamily="34" charset="0"/>
                 <a:cs typeface="Arial" panose="020B0604020202020204" pitchFamily="34" charset="0"/>
               </a:rPr>
-              <a:t>Controle de temperatura nos transportes marítimos com foco no peixes polaca e panga.</a:t>
+              <a:t>Controle de temperatura.</a:t>
             </a:r>
+          </a:p>
+          <a:p>
+            <a:pPr marL="342900" indent="-342900">
+              <a:buFont typeface="Arial" panose="020B0604020202020204" pitchFamily="34" charset="0"/>
+              <a:buChar char="•"/>
+            </a:pPr>
+            <a:endParaRPr lang="pt-BR" sz="2400" dirty="0">
+              <a:solidFill>
+                <a:srgbClr val="EBEBEB"/>
+              </a:solidFill>
+              <a:latin typeface="Felix Titling" panose="04060505060202020A04" pitchFamily="82" charset="0"/>
+              <a:ea typeface="MS Mincho" panose="020B0400000000000000" pitchFamily="49" charset="-128"/>
+              <a:cs typeface="Arial" panose="020B0604020202020204" pitchFamily="34" charset="0"/>
+            </a:endParaRPr>
+          </a:p>
+          <a:p>
+            <a:pPr marL="342900" indent="-342900">
+              <a:buFont typeface="Arial" panose="020B0604020202020204" pitchFamily="34" charset="0"/>
+              <a:buChar char="•"/>
+            </a:pPr>
+            <a:r>
+              <a:rPr lang="pt-BR" sz="2400" dirty="0">
+                <a:solidFill>
+                  <a:schemeClr val="bg1"/>
+                </a:solidFill>
+                <a:ea typeface="MS Mincho" panose="020B0400000000000000" pitchFamily="49" charset="-128"/>
+              </a:rPr>
+              <a:t> Peixes.</a:t>
+            </a:r>
+          </a:p>
+          <a:p>
+            <a:pPr marL="342900" indent="-342900">
+              <a:buFont typeface="Arial" panose="020B0604020202020204" pitchFamily="34" charset="0"/>
+              <a:buChar char="•"/>
+            </a:pPr>
             <a:endParaRPr lang="pt-BR" sz="2400" dirty="0">
               <a:solidFill>
                 <a:schemeClr val="bg1"/>
               </a:solidFill>
-              <a:ea typeface="Calibri" panose="020F0502020204030204" pitchFamily="34" charset="0"/>
-              <a:cs typeface="Times New Roman" panose="02020603050405020304" pitchFamily="18" charset="0"/>
+              <a:ea typeface="MS Mincho" panose="020B0400000000000000" pitchFamily="49" charset="-128"/>
             </a:endParaRPr>
           </a:p>
           <a:p>
+            <a:pPr marL="342900" indent="-342900">
+              <a:buFont typeface="Arial" panose="020B0604020202020204" pitchFamily="34" charset="0"/>
+              <a:buChar char="•"/>
+            </a:pPr>
+            <a:r>
+              <a:rPr lang="pt-BR" sz="2400" dirty="0">
+                <a:solidFill>
+                  <a:schemeClr val="bg1"/>
+                </a:solidFill>
+                <a:ea typeface="MS Mincho" panose="020B0400000000000000" pitchFamily="49" charset="-128"/>
+              </a:rPr>
+              <a:t> Sensores.</a:t>
+            </a:r>
+          </a:p>
+          <a:p>
+            <a:pPr marL="342900" indent="-342900">
+              <a:buFont typeface="Arial" panose="020B0604020202020204" pitchFamily="34" charset="0"/>
+              <a:buChar char="•"/>
+            </a:pPr>
             <a:endParaRPr lang="pt-BR" sz="2400" dirty="0">
               <a:solidFill>
                 <a:schemeClr val="bg1"/>
               </a:solidFill>
-              <a:latin typeface="Felix Titling" panose="04060505060202020A04" pitchFamily="82" charset="0"/>
               <a:ea typeface="MS Mincho" panose="020B0400000000000000" pitchFamily="49" charset="-128"/>
             </a:endParaRPr>
           </a:p>
+          <a:p>
+            <a:pPr marL="342900" indent="-342900">
+              <a:buFont typeface="Arial" panose="020B0604020202020204" pitchFamily="34" charset="0"/>
+              <a:buChar char="•"/>
+            </a:pPr>
+            <a:endParaRPr lang="pt-BR" sz="2400" dirty="0">
+              <a:solidFill>
+                <a:schemeClr val="bg1"/>
+              </a:solidFill>
+              <a:ea typeface="MS Mincho" panose="020B0400000000000000" pitchFamily="49" charset="-128"/>
+            </a:endParaRPr>
+          </a:p>
         </p:txBody>
       </p:sp>
+      <p:pic>
+        <p:nvPicPr>
+          <p:cNvPr id="10" name="Imagem 9" descr="Logotipo&#10;&#10;Descrição gerada automaticamente">
+            <a:extLst>
+              <a:ext uri="{FF2B5EF4-FFF2-40B4-BE49-F238E27FC236}">
+                <a16:creationId xmlns:a16="http://schemas.microsoft.com/office/drawing/2014/main" id="{96921D37-FFF6-4B4B-AC70-D2250BB9B1D4}"/>
+              </a:ext>
+            </a:extLst>
+          </p:cNvPr>
+          <p:cNvPicPr>
+            <a:picLocks noChangeAspect="1"/>
+          </p:cNvPicPr>
+          <p:nvPr/>
+        </p:nvPicPr>
+        <p:blipFill>
+          <a:blip r:embed="rId2">
+            <a:extLst>
+              <a:ext uri="{28A0092B-C50C-407E-A947-70E740481C1C}">
+                <a14:useLocalDpi xmlns:a14="http://schemas.microsoft.com/office/drawing/2010/main" val="0"/>
+              </a:ext>
+            </a:extLst>
+          </a:blip>
+          <a:stretch>
+            <a:fillRect/>
+          </a:stretch>
+        </p:blipFill>
+        <p:spPr>
+          <a:xfrm>
+            <a:off x="11702357" y="4783662"/>
+            <a:ext cx="421994" cy="414503"/>
+          </a:xfrm>
+          <a:prstGeom prst="rect">
+            <a:avLst/>
+          </a:prstGeom>
+        </p:spPr>
+      </p:pic>
     </p:spTree>
     <p:extLst>
       <p:ext uri="{BB962C8B-B14F-4D97-AF65-F5344CB8AC3E}">
@@ -9137,7 +9144,7 @@
                                 </p:cTn>
                               </p:par>
                               <p:par>
-                                <p:cTn id="17" presetID="2" presetClass="entr" presetSubtype="8" fill="hold" nodeType="withEffect">
+                                <p:cTn id="17" presetID="21" presetClass="entr" presetSubtype="2" fill="hold" grpId="0" nodeType="withEffect">
                                   <p:stCondLst>
                                     <p:cond delay="0"/>
                                   </p:stCondLst>
@@ -9150,7 +9157,77 @@
                                           </p:stCondLst>
                                         </p:cTn>
                                         <p:tgtEl>
-                                          <p:spTgt spid="6"/>
+                                          <p:spTgt spid="7"/>
+                                        </p:tgtEl>
+                                        <p:attrNameLst>
+                                          <p:attrName>style.visibility</p:attrName>
+                                        </p:attrNameLst>
+                                      </p:cBhvr>
+                                      <p:to>
+                                        <p:strVal val="visible"/>
+                                      </p:to>
+                                    </p:set>
+                                    <p:animEffect transition="in" filter="wheel(2)">
+                                      <p:cBhvr>
+                                        <p:cTn id="19" dur="1500"/>
+                                        <p:tgtEl>
+                                          <p:spTgt spid="7"/>
+                                        </p:tgtEl>
+                                      </p:cBhvr>
+                                    </p:animEffect>
+                                  </p:childTnLst>
+                                </p:cTn>
+                              </p:par>
+                              <p:par>
+                                <p:cTn id="20" presetID="21" presetClass="entr" presetSubtype="2" fill="hold" grpId="0" nodeType="withEffect">
+                                  <p:stCondLst>
+                                    <p:cond delay="0"/>
+                                  </p:stCondLst>
+                                  <p:childTnLst>
+                                    <p:set>
+                                      <p:cBhvr>
+                                        <p:cTn id="21" dur="1" fill="hold">
+                                          <p:stCondLst>
+                                            <p:cond delay="0"/>
+                                          </p:stCondLst>
+                                        </p:cTn>
+                                        <p:tgtEl>
+                                          <p:spTgt spid="9"/>
+                                        </p:tgtEl>
+                                        <p:attrNameLst>
+                                          <p:attrName>style.visibility</p:attrName>
+                                        </p:attrNameLst>
+                                      </p:cBhvr>
+                                      <p:to>
+                                        <p:strVal val="visible"/>
+                                      </p:to>
+                                    </p:set>
+                                    <p:animEffect transition="in" filter="wheel(2)">
+                                      <p:cBhvr>
+                                        <p:cTn id="22" dur="1500"/>
+                                        <p:tgtEl>
+                                          <p:spTgt spid="9"/>
+                                        </p:tgtEl>
+                                      </p:cBhvr>
+                                    </p:animEffect>
+                                  </p:childTnLst>
+                                </p:cTn>
+                              </p:par>
+                              <p:par>
+                                <p:cTn id="23" presetID="2" presetClass="entr" presetSubtype="8" fill="hold" nodeType="withEffect">
+                                  <p:stCondLst>
+                                    <p:cond delay="0"/>
+                                  </p:stCondLst>
+                                  <p:childTnLst>
+                                    <p:set>
+                                      <p:cBhvr>
+                                        <p:cTn id="24" dur="1" fill="hold">
+                                          <p:stCondLst>
+                                            <p:cond delay="0"/>
+                                          </p:stCondLst>
+                                        </p:cTn>
+                                        <p:tgtEl>
+                                          <p:spTgt spid="10"/>
                                         </p:tgtEl>
                                         <p:attrNameLst>
                                           <p:attrName>style.visibility</p:attrName>
@@ -9162,9 +9239,9 @@
                                     </p:set>
                                     <p:anim calcmode="lin" valueType="num">
                                       <p:cBhvr additive="base">
-                                        <p:cTn id="19" dur="500" fill="hold"/>
+                                        <p:cTn id="25" dur="500" fill="hold"/>
                                         <p:tgtEl>
-                                          <p:spTgt spid="6"/>
+                                          <p:spTgt spid="10"/>
                                         </p:tgtEl>
                                         <p:attrNameLst>
                                           <p:attrName>ppt_x</p:attrName>
@@ -9185,9 +9262,9 @@
                                     </p:anim>
                                     <p:anim calcmode="lin" valueType="num">
                                       <p:cBhvr additive="base">
-                                        <p:cTn id="20" dur="500" fill="hold"/>
+                                        <p:cTn id="26" dur="500" fill="hold"/>
                                         <p:tgtEl>
-                                          <p:spTgt spid="6"/>
+                                          <p:spTgt spid="10"/>
                                         </p:tgtEl>
                                         <p:attrNameLst>
                                           <p:attrName>ppt_y</p:attrName>
@@ -9206,76 +9283,6 @@
                                         </p:tav>
                                       </p:tavLst>
                                     </p:anim>
-                                  </p:childTnLst>
-                                </p:cTn>
-                              </p:par>
-                              <p:par>
-                                <p:cTn id="21" presetID="21" presetClass="entr" presetSubtype="2" fill="hold" grpId="0" nodeType="withEffect">
-                                  <p:stCondLst>
-                                    <p:cond delay="0"/>
-                                  </p:stCondLst>
-                                  <p:childTnLst>
-                                    <p:set>
-                                      <p:cBhvr>
-                                        <p:cTn id="22" dur="1" fill="hold">
-                                          <p:stCondLst>
-                                            <p:cond delay="0"/>
-                                          </p:stCondLst>
-                                        </p:cTn>
-                                        <p:tgtEl>
-                                          <p:spTgt spid="7"/>
-                                        </p:tgtEl>
-                                        <p:attrNameLst>
-                                          <p:attrName>style.visibility</p:attrName>
-                                        </p:attrNameLst>
-                                      </p:cBhvr>
-                                      <p:to>
-                                        <p:strVal val="visible"/>
-                                      </p:to>
-                                    </p:set>
-                                    <p:animEffect transition="in" filter="wheel(2)">
-                                      <p:cBhvr>
-                                        <p:cTn id="23" dur="1500"/>
-                                        <p:tgtEl>
-                                          <p:spTgt spid="7"/>
-                                        </p:tgtEl>
-                                      </p:cBhvr>
-                                    </p:animEffect>
-                                  </p:childTnLst>
-                                </p:cTn>
-                              </p:par>
-                              <p:par>
-                                <p:cTn id="24" presetID="21" presetClass="entr" presetSubtype="2" fill="hold" grpId="0" nodeType="withEffect">
-                                  <p:stCondLst>
-                                    <p:cond delay="0"/>
-                                  </p:stCondLst>
-                                  <p:childTnLst>
-                                    <p:set>
-                                      <p:cBhvr>
-                                        <p:cTn id="25" dur="1" fill="hold">
-                                          <p:stCondLst>
-                                            <p:cond delay="0"/>
-                                          </p:stCondLst>
-                                        </p:cTn>
-                                        <p:tgtEl>
-                                          <p:spTgt spid="9"/>
-                                        </p:tgtEl>
-                                        <p:attrNameLst>
-                                          <p:attrName>style.visibility</p:attrName>
-                                        </p:attrNameLst>
-                                      </p:cBhvr>
-                                      <p:to>
-                                        <p:strVal val="visible"/>
-                                      </p:to>
-                                    </p:set>
-                                    <p:animEffect transition="in" filter="wheel(2)">
-                                      <p:cBhvr>
-                                        <p:cTn id="26" dur="1500"/>
-                                        <p:tgtEl>
-                                          <p:spTgt spid="9"/>
-                                        </p:tgtEl>
-                                      </p:cBhvr>
-                                    </p:animEffect>
                                   </p:childTnLst>
                                 </p:cTn>
                               </p:par>
@@ -9389,36 +9396,6 @@
           </a:p>
         </p:txBody>
       </p:sp>
-      <p:pic>
-        <p:nvPicPr>
-          <p:cNvPr id="5" name="Imagem 4">
-            <a:extLst>
-              <a:ext uri="{FF2B5EF4-FFF2-40B4-BE49-F238E27FC236}">
-                <a16:creationId xmlns:a16="http://schemas.microsoft.com/office/drawing/2014/main" id="{4B8A9233-EF8E-4964-9224-DA8494C772AB}"/>
-              </a:ext>
-            </a:extLst>
-          </p:cNvPr>
-          <p:cNvPicPr>
-            <a:picLocks noChangeAspect="1"/>
-          </p:cNvPicPr>
-          <p:nvPr/>
-        </p:nvPicPr>
-        <p:blipFill>
-          <a:blip r:embed="rId2"/>
-          <a:stretch>
-            <a:fillRect/>
-          </a:stretch>
-        </p:blipFill>
-        <p:spPr>
-          <a:xfrm>
-            <a:off x="921025" y="1891259"/>
-            <a:ext cx="10349948" cy="4029637"/>
-          </a:xfrm>
-          <a:prstGeom prst="rect">
-            <a:avLst/>
-          </a:prstGeom>
-        </p:spPr>
-      </p:pic>
       <p:sp>
         <p:nvSpPr>
           <p:cNvPr id="6" name="CaixaDeTexto 5">
@@ -9472,7 +9449,7 @@
           <p:nvPr/>
         </p:nvPicPr>
         <p:blipFill>
-          <a:blip r:embed="rId3">
+          <a:blip r:embed="rId2">
             <a:extLst>
               <a:ext uri="{28A0092B-C50C-407E-A947-70E740481C1C}">
                 <a14:useLocalDpi xmlns:a14="http://schemas.microsoft.com/office/drawing/2010/main" val="0"/>
@@ -9487,6 +9464,36 @@
           <a:xfrm>
             <a:off x="11555898" y="196738"/>
             <a:ext cx="527310" cy="517950"/>
+          </a:xfrm>
+          <a:prstGeom prst="rect">
+            <a:avLst/>
+          </a:prstGeom>
+        </p:spPr>
+      </p:pic>
+      <p:pic>
+        <p:nvPicPr>
+          <p:cNvPr id="2" name="Imagem 1">
+            <a:extLst>
+              <a:ext uri="{FF2B5EF4-FFF2-40B4-BE49-F238E27FC236}">
+                <a16:creationId xmlns:a16="http://schemas.microsoft.com/office/drawing/2014/main" id="{B6494D76-F17E-4A49-94A8-945A1FD96737}"/>
+              </a:ext>
+            </a:extLst>
+          </p:cNvPr>
+          <p:cNvPicPr>
+            <a:picLocks noChangeAspect="1"/>
+          </p:cNvPicPr>
+          <p:nvPr/>
+        </p:nvPicPr>
+        <p:blipFill>
+          <a:blip r:embed="rId3"/>
+          <a:stretch>
+            <a:fillRect/>
+          </a:stretch>
+        </p:blipFill>
+        <p:spPr>
+          <a:xfrm>
+            <a:off x="126935" y="1796245"/>
+            <a:ext cx="11938127" cy="4167826"/>
           </a:xfrm>
           <a:prstGeom prst="rect">
             <a:avLst/>
@@ -9578,41 +9585,6 @@
                                           </p:stCondLst>
                                         </p:cTn>
                                         <p:tgtEl>
-                                          <p:spTgt spid="5"/>
-                                        </p:tgtEl>
-                                        <p:attrNameLst>
-                                          <p:attrName>style.visibility</p:attrName>
-                                        </p:attrNameLst>
-                                      </p:cBhvr>
-                                      <p:to>
-                                        <p:strVal val="visible"/>
-                                      </p:to>
-                                    </p:set>
-                                    <p:animEffect transition="in" filter="fade">
-                                      <p:cBhvr>
-                                        <p:cTn id="10" dur="250"/>
-                                        <p:tgtEl>
-                                          <p:spTgt spid="5"/>
-                                        </p:tgtEl>
-                                      </p:cBhvr>
-                                    </p:animEffect>
-                                  </p:childTnLst>
-                                </p:cTn>
-                              </p:par>
-                              <p:par>
-                                <p:cTn id="11" presetID="10" presetClass="entr" presetSubtype="0" fill="hold" nodeType="withEffect">
-                                  <p:stCondLst>
-                                    <p:cond delay="0"/>
-                                  </p:stCondLst>
-                                  <p:childTnLst>
-                                    <p:set>
-                                      <p:cBhvr>
-                                        <p:cTn id="12" dur="1" fill="hold">
-                                          <p:stCondLst>
-                                            <p:cond delay="0"/>
-                                          </p:stCondLst>
-                                        </p:cTn>
-                                        <p:tgtEl>
                                           <p:spTgt spid="7"/>
                                         </p:tgtEl>
                                         <p:attrNameLst>
@@ -9625,7 +9597,7 @@
                                     </p:set>
                                     <p:animEffect transition="in" filter="fade">
                                       <p:cBhvr>
-                                        <p:cTn id="13" dur="500"/>
+                                        <p:cTn id="10" dur="500"/>
                                         <p:tgtEl>
                                           <p:spTgt spid="7"/>
                                         </p:tgtEl>
@@ -11775,7 +11747,7 @@
       </p:grpSpPr>
       <p:sp>
         <p:nvSpPr>
-          <p:cNvPr id="73" name="Rectangle 72">
+          <p:cNvPr id="135" name="Rectangle 134">
             <a:extLst>
               <a:ext uri="{FF2B5EF4-FFF2-40B4-BE49-F238E27FC236}">
                 <a16:creationId xmlns:a16="http://schemas.microsoft.com/office/drawing/2014/main" id="{823AC064-BC96-4F32-8AE1-B2FD38754823}"/>
@@ -11840,10 +11812,10 @@
       </p:sp>
       <p:sp>
         <p:nvSpPr>
-          <p:cNvPr id="2" name="CaixaDeTexto 1">
-            <a:extLst>
-              <a:ext uri="{FF2B5EF4-FFF2-40B4-BE49-F238E27FC236}">
-                <a16:creationId xmlns:a16="http://schemas.microsoft.com/office/drawing/2014/main" id="{D1F697F4-51A4-47F8-AA5A-624A3DAE20E6}"/>
+          <p:cNvPr id="18" name="CaixaDeTexto 17">
+            <a:extLst>
+              <a:ext uri="{FF2B5EF4-FFF2-40B4-BE49-F238E27FC236}">
+                <a16:creationId xmlns:a16="http://schemas.microsoft.com/office/drawing/2014/main" id="{B513A972-1CA3-488C-A0CE-57DBD6094911}"/>
               </a:ext>
             </a:extLst>
           </p:cNvPr>
@@ -11852,7 +11824,7 @@
         </p:nvSpPr>
         <p:spPr>
           <a:xfrm>
-            <a:off x="546351" y="433545"/>
+            <a:off x="559416" y="1370974"/>
             <a:ext cx="11139854" cy="930447"/>
           </a:xfrm>
           <a:prstGeom prst="rect">
@@ -11889,7 +11861,7 @@
       </p:sp>
       <p:cxnSp>
         <p:nvCxnSpPr>
-          <p:cNvPr id="75" name="Straight Connector 74">
+          <p:cNvPr id="137" name="Straight Connector 136">
             <a:extLst>
               <a:ext uri="{FF2B5EF4-FFF2-40B4-BE49-F238E27FC236}">
                 <a16:creationId xmlns:a16="http://schemas.microsoft.com/office/drawing/2014/main" id="{7E7C77BC-7138-40B1-A15B-20F57A494629}"/>
@@ -11941,10 +11913,10 @@
       </p:cxnSp>
       <p:pic>
         <p:nvPicPr>
-          <p:cNvPr id="3076" name="Picture 4" descr="Ver a imagem de origem">
-            <a:extLst>
-              <a:ext uri="{FF2B5EF4-FFF2-40B4-BE49-F238E27FC236}">
-                <a16:creationId xmlns:a16="http://schemas.microsoft.com/office/drawing/2014/main" id="{F306B4F8-0634-40A0-98E4-7CD868BCCCDA}"/>
+          <p:cNvPr id="3074" name="Picture 2" descr="Ver a imagem de origem">
+            <a:extLst>
+              <a:ext uri="{FF2B5EF4-FFF2-40B4-BE49-F238E27FC236}">
+                <a16:creationId xmlns:a16="http://schemas.microsoft.com/office/drawing/2014/main" id="{0E56173A-9B53-46A7-9945-47CBDF00FD9E}"/>
               </a:ext>
             </a:extLst>
           </p:cNvPr>
@@ -11967,8 +11939,8 @@
         </p:blipFill>
         <p:spPr bwMode="auto">
           <a:xfrm>
-            <a:off x="7154368" y="2297658"/>
-            <a:ext cx="3997637" cy="3997637"/>
+            <a:off x="7282135" y="2942992"/>
+            <a:ext cx="3942456" cy="3151964"/>
           </a:xfrm>
           <a:prstGeom prst="rect">
             <a:avLst/>
@@ -11987,7 +11959,7 @@
       </p:pic>
       <p:cxnSp>
         <p:nvCxnSpPr>
-          <p:cNvPr id="77" name="Straight Connector 76">
+          <p:cNvPr id="139" name="Straight Connector 138">
             <a:extLst>
               <a:ext uri="{FF2B5EF4-FFF2-40B4-BE49-F238E27FC236}">
                 <a16:creationId xmlns:a16="http://schemas.microsoft.com/office/drawing/2014/main" id="{DB146403-F3D6-484B-B2ED-97F9565D0370}"/>
@@ -12037,52 +12009,55 @@
           </a:fontRef>
         </p:style>
       </p:cxnSp>
-      <p:pic>
-        <p:nvPicPr>
-          <p:cNvPr id="3074" name="Picture 2" descr="Ver a imagem de origem">
-            <a:extLst>
-              <a:ext uri="{FF2B5EF4-FFF2-40B4-BE49-F238E27FC236}">
-                <a16:creationId xmlns:a16="http://schemas.microsoft.com/office/drawing/2014/main" id="{0E56173A-9B53-46A7-9945-47CBDF00FD9E}"/>
-              </a:ext>
-            </a:extLst>
-          </p:cNvPr>
-          <p:cNvPicPr>
-            <a:picLocks noChangeAspect="1" noChangeArrowheads="1"/>
-          </p:cNvPicPr>
+      <p:sp>
+        <p:nvSpPr>
+          <p:cNvPr id="2" name="CaixaDeTexto 1">
+            <a:extLst>
+              <a:ext uri="{FF2B5EF4-FFF2-40B4-BE49-F238E27FC236}">
+                <a16:creationId xmlns:a16="http://schemas.microsoft.com/office/drawing/2014/main" id="{D1F697F4-51A4-47F8-AA5A-624A3DAE20E6}"/>
+              </a:ext>
+            </a:extLst>
+          </p:cNvPr>
+          <p:cNvSpPr txBox="1"/>
           <p:nvPr/>
-        </p:nvPicPr>
-        <p:blipFill>
-          <a:blip r:embed="rId3">
-            <a:extLst>
-              <a:ext uri="{28A0092B-C50C-407E-A947-70E740481C1C}">
-                <a14:useLocalDpi xmlns:a14="http://schemas.microsoft.com/office/drawing/2010/main" val="0"/>
-              </a:ext>
-            </a:extLst>
-          </a:blip>
-          <a:stretch>
-            <a:fillRect/>
-          </a:stretch>
-        </p:blipFill>
-        <p:spPr bwMode="auto">
+        </p:nvSpPr>
+        <p:spPr>
           <a:xfrm>
-            <a:off x="794636" y="2297658"/>
-            <a:ext cx="5000218" cy="3997637"/>
+            <a:off x="546351" y="485094"/>
+            <a:ext cx="11139854" cy="930447"/>
           </a:xfrm>
           <a:prstGeom prst="rect">
             <a:avLst/>
           </a:prstGeom>
-          <a:noFill/>
-          <a:extLst>
-            <a:ext uri="{909E8E84-426E-40DD-AFC4-6F175D3DCCD1}">
-              <a14:hiddenFill xmlns:a14="http://schemas.microsoft.com/office/drawing/2010/main">
-                <a:solidFill>
-                  <a:srgbClr val="FFFFFF"/>
-                </a:solidFill>
-              </a14:hiddenFill>
-            </a:ext>
-          </a:extLst>
         </p:spPr>
-      </p:pic>
+        <p:txBody>
+          <a:bodyPr vert="horz" lIns="91440" tIns="45720" rIns="91440" bIns="45720" rtlCol="0" anchor="b">
+            <a:normAutofit/>
+          </a:bodyPr>
+          <a:lstStyle/>
+          <a:p>
+            <a:pPr algn="ctr">
+              <a:lnSpc>
+                <a:spcPct val="90000"/>
+              </a:lnSpc>
+              <a:spcBef>
+                <a:spcPct val="0"/>
+              </a:spcBef>
+              <a:spcAft>
+                <a:spcPts val="600"/>
+              </a:spcAft>
+            </a:pPr>
+            <a:endParaRPr lang="en-US" sz="5400" dirty="0">
+              <a:solidFill>
+                <a:srgbClr val="FFFFFF"/>
+              </a:solidFill>
+              <a:latin typeface="+mj-lt"/>
+              <a:ea typeface="+mj-ea"/>
+              <a:cs typeface="+mj-cs"/>
+            </a:endParaRPr>
+          </a:p>
+        </p:txBody>
+      </p:sp>
       <p:pic>
         <p:nvPicPr>
           <p:cNvPr id="4" name="Imagem 3" descr="Logotipo&#10;&#10;Descrição gerada automaticamente">
@@ -12098,7 +12073,7 @@
           <p:nvPr/>
         </p:nvPicPr>
         <p:blipFill>
-          <a:blip r:embed="rId4">
+          <a:blip r:embed="rId3">
             <a:extLst>
               <a:ext uri="{28A0092B-C50C-407E-A947-70E740481C1C}">
                 <a14:useLocalDpi xmlns:a14="http://schemas.microsoft.com/office/drawing/2010/main" val="0"/>
@@ -12121,34 +12096,44 @@
       </p:pic>
       <p:sp>
         <p:nvSpPr>
-          <p:cNvPr id="18" name="CaixaDeTexto 17">
-            <a:extLst>
-              <a:ext uri="{FF2B5EF4-FFF2-40B4-BE49-F238E27FC236}">
-                <a16:creationId xmlns:a16="http://schemas.microsoft.com/office/drawing/2014/main" id="{B513A972-1CA3-488C-A0CE-57DBD6094911}"/>
-              </a:ext>
-            </a:extLst>
-          </p:cNvPr>
-          <p:cNvSpPr txBox="1"/>
+          <p:cNvPr id="6" name="Retângulo 5">
+            <a:extLst>
+              <a:ext uri="{FF2B5EF4-FFF2-40B4-BE49-F238E27FC236}">
+                <a16:creationId xmlns:a16="http://schemas.microsoft.com/office/drawing/2014/main" id="{0D8BCC5F-03BD-4226-916D-7D7E98F75256}"/>
+              </a:ext>
+            </a:extLst>
+          </p:cNvPr>
+          <p:cNvSpPr/>
           <p:nvPr/>
         </p:nvSpPr>
         <p:spPr>
           <a:xfrm>
-            <a:off x="1170687" y="710059"/>
-            <a:ext cx="10085518" cy="984885"/>
+            <a:off x="1544722" y="817628"/>
+            <a:ext cx="9102556" cy="590931"/>
           </a:xfrm>
           <a:prstGeom prst="rect">
             <a:avLst/>
           </a:prstGeom>
-          <a:noFill/>
         </p:spPr>
         <p:txBody>
-          <a:bodyPr wrap="none" rtlCol="0">
+          <a:bodyPr wrap="none">
             <a:spAutoFit/>
           </a:bodyPr>
           <a:lstStyle/>
           <a:p>
+            <a:pPr algn="ctr">
+              <a:lnSpc>
+                <a:spcPct val="90000"/>
+              </a:lnSpc>
+              <a:spcBef>
+                <a:spcPct val="0"/>
+              </a:spcBef>
+              <a:spcAft>
+                <a:spcPts val="600"/>
+              </a:spcAft>
+            </a:pPr>
             <a:r>
-              <a:rPr lang="en-US" sz="4000" dirty="0">
+              <a:rPr lang="en-US" sz="3600" dirty="0" err="1">
                 <a:solidFill>
                   <a:srgbClr val="FFFFFF"/>
                 </a:solidFill>
@@ -12156,14 +12141,93 @@
                 <a:ea typeface="+mj-ea"/>
                 <a:cs typeface="+mj-cs"/>
               </a:rPr>
-              <a:t>Tabelas/ Modelo de dados Lógicos</a:t>
+              <a:t>Tabelas</a:t>
             </a:r>
-          </a:p>
-          <a:p>
-            <a:endParaRPr lang="pt-BR" dirty="0"/>
+            <a:r>
+              <a:rPr lang="en-US" sz="3600" dirty="0">
+                <a:solidFill>
+                  <a:srgbClr val="FFFFFF"/>
+                </a:solidFill>
+                <a:latin typeface="Felix Titling" panose="04060505060202020A04" pitchFamily="82" charset="0"/>
+                <a:ea typeface="+mj-ea"/>
+                <a:cs typeface="+mj-cs"/>
+              </a:rPr>
+              <a:t>/ </a:t>
+            </a:r>
+            <a:r>
+              <a:rPr lang="en-US" sz="3600" dirty="0" err="1">
+                <a:solidFill>
+                  <a:srgbClr val="FFFFFF"/>
+                </a:solidFill>
+                <a:latin typeface="Felix Titling" panose="04060505060202020A04" pitchFamily="82" charset="0"/>
+                <a:ea typeface="+mj-ea"/>
+                <a:cs typeface="+mj-cs"/>
+              </a:rPr>
+              <a:t>Modelo</a:t>
+            </a:r>
+            <a:r>
+              <a:rPr lang="en-US" sz="3600" dirty="0">
+                <a:solidFill>
+                  <a:srgbClr val="FFFFFF"/>
+                </a:solidFill>
+                <a:latin typeface="Felix Titling" panose="04060505060202020A04" pitchFamily="82" charset="0"/>
+                <a:ea typeface="+mj-ea"/>
+                <a:cs typeface="+mj-cs"/>
+              </a:rPr>
+              <a:t> de dados </a:t>
+            </a:r>
+            <a:r>
+              <a:rPr lang="en-US" sz="3600" dirty="0" err="1">
+                <a:solidFill>
+                  <a:srgbClr val="FFFFFF"/>
+                </a:solidFill>
+                <a:latin typeface="Felix Titling" panose="04060505060202020A04" pitchFamily="82" charset="0"/>
+                <a:ea typeface="+mj-ea"/>
+                <a:cs typeface="+mj-cs"/>
+              </a:rPr>
+              <a:t>Lógicos</a:t>
+            </a:r>
+            <a:endParaRPr lang="en-US" sz="3600" dirty="0">
+              <a:solidFill>
+                <a:srgbClr val="FFFFFF"/>
+              </a:solidFill>
+              <a:latin typeface="Felix Titling" panose="04060505060202020A04" pitchFamily="82" charset="0"/>
+              <a:ea typeface="+mj-ea"/>
+              <a:cs typeface="+mj-cs"/>
+            </a:endParaRPr>
           </a:p>
         </p:txBody>
       </p:sp>
+      <p:pic>
+        <p:nvPicPr>
+          <p:cNvPr id="7" name="Imagem 6">
+            <a:extLst>
+              <a:ext uri="{FF2B5EF4-FFF2-40B4-BE49-F238E27FC236}">
+                <a16:creationId xmlns:a16="http://schemas.microsoft.com/office/drawing/2014/main" id="{FB4C0EF8-F325-420E-ADAB-72BB9D095E23}"/>
+              </a:ext>
+            </a:extLst>
+          </p:cNvPr>
+          <p:cNvPicPr>
+            <a:picLocks noChangeAspect="1"/>
+          </p:cNvPicPr>
+          <p:nvPr/>
+        </p:nvPicPr>
+        <p:blipFill>
+          <a:blip r:embed="rId4"/>
+          <a:stretch>
+            <a:fillRect/>
+          </a:stretch>
+        </p:blipFill>
+        <p:spPr>
+          <a:xfrm>
+            <a:off x="326741" y="2308403"/>
+            <a:ext cx="5607494" cy="4294758"/>
+          </a:xfrm>
+          <a:prstGeom prst="rect">
+            <a:avLst/>
+          </a:prstGeom>
+        </p:spPr>
+      </p:pic>
     </p:spTree>
     <p:extLst>
       <p:ext uri="{BB962C8B-B14F-4D97-AF65-F5344CB8AC3E}">
@@ -12317,7 +12381,7 @@
                                           </p:stCondLst>
                                         </p:cTn>
                                         <p:tgtEl>
-                                          <p:spTgt spid="3076"/>
+                                          <p:spTgt spid="7"/>
                                         </p:tgtEl>
                                         <p:attrNameLst>
                                           <p:attrName>style.visibility</p:attrName>

--- a/Documentação/Apresentação Sprint 2.pptx
+++ b/Documentação/Apresentação Sprint 2.pptx
@@ -125,7 +125,7 @@
 <file path=ppt/revisionInfo.xml><?xml version="1.0" encoding="utf-8"?>
 <p1510:revInfo xmlns:a="http://schemas.openxmlformats.org/drawingml/2006/main" xmlns:r="http://schemas.openxmlformats.org/officeDocument/2006/relationships" xmlns:p1510="http://schemas.microsoft.com/office/powerpoint/2015/10/main">
   <p1510:revLst>
-    <p1510:client id="{7EE69AF9-B8A0-40A8-A92E-4E905D782AD4}" v="888" dt="2020-10-27T02:11:59.547"/>
+    <p1510:client id="{7EE69AF9-B8A0-40A8-A92E-4E905D782AD4}" v="890" dt="2020-10-28T00:13:21.993"/>
   </p1510:revLst>
 </p1510:revInfo>
 </file>
@@ -135,7 +135,7 @@
   <pc:docChgLst>
     <pc:chgData name="Nicholas Forte" userId="831f5f1da6d5c7f7" providerId="LiveId" clId="{7EE69AF9-B8A0-40A8-A92E-4E905D782AD4}"/>
     <pc:docChg chg="undo custSel mod addSld delSld modSld addMainMaster delMainMaster modMainMaster">
-      <pc:chgData name="Nicholas Forte" userId="831f5f1da6d5c7f7" providerId="LiveId" clId="{7EE69AF9-B8A0-40A8-A92E-4E905D782AD4}" dt="2020-10-27T02:11:59.544" v="1361" actId="115"/>
+      <pc:chgData name="Nicholas Forte" userId="831f5f1da6d5c7f7" providerId="LiveId" clId="{7EE69AF9-B8A0-40A8-A92E-4E905D782AD4}" dt="2020-10-28T00:28:32.137" v="1371" actId="14100"/>
       <pc:docMkLst>
         <pc:docMk/>
       </pc:docMkLst>
@@ -677,7 +677,7 @@
         </pc:picChg>
       </pc:sldChg>
       <pc:sldChg chg="addSp delSp modSp mod modTransition delAnim">
-        <pc:chgData name="Nicholas Forte" userId="831f5f1da6d5c7f7" providerId="LiveId" clId="{7EE69AF9-B8A0-40A8-A92E-4E905D782AD4}" dt="2020-10-23T15:21:21.919" v="123"/>
+        <pc:chgData name="Nicholas Forte" userId="831f5f1da6d5c7f7" providerId="LiveId" clId="{7EE69AF9-B8A0-40A8-A92E-4E905D782AD4}" dt="2020-10-28T00:28:32.137" v="1371" actId="14100"/>
         <pc:sldMkLst>
           <pc:docMk/>
           <pc:sldMk cId="465033456" sldId="265"/>
@@ -698,12 +698,20 @@
             <ac:spMk id="6" creationId="{C2AD3478-E7C3-4506-A2E4-5E83AA92930E}"/>
           </ac:spMkLst>
         </pc:spChg>
-        <pc:picChg chg="add mod">
-          <ac:chgData name="Nicholas Forte" userId="831f5f1da6d5c7f7" providerId="LiveId" clId="{7EE69AF9-B8A0-40A8-A92E-4E905D782AD4}" dt="2020-10-23T14:41:38.512" v="20" actId="1076"/>
+        <pc:picChg chg="add del mod">
+          <ac:chgData name="Nicholas Forte" userId="831f5f1da6d5c7f7" providerId="LiveId" clId="{7EE69AF9-B8A0-40A8-A92E-4E905D782AD4}" dt="2020-10-28T00:27:49.199" v="1367" actId="478"/>
           <ac:picMkLst>
             <pc:docMk/>
             <pc:sldMk cId="465033456" sldId="265"/>
             <ac:picMk id="4" creationId="{6FAB8F76-2E98-489C-A06E-FE0266228938}"/>
+          </ac:picMkLst>
+        </pc:picChg>
+        <pc:picChg chg="add mod">
+          <ac:chgData name="Nicholas Forte" userId="831f5f1da6d5c7f7" providerId="LiveId" clId="{7EE69AF9-B8A0-40A8-A92E-4E905D782AD4}" dt="2020-10-28T00:28:32.137" v="1371" actId="14100"/>
+          <ac:picMkLst>
+            <pc:docMk/>
+            <pc:sldMk cId="465033456" sldId="265"/>
+            <ac:picMk id="5" creationId="{AE27461E-F39C-47CB-B7C2-FEBC2B47AC86}"/>
           </ac:picMkLst>
         </pc:picChg>
         <pc:picChg chg="del mod">
@@ -959,6 +967,13 @@
           </ac:picMkLst>
         </pc:picChg>
       </pc:sldChg>
+      <pc:sldChg chg="add del">
+        <pc:chgData name="Nicholas Forte" userId="831f5f1da6d5c7f7" providerId="LiveId" clId="{7EE69AF9-B8A0-40A8-A92E-4E905D782AD4}" dt="2020-10-28T00:27:43.758" v="1366" actId="2696"/>
+        <pc:sldMkLst>
+          <pc:docMk/>
+          <pc:sldMk cId="1062914862" sldId="268"/>
+        </pc:sldMkLst>
+      </pc:sldChg>
       <pc:sldMasterChg chg="add del addSldLayout delSldLayout">
         <pc:chgData name="Nicholas Forte" userId="831f5f1da6d5c7f7" providerId="LiveId" clId="{7EE69AF9-B8A0-40A8-A92E-4E905D782AD4}" dt="2020-10-23T14:07:25.942" v="4" actId="2696"/>
         <pc:sldMasterMkLst>
@@ -975,13 +990,13 @@
         </pc:sldLayoutChg>
       </pc:sldMasterChg>
       <pc:sldMasterChg chg="add del addSldLayout delSldLayout">
-        <pc:chgData name="Nicholas Forte" userId="831f5f1da6d5c7f7" providerId="LiveId" clId="{7EE69AF9-B8A0-40A8-A92E-4E905D782AD4}" dt="2020-10-23T15:21:44.406" v="124" actId="2696"/>
+        <pc:chgData name="Nicholas Forte" userId="831f5f1da6d5c7f7" providerId="LiveId" clId="{7EE69AF9-B8A0-40A8-A92E-4E905D782AD4}" dt="2020-10-28T00:27:43.758" v="1366" actId="2696"/>
         <pc:sldMasterMkLst>
           <pc:docMk/>
           <pc:sldMasterMk cId="4205076161" sldId="2147483648"/>
         </pc:sldMasterMkLst>
         <pc:sldLayoutChg chg="add del">
-          <pc:chgData name="Nicholas Forte" userId="831f5f1da6d5c7f7" providerId="LiveId" clId="{7EE69AF9-B8A0-40A8-A92E-4E905D782AD4}" dt="2020-10-23T15:21:44.406" v="124" actId="2696"/>
+          <pc:chgData name="Nicholas Forte" userId="831f5f1da6d5c7f7" providerId="LiveId" clId="{7EE69AF9-B8A0-40A8-A92E-4E905D782AD4}" dt="2020-10-28T00:27:43.758" v="1366" actId="2696"/>
           <pc:sldLayoutMkLst>
             <pc:docMk/>
             <pc:sldMasterMk cId="4205076161" sldId="2147483648"/>
@@ -9788,10 +9803,10 @@
       </p:pic>
       <p:pic>
         <p:nvPicPr>
-          <p:cNvPr id="4" name="Imagem 3">
-            <a:extLst>
-              <a:ext uri="{FF2B5EF4-FFF2-40B4-BE49-F238E27FC236}">
-                <a16:creationId xmlns:a16="http://schemas.microsoft.com/office/drawing/2014/main" id="{6FAB8F76-2E98-489C-A06E-FE0266228938}"/>
+          <p:cNvPr id="5" name="Imagem 4">
+            <a:extLst>
+              <a:ext uri="{FF2B5EF4-FFF2-40B4-BE49-F238E27FC236}">
+                <a16:creationId xmlns:a16="http://schemas.microsoft.com/office/drawing/2014/main" id="{AE27461E-F39C-47CB-B7C2-FEBC2B47AC86}"/>
               </a:ext>
             </a:extLst>
           </p:cNvPr>
@@ -9808,8 +9823,8 @@
         </p:blipFill>
         <p:spPr>
           <a:xfrm>
-            <a:off x="937598" y="1171573"/>
-            <a:ext cx="10316803" cy="5686427"/>
+            <a:off x="947568" y="1171573"/>
+            <a:ext cx="10195808" cy="5593129"/>
           </a:xfrm>
           <a:prstGeom prst="rect">
             <a:avLst/>
@@ -12133,17 +12148,6 @@
               </a:spcAft>
             </a:pPr>
             <a:r>
-              <a:rPr lang="en-US" sz="3600" dirty="0" err="1">
-                <a:solidFill>
-                  <a:srgbClr val="FFFFFF"/>
-                </a:solidFill>
-                <a:latin typeface="Felix Titling" panose="04060505060202020A04" pitchFamily="82" charset="0"/>
-                <a:ea typeface="+mj-ea"/>
-                <a:cs typeface="+mj-cs"/>
-              </a:rPr>
-              <a:t>Tabelas</a:t>
-            </a:r>
-            <a:r>
               <a:rPr lang="en-US" sz="3600" dirty="0">
                 <a:solidFill>
                   <a:srgbClr val="FFFFFF"/>
@@ -12152,29 +12156,7 @@
                 <a:ea typeface="+mj-ea"/>
                 <a:cs typeface="+mj-cs"/>
               </a:rPr>
-              <a:t>/ </a:t>
-            </a:r>
-            <a:r>
-              <a:rPr lang="en-US" sz="3600" dirty="0" err="1">
-                <a:solidFill>
-                  <a:srgbClr val="FFFFFF"/>
-                </a:solidFill>
-                <a:latin typeface="Felix Titling" panose="04060505060202020A04" pitchFamily="82" charset="0"/>
-                <a:ea typeface="+mj-ea"/>
-                <a:cs typeface="+mj-cs"/>
-              </a:rPr>
-              <a:t>Modelo</a:t>
-            </a:r>
-            <a:r>
-              <a:rPr lang="en-US" sz="3600" dirty="0">
-                <a:solidFill>
-                  <a:srgbClr val="FFFFFF"/>
-                </a:solidFill>
-                <a:latin typeface="Felix Titling" panose="04060505060202020A04" pitchFamily="82" charset="0"/>
-                <a:ea typeface="+mj-ea"/>
-                <a:cs typeface="+mj-cs"/>
-              </a:rPr>
-              <a:t> de dados </a:t>
+              <a:t>Tabelas/ Modelo de dados </a:t>
             </a:r>
             <a:r>
               <a:rPr lang="en-US" sz="3600" dirty="0" err="1">

--- a/Documentação/Apresentação Sprint 2.pptx
+++ b/Documentação/Apresentação Sprint 2.pptx
@@ -2474,7 +2474,7 @@
           <a:p>
             <a:fld id="{1F9606BC-5244-47D9-93DD-4B4F41B61F0A}" type="datetimeFigureOut">
               <a:rPr lang="pt-BR" smtClean="0"/>
-              <a:t>26/10/2020</a:t>
+              <a:t>27/10/2020</a:t>
             </a:fld>
             <a:endParaRPr lang="pt-BR"/>
           </a:p>
@@ -2672,7 +2672,7 @@
           <a:p>
             <a:fld id="{1F9606BC-5244-47D9-93DD-4B4F41B61F0A}" type="datetimeFigureOut">
               <a:rPr lang="pt-BR" smtClean="0"/>
-              <a:t>26/10/2020</a:t>
+              <a:t>27/10/2020</a:t>
             </a:fld>
             <a:endParaRPr lang="pt-BR"/>
           </a:p>
@@ -2880,7 +2880,7 @@
           <a:p>
             <a:fld id="{1F9606BC-5244-47D9-93DD-4B4F41B61F0A}" type="datetimeFigureOut">
               <a:rPr lang="pt-BR" smtClean="0"/>
-              <a:t>26/10/2020</a:t>
+              <a:t>27/10/2020</a:t>
             </a:fld>
             <a:endParaRPr lang="pt-BR"/>
           </a:p>
@@ -3078,7 +3078,7 @@
           <a:p>
             <a:fld id="{1F9606BC-5244-47D9-93DD-4B4F41B61F0A}" type="datetimeFigureOut">
               <a:rPr lang="pt-BR" smtClean="0"/>
-              <a:t>26/10/2020</a:t>
+              <a:t>27/10/2020</a:t>
             </a:fld>
             <a:endParaRPr lang="pt-BR"/>
           </a:p>
@@ -3353,7 +3353,7 @@
           <a:p>
             <a:fld id="{1F9606BC-5244-47D9-93DD-4B4F41B61F0A}" type="datetimeFigureOut">
               <a:rPr lang="pt-BR" smtClean="0"/>
-              <a:t>26/10/2020</a:t>
+              <a:t>27/10/2020</a:t>
             </a:fld>
             <a:endParaRPr lang="pt-BR"/>
           </a:p>
@@ -3618,7 +3618,7 @@
           <a:p>
             <a:fld id="{1F9606BC-5244-47D9-93DD-4B4F41B61F0A}" type="datetimeFigureOut">
               <a:rPr lang="pt-BR" smtClean="0"/>
-              <a:t>26/10/2020</a:t>
+              <a:t>27/10/2020</a:t>
             </a:fld>
             <a:endParaRPr lang="pt-BR"/>
           </a:p>
@@ -4030,7 +4030,7 @@
           <a:p>
             <a:fld id="{1F9606BC-5244-47D9-93DD-4B4F41B61F0A}" type="datetimeFigureOut">
               <a:rPr lang="pt-BR" smtClean="0"/>
-              <a:t>26/10/2020</a:t>
+              <a:t>27/10/2020</a:t>
             </a:fld>
             <a:endParaRPr lang="pt-BR"/>
           </a:p>
@@ -4171,7 +4171,7 @@
           <a:p>
             <a:fld id="{1F9606BC-5244-47D9-93DD-4B4F41B61F0A}" type="datetimeFigureOut">
               <a:rPr lang="pt-BR" smtClean="0"/>
-              <a:t>26/10/2020</a:t>
+              <a:t>27/10/2020</a:t>
             </a:fld>
             <a:endParaRPr lang="pt-BR"/>
           </a:p>
@@ -4284,7 +4284,7 @@
           <a:p>
             <a:fld id="{1F9606BC-5244-47D9-93DD-4B4F41B61F0A}" type="datetimeFigureOut">
               <a:rPr lang="pt-BR" smtClean="0"/>
-              <a:t>26/10/2020</a:t>
+              <a:t>27/10/2020</a:t>
             </a:fld>
             <a:endParaRPr lang="pt-BR"/>
           </a:p>
@@ -4595,7 +4595,7 @@
           <a:p>
             <a:fld id="{1F9606BC-5244-47D9-93DD-4B4F41B61F0A}" type="datetimeFigureOut">
               <a:rPr lang="pt-BR" smtClean="0"/>
-              <a:t>26/10/2020</a:t>
+              <a:t>27/10/2020</a:t>
             </a:fld>
             <a:endParaRPr lang="pt-BR"/>
           </a:p>
@@ -4883,7 +4883,7 @@
           <a:p>
             <a:fld id="{1F9606BC-5244-47D9-93DD-4B4F41B61F0A}" type="datetimeFigureOut">
               <a:rPr lang="pt-BR" smtClean="0"/>
-              <a:t>26/10/2020</a:t>
+              <a:t>27/10/2020</a:t>
             </a:fld>
             <a:endParaRPr lang="pt-BR"/>
           </a:p>
@@ -5124,7 +5124,7 @@
           <a:p>
             <a:fld id="{1F9606BC-5244-47D9-93DD-4B4F41B61F0A}" type="datetimeFigureOut">
               <a:rPr lang="pt-BR" smtClean="0"/>
-              <a:t>26/10/2020</a:t>
+              <a:t>27/10/2020</a:t>
             </a:fld>
             <a:endParaRPr lang="pt-BR"/>
           </a:p>

--- a/Documentação/Apresentação Sprint 2.pptx
+++ b/Documentação/Apresentação Sprint 2.pptx
@@ -11,11 +11,9 @@
     <p:sldId id="265" r:id="rId5"/>
     <p:sldId id="260" r:id="rId6"/>
     <p:sldId id="261" r:id="rId7"/>
-    <p:sldId id="262" r:id="rId8"/>
-    <p:sldId id="263" r:id="rId9"/>
-    <p:sldId id="264" r:id="rId10"/>
-    <p:sldId id="266" r:id="rId11"/>
-    <p:sldId id="267" r:id="rId12"/>
+    <p:sldId id="263" r:id="rId8"/>
+    <p:sldId id="266" r:id="rId9"/>
+    <p:sldId id="267" r:id="rId10"/>
   </p:sldIdLst>
   <p:sldSz cx="12192000" cy="6858000"/>
   <p:notesSz cx="6858000" cy="9144000"/>
@@ -1027,6 +1025,29 @@
           </pc:sldLayoutMkLst>
         </pc:sldLayoutChg>
       </pc:sldMasterChg>
+    </pc:docChg>
+  </pc:docChgLst>
+  <pc:docChgLst>
+    <pc:chgData name="Bruna Brito" userId="b6e662cc8815d3ee" providerId="LiveId" clId="{7D609B6F-0520-4BAA-8406-40215563B25C}"/>
+    <pc:docChg chg="delSld">
+      <pc:chgData name="Bruna Brito" userId="b6e662cc8815d3ee" providerId="LiveId" clId="{7D609B6F-0520-4BAA-8406-40215563B25C}" dt="2020-10-28T12:43:32.116" v="1" actId="2696"/>
+      <pc:docMkLst>
+        <pc:docMk/>
+      </pc:docMkLst>
+      <pc:sldChg chg="del">
+        <pc:chgData name="Bruna Brito" userId="b6e662cc8815d3ee" providerId="LiveId" clId="{7D609B6F-0520-4BAA-8406-40215563B25C}" dt="2020-10-28T12:42:46.850" v="0" actId="2696"/>
+        <pc:sldMkLst>
+          <pc:docMk/>
+          <pc:sldMk cId="283534579" sldId="262"/>
+        </pc:sldMkLst>
+      </pc:sldChg>
+      <pc:sldChg chg="del">
+        <pc:chgData name="Bruna Brito" userId="b6e662cc8815d3ee" providerId="LiveId" clId="{7D609B6F-0520-4BAA-8406-40215563B25C}" dt="2020-10-28T12:43:32.116" v="1" actId="2696"/>
+        <pc:sldMkLst>
+          <pc:docMk/>
+          <pc:sldMk cId="1568061823" sldId="264"/>
+        </pc:sldMkLst>
+      </pc:sldChg>
     </pc:docChg>
   </pc:docChgLst>
   <pc:docChgLst>
@@ -2489,7 +2510,7 @@
           <a:p>
             <a:fld id="{1F9606BC-5244-47D9-93DD-4B4F41B61F0A}" type="datetimeFigureOut">
               <a:rPr lang="pt-BR" smtClean="0"/>
-              <a:t>27/10/2020</a:t>
+              <a:t>28/10/2020</a:t>
             </a:fld>
             <a:endParaRPr lang="pt-BR"/>
           </a:p>
@@ -2687,7 +2708,7 @@
           <a:p>
             <a:fld id="{1F9606BC-5244-47D9-93DD-4B4F41B61F0A}" type="datetimeFigureOut">
               <a:rPr lang="pt-BR" smtClean="0"/>
-              <a:t>27/10/2020</a:t>
+              <a:t>28/10/2020</a:t>
             </a:fld>
             <a:endParaRPr lang="pt-BR"/>
           </a:p>
@@ -2895,7 +2916,7 @@
           <a:p>
             <a:fld id="{1F9606BC-5244-47D9-93DD-4B4F41B61F0A}" type="datetimeFigureOut">
               <a:rPr lang="pt-BR" smtClean="0"/>
-              <a:t>27/10/2020</a:t>
+              <a:t>28/10/2020</a:t>
             </a:fld>
             <a:endParaRPr lang="pt-BR"/>
           </a:p>
@@ -3093,7 +3114,7 @@
           <a:p>
             <a:fld id="{1F9606BC-5244-47D9-93DD-4B4F41B61F0A}" type="datetimeFigureOut">
               <a:rPr lang="pt-BR" smtClean="0"/>
-              <a:t>27/10/2020</a:t>
+              <a:t>28/10/2020</a:t>
             </a:fld>
             <a:endParaRPr lang="pt-BR"/>
           </a:p>
@@ -3368,7 +3389,7 @@
           <a:p>
             <a:fld id="{1F9606BC-5244-47D9-93DD-4B4F41B61F0A}" type="datetimeFigureOut">
               <a:rPr lang="pt-BR" smtClean="0"/>
-              <a:t>27/10/2020</a:t>
+              <a:t>28/10/2020</a:t>
             </a:fld>
             <a:endParaRPr lang="pt-BR"/>
           </a:p>
@@ -3633,7 +3654,7 @@
           <a:p>
             <a:fld id="{1F9606BC-5244-47D9-93DD-4B4F41B61F0A}" type="datetimeFigureOut">
               <a:rPr lang="pt-BR" smtClean="0"/>
-              <a:t>27/10/2020</a:t>
+              <a:t>28/10/2020</a:t>
             </a:fld>
             <a:endParaRPr lang="pt-BR"/>
           </a:p>
@@ -4045,7 +4066,7 @@
           <a:p>
             <a:fld id="{1F9606BC-5244-47D9-93DD-4B4F41B61F0A}" type="datetimeFigureOut">
               <a:rPr lang="pt-BR" smtClean="0"/>
-              <a:t>27/10/2020</a:t>
+              <a:t>28/10/2020</a:t>
             </a:fld>
             <a:endParaRPr lang="pt-BR"/>
           </a:p>
@@ -4186,7 +4207,7 @@
           <a:p>
             <a:fld id="{1F9606BC-5244-47D9-93DD-4B4F41B61F0A}" type="datetimeFigureOut">
               <a:rPr lang="pt-BR" smtClean="0"/>
-              <a:t>27/10/2020</a:t>
+              <a:t>28/10/2020</a:t>
             </a:fld>
             <a:endParaRPr lang="pt-BR"/>
           </a:p>
@@ -4299,7 +4320,7 @@
           <a:p>
             <a:fld id="{1F9606BC-5244-47D9-93DD-4B4F41B61F0A}" type="datetimeFigureOut">
               <a:rPr lang="pt-BR" smtClean="0"/>
-              <a:t>27/10/2020</a:t>
+              <a:t>28/10/2020</a:t>
             </a:fld>
             <a:endParaRPr lang="pt-BR"/>
           </a:p>
@@ -4610,7 +4631,7 @@
           <a:p>
             <a:fld id="{1F9606BC-5244-47D9-93DD-4B4F41B61F0A}" type="datetimeFigureOut">
               <a:rPr lang="pt-BR" smtClean="0"/>
-              <a:t>27/10/2020</a:t>
+              <a:t>28/10/2020</a:t>
             </a:fld>
             <a:endParaRPr lang="pt-BR"/>
           </a:p>
@@ -4898,7 +4919,7 @@
           <a:p>
             <a:fld id="{1F9606BC-5244-47D9-93DD-4B4F41B61F0A}" type="datetimeFigureOut">
               <a:rPr lang="pt-BR" smtClean="0"/>
-              <a:t>27/10/2020</a:t>
+              <a:t>28/10/2020</a:t>
             </a:fld>
             <a:endParaRPr lang="pt-BR"/>
           </a:p>
@@ -5139,7 +5160,7 @@
           <a:p>
             <a:fld id="{1F9606BC-5244-47D9-93DD-4B4F41B61F0A}" type="datetimeFigureOut">
               <a:rPr lang="pt-BR" smtClean="0"/>
-              <a:t>27/10/2020</a:t>
+              <a:t>28/10/2020</a:t>
             </a:fld>
             <a:endParaRPr lang="pt-BR"/>
           </a:p>
@@ -6390,7 +6411,3534 @@
 </p:sld>
 </file>
 
-<file path=ppt/slides/slide10.xml><?xml version="1.0" encoding="utf-8"?>
+<file path=ppt/slides/slide2.xml><?xml version="1.0" encoding="utf-8"?>
+<p:sld xmlns:a="http://schemas.openxmlformats.org/drawingml/2006/main" xmlns:r="http://schemas.openxmlformats.org/officeDocument/2006/relationships" xmlns:p="http://schemas.openxmlformats.org/presentationml/2006/main">
+  <p:cSld>
+    <p:bg>
+      <p:bgPr>
+        <a:solidFill>
+          <a:schemeClr val="bg2">
+            <a:lumMod val="90000"/>
+          </a:schemeClr>
+        </a:solidFill>
+        <a:effectLst/>
+      </p:bgPr>
+    </p:bg>
+    <p:spTree>
+      <p:nvGrpSpPr>
+        <p:cNvPr id="1" name=""/>
+        <p:cNvGrpSpPr/>
+        <p:nvPr/>
+      </p:nvGrpSpPr>
+      <p:grpSpPr>
+        <a:xfrm>
+          <a:off x="0" y="0"/>
+          <a:ext cx="0" cy="0"/>
+          <a:chOff x="0" y="0"/>
+          <a:chExt cx="0" cy="0"/>
+        </a:xfrm>
+      </p:grpSpPr>
+      <p:sp>
+        <p:nvSpPr>
+          <p:cNvPr id="2" name="Retângulo 1">
+            <a:extLst>
+              <a:ext uri="{FF2B5EF4-FFF2-40B4-BE49-F238E27FC236}">
+                <a16:creationId xmlns:a16="http://schemas.microsoft.com/office/drawing/2014/main" id="{1CC934F3-2EB8-4EC7-A8CD-FAEB831A3F77}"/>
+              </a:ext>
+            </a:extLst>
+          </p:cNvPr>
+          <p:cNvSpPr/>
+          <p:nvPr/>
+        </p:nvSpPr>
+        <p:spPr>
+          <a:xfrm>
+            <a:off x="67649" y="1659835"/>
+            <a:ext cx="12192000" cy="3538330"/>
+          </a:xfrm>
+          <a:prstGeom prst="rect">
+            <a:avLst/>
+          </a:prstGeom>
+          <a:solidFill>
+            <a:schemeClr val="bg2">
+              <a:lumMod val="25000"/>
+            </a:schemeClr>
+          </a:solidFill>
+          <a:ln>
+            <a:noFill/>
+          </a:ln>
+        </p:spPr>
+        <p:style>
+          <a:lnRef idx="2">
+            <a:schemeClr val="accent1">
+              <a:shade val="50000"/>
+            </a:schemeClr>
+          </a:lnRef>
+          <a:fillRef idx="1">
+            <a:schemeClr val="accent1"/>
+          </a:fillRef>
+          <a:effectRef idx="0">
+            <a:schemeClr val="accent1"/>
+          </a:effectRef>
+          <a:fontRef idx="minor">
+            <a:schemeClr val="lt1"/>
+          </a:fontRef>
+        </p:style>
+        <p:txBody>
+          <a:bodyPr rtlCol="0" anchor="ctr"/>
+          <a:lstStyle/>
+          <a:p>
+            <a:pPr algn="ctr"/>
+            <a:endParaRPr lang="pt-BR" dirty="0"/>
+          </a:p>
+        </p:txBody>
+      </p:sp>
+      <p:sp>
+        <p:nvSpPr>
+          <p:cNvPr id="3" name="CaixaDeTexto 2">
+            <a:extLst>
+              <a:ext uri="{FF2B5EF4-FFF2-40B4-BE49-F238E27FC236}">
+                <a16:creationId xmlns:a16="http://schemas.microsoft.com/office/drawing/2014/main" id="{BB241D94-FD38-42AB-94D9-1FFFFF6EEF45}"/>
+              </a:ext>
+            </a:extLst>
+          </p:cNvPr>
+          <p:cNvSpPr txBox="1"/>
+          <p:nvPr/>
+        </p:nvSpPr>
+        <p:spPr>
+          <a:xfrm>
+            <a:off x="636103" y="525119"/>
+            <a:ext cx="5208106" cy="646331"/>
+          </a:xfrm>
+          <a:prstGeom prst="rect">
+            <a:avLst/>
+          </a:prstGeom>
+          <a:noFill/>
+        </p:spPr>
+        <p:txBody>
+          <a:bodyPr wrap="square" rtlCol="0">
+            <a:spAutoFit/>
+          </a:bodyPr>
+          <a:lstStyle/>
+          <a:p>
+            <a:r>
+              <a:rPr lang="pt-BR" sz="3600" dirty="0">
+                <a:latin typeface="Felix Titling" panose="04060505060202020A04" pitchFamily="82" charset="0"/>
+                <a:ea typeface="MS Mincho" panose="020B0400000000000000" pitchFamily="49" charset="-128"/>
+              </a:rPr>
+              <a:t>Contextualização</a:t>
+            </a:r>
+          </a:p>
+        </p:txBody>
+      </p:sp>
+      <p:sp>
+        <p:nvSpPr>
+          <p:cNvPr id="7" name="Elipse 6">
+            <a:extLst>
+              <a:ext uri="{FF2B5EF4-FFF2-40B4-BE49-F238E27FC236}">
+                <a16:creationId xmlns:a16="http://schemas.microsoft.com/office/drawing/2014/main" id="{7806EF92-D9BA-4200-9F78-3DFDDBAF18BC}"/>
+              </a:ext>
+            </a:extLst>
+          </p:cNvPr>
+          <p:cNvSpPr/>
+          <p:nvPr/>
+        </p:nvSpPr>
+        <p:spPr>
+          <a:xfrm>
+            <a:off x="5669550" y="235425"/>
+            <a:ext cx="6387152" cy="6387152"/>
+          </a:xfrm>
+          <a:custGeom>
+            <a:avLst/>
+            <a:gdLst>
+              <a:gd name="connsiteX0" fmla="*/ 0 w 6387152"/>
+              <a:gd name="connsiteY0" fmla="*/ 3193576 h 6387152"/>
+              <a:gd name="connsiteX1" fmla="*/ 3193576 w 6387152"/>
+              <a:gd name="connsiteY1" fmla="*/ 0 h 6387152"/>
+              <a:gd name="connsiteX2" fmla="*/ 6387152 w 6387152"/>
+              <a:gd name="connsiteY2" fmla="*/ 3193576 h 6387152"/>
+              <a:gd name="connsiteX3" fmla="*/ 3193576 w 6387152"/>
+              <a:gd name="connsiteY3" fmla="*/ 6387152 h 6387152"/>
+              <a:gd name="connsiteX4" fmla="*/ 0 w 6387152"/>
+              <a:gd name="connsiteY4" fmla="*/ 3193576 h 6387152"/>
+            </a:gdLst>
+            <a:ahLst/>
+            <a:cxnLst>
+              <a:cxn ang="0">
+                <a:pos x="connsiteX0" y="connsiteY0"/>
+              </a:cxn>
+              <a:cxn ang="0">
+                <a:pos x="connsiteX1" y="connsiteY1"/>
+              </a:cxn>
+              <a:cxn ang="0">
+                <a:pos x="connsiteX2" y="connsiteY2"/>
+              </a:cxn>
+              <a:cxn ang="0">
+                <a:pos x="connsiteX3" y="connsiteY3"/>
+              </a:cxn>
+              <a:cxn ang="0">
+                <a:pos x="connsiteX4" y="connsiteY4"/>
+              </a:cxn>
+            </a:cxnLst>
+            <a:rect l="l" t="t" r="r" b="b"/>
+            <a:pathLst>
+              <a:path w="6387152" h="6387152" extrusionOk="0">
+                <a:moveTo>
+                  <a:pt x="0" y="3193576"/>
+                </a:moveTo>
+                <a:cubicBezTo>
+                  <a:pt x="409268" y="1480626"/>
+                  <a:pt x="1450345" y="211181"/>
+                  <a:pt x="3193576" y="0"/>
+                </a:cubicBezTo>
+                <a:cubicBezTo>
+                  <a:pt x="4950723" y="-81899"/>
+                  <a:pt x="6608770" y="1285766"/>
+                  <a:pt x="6387152" y="3193576"/>
+                </a:cubicBezTo>
+                <a:cubicBezTo>
+                  <a:pt x="6657647" y="5238028"/>
+                  <a:pt x="4936435" y="6308855"/>
+                  <a:pt x="3193576" y="6387152"/>
+                </a:cubicBezTo>
+                <a:cubicBezTo>
+                  <a:pt x="1103533" y="6524467"/>
+                  <a:pt x="91221" y="5117253"/>
+                  <a:pt x="0" y="3193576"/>
+                </a:cubicBezTo>
+                <a:close/>
+              </a:path>
+            </a:pathLst>
+          </a:custGeom>
+          <a:noFill/>
+          <a:ln w="28575">
+            <a:solidFill>
+              <a:srgbClr val="00B0F0"/>
+            </a:solidFill>
+            <a:extLst>
+              <a:ext uri="{C807C97D-BFC1-408E-A445-0C87EB9F89A2}">
+                <ask:lineSketchStyleProps xmlns:ask="http://schemas.microsoft.com/office/drawing/2018/sketchyshapes" sd="878760193">
+                  <a:prstGeom prst="ellipse">
+                    <a:avLst/>
+                  </a:prstGeom>
+                  <ask:type>
+                    <ask:lineSketchFreehand/>
+                  </ask:type>
+                </ask:lineSketchStyleProps>
+              </a:ext>
+            </a:extLst>
+          </a:ln>
+        </p:spPr>
+        <p:style>
+          <a:lnRef idx="2">
+            <a:schemeClr val="accent1">
+              <a:shade val="50000"/>
+            </a:schemeClr>
+          </a:lnRef>
+          <a:fillRef idx="1">
+            <a:schemeClr val="accent1"/>
+          </a:fillRef>
+          <a:effectRef idx="0">
+            <a:schemeClr val="accent1"/>
+          </a:effectRef>
+          <a:fontRef idx="minor">
+            <a:schemeClr val="lt1"/>
+          </a:fontRef>
+        </p:style>
+        <p:txBody>
+          <a:bodyPr rtlCol="0" anchor="ctr"/>
+          <a:lstStyle/>
+          <a:p>
+            <a:pPr algn="ctr"/>
+            <a:endParaRPr lang="pt-BR"/>
+          </a:p>
+        </p:txBody>
+      </p:sp>
+      <p:sp>
+        <p:nvSpPr>
+          <p:cNvPr id="9" name="Elipse 8">
+            <a:extLst>
+              <a:ext uri="{FF2B5EF4-FFF2-40B4-BE49-F238E27FC236}">
+                <a16:creationId xmlns:a16="http://schemas.microsoft.com/office/drawing/2014/main" id="{F1A5993D-8863-4C43-BB11-43EA13422C6F}"/>
+              </a:ext>
+            </a:extLst>
+          </p:cNvPr>
+          <p:cNvSpPr/>
+          <p:nvPr/>
+        </p:nvSpPr>
+        <p:spPr>
+          <a:xfrm>
+            <a:off x="5669551" y="627796"/>
+            <a:ext cx="5965158" cy="5994779"/>
+          </a:xfrm>
+          <a:custGeom>
+            <a:avLst/>
+            <a:gdLst>
+              <a:gd name="connsiteX0" fmla="*/ 0 w 5965158"/>
+              <a:gd name="connsiteY0" fmla="*/ 2997390 h 5994779"/>
+              <a:gd name="connsiteX1" fmla="*/ 2982579 w 5965158"/>
+              <a:gd name="connsiteY1" fmla="*/ 0 h 5994779"/>
+              <a:gd name="connsiteX2" fmla="*/ 5965158 w 5965158"/>
+              <a:gd name="connsiteY2" fmla="*/ 2997390 h 5994779"/>
+              <a:gd name="connsiteX3" fmla="*/ 2982579 w 5965158"/>
+              <a:gd name="connsiteY3" fmla="*/ 5994780 h 5994779"/>
+              <a:gd name="connsiteX4" fmla="*/ 0 w 5965158"/>
+              <a:gd name="connsiteY4" fmla="*/ 2997390 h 5994779"/>
+            </a:gdLst>
+            <a:ahLst/>
+            <a:cxnLst>
+              <a:cxn ang="0">
+                <a:pos x="connsiteX0" y="connsiteY0"/>
+              </a:cxn>
+              <a:cxn ang="0">
+                <a:pos x="connsiteX1" y="connsiteY1"/>
+              </a:cxn>
+              <a:cxn ang="0">
+                <a:pos x="connsiteX2" y="connsiteY2"/>
+              </a:cxn>
+              <a:cxn ang="0">
+                <a:pos x="connsiteX3" y="connsiteY3"/>
+              </a:cxn>
+              <a:cxn ang="0">
+                <a:pos x="connsiteX4" y="connsiteY4"/>
+              </a:cxn>
+            </a:cxnLst>
+            <a:rect l="l" t="t" r="r" b="b"/>
+            <a:pathLst>
+              <a:path w="5965158" h="5994779" extrusionOk="0">
+                <a:moveTo>
+                  <a:pt x="0" y="2997390"/>
+                </a:moveTo>
+                <a:cubicBezTo>
+                  <a:pt x="374093" y="1388422"/>
+                  <a:pt x="1359341" y="246799"/>
+                  <a:pt x="2982579" y="0"/>
+                </a:cubicBezTo>
+                <a:cubicBezTo>
+                  <a:pt x="4616530" y="-164411"/>
+                  <a:pt x="6170874" y="1208266"/>
+                  <a:pt x="5965158" y="2997390"/>
+                </a:cubicBezTo>
+                <a:cubicBezTo>
+                  <a:pt x="6136409" y="4830508"/>
+                  <a:pt x="4546937" y="5684369"/>
+                  <a:pt x="2982579" y="5994780"/>
+                </a:cubicBezTo>
+                <a:cubicBezTo>
+                  <a:pt x="1003458" y="6134456"/>
+                  <a:pt x="87069" y="4805440"/>
+                  <a:pt x="0" y="2997390"/>
+                </a:cubicBezTo>
+                <a:close/>
+              </a:path>
+            </a:pathLst>
+          </a:custGeom>
+          <a:noFill/>
+          <a:ln w="28575">
+            <a:solidFill>
+              <a:srgbClr val="00B0F0"/>
+            </a:solidFill>
+            <a:prstDash val="sysDash"/>
+            <a:extLst>
+              <a:ext uri="{C807C97D-BFC1-408E-A445-0C87EB9F89A2}">
+                <ask:lineSketchStyleProps xmlns:ask="http://schemas.microsoft.com/office/drawing/2018/sketchyshapes" sd="878760193">
+                  <a:prstGeom prst="ellipse">
+                    <a:avLst/>
+                  </a:prstGeom>
+                  <ask:type>
+                    <ask:lineSketchFreehand/>
+                  </ask:type>
+                </ask:lineSketchStyleProps>
+              </a:ext>
+            </a:extLst>
+          </a:ln>
+        </p:spPr>
+        <p:style>
+          <a:lnRef idx="2">
+            <a:schemeClr val="accent1">
+              <a:shade val="50000"/>
+            </a:schemeClr>
+          </a:lnRef>
+          <a:fillRef idx="1">
+            <a:schemeClr val="accent1"/>
+          </a:fillRef>
+          <a:effectRef idx="0">
+            <a:schemeClr val="accent1"/>
+          </a:effectRef>
+          <a:fontRef idx="minor">
+            <a:schemeClr val="lt1"/>
+          </a:fontRef>
+        </p:style>
+        <p:txBody>
+          <a:bodyPr rtlCol="0" anchor="ctr"/>
+          <a:lstStyle/>
+          <a:p>
+            <a:pPr algn="ctr"/>
+            <a:endParaRPr lang="pt-BR"/>
+          </a:p>
+        </p:txBody>
+      </p:sp>
+      <p:sp>
+        <p:nvSpPr>
+          <p:cNvPr id="8" name="Retângulo 7">
+            <a:extLst>
+              <a:ext uri="{FF2B5EF4-FFF2-40B4-BE49-F238E27FC236}">
+                <a16:creationId xmlns:a16="http://schemas.microsoft.com/office/drawing/2014/main" id="{02E8BF95-29AB-4510-B418-C3A514AF3617}"/>
+              </a:ext>
+            </a:extLst>
+          </p:cNvPr>
+          <p:cNvSpPr/>
+          <p:nvPr/>
+        </p:nvSpPr>
+        <p:spPr>
+          <a:xfrm>
+            <a:off x="0" y="1659835"/>
+            <a:ext cx="11150221" cy="3538330"/>
+          </a:xfrm>
+          <a:prstGeom prst="rect">
+            <a:avLst/>
+          </a:prstGeom>
+          <a:solidFill>
+            <a:schemeClr val="bg2">
+              <a:lumMod val="25000"/>
+            </a:schemeClr>
+          </a:solidFill>
+          <a:ln>
+            <a:noFill/>
+          </a:ln>
+        </p:spPr>
+        <p:style>
+          <a:lnRef idx="2">
+            <a:schemeClr val="accent1">
+              <a:shade val="50000"/>
+            </a:schemeClr>
+          </a:lnRef>
+          <a:fillRef idx="1">
+            <a:schemeClr val="accent1"/>
+          </a:fillRef>
+          <a:effectRef idx="0">
+            <a:schemeClr val="accent1"/>
+          </a:effectRef>
+          <a:fontRef idx="minor">
+            <a:schemeClr val="lt1"/>
+          </a:fontRef>
+        </p:style>
+        <p:txBody>
+          <a:bodyPr rtlCol="0" anchor="ctr"/>
+          <a:lstStyle/>
+          <a:p>
+            <a:pPr algn="ctr"/>
+            <a:endParaRPr lang="pt-BR" u="sng" dirty="0"/>
+          </a:p>
+        </p:txBody>
+      </p:sp>
+      <p:sp>
+        <p:nvSpPr>
+          <p:cNvPr id="4" name="CaixaDeTexto 3">
+            <a:extLst>
+              <a:ext uri="{FF2B5EF4-FFF2-40B4-BE49-F238E27FC236}">
+                <a16:creationId xmlns:a16="http://schemas.microsoft.com/office/drawing/2014/main" id="{5CEFF207-9BF9-4B40-9B67-6632E59CF946}"/>
+              </a:ext>
+            </a:extLst>
+          </p:cNvPr>
+          <p:cNvSpPr txBox="1"/>
+          <p:nvPr/>
+        </p:nvSpPr>
+        <p:spPr>
+          <a:xfrm>
+            <a:off x="292426" y="1958297"/>
+            <a:ext cx="6494267" cy="3416320"/>
+          </a:xfrm>
+          <a:prstGeom prst="rect">
+            <a:avLst/>
+          </a:prstGeom>
+          <a:noFill/>
+        </p:spPr>
+        <p:txBody>
+          <a:bodyPr wrap="square" rtlCol="0">
+            <a:spAutoFit/>
+          </a:bodyPr>
+          <a:lstStyle/>
+          <a:p>
+            <a:pPr marL="342900" indent="-342900">
+              <a:buFont typeface="Arial" panose="020B0604020202020204" pitchFamily="34" charset="0"/>
+              <a:buChar char="•"/>
+            </a:pPr>
+            <a:r>
+              <a:rPr lang="pt-BR" sz="2400" dirty="0">
+                <a:solidFill>
+                  <a:schemeClr val="bg1"/>
+                </a:solidFill>
+                <a:latin typeface="Calibri" panose="020F0502020204030204" pitchFamily="34" charset="0"/>
+                <a:ea typeface="Calibri" panose="020F0502020204030204" pitchFamily="34" charset="0"/>
+                <a:cs typeface="Times New Roman" panose="02020603050405020304" pitchFamily="18" charset="0"/>
+              </a:rPr>
+              <a:t>Objetivos da empresa.</a:t>
+            </a:r>
+          </a:p>
+          <a:p>
+            <a:endParaRPr lang="pt-BR" sz="2400" dirty="0">
+              <a:solidFill>
+                <a:schemeClr val="bg1"/>
+              </a:solidFill>
+              <a:latin typeface="Calibri" panose="020F0502020204030204" pitchFamily="34" charset="0"/>
+              <a:ea typeface="Calibri" panose="020F0502020204030204" pitchFamily="34" charset="0"/>
+              <a:cs typeface="Times New Roman" panose="02020603050405020304" pitchFamily="18" charset="0"/>
+            </a:endParaRPr>
+          </a:p>
+          <a:p>
+            <a:pPr marL="342900" indent="-342900">
+              <a:buFont typeface="Arial" panose="020B0604020202020204" pitchFamily="34" charset="0"/>
+              <a:buChar char="•"/>
+            </a:pPr>
+            <a:r>
+              <a:rPr lang="pt-BR" sz="2400" dirty="0">
+                <a:solidFill>
+                  <a:srgbClr val="EBEBEB"/>
+                </a:solidFill>
+                <a:ea typeface="Calibri" panose="020F0502020204030204" pitchFamily="34" charset="0"/>
+                <a:cs typeface="Arial" panose="020B0604020202020204" pitchFamily="34" charset="0"/>
+              </a:rPr>
+              <a:t>Controle de temperatura.</a:t>
+            </a:r>
+          </a:p>
+          <a:p>
+            <a:pPr marL="342900" indent="-342900">
+              <a:buFont typeface="Arial" panose="020B0604020202020204" pitchFamily="34" charset="0"/>
+              <a:buChar char="•"/>
+            </a:pPr>
+            <a:endParaRPr lang="pt-BR" sz="2400" dirty="0">
+              <a:solidFill>
+                <a:srgbClr val="EBEBEB"/>
+              </a:solidFill>
+              <a:latin typeface="Felix Titling" panose="04060505060202020A04" pitchFamily="82" charset="0"/>
+              <a:ea typeface="MS Mincho" panose="020B0400000000000000" pitchFamily="49" charset="-128"/>
+              <a:cs typeface="Arial" panose="020B0604020202020204" pitchFamily="34" charset="0"/>
+            </a:endParaRPr>
+          </a:p>
+          <a:p>
+            <a:pPr marL="342900" indent="-342900">
+              <a:buFont typeface="Arial" panose="020B0604020202020204" pitchFamily="34" charset="0"/>
+              <a:buChar char="•"/>
+            </a:pPr>
+            <a:r>
+              <a:rPr lang="pt-BR" sz="2400" dirty="0">
+                <a:solidFill>
+                  <a:schemeClr val="bg1"/>
+                </a:solidFill>
+                <a:ea typeface="MS Mincho" panose="020B0400000000000000" pitchFamily="49" charset="-128"/>
+              </a:rPr>
+              <a:t> Peixes.</a:t>
+            </a:r>
+          </a:p>
+          <a:p>
+            <a:pPr marL="342900" indent="-342900">
+              <a:buFont typeface="Arial" panose="020B0604020202020204" pitchFamily="34" charset="0"/>
+              <a:buChar char="•"/>
+            </a:pPr>
+            <a:endParaRPr lang="pt-BR" sz="2400" dirty="0">
+              <a:solidFill>
+                <a:schemeClr val="bg1"/>
+              </a:solidFill>
+              <a:ea typeface="MS Mincho" panose="020B0400000000000000" pitchFamily="49" charset="-128"/>
+            </a:endParaRPr>
+          </a:p>
+          <a:p>
+            <a:pPr marL="342900" indent="-342900">
+              <a:buFont typeface="Arial" panose="020B0604020202020204" pitchFamily="34" charset="0"/>
+              <a:buChar char="•"/>
+            </a:pPr>
+            <a:r>
+              <a:rPr lang="pt-BR" sz="2400" dirty="0">
+                <a:solidFill>
+                  <a:schemeClr val="bg1"/>
+                </a:solidFill>
+                <a:ea typeface="MS Mincho" panose="020B0400000000000000" pitchFamily="49" charset="-128"/>
+              </a:rPr>
+              <a:t> Sensores.</a:t>
+            </a:r>
+          </a:p>
+          <a:p>
+            <a:pPr marL="342900" indent="-342900">
+              <a:buFont typeface="Arial" panose="020B0604020202020204" pitchFamily="34" charset="0"/>
+              <a:buChar char="•"/>
+            </a:pPr>
+            <a:endParaRPr lang="pt-BR" sz="2400" dirty="0">
+              <a:solidFill>
+                <a:schemeClr val="bg1"/>
+              </a:solidFill>
+              <a:ea typeface="MS Mincho" panose="020B0400000000000000" pitchFamily="49" charset="-128"/>
+            </a:endParaRPr>
+          </a:p>
+          <a:p>
+            <a:pPr marL="342900" indent="-342900">
+              <a:buFont typeface="Arial" panose="020B0604020202020204" pitchFamily="34" charset="0"/>
+              <a:buChar char="•"/>
+            </a:pPr>
+            <a:endParaRPr lang="pt-BR" sz="2400" dirty="0">
+              <a:solidFill>
+                <a:schemeClr val="bg1"/>
+              </a:solidFill>
+              <a:ea typeface="MS Mincho" panose="020B0400000000000000" pitchFamily="49" charset="-128"/>
+            </a:endParaRPr>
+          </a:p>
+        </p:txBody>
+      </p:sp>
+      <p:pic>
+        <p:nvPicPr>
+          <p:cNvPr id="10" name="Imagem 9" descr="Logotipo&#10;&#10;Descrição gerada automaticamente">
+            <a:extLst>
+              <a:ext uri="{FF2B5EF4-FFF2-40B4-BE49-F238E27FC236}">
+                <a16:creationId xmlns:a16="http://schemas.microsoft.com/office/drawing/2014/main" id="{96921D37-FFF6-4B4B-AC70-D2250BB9B1D4}"/>
+              </a:ext>
+            </a:extLst>
+          </p:cNvPr>
+          <p:cNvPicPr>
+            <a:picLocks noChangeAspect="1"/>
+          </p:cNvPicPr>
+          <p:nvPr/>
+        </p:nvPicPr>
+        <p:blipFill>
+          <a:blip r:embed="rId2">
+            <a:extLst>
+              <a:ext uri="{28A0092B-C50C-407E-A947-70E740481C1C}">
+                <a14:useLocalDpi xmlns:a14="http://schemas.microsoft.com/office/drawing/2010/main" val="0"/>
+              </a:ext>
+            </a:extLst>
+          </a:blip>
+          <a:stretch>
+            <a:fillRect/>
+          </a:stretch>
+        </p:blipFill>
+        <p:spPr>
+          <a:xfrm>
+            <a:off x="11702357" y="4783662"/>
+            <a:ext cx="421994" cy="414503"/>
+          </a:xfrm>
+          <a:prstGeom prst="rect">
+            <a:avLst/>
+          </a:prstGeom>
+        </p:spPr>
+      </p:pic>
+    </p:spTree>
+    <p:extLst>
+      <p:ext uri="{BB962C8B-B14F-4D97-AF65-F5344CB8AC3E}">
+        <p14:creationId xmlns:p14="http://schemas.microsoft.com/office/powerpoint/2010/main" val="3108710905"/>
+      </p:ext>
+    </p:extLst>
+  </p:cSld>
+  <p:clrMapOvr>
+    <a:masterClrMapping/>
+  </p:clrMapOvr>
+  <mc:AlternateContent xmlns:mc="http://schemas.openxmlformats.org/markup-compatibility/2006" xmlns:p14="http://schemas.microsoft.com/office/powerpoint/2010/main">
+    <mc:Choice Requires="p14">
+      <p:transition spd="med" p14:dur="700">
+        <p:fade/>
+      </p:transition>
+    </mc:Choice>
+    <mc:Fallback xmlns="">
+      <p:transition spd="med">
+        <p:fade/>
+      </p:transition>
+    </mc:Fallback>
+  </mc:AlternateContent>
+  <p:timing>
+    <p:tnLst>
+      <p:par>
+        <p:cTn id="1" dur="indefinite" restart="never" nodeType="tmRoot">
+          <p:childTnLst>
+            <p:seq concurrent="1" nextAc="seek">
+              <p:cTn id="2" dur="indefinite" nodeType="mainSeq">
+                <p:childTnLst>
+                  <p:par>
+                    <p:cTn id="3" fill="hold">
+                      <p:stCondLst>
+                        <p:cond delay="indefinite"/>
+                      </p:stCondLst>
+                      <p:childTnLst>
+                        <p:par>
+                          <p:cTn id="4" fill="hold">
+                            <p:stCondLst>
+                              <p:cond delay="0"/>
+                            </p:stCondLst>
+                            <p:childTnLst>
+                              <p:par>
+                                <p:cTn id="5" presetID="2" presetClass="entr" presetSubtype="8" fill="hold" grpId="0" nodeType="clickEffect">
+                                  <p:stCondLst>
+                                    <p:cond delay="0"/>
+                                  </p:stCondLst>
+                                  <p:childTnLst>
+                                    <p:set>
+                                      <p:cBhvr>
+                                        <p:cTn id="6" dur="1" fill="hold">
+                                          <p:stCondLst>
+                                            <p:cond delay="0"/>
+                                          </p:stCondLst>
+                                        </p:cTn>
+                                        <p:tgtEl>
+                                          <p:spTgt spid="8"/>
+                                        </p:tgtEl>
+                                        <p:attrNameLst>
+                                          <p:attrName>style.visibility</p:attrName>
+                                        </p:attrNameLst>
+                                      </p:cBhvr>
+                                      <p:to>
+                                        <p:strVal val="visible"/>
+                                      </p:to>
+                                    </p:set>
+                                    <p:anim calcmode="lin" valueType="num">
+                                      <p:cBhvr additive="base">
+                                        <p:cTn id="7" dur="500" fill="hold"/>
+                                        <p:tgtEl>
+                                          <p:spTgt spid="8"/>
+                                        </p:tgtEl>
+                                        <p:attrNameLst>
+                                          <p:attrName>ppt_x</p:attrName>
+                                        </p:attrNameLst>
+                                      </p:cBhvr>
+                                      <p:tavLst>
+                                        <p:tav tm="0">
+                                          <p:val>
+                                            <p:strVal val="0-#ppt_w/2"/>
+                                          </p:val>
+                                        </p:tav>
+                                        <p:tav tm="100000">
+                                          <p:val>
+                                            <p:strVal val="#ppt_x"/>
+                                          </p:val>
+                                        </p:tav>
+                                      </p:tavLst>
+                                    </p:anim>
+                                    <p:anim calcmode="lin" valueType="num">
+                                      <p:cBhvr additive="base">
+                                        <p:cTn id="8" dur="500" fill="hold"/>
+                                        <p:tgtEl>
+                                          <p:spTgt spid="8"/>
+                                        </p:tgtEl>
+                                        <p:attrNameLst>
+                                          <p:attrName>ppt_y</p:attrName>
+                                        </p:attrNameLst>
+                                      </p:cBhvr>
+                                      <p:tavLst>
+                                        <p:tav tm="0">
+                                          <p:val>
+                                            <p:strVal val="#ppt_y"/>
+                                          </p:val>
+                                        </p:tav>
+                                        <p:tav tm="100000">
+                                          <p:val>
+                                            <p:strVal val="#ppt_y"/>
+                                          </p:val>
+                                        </p:tav>
+                                      </p:tavLst>
+                                    </p:anim>
+                                  </p:childTnLst>
+                                </p:cTn>
+                              </p:par>
+                              <p:par>
+                                <p:cTn id="9" presetID="2" presetClass="entr" presetSubtype="8" fill="hold" grpId="0" nodeType="withEffect">
+                                  <p:stCondLst>
+                                    <p:cond delay="0"/>
+                                  </p:stCondLst>
+                                  <p:childTnLst>
+                                    <p:set>
+                                      <p:cBhvr>
+                                        <p:cTn id="10" dur="1" fill="hold">
+                                          <p:stCondLst>
+                                            <p:cond delay="0"/>
+                                          </p:stCondLst>
+                                        </p:cTn>
+                                        <p:tgtEl>
+                                          <p:spTgt spid="4"/>
+                                        </p:tgtEl>
+                                        <p:attrNameLst>
+                                          <p:attrName>style.visibility</p:attrName>
+                                        </p:attrNameLst>
+                                      </p:cBhvr>
+                                      <p:to>
+                                        <p:strVal val="visible"/>
+                                      </p:to>
+                                    </p:set>
+                                    <p:anim calcmode="lin" valueType="num">
+                                      <p:cBhvr additive="base">
+                                        <p:cTn id="11" dur="500" fill="hold"/>
+                                        <p:tgtEl>
+                                          <p:spTgt spid="4"/>
+                                        </p:tgtEl>
+                                        <p:attrNameLst>
+                                          <p:attrName>ppt_x</p:attrName>
+                                        </p:attrNameLst>
+                                      </p:cBhvr>
+                                      <p:tavLst>
+                                        <p:tav tm="0">
+                                          <p:val>
+                                            <p:strVal val="0-#ppt_w/2"/>
+                                          </p:val>
+                                        </p:tav>
+                                        <p:tav tm="100000">
+                                          <p:val>
+                                            <p:strVal val="#ppt_x"/>
+                                          </p:val>
+                                        </p:tav>
+                                      </p:tavLst>
+                                    </p:anim>
+                                    <p:anim calcmode="lin" valueType="num">
+                                      <p:cBhvr additive="base">
+                                        <p:cTn id="12" dur="500" fill="hold"/>
+                                        <p:tgtEl>
+                                          <p:spTgt spid="4"/>
+                                        </p:tgtEl>
+                                        <p:attrNameLst>
+                                          <p:attrName>ppt_y</p:attrName>
+                                        </p:attrNameLst>
+                                      </p:cBhvr>
+                                      <p:tavLst>
+                                        <p:tav tm="0">
+                                          <p:val>
+                                            <p:strVal val="#ppt_y"/>
+                                          </p:val>
+                                        </p:tav>
+                                        <p:tav tm="100000">
+                                          <p:val>
+                                            <p:strVal val="#ppt_y"/>
+                                          </p:val>
+                                        </p:tav>
+                                      </p:tavLst>
+                                    </p:anim>
+                                  </p:childTnLst>
+                                </p:cTn>
+                              </p:par>
+                              <p:par>
+                                <p:cTn id="13" presetID="2" presetClass="entr" presetSubtype="8" fill="hold" grpId="0" nodeType="withEffect">
+                                  <p:stCondLst>
+                                    <p:cond delay="0"/>
+                                  </p:stCondLst>
+                                  <p:childTnLst>
+                                    <p:set>
+                                      <p:cBhvr>
+                                        <p:cTn id="14" dur="1" fill="hold">
+                                          <p:stCondLst>
+                                            <p:cond delay="0"/>
+                                          </p:stCondLst>
+                                        </p:cTn>
+                                        <p:tgtEl>
+                                          <p:spTgt spid="3"/>
+                                        </p:tgtEl>
+                                        <p:attrNameLst>
+                                          <p:attrName>style.visibility</p:attrName>
+                                        </p:attrNameLst>
+                                      </p:cBhvr>
+                                      <p:to>
+                                        <p:strVal val="visible"/>
+                                      </p:to>
+                                    </p:set>
+                                    <p:anim calcmode="lin" valueType="num">
+                                      <p:cBhvr additive="base">
+                                        <p:cTn id="15" dur="500" fill="hold"/>
+                                        <p:tgtEl>
+                                          <p:spTgt spid="3"/>
+                                        </p:tgtEl>
+                                        <p:attrNameLst>
+                                          <p:attrName>ppt_x</p:attrName>
+                                        </p:attrNameLst>
+                                      </p:cBhvr>
+                                      <p:tavLst>
+                                        <p:tav tm="0">
+                                          <p:val>
+                                            <p:strVal val="0-#ppt_w/2"/>
+                                          </p:val>
+                                        </p:tav>
+                                        <p:tav tm="100000">
+                                          <p:val>
+                                            <p:strVal val="#ppt_x"/>
+                                          </p:val>
+                                        </p:tav>
+                                      </p:tavLst>
+                                    </p:anim>
+                                    <p:anim calcmode="lin" valueType="num">
+                                      <p:cBhvr additive="base">
+                                        <p:cTn id="16" dur="500" fill="hold"/>
+                                        <p:tgtEl>
+                                          <p:spTgt spid="3"/>
+                                        </p:tgtEl>
+                                        <p:attrNameLst>
+                                          <p:attrName>ppt_y</p:attrName>
+                                        </p:attrNameLst>
+                                      </p:cBhvr>
+                                      <p:tavLst>
+                                        <p:tav tm="0">
+                                          <p:val>
+                                            <p:strVal val="#ppt_y"/>
+                                          </p:val>
+                                        </p:tav>
+                                        <p:tav tm="100000">
+                                          <p:val>
+                                            <p:strVal val="#ppt_y"/>
+                                          </p:val>
+                                        </p:tav>
+                                      </p:tavLst>
+                                    </p:anim>
+                                  </p:childTnLst>
+                                </p:cTn>
+                              </p:par>
+                              <p:par>
+                                <p:cTn id="17" presetID="21" presetClass="entr" presetSubtype="2" fill="hold" grpId="0" nodeType="withEffect">
+                                  <p:stCondLst>
+                                    <p:cond delay="0"/>
+                                  </p:stCondLst>
+                                  <p:childTnLst>
+                                    <p:set>
+                                      <p:cBhvr>
+                                        <p:cTn id="18" dur="1" fill="hold">
+                                          <p:stCondLst>
+                                            <p:cond delay="0"/>
+                                          </p:stCondLst>
+                                        </p:cTn>
+                                        <p:tgtEl>
+                                          <p:spTgt spid="7"/>
+                                        </p:tgtEl>
+                                        <p:attrNameLst>
+                                          <p:attrName>style.visibility</p:attrName>
+                                        </p:attrNameLst>
+                                      </p:cBhvr>
+                                      <p:to>
+                                        <p:strVal val="visible"/>
+                                      </p:to>
+                                    </p:set>
+                                    <p:animEffect transition="in" filter="wheel(2)">
+                                      <p:cBhvr>
+                                        <p:cTn id="19" dur="1500"/>
+                                        <p:tgtEl>
+                                          <p:spTgt spid="7"/>
+                                        </p:tgtEl>
+                                      </p:cBhvr>
+                                    </p:animEffect>
+                                  </p:childTnLst>
+                                </p:cTn>
+                              </p:par>
+                              <p:par>
+                                <p:cTn id="20" presetID="21" presetClass="entr" presetSubtype="2" fill="hold" grpId="0" nodeType="withEffect">
+                                  <p:stCondLst>
+                                    <p:cond delay="0"/>
+                                  </p:stCondLst>
+                                  <p:childTnLst>
+                                    <p:set>
+                                      <p:cBhvr>
+                                        <p:cTn id="21" dur="1" fill="hold">
+                                          <p:stCondLst>
+                                            <p:cond delay="0"/>
+                                          </p:stCondLst>
+                                        </p:cTn>
+                                        <p:tgtEl>
+                                          <p:spTgt spid="9"/>
+                                        </p:tgtEl>
+                                        <p:attrNameLst>
+                                          <p:attrName>style.visibility</p:attrName>
+                                        </p:attrNameLst>
+                                      </p:cBhvr>
+                                      <p:to>
+                                        <p:strVal val="visible"/>
+                                      </p:to>
+                                    </p:set>
+                                    <p:animEffect transition="in" filter="wheel(2)">
+                                      <p:cBhvr>
+                                        <p:cTn id="22" dur="1500"/>
+                                        <p:tgtEl>
+                                          <p:spTgt spid="9"/>
+                                        </p:tgtEl>
+                                      </p:cBhvr>
+                                    </p:animEffect>
+                                  </p:childTnLst>
+                                </p:cTn>
+                              </p:par>
+                              <p:par>
+                                <p:cTn id="23" presetID="2" presetClass="entr" presetSubtype="8" fill="hold" nodeType="withEffect">
+                                  <p:stCondLst>
+                                    <p:cond delay="0"/>
+                                  </p:stCondLst>
+                                  <p:childTnLst>
+                                    <p:set>
+                                      <p:cBhvr>
+                                        <p:cTn id="24" dur="1" fill="hold">
+                                          <p:stCondLst>
+                                            <p:cond delay="0"/>
+                                          </p:stCondLst>
+                                        </p:cTn>
+                                        <p:tgtEl>
+                                          <p:spTgt spid="10"/>
+                                        </p:tgtEl>
+                                        <p:attrNameLst>
+                                          <p:attrName>style.visibility</p:attrName>
+                                        </p:attrNameLst>
+                                      </p:cBhvr>
+                                      <p:to>
+                                        <p:strVal val="visible"/>
+                                      </p:to>
+                                    </p:set>
+                                    <p:anim calcmode="lin" valueType="num">
+                                      <p:cBhvr additive="base">
+                                        <p:cTn id="25" dur="500" fill="hold"/>
+                                        <p:tgtEl>
+                                          <p:spTgt spid="10"/>
+                                        </p:tgtEl>
+                                        <p:attrNameLst>
+                                          <p:attrName>ppt_x</p:attrName>
+                                        </p:attrNameLst>
+                                      </p:cBhvr>
+                                      <p:tavLst>
+                                        <p:tav tm="0">
+                                          <p:val>
+                                            <p:strVal val="0-#ppt_w/2"/>
+                                          </p:val>
+                                        </p:tav>
+                                        <p:tav tm="100000">
+                                          <p:val>
+                                            <p:strVal val="#ppt_x"/>
+                                          </p:val>
+                                        </p:tav>
+                                      </p:tavLst>
+                                    </p:anim>
+                                    <p:anim calcmode="lin" valueType="num">
+                                      <p:cBhvr additive="base">
+                                        <p:cTn id="26" dur="500" fill="hold"/>
+                                        <p:tgtEl>
+                                          <p:spTgt spid="10"/>
+                                        </p:tgtEl>
+                                        <p:attrNameLst>
+                                          <p:attrName>ppt_y</p:attrName>
+                                        </p:attrNameLst>
+                                      </p:cBhvr>
+                                      <p:tavLst>
+                                        <p:tav tm="0">
+                                          <p:val>
+                                            <p:strVal val="#ppt_y"/>
+                                          </p:val>
+                                        </p:tav>
+                                        <p:tav tm="100000">
+                                          <p:val>
+                                            <p:strVal val="#ppt_y"/>
+                                          </p:val>
+                                        </p:tav>
+                                      </p:tavLst>
+                                    </p:anim>
+                                  </p:childTnLst>
+                                </p:cTn>
+                              </p:par>
+                            </p:childTnLst>
+                          </p:cTn>
+                        </p:par>
+                      </p:childTnLst>
+                    </p:cTn>
+                  </p:par>
+                </p:childTnLst>
+              </p:cTn>
+              <p:prevCondLst>
+                <p:cond evt="onPrev" delay="0">
+                  <p:tgtEl>
+                    <p:sldTgt/>
+                  </p:tgtEl>
+                </p:cond>
+              </p:prevCondLst>
+              <p:nextCondLst>
+                <p:cond evt="onNext" delay="0">
+                  <p:tgtEl>
+                    <p:sldTgt/>
+                  </p:tgtEl>
+                </p:cond>
+              </p:nextCondLst>
+            </p:seq>
+          </p:childTnLst>
+        </p:cTn>
+      </p:par>
+    </p:tnLst>
+    <p:bldLst>
+      <p:bldP spid="3" grpId="0"/>
+      <p:bldP spid="7" grpId="0" animBg="1"/>
+      <p:bldP spid="9" grpId="0" animBg="1"/>
+      <p:bldP spid="8" grpId="0" animBg="1"/>
+      <p:bldP spid="4" grpId="0"/>
+    </p:bldLst>
+  </p:timing>
+</p:sld>
+</file>
+
+<file path=ppt/slides/slide3.xml><?xml version="1.0" encoding="utf-8"?>
+<p:sld xmlns:a="http://schemas.openxmlformats.org/drawingml/2006/main" xmlns:r="http://schemas.openxmlformats.org/officeDocument/2006/relationships" xmlns:p="http://schemas.openxmlformats.org/presentationml/2006/main">
+  <p:cSld>
+    <p:spTree>
+      <p:nvGrpSpPr>
+        <p:cNvPr id="1" name=""/>
+        <p:cNvGrpSpPr/>
+        <p:nvPr/>
+      </p:nvGrpSpPr>
+      <p:grpSpPr>
+        <a:xfrm>
+          <a:off x="0" y="0"/>
+          <a:ext cx="0" cy="0"/>
+          <a:chOff x="0" y="0"/>
+          <a:chExt cx="0" cy="0"/>
+        </a:xfrm>
+      </p:grpSpPr>
+      <p:sp>
+        <p:nvSpPr>
+          <p:cNvPr id="3" name="Retângulo 2">
+            <a:extLst>
+              <a:ext uri="{FF2B5EF4-FFF2-40B4-BE49-F238E27FC236}">
+                <a16:creationId xmlns:a16="http://schemas.microsoft.com/office/drawing/2014/main" id="{EEF17DC2-B23E-4447-A413-A654051E039A}"/>
+              </a:ext>
+            </a:extLst>
+          </p:cNvPr>
+          <p:cNvSpPr/>
+          <p:nvPr/>
+        </p:nvSpPr>
+        <p:spPr>
+          <a:xfrm>
+            <a:off x="-1" y="0"/>
+            <a:ext cx="12192001" cy="1321416"/>
+          </a:xfrm>
+          <a:prstGeom prst="rect">
+            <a:avLst/>
+          </a:prstGeom>
+          <a:solidFill>
+            <a:schemeClr val="bg2">
+              <a:lumMod val="50000"/>
+              <a:alpha val="38000"/>
+            </a:schemeClr>
+          </a:solidFill>
+          <a:ln>
+            <a:noFill/>
+          </a:ln>
+        </p:spPr>
+        <p:style>
+          <a:lnRef idx="2">
+            <a:schemeClr val="accent1">
+              <a:shade val="50000"/>
+            </a:schemeClr>
+          </a:lnRef>
+          <a:fillRef idx="1">
+            <a:schemeClr val="accent1"/>
+          </a:fillRef>
+          <a:effectRef idx="0">
+            <a:schemeClr val="accent1"/>
+          </a:effectRef>
+          <a:fontRef idx="minor">
+            <a:schemeClr val="lt1"/>
+          </a:fontRef>
+        </p:style>
+        <p:txBody>
+          <a:bodyPr rtlCol="0" anchor="ctr"/>
+          <a:lstStyle/>
+          <a:p>
+            <a:pPr algn="ctr"/>
+            <a:endParaRPr lang="pt-BR" dirty="0"/>
+          </a:p>
+        </p:txBody>
+      </p:sp>
+      <p:sp>
+        <p:nvSpPr>
+          <p:cNvPr id="6" name="CaixaDeTexto 5">
+            <a:extLst>
+              <a:ext uri="{FF2B5EF4-FFF2-40B4-BE49-F238E27FC236}">
+                <a16:creationId xmlns:a16="http://schemas.microsoft.com/office/drawing/2014/main" id="{C2AD3478-E7C3-4506-A2E4-5E83AA92930E}"/>
+              </a:ext>
+            </a:extLst>
+          </p:cNvPr>
+          <p:cNvSpPr txBox="1"/>
+          <p:nvPr/>
+        </p:nvSpPr>
+        <p:spPr>
+          <a:xfrm>
+            <a:off x="636103" y="337542"/>
+            <a:ext cx="5208106" cy="646331"/>
+          </a:xfrm>
+          <a:prstGeom prst="rect">
+            <a:avLst/>
+          </a:prstGeom>
+          <a:noFill/>
+        </p:spPr>
+        <p:txBody>
+          <a:bodyPr wrap="square" rtlCol="0">
+            <a:spAutoFit/>
+          </a:bodyPr>
+          <a:lstStyle/>
+          <a:p>
+            <a:r>
+              <a:rPr lang="pt-BR" sz="3600" dirty="0">
+                <a:latin typeface="Felix Titling" panose="04060505060202020A04" pitchFamily="82" charset="0"/>
+                <a:ea typeface="MS Mincho" panose="020B0400000000000000" pitchFamily="49" charset="-128"/>
+              </a:rPr>
+              <a:t>Hld</a:t>
+            </a:r>
+          </a:p>
+        </p:txBody>
+      </p:sp>
+      <p:pic>
+        <p:nvPicPr>
+          <p:cNvPr id="7" name="Imagem 6" descr="Logotipo&#10;&#10;Descrição gerada automaticamente">
+            <a:extLst>
+              <a:ext uri="{FF2B5EF4-FFF2-40B4-BE49-F238E27FC236}">
+                <a16:creationId xmlns:a16="http://schemas.microsoft.com/office/drawing/2014/main" id="{E7805DED-9416-4E2F-A9E2-80234E3AFC0A}"/>
+              </a:ext>
+            </a:extLst>
+          </p:cNvPr>
+          <p:cNvPicPr>
+            <a:picLocks noChangeAspect="1"/>
+          </p:cNvPicPr>
+          <p:nvPr/>
+        </p:nvPicPr>
+        <p:blipFill>
+          <a:blip r:embed="rId2">
+            <a:extLst>
+              <a:ext uri="{28A0092B-C50C-407E-A947-70E740481C1C}">
+                <a14:useLocalDpi xmlns:a14="http://schemas.microsoft.com/office/drawing/2010/main" val="0"/>
+              </a:ext>
+            </a:extLst>
+          </a:blip>
+          <a:stretch>
+            <a:fillRect/>
+          </a:stretch>
+        </p:blipFill>
+        <p:spPr>
+          <a:xfrm>
+            <a:off x="11555898" y="196738"/>
+            <a:ext cx="527310" cy="517950"/>
+          </a:xfrm>
+          <a:prstGeom prst="rect">
+            <a:avLst/>
+          </a:prstGeom>
+        </p:spPr>
+      </p:pic>
+      <p:pic>
+        <p:nvPicPr>
+          <p:cNvPr id="2" name="Imagem 1">
+            <a:extLst>
+              <a:ext uri="{FF2B5EF4-FFF2-40B4-BE49-F238E27FC236}">
+                <a16:creationId xmlns:a16="http://schemas.microsoft.com/office/drawing/2014/main" id="{B6494D76-F17E-4A49-94A8-945A1FD96737}"/>
+              </a:ext>
+            </a:extLst>
+          </p:cNvPr>
+          <p:cNvPicPr>
+            <a:picLocks noChangeAspect="1"/>
+          </p:cNvPicPr>
+          <p:nvPr/>
+        </p:nvPicPr>
+        <p:blipFill>
+          <a:blip r:embed="rId3"/>
+          <a:stretch>
+            <a:fillRect/>
+          </a:stretch>
+        </p:blipFill>
+        <p:spPr>
+          <a:xfrm>
+            <a:off x="126935" y="1796245"/>
+            <a:ext cx="11938127" cy="4167826"/>
+          </a:xfrm>
+          <a:prstGeom prst="rect">
+            <a:avLst/>
+          </a:prstGeom>
+        </p:spPr>
+      </p:pic>
+    </p:spTree>
+    <p:extLst>
+      <p:ext uri="{BB962C8B-B14F-4D97-AF65-F5344CB8AC3E}">
+        <p14:creationId xmlns:p14="http://schemas.microsoft.com/office/powerpoint/2010/main" val="2182476609"/>
+      </p:ext>
+    </p:extLst>
+  </p:cSld>
+  <p:clrMapOvr>
+    <a:masterClrMapping/>
+  </p:clrMapOvr>
+  <p:transition spd="slow">
+    <p:wipe/>
+  </p:transition>
+  <p:timing>
+    <p:tnLst>
+      <p:par>
+        <p:cTn id="1" dur="indefinite" restart="never" nodeType="tmRoot">
+          <p:childTnLst>
+            <p:seq concurrent="1" nextAc="seek">
+              <p:cTn id="2" dur="indefinite" nodeType="mainSeq">
+                <p:childTnLst>
+                  <p:par>
+                    <p:cTn id="3" fill="hold">
+                      <p:stCondLst>
+                        <p:cond delay="indefinite"/>
+                        <p:cond evt="onBegin" delay="0">
+                          <p:tn val="2"/>
+                        </p:cond>
+                      </p:stCondLst>
+                      <p:childTnLst>
+                        <p:par>
+                          <p:cTn id="4" fill="hold">
+                            <p:stCondLst>
+                              <p:cond delay="0"/>
+                            </p:stCondLst>
+                            <p:childTnLst>
+                              <p:par>
+                                <p:cTn id="5" presetID="10" presetClass="entr" presetSubtype="0" fill="hold" grpId="0" nodeType="withEffect">
+                                  <p:stCondLst>
+                                    <p:cond delay="0"/>
+                                  </p:stCondLst>
+                                  <p:childTnLst>
+                                    <p:set>
+                                      <p:cBhvr>
+                                        <p:cTn id="6" dur="1" fill="hold">
+                                          <p:stCondLst>
+                                            <p:cond delay="0"/>
+                                          </p:stCondLst>
+                                        </p:cTn>
+                                        <p:tgtEl>
+                                          <p:spTgt spid="6"/>
+                                        </p:tgtEl>
+                                        <p:attrNameLst>
+                                          <p:attrName>style.visibility</p:attrName>
+                                        </p:attrNameLst>
+                                      </p:cBhvr>
+                                      <p:to>
+                                        <p:strVal val="visible"/>
+                                      </p:to>
+                                    </p:set>
+                                    <p:animEffect transition="in" filter="fade">
+                                      <p:cBhvr>
+                                        <p:cTn id="7" dur="250"/>
+                                        <p:tgtEl>
+                                          <p:spTgt spid="6"/>
+                                        </p:tgtEl>
+                                      </p:cBhvr>
+                                    </p:animEffect>
+                                  </p:childTnLst>
+                                </p:cTn>
+                              </p:par>
+                              <p:par>
+                                <p:cTn id="8" presetID="10" presetClass="entr" presetSubtype="0" fill="hold" nodeType="withEffect">
+                                  <p:stCondLst>
+                                    <p:cond delay="0"/>
+                                  </p:stCondLst>
+                                  <p:childTnLst>
+                                    <p:set>
+                                      <p:cBhvr>
+                                        <p:cTn id="9" dur="1" fill="hold">
+                                          <p:stCondLst>
+                                            <p:cond delay="0"/>
+                                          </p:stCondLst>
+                                        </p:cTn>
+                                        <p:tgtEl>
+                                          <p:spTgt spid="7"/>
+                                        </p:tgtEl>
+                                        <p:attrNameLst>
+                                          <p:attrName>style.visibility</p:attrName>
+                                        </p:attrNameLst>
+                                      </p:cBhvr>
+                                      <p:to>
+                                        <p:strVal val="visible"/>
+                                      </p:to>
+                                    </p:set>
+                                    <p:animEffect transition="in" filter="fade">
+                                      <p:cBhvr>
+                                        <p:cTn id="10" dur="500"/>
+                                        <p:tgtEl>
+                                          <p:spTgt spid="7"/>
+                                        </p:tgtEl>
+                                      </p:cBhvr>
+                                    </p:animEffect>
+                                  </p:childTnLst>
+                                </p:cTn>
+                              </p:par>
+                            </p:childTnLst>
+                          </p:cTn>
+                        </p:par>
+                      </p:childTnLst>
+                    </p:cTn>
+                  </p:par>
+                </p:childTnLst>
+              </p:cTn>
+              <p:prevCondLst>
+                <p:cond evt="onPrev" delay="0">
+                  <p:tgtEl>
+                    <p:sldTgt/>
+                  </p:tgtEl>
+                </p:cond>
+              </p:prevCondLst>
+              <p:nextCondLst>
+                <p:cond evt="onNext" delay="0">
+                  <p:tgtEl>
+                    <p:sldTgt/>
+                  </p:tgtEl>
+                </p:cond>
+              </p:nextCondLst>
+            </p:seq>
+          </p:childTnLst>
+        </p:cTn>
+      </p:par>
+    </p:tnLst>
+    <p:bldLst>
+      <p:bldP spid="6" grpId="0"/>
+    </p:bldLst>
+  </p:timing>
+</p:sld>
+</file>
+
+<file path=ppt/slides/slide4.xml><?xml version="1.0" encoding="utf-8"?>
+<p:sld xmlns:a="http://schemas.openxmlformats.org/drawingml/2006/main" xmlns:r="http://schemas.openxmlformats.org/officeDocument/2006/relationships" xmlns:p="http://schemas.openxmlformats.org/presentationml/2006/main">
+  <p:cSld>
+    <p:spTree>
+      <p:nvGrpSpPr>
+        <p:cNvPr id="1" name=""/>
+        <p:cNvGrpSpPr/>
+        <p:nvPr/>
+      </p:nvGrpSpPr>
+      <p:grpSpPr>
+        <a:xfrm>
+          <a:off x="0" y="0"/>
+          <a:ext cx="0" cy="0"/>
+          <a:chOff x="0" y="0"/>
+          <a:chExt cx="0" cy="0"/>
+        </a:xfrm>
+      </p:grpSpPr>
+      <p:sp>
+        <p:nvSpPr>
+          <p:cNvPr id="3" name="Retângulo 2">
+            <a:extLst>
+              <a:ext uri="{FF2B5EF4-FFF2-40B4-BE49-F238E27FC236}">
+                <a16:creationId xmlns:a16="http://schemas.microsoft.com/office/drawing/2014/main" id="{EEF17DC2-B23E-4447-A413-A654051E039A}"/>
+              </a:ext>
+            </a:extLst>
+          </p:cNvPr>
+          <p:cNvSpPr/>
+          <p:nvPr/>
+        </p:nvSpPr>
+        <p:spPr>
+          <a:xfrm>
+            <a:off x="-1" y="0"/>
+            <a:ext cx="12192001" cy="1171575"/>
+          </a:xfrm>
+          <a:prstGeom prst="rect">
+            <a:avLst/>
+          </a:prstGeom>
+          <a:solidFill>
+            <a:schemeClr val="bg2">
+              <a:lumMod val="50000"/>
+              <a:alpha val="38000"/>
+            </a:schemeClr>
+          </a:solidFill>
+          <a:ln>
+            <a:noFill/>
+          </a:ln>
+        </p:spPr>
+        <p:style>
+          <a:lnRef idx="2">
+            <a:schemeClr val="accent1">
+              <a:shade val="50000"/>
+            </a:schemeClr>
+          </a:lnRef>
+          <a:fillRef idx="1">
+            <a:schemeClr val="accent1"/>
+          </a:fillRef>
+          <a:effectRef idx="0">
+            <a:schemeClr val="accent1"/>
+          </a:effectRef>
+          <a:fontRef idx="minor">
+            <a:schemeClr val="lt1"/>
+          </a:fontRef>
+        </p:style>
+        <p:txBody>
+          <a:bodyPr rtlCol="0" anchor="ctr"/>
+          <a:lstStyle/>
+          <a:p>
+            <a:pPr algn="ctr"/>
+            <a:endParaRPr lang="pt-BR" dirty="0"/>
+          </a:p>
+        </p:txBody>
+      </p:sp>
+      <p:sp>
+        <p:nvSpPr>
+          <p:cNvPr id="6" name="CaixaDeTexto 5">
+            <a:extLst>
+              <a:ext uri="{FF2B5EF4-FFF2-40B4-BE49-F238E27FC236}">
+                <a16:creationId xmlns:a16="http://schemas.microsoft.com/office/drawing/2014/main" id="{C2AD3478-E7C3-4506-A2E4-5E83AA92930E}"/>
+              </a:ext>
+            </a:extLst>
+          </p:cNvPr>
+          <p:cNvSpPr txBox="1"/>
+          <p:nvPr/>
+        </p:nvSpPr>
+        <p:spPr>
+          <a:xfrm>
+            <a:off x="569842" y="262621"/>
+            <a:ext cx="5208106" cy="646331"/>
+          </a:xfrm>
+          <a:prstGeom prst="rect">
+            <a:avLst/>
+          </a:prstGeom>
+          <a:noFill/>
+        </p:spPr>
+        <p:txBody>
+          <a:bodyPr wrap="square" rtlCol="0">
+            <a:spAutoFit/>
+          </a:bodyPr>
+          <a:lstStyle/>
+          <a:p>
+            <a:r>
+              <a:rPr lang="pt-BR" sz="3600" dirty="0">
+                <a:latin typeface="Felix Titling" panose="04060505060202020A04" pitchFamily="82" charset="0"/>
+                <a:ea typeface="MS Mincho" panose="020B0400000000000000" pitchFamily="49" charset="-128"/>
+              </a:rPr>
+              <a:t>lld</a:t>
+            </a:r>
+          </a:p>
+        </p:txBody>
+      </p:sp>
+      <p:pic>
+        <p:nvPicPr>
+          <p:cNvPr id="9" name="Imagem 8" descr="Logotipo&#10;&#10;Descrição gerada automaticamente">
+            <a:extLst>
+              <a:ext uri="{FF2B5EF4-FFF2-40B4-BE49-F238E27FC236}">
+                <a16:creationId xmlns:a16="http://schemas.microsoft.com/office/drawing/2014/main" id="{8E497CD5-AF48-4D10-BF8D-3D1A4344171A}"/>
+              </a:ext>
+            </a:extLst>
+          </p:cNvPr>
+          <p:cNvPicPr>
+            <a:picLocks noChangeAspect="1"/>
+          </p:cNvPicPr>
+          <p:nvPr/>
+        </p:nvPicPr>
+        <p:blipFill>
+          <a:blip r:embed="rId2">
+            <a:extLst>
+              <a:ext uri="{28A0092B-C50C-407E-A947-70E740481C1C}">
+                <a14:useLocalDpi xmlns:a14="http://schemas.microsoft.com/office/drawing/2010/main" val="0"/>
+              </a:ext>
+            </a:extLst>
+          </a:blip>
+          <a:stretch>
+            <a:fillRect/>
+          </a:stretch>
+        </p:blipFill>
+        <p:spPr>
+          <a:xfrm>
+            <a:off x="11555896" y="153048"/>
+            <a:ext cx="516833" cy="507659"/>
+          </a:xfrm>
+          <a:prstGeom prst="rect">
+            <a:avLst/>
+          </a:prstGeom>
+        </p:spPr>
+      </p:pic>
+      <p:pic>
+        <p:nvPicPr>
+          <p:cNvPr id="5" name="Imagem 4">
+            <a:extLst>
+              <a:ext uri="{FF2B5EF4-FFF2-40B4-BE49-F238E27FC236}">
+                <a16:creationId xmlns:a16="http://schemas.microsoft.com/office/drawing/2014/main" id="{AE27461E-F39C-47CB-B7C2-FEBC2B47AC86}"/>
+              </a:ext>
+            </a:extLst>
+          </p:cNvPr>
+          <p:cNvPicPr>
+            <a:picLocks noChangeAspect="1"/>
+          </p:cNvPicPr>
+          <p:nvPr/>
+        </p:nvPicPr>
+        <p:blipFill>
+          <a:blip r:embed="rId3"/>
+          <a:stretch>
+            <a:fillRect/>
+          </a:stretch>
+        </p:blipFill>
+        <p:spPr>
+          <a:xfrm>
+            <a:off x="947568" y="1171573"/>
+            <a:ext cx="10195808" cy="5593129"/>
+          </a:xfrm>
+          <a:prstGeom prst="rect">
+            <a:avLst/>
+          </a:prstGeom>
+        </p:spPr>
+      </p:pic>
+    </p:spTree>
+    <p:extLst>
+      <p:ext uri="{BB962C8B-B14F-4D97-AF65-F5344CB8AC3E}">
+        <p14:creationId xmlns:p14="http://schemas.microsoft.com/office/powerpoint/2010/main" val="465033456"/>
+      </p:ext>
+    </p:extLst>
+  </p:cSld>
+  <p:clrMapOvr>
+    <a:masterClrMapping/>
+  </p:clrMapOvr>
+  <p:transition spd="slow">
+    <p:wipe/>
+  </p:transition>
+  <p:timing>
+    <p:tnLst>
+      <p:par>
+        <p:cTn id="1" dur="indefinite" restart="never" nodeType="tmRoot">
+          <p:childTnLst>
+            <p:seq concurrent="1" nextAc="seek">
+              <p:cTn id="2" dur="indefinite" nodeType="mainSeq">
+                <p:childTnLst>
+                  <p:par>
+                    <p:cTn id="3" fill="hold">
+                      <p:stCondLst>
+                        <p:cond delay="indefinite"/>
+                        <p:cond evt="onBegin" delay="0">
+                          <p:tn val="2"/>
+                        </p:cond>
+                      </p:stCondLst>
+                      <p:childTnLst>
+                        <p:par>
+                          <p:cTn id="4" fill="hold">
+                            <p:stCondLst>
+                              <p:cond delay="0"/>
+                            </p:stCondLst>
+                            <p:childTnLst>
+                              <p:par>
+                                <p:cTn id="5" presetID="10" presetClass="entr" presetSubtype="0" fill="hold" grpId="0" nodeType="withEffect">
+                                  <p:stCondLst>
+                                    <p:cond delay="0"/>
+                                  </p:stCondLst>
+                                  <p:childTnLst>
+                                    <p:set>
+                                      <p:cBhvr>
+                                        <p:cTn id="6" dur="1" fill="hold">
+                                          <p:stCondLst>
+                                            <p:cond delay="0"/>
+                                          </p:stCondLst>
+                                        </p:cTn>
+                                        <p:tgtEl>
+                                          <p:spTgt spid="6"/>
+                                        </p:tgtEl>
+                                        <p:attrNameLst>
+                                          <p:attrName>style.visibility</p:attrName>
+                                        </p:attrNameLst>
+                                      </p:cBhvr>
+                                      <p:to>
+                                        <p:strVal val="visible"/>
+                                      </p:to>
+                                    </p:set>
+                                    <p:animEffect transition="in" filter="fade">
+                                      <p:cBhvr>
+                                        <p:cTn id="7" dur="250"/>
+                                        <p:tgtEl>
+                                          <p:spTgt spid="6"/>
+                                        </p:tgtEl>
+                                      </p:cBhvr>
+                                    </p:animEffect>
+                                  </p:childTnLst>
+                                </p:cTn>
+                              </p:par>
+                              <p:par>
+                                <p:cTn id="8" presetID="10" presetClass="entr" presetSubtype="0" fill="hold" nodeType="withEffect">
+                                  <p:stCondLst>
+                                    <p:cond delay="0"/>
+                                  </p:stCondLst>
+                                  <p:childTnLst>
+                                    <p:set>
+                                      <p:cBhvr>
+                                        <p:cTn id="9" dur="1" fill="hold">
+                                          <p:stCondLst>
+                                            <p:cond delay="0"/>
+                                          </p:stCondLst>
+                                        </p:cTn>
+                                        <p:tgtEl>
+                                          <p:spTgt spid="9"/>
+                                        </p:tgtEl>
+                                        <p:attrNameLst>
+                                          <p:attrName>style.visibility</p:attrName>
+                                        </p:attrNameLst>
+                                      </p:cBhvr>
+                                      <p:to>
+                                        <p:strVal val="visible"/>
+                                      </p:to>
+                                    </p:set>
+                                    <p:animEffect transition="in" filter="fade">
+                                      <p:cBhvr>
+                                        <p:cTn id="10" dur="500"/>
+                                        <p:tgtEl>
+                                          <p:spTgt spid="9"/>
+                                        </p:tgtEl>
+                                      </p:cBhvr>
+                                    </p:animEffect>
+                                  </p:childTnLst>
+                                </p:cTn>
+                              </p:par>
+                            </p:childTnLst>
+                          </p:cTn>
+                        </p:par>
+                      </p:childTnLst>
+                    </p:cTn>
+                  </p:par>
+                </p:childTnLst>
+              </p:cTn>
+              <p:prevCondLst>
+                <p:cond evt="onPrev" delay="0">
+                  <p:tgtEl>
+                    <p:sldTgt/>
+                  </p:tgtEl>
+                </p:cond>
+              </p:prevCondLst>
+              <p:nextCondLst>
+                <p:cond evt="onNext" delay="0">
+                  <p:tgtEl>
+                    <p:sldTgt/>
+                  </p:tgtEl>
+                </p:cond>
+              </p:nextCondLst>
+            </p:seq>
+          </p:childTnLst>
+        </p:cTn>
+      </p:par>
+    </p:tnLst>
+    <p:bldLst>
+      <p:bldP spid="6" grpId="0"/>
+    </p:bldLst>
+  </p:timing>
+</p:sld>
+</file>
+
+<file path=ppt/slides/slide5.xml><?xml version="1.0" encoding="utf-8"?>
+<p:sld xmlns:a="http://schemas.openxmlformats.org/drawingml/2006/main" xmlns:r="http://schemas.openxmlformats.org/officeDocument/2006/relationships" xmlns:p="http://schemas.openxmlformats.org/presentationml/2006/main">
+  <p:cSld>
+    <p:spTree>
+      <p:nvGrpSpPr>
+        <p:cNvPr id="1" name=""/>
+        <p:cNvGrpSpPr/>
+        <p:nvPr/>
+      </p:nvGrpSpPr>
+      <p:grpSpPr>
+        <a:xfrm>
+          <a:off x="0" y="0"/>
+          <a:ext cx="0" cy="0"/>
+          <a:chOff x="0" y="0"/>
+          <a:chExt cx="0" cy="0"/>
+        </a:xfrm>
+      </p:grpSpPr>
+      <p:sp>
+        <p:nvSpPr>
+          <p:cNvPr id="3" name="Retângulo 2">
+            <a:extLst>
+              <a:ext uri="{FF2B5EF4-FFF2-40B4-BE49-F238E27FC236}">
+                <a16:creationId xmlns:a16="http://schemas.microsoft.com/office/drawing/2014/main" id="{5BC36D66-06D9-40DB-9DDA-1307B9C91375}"/>
+              </a:ext>
+            </a:extLst>
+          </p:cNvPr>
+          <p:cNvSpPr/>
+          <p:nvPr/>
+        </p:nvSpPr>
+        <p:spPr>
+          <a:xfrm>
+            <a:off x="0" y="1232452"/>
+            <a:ext cx="12192001" cy="5625548"/>
+          </a:xfrm>
+          <a:prstGeom prst="rect">
+            <a:avLst/>
+          </a:prstGeom>
+          <a:solidFill>
+            <a:schemeClr val="bg2">
+              <a:lumMod val="50000"/>
+              <a:alpha val="38000"/>
+            </a:schemeClr>
+          </a:solidFill>
+          <a:ln>
+            <a:noFill/>
+          </a:ln>
+        </p:spPr>
+        <p:style>
+          <a:lnRef idx="2">
+            <a:schemeClr val="accent1">
+              <a:shade val="50000"/>
+            </a:schemeClr>
+          </a:lnRef>
+          <a:fillRef idx="1">
+            <a:schemeClr val="accent1"/>
+          </a:fillRef>
+          <a:effectRef idx="0">
+            <a:schemeClr val="accent1"/>
+          </a:effectRef>
+          <a:fontRef idx="minor">
+            <a:schemeClr val="lt1"/>
+          </a:fontRef>
+        </p:style>
+        <p:txBody>
+          <a:bodyPr rtlCol="0" anchor="ctr"/>
+          <a:lstStyle/>
+          <a:p>
+            <a:pPr algn="ctr"/>
+            <a:endParaRPr lang="pt-BR" dirty="0"/>
+          </a:p>
+        </p:txBody>
+      </p:sp>
+      <p:sp>
+        <p:nvSpPr>
+          <p:cNvPr id="11" name="Retângulo 10">
+            <a:extLst>
+              <a:ext uri="{FF2B5EF4-FFF2-40B4-BE49-F238E27FC236}">
+                <a16:creationId xmlns:a16="http://schemas.microsoft.com/office/drawing/2014/main" id="{E701CE4F-65F5-4725-A71F-0FDEC21AF857}"/>
+              </a:ext>
+            </a:extLst>
+          </p:cNvPr>
+          <p:cNvSpPr/>
+          <p:nvPr/>
+        </p:nvSpPr>
+        <p:spPr>
+          <a:xfrm rot="18718225">
+            <a:off x="1788249" y="3951864"/>
+            <a:ext cx="11150221" cy="186724"/>
+          </a:xfrm>
+          <a:prstGeom prst="rect">
+            <a:avLst/>
+          </a:prstGeom>
+          <a:solidFill>
+            <a:schemeClr val="bg2">
+              <a:lumMod val="25000"/>
+            </a:schemeClr>
+          </a:solidFill>
+          <a:ln>
+            <a:noFill/>
+          </a:ln>
+        </p:spPr>
+        <p:style>
+          <a:lnRef idx="2">
+            <a:schemeClr val="accent1">
+              <a:shade val="50000"/>
+            </a:schemeClr>
+          </a:lnRef>
+          <a:fillRef idx="1">
+            <a:schemeClr val="accent1"/>
+          </a:fillRef>
+          <a:effectRef idx="0">
+            <a:schemeClr val="accent1"/>
+          </a:effectRef>
+          <a:fontRef idx="minor">
+            <a:schemeClr val="lt1"/>
+          </a:fontRef>
+        </p:style>
+        <p:txBody>
+          <a:bodyPr rtlCol="0" anchor="ctr"/>
+          <a:lstStyle/>
+          <a:p>
+            <a:pPr algn="ctr"/>
+            <a:endParaRPr lang="pt-BR" dirty="0"/>
+          </a:p>
+        </p:txBody>
+      </p:sp>
+      <p:sp>
+        <p:nvSpPr>
+          <p:cNvPr id="10" name="Retângulo 9">
+            <a:extLst>
+              <a:ext uri="{FF2B5EF4-FFF2-40B4-BE49-F238E27FC236}">
+                <a16:creationId xmlns:a16="http://schemas.microsoft.com/office/drawing/2014/main" id="{254C8F8B-857F-4F7D-BED8-545B600B8DC2}"/>
+              </a:ext>
+            </a:extLst>
+          </p:cNvPr>
+          <p:cNvSpPr/>
+          <p:nvPr/>
+        </p:nvSpPr>
+        <p:spPr>
+          <a:xfrm rot="18718225">
+            <a:off x="812438" y="2501348"/>
+            <a:ext cx="11150221" cy="1855304"/>
+          </a:xfrm>
+          <a:prstGeom prst="rect">
+            <a:avLst/>
+          </a:prstGeom>
+          <a:solidFill>
+            <a:schemeClr val="bg2">
+              <a:lumMod val="25000"/>
+            </a:schemeClr>
+          </a:solidFill>
+          <a:ln>
+            <a:noFill/>
+          </a:ln>
+        </p:spPr>
+        <p:style>
+          <a:lnRef idx="2">
+            <a:schemeClr val="accent1">
+              <a:shade val="50000"/>
+            </a:schemeClr>
+          </a:lnRef>
+          <a:fillRef idx="1">
+            <a:schemeClr val="accent1"/>
+          </a:fillRef>
+          <a:effectRef idx="0">
+            <a:schemeClr val="accent1"/>
+          </a:effectRef>
+          <a:fontRef idx="minor">
+            <a:schemeClr val="lt1"/>
+          </a:fontRef>
+        </p:style>
+        <p:txBody>
+          <a:bodyPr rtlCol="0" anchor="ctr"/>
+          <a:lstStyle/>
+          <a:p>
+            <a:pPr algn="ctr"/>
+            <a:endParaRPr lang="pt-BR" dirty="0"/>
+          </a:p>
+        </p:txBody>
+      </p:sp>
+      <p:pic>
+        <p:nvPicPr>
+          <p:cNvPr id="5" name="Imagem 4" descr="Uma imagem contendo Logotipo&#10;&#10;Descrição gerada automaticamente">
+            <a:extLst>
+              <a:ext uri="{FF2B5EF4-FFF2-40B4-BE49-F238E27FC236}">
+                <a16:creationId xmlns:a16="http://schemas.microsoft.com/office/drawing/2014/main" id="{824799F0-F420-473E-8AB1-F1D201763A75}"/>
+              </a:ext>
+            </a:extLst>
+          </p:cNvPr>
+          <p:cNvPicPr>
+            <a:picLocks noChangeAspect="1"/>
+          </p:cNvPicPr>
+          <p:nvPr/>
+        </p:nvPicPr>
+        <p:blipFill rotWithShape="1">
+          <a:blip r:embed="rId2">
+            <a:extLst>
+              <a:ext uri="{28A0092B-C50C-407E-A947-70E740481C1C}">
+                <a14:useLocalDpi xmlns:a14="http://schemas.microsoft.com/office/drawing/2010/main" val="0"/>
+              </a:ext>
+            </a:extLst>
+          </a:blip>
+          <a:srcRect l="7476" t="12236" r="7069" b="13282"/>
+          <a:stretch/>
+        </p:blipFill>
+        <p:spPr>
+          <a:xfrm>
+            <a:off x="1928191" y="2037522"/>
+            <a:ext cx="8335617" cy="3790121"/>
+          </a:xfrm>
+          <a:prstGeom prst="rect">
+            <a:avLst/>
+          </a:prstGeom>
+        </p:spPr>
+      </p:pic>
+      <p:sp>
+        <p:nvSpPr>
+          <p:cNvPr id="8" name="CaixaDeTexto 7">
+            <a:extLst>
+              <a:ext uri="{FF2B5EF4-FFF2-40B4-BE49-F238E27FC236}">
+                <a16:creationId xmlns:a16="http://schemas.microsoft.com/office/drawing/2014/main" id="{02713D3A-DC76-494C-9595-821F4272E70C}"/>
+              </a:ext>
+            </a:extLst>
+          </p:cNvPr>
+          <p:cNvSpPr txBox="1"/>
+          <p:nvPr/>
+        </p:nvSpPr>
+        <p:spPr>
+          <a:xfrm>
+            <a:off x="596347" y="413699"/>
+            <a:ext cx="5208106" cy="646331"/>
+          </a:xfrm>
+          <a:prstGeom prst="rect">
+            <a:avLst/>
+          </a:prstGeom>
+          <a:noFill/>
+        </p:spPr>
+        <p:txBody>
+          <a:bodyPr wrap="square" rtlCol="0">
+            <a:spAutoFit/>
+          </a:bodyPr>
+          <a:lstStyle/>
+          <a:p>
+            <a:r>
+              <a:rPr lang="pt-BR" sz="3600" dirty="0">
+                <a:latin typeface="Felix Titling" panose="04060505060202020A04" pitchFamily="82" charset="0"/>
+                <a:ea typeface="MS Mincho" panose="020B0400000000000000" pitchFamily="49" charset="-128"/>
+              </a:rPr>
+              <a:t>Sprint Backlog</a:t>
+            </a:r>
+          </a:p>
+        </p:txBody>
+      </p:sp>
+      <p:pic>
+        <p:nvPicPr>
+          <p:cNvPr id="9" name="Imagem 8" descr="Logotipo&#10;&#10;Descrição gerada automaticamente">
+            <a:extLst>
+              <a:ext uri="{FF2B5EF4-FFF2-40B4-BE49-F238E27FC236}">
+                <a16:creationId xmlns:a16="http://schemas.microsoft.com/office/drawing/2014/main" id="{8100C10F-E9B1-4C5A-BF74-DC6DEACCEDB7}"/>
+              </a:ext>
+            </a:extLst>
+          </p:cNvPr>
+          <p:cNvPicPr>
+            <a:picLocks noChangeAspect="1"/>
+          </p:cNvPicPr>
+          <p:nvPr/>
+        </p:nvPicPr>
+        <p:blipFill>
+          <a:blip r:embed="rId3">
+            <a:extLst>
+              <a:ext uri="{28A0092B-C50C-407E-A947-70E740481C1C}">
+                <a14:useLocalDpi xmlns:a14="http://schemas.microsoft.com/office/drawing/2010/main" val="0"/>
+              </a:ext>
+            </a:extLst>
+          </a:blip>
+          <a:stretch>
+            <a:fillRect/>
+          </a:stretch>
+        </p:blipFill>
+        <p:spPr>
+          <a:xfrm>
+            <a:off x="11473430" y="6175513"/>
+            <a:ext cx="570021" cy="559903"/>
+          </a:xfrm>
+          <a:prstGeom prst="rect">
+            <a:avLst/>
+          </a:prstGeom>
+        </p:spPr>
+      </p:pic>
+    </p:spTree>
+    <p:extLst>
+      <p:ext uri="{BB962C8B-B14F-4D97-AF65-F5344CB8AC3E}">
+        <p14:creationId xmlns:p14="http://schemas.microsoft.com/office/powerpoint/2010/main" val="1403925444"/>
+      </p:ext>
+    </p:extLst>
+  </p:cSld>
+  <p:clrMapOvr>
+    <a:masterClrMapping/>
+  </p:clrMapOvr>
+  <mc:AlternateContent xmlns:mc="http://schemas.openxmlformats.org/markup-compatibility/2006" xmlns:p14="http://schemas.microsoft.com/office/powerpoint/2010/main">
+    <mc:Choice Requires="p14">
+      <p:transition spd="slow">
+        <p14:flash/>
+      </p:transition>
+    </mc:Choice>
+    <mc:Fallback xmlns="">
+      <p:transition spd="slow">
+        <p:fade/>
+      </p:transition>
+    </mc:Fallback>
+  </mc:AlternateContent>
+  <p:timing>
+    <p:tnLst>
+      <p:par>
+        <p:cTn id="1" dur="indefinite" restart="never" nodeType="tmRoot">
+          <p:childTnLst>
+            <p:seq concurrent="1" nextAc="seek">
+              <p:cTn id="2" dur="indefinite" nodeType="mainSeq">
+                <p:childTnLst>
+                  <p:par>
+                    <p:cTn id="3" fill="hold">
+                      <p:stCondLst>
+                        <p:cond delay="indefinite"/>
+                        <p:cond evt="onBegin" delay="0">
+                          <p:tn val="2"/>
+                        </p:cond>
+                      </p:stCondLst>
+                      <p:childTnLst>
+                        <p:par>
+                          <p:cTn id="4" fill="hold">
+                            <p:stCondLst>
+                              <p:cond delay="0"/>
+                            </p:stCondLst>
+                            <p:childTnLst>
+                              <p:par>
+                                <p:cTn id="5" presetID="10" presetClass="entr" presetSubtype="0" fill="hold" grpId="0" nodeType="withEffect">
+                                  <p:stCondLst>
+                                    <p:cond delay="0"/>
+                                  </p:stCondLst>
+                                  <p:childTnLst>
+                                    <p:set>
+                                      <p:cBhvr>
+                                        <p:cTn id="6" dur="1" fill="hold">
+                                          <p:stCondLst>
+                                            <p:cond delay="0"/>
+                                          </p:stCondLst>
+                                        </p:cTn>
+                                        <p:tgtEl>
+                                          <p:spTgt spid="8"/>
+                                        </p:tgtEl>
+                                        <p:attrNameLst>
+                                          <p:attrName>style.visibility</p:attrName>
+                                        </p:attrNameLst>
+                                      </p:cBhvr>
+                                      <p:to>
+                                        <p:strVal val="visible"/>
+                                      </p:to>
+                                    </p:set>
+                                    <p:animEffect transition="in" filter="fade">
+                                      <p:cBhvr>
+                                        <p:cTn id="7" dur="500"/>
+                                        <p:tgtEl>
+                                          <p:spTgt spid="8"/>
+                                        </p:tgtEl>
+                                      </p:cBhvr>
+                                    </p:animEffect>
+                                  </p:childTnLst>
+                                </p:cTn>
+                              </p:par>
+                              <p:par>
+                                <p:cTn id="8" presetID="10" presetClass="entr" presetSubtype="0" fill="hold" nodeType="withEffect">
+                                  <p:stCondLst>
+                                    <p:cond delay="0"/>
+                                  </p:stCondLst>
+                                  <p:childTnLst>
+                                    <p:set>
+                                      <p:cBhvr>
+                                        <p:cTn id="9" dur="1" fill="hold">
+                                          <p:stCondLst>
+                                            <p:cond delay="0"/>
+                                          </p:stCondLst>
+                                        </p:cTn>
+                                        <p:tgtEl>
+                                          <p:spTgt spid="5"/>
+                                        </p:tgtEl>
+                                        <p:attrNameLst>
+                                          <p:attrName>style.visibility</p:attrName>
+                                        </p:attrNameLst>
+                                      </p:cBhvr>
+                                      <p:to>
+                                        <p:strVal val="visible"/>
+                                      </p:to>
+                                    </p:set>
+                                    <p:animEffect transition="in" filter="fade">
+                                      <p:cBhvr>
+                                        <p:cTn id="10" dur="500"/>
+                                        <p:tgtEl>
+                                          <p:spTgt spid="5"/>
+                                        </p:tgtEl>
+                                      </p:cBhvr>
+                                    </p:animEffect>
+                                  </p:childTnLst>
+                                </p:cTn>
+                              </p:par>
+                              <p:par>
+                                <p:cTn id="11" presetID="10" presetClass="entr" presetSubtype="0" fill="hold" nodeType="withEffect">
+                                  <p:stCondLst>
+                                    <p:cond delay="0"/>
+                                  </p:stCondLst>
+                                  <p:childTnLst>
+                                    <p:set>
+                                      <p:cBhvr>
+                                        <p:cTn id="12" dur="1" fill="hold">
+                                          <p:stCondLst>
+                                            <p:cond delay="0"/>
+                                          </p:stCondLst>
+                                        </p:cTn>
+                                        <p:tgtEl>
+                                          <p:spTgt spid="9"/>
+                                        </p:tgtEl>
+                                        <p:attrNameLst>
+                                          <p:attrName>style.visibility</p:attrName>
+                                        </p:attrNameLst>
+                                      </p:cBhvr>
+                                      <p:to>
+                                        <p:strVal val="visible"/>
+                                      </p:to>
+                                    </p:set>
+                                    <p:animEffect transition="in" filter="fade">
+                                      <p:cBhvr>
+                                        <p:cTn id="13" dur="500"/>
+                                        <p:tgtEl>
+                                          <p:spTgt spid="9"/>
+                                        </p:tgtEl>
+                                      </p:cBhvr>
+                                    </p:animEffect>
+                                  </p:childTnLst>
+                                </p:cTn>
+                              </p:par>
+                              <p:par>
+                                <p:cTn id="14" presetID="10" presetClass="entr" presetSubtype="0" fill="hold" grpId="0" nodeType="withEffect">
+                                  <p:stCondLst>
+                                    <p:cond delay="500"/>
+                                  </p:stCondLst>
+                                  <p:childTnLst>
+                                    <p:set>
+                                      <p:cBhvr>
+                                        <p:cTn id="15" dur="1" fill="hold">
+                                          <p:stCondLst>
+                                            <p:cond delay="0"/>
+                                          </p:stCondLst>
+                                        </p:cTn>
+                                        <p:tgtEl>
+                                          <p:spTgt spid="10"/>
+                                        </p:tgtEl>
+                                        <p:attrNameLst>
+                                          <p:attrName>style.visibility</p:attrName>
+                                        </p:attrNameLst>
+                                      </p:cBhvr>
+                                      <p:to>
+                                        <p:strVal val="visible"/>
+                                      </p:to>
+                                    </p:set>
+                                    <p:animEffect transition="in" filter="fade">
+                                      <p:cBhvr>
+                                        <p:cTn id="16" dur="250"/>
+                                        <p:tgtEl>
+                                          <p:spTgt spid="10"/>
+                                        </p:tgtEl>
+                                      </p:cBhvr>
+                                    </p:animEffect>
+                                  </p:childTnLst>
+                                </p:cTn>
+                              </p:par>
+                              <p:par>
+                                <p:cTn id="17" presetID="10" presetClass="entr" presetSubtype="0" fill="hold" grpId="0" nodeType="withEffect">
+                                  <p:stCondLst>
+                                    <p:cond delay="500"/>
+                                  </p:stCondLst>
+                                  <p:childTnLst>
+                                    <p:set>
+                                      <p:cBhvr>
+                                        <p:cTn id="18" dur="1" fill="hold">
+                                          <p:stCondLst>
+                                            <p:cond delay="0"/>
+                                          </p:stCondLst>
+                                        </p:cTn>
+                                        <p:tgtEl>
+                                          <p:spTgt spid="11"/>
+                                        </p:tgtEl>
+                                        <p:attrNameLst>
+                                          <p:attrName>style.visibility</p:attrName>
+                                        </p:attrNameLst>
+                                      </p:cBhvr>
+                                      <p:to>
+                                        <p:strVal val="visible"/>
+                                      </p:to>
+                                    </p:set>
+                                    <p:animEffect transition="in" filter="fade">
+                                      <p:cBhvr>
+                                        <p:cTn id="19" dur="250"/>
+                                        <p:tgtEl>
+                                          <p:spTgt spid="11"/>
+                                        </p:tgtEl>
+                                      </p:cBhvr>
+                                    </p:animEffect>
+                                  </p:childTnLst>
+                                </p:cTn>
+                              </p:par>
+                            </p:childTnLst>
+                          </p:cTn>
+                        </p:par>
+                      </p:childTnLst>
+                    </p:cTn>
+                  </p:par>
+                </p:childTnLst>
+              </p:cTn>
+              <p:prevCondLst>
+                <p:cond evt="onPrev" delay="0">
+                  <p:tgtEl>
+                    <p:sldTgt/>
+                  </p:tgtEl>
+                </p:cond>
+              </p:prevCondLst>
+              <p:nextCondLst>
+                <p:cond evt="onNext" delay="0">
+                  <p:tgtEl>
+                    <p:sldTgt/>
+                  </p:tgtEl>
+                </p:cond>
+              </p:nextCondLst>
+            </p:seq>
+          </p:childTnLst>
+        </p:cTn>
+      </p:par>
+    </p:tnLst>
+    <p:bldLst>
+      <p:bldP spid="11" grpId="0" animBg="1"/>
+      <p:bldP spid="10" grpId="0" animBg="1"/>
+      <p:bldP spid="8" grpId="0"/>
+    </p:bldLst>
+  </p:timing>
+</p:sld>
+</file>
+
+<file path=ppt/slides/slide6.xml><?xml version="1.0" encoding="utf-8"?>
+<p:sld xmlns:a="http://schemas.openxmlformats.org/drawingml/2006/main" xmlns:r="http://schemas.openxmlformats.org/officeDocument/2006/relationships" xmlns:p="http://schemas.openxmlformats.org/presentationml/2006/main">
+  <p:cSld>
+    <p:bg>
+      <p:bgPr>
+        <a:solidFill>
+          <a:schemeClr val="bg2">
+            <a:lumMod val="90000"/>
+          </a:schemeClr>
+        </a:solidFill>
+        <a:effectLst/>
+      </p:bgPr>
+    </p:bg>
+    <p:spTree>
+      <p:nvGrpSpPr>
+        <p:cNvPr id="1" name=""/>
+        <p:cNvGrpSpPr/>
+        <p:nvPr/>
+      </p:nvGrpSpPr>
+      <p:grpSpPr>
+        <a:xfrm>
+          <a:off x="0" y="0"/>
+          <a:ext cx="0" cy="0"/>
+          <a:chOff x="0" y="0"/>
+          <a:chExt cx="0" cy="0"/>
+        </a:xfrm>
+      </p:grpSpPr>
+      <p:sp>
+        <p:nvSpPr>
+          <p:cNvPr id="4" name="Retângulo 3">
+            <a:extLst>
+              <a:ext uri="{FF2B5EF4-FFF2-40B4-BE49-F238E27FC236}">
+                <a16:creationId xmlns:a16="http://schemas.microsoft.com/office/drawing/2014/main" id="{5815619D-E61A-42F1-A9DF-404376971123}"/>
+              </a:ext>
+            </a:extLst>
+          </p:cNvPr>
+          <p:cNvSpPr/>
+          <p:nvPr/>
+        </p:nvSpPr>
+        <p:spPr>
+          <a:xfrm>
+            <a:off x="0" y="0"/>
+            <a:ext cx="12192000" cy="1443318"/>
+          </a:xfrm>
+          <a:prstGeom prst="rect">
+            <a:avLst/>
+          </a:prstGeom>
+        </p:spPr>
+        <p:style>
+          <a:lnRef idx="2">
+            <a:schemeClr val="dk1"/>
+          </a:lnRef>
+          <a:fillRef idx="1">
+            <a:schemeClr val="lt1"/>
+          </a:fillRef>
+          <a:effectRef idx="0">
+            <a:schemeClr val="dk1"/>
+          </a:effectRef>
+          <a:fontRef idx="minor">
+            <a:schemeClr val="dk1"/>
+          </a:fontRef>
+        </p:style>
+        <p:txBody>
+          <a:bodyPr rtlCol="0" anchor="ctr"/>
+          <a:lstStyle/>
+          <a:p>
+            <a:pPr algn="ctr"/>
+            <a:endParaRPr lang="pt-BR" dirty="0"/>
+          </a:p>
+        </p:txBody>
+      </p:sp>
+      <p:sp>
+        <p:nvSpPr>
+          <p:cNvPr id="9" name="CaixaDeTexto 8">
+            <a:extLst>
+              <a:ext uri="{FF2B5EF4-FFF2-40B4-BE49-F238E27FC236}">
+                <a16:creationId xmlns:a16="http://schemas.microsoft.com/office/drawing/2014/main" id="{722813C0-711E-4F44-9E55-E9E9D62DEA94}"/>
+              </a:ext>
+            </a:extLst>
+          </p:cNvPr>
+          <p:cNvSpPr txBox="1"/>
+          <p:nvPr/>
+        </p:nvSpPr>
+        <p:spPr>
+          <a:xfrm>
+            <a:off x="-126042" y="182325"/>
+            <a:ext cx="6153324" cy="1077218"/>
+          </a:xfrm>
+          <a:prstGeom prst="rect">
+            <a:avLst/>
+          </a:prstGeom>
+          <a:noFill/>
+        </p:spPr>
+        <p:txBody>
+          <a:bodyPr wrap="square">
+            <a:spAutoFit/>
+          </a:bodyPr>
+          <a:lstStyle/>
+          <a:p>
+            <a:pPr algn="ctr"/>
+            <a:r>
+              <a:rPr lang="pt-BR" sz="3200" dirty="0">
+                <a:latin typeface="Felix Titling" panose="04060505060202020A04" pitchFamily="82" charset="0"/>
+              </a:rPr>
+              <a:t>Site Institucional, Dashboard</a:t>
+            </a:r>
+            <a:r>
+              <a:rPr lang="pt-BR" sz="3200" dirty="0"/>
+              <a:t>.</a:t>
+            </a:r>
+          </a:p>
+        </p:txBody>
+      </p:sp>
+      <p:sp>
+        <p:nvSpPr>
+          <p:cNvPr id="10" name="Retângulo 9">
+            <a:extLst>
+              <a:ext uri="{FF2B5EF4-FFF2-40B4-BE49-F238E27FC236}">
+                <a16:creationId xmlns:a16="http://schemas.microsoft.com/office/drawing/2014/main" id="{0763A5A7-9ADF-47A8-AC3B-40B5C33EE44E}"/>
+              </a:ext>
+            </a:extLst>
+          </p:cNvPr>
+          <p:cNvSpPr/>
+          <p:nvPr/>
+        </p:nvSpPr>
+        <p:spPr>
+          <a:xfrm rot="18718225">
+            <a:off x="812438" y="2501348"/>
+            <a:ext cx="11150221" cy="1855304"/>
+          </a:xfrm>
+          <a:prstGeom prst="rect">
+            <a:avLst/>
+          </a:prstGeom>
+          <a:solidFill>
+            <a:schemeClr val="bg2">
+              <a:lumMod val="25000"/>
+            </a:schemeClr>
+          </a:solidFill>
+          <a:ln>
+            <a:noFill/>
+          </a:ln>
+        </p:spPr>
+        <p:style>
+          <a:lnRef idx="2">
+            <a:schemeClr val="accent1">
+              <a:shade val="50000"/>
+            </a:schemeClr>
+          </a:lnRef>
+          <a:fillRef idx="1">
+            <a:schemeClr val="accent1"/>
+          </a:fillRef>
+          <a:effectRef idx="0">
+            <a:schemeClr val="accent1"/>
+          </a:effectRef>
+          <a:fontRef idx="minor">
+            <a:schemeClr val="lt1"/>
+          </a:fontRef>
+        </p:style>
+        <p:txBody>
+          <a:bodyPr rtlCol="0" anchor="ctr"/>
+          <a:lstStyle/>
+          <a:p>
+            <a:pPr algn="ctr"/>
+            <a:endParaRPr lang="pt-BR" dirty="0"/>
+          </a:p>
+        </p:txBody>
+      </p:sp>
+      <p:sp>
+        <p:nvSpPr>
+          <p:cNvPr id="15" name="Retângulo 14">
+            <a:extLst>
+              <a:ext uri="{FF2B5EF4-FFF2-40B4-BE49-F238E27FC236}">
+                <a16:creationId xmlns:a16="http://schemas.microsoft.com/office/drawing/2014/main" id="{8EAF72AF-8C05-4394-986A-2EB8B7AD3AE5}"/>
+              </a:ext>
+            </a:extLst>
+          </p:cNvPr>
+          <p:cNvSpPr/>
+          <p:nvPr/>
+        </p:nvSpPr>
+        <p:spPr>
+          <a:xfrm rot="18718225">
+            <a:off x="1788249" y="3951864"/>
+            <a:ext cx="11150221" cy="186724"/>
+          </a:xfrm>
+          <a:prstGeom prst="rect">
+            <a:avLst/>
+          </a:prstGeom>
+          <a:solidFill>
+            <a:schemeClr val="bg2">
+              <a:lumMod val="25000"/>
+            </a:schemeClr>
+          </a:solidFill>
+          <a:ln>
+            <a:noFill/>
+          </a:ln>
+        </p:spPr>
+        <p:style>
+          <a:lnRef idx="2">
+            <a:schemeClr val="accent1">
+              <a:shade val="50000"/>
+            </a:schemeClr>
+          </a:lnRef>
+          <a:fillRef idx="1">
+            <a:schemeClr val="accent1"/>
+          </a:fillRef>
+          <a:effectRef idx="0">
+            <a:schemeClr val="accent1"/>
+          </a:effectRef>
+          <a:fontRef idx="minor">
+            <a:schemeClr val="lt1"/>
+          </a:fontRef>
+        </p:style>
+        <p:txBody>
+          <a:bodyPr rtlCol="0" anchor="ctr"/>
+          <a:lstStyle/>
+          <a:p>
+            <a:pPr algn="ctr"/>
+            <a:endParaRPr lang="pt-BR" dirty="0"/>
+          </a:p>
+        </p:txBody>
+      </p:sp>
+      <p:pic>
+        <p:nvPicPr>
+          <p:cNvPr id="8" name="Picture 4" descr="Ver a imagem de origem">
+            <a:extLst>
+              <a:ext uri="{FF2B5EF4-FFF2-40B4-BE49-F238E27FC236}">
+                <a16:creationId xmlns:a16="http://schemas.microsoft.com/office/drawing/2014/main" id="{64BBFD3D-2A54-44F5-B4E9-B0BD4F0A84B5}"/>
+              </a:ext>
+            </a:extLst>
+          </p:cNvPr>
+          <p:cNvPicPr>
+            <a:picLocks noChangeAspect="1" noChangeArrowheads="1"/>
+          </p:cNvPicPr>
+          <p:nvPr/>
+        </p:nvPicPr>
+        <p:blipFill>
+          <a:blip r:embed="rId2">
+            <a:extLst>
+              <a:ext uri="{28A0092B-C50C-407E-A947-70E740481C1C}">
+                <a14:useLocalDpi xmlns:a14="http://schemas.microsoft.com/office/drawing/2010/main" val="0"/>
+              </a:ext>
+            </a:extLst>
+          </a:blip>
+          <a:srcRect/>
+          <a:stretch>
+            <a:fillRect/>
+          </a:stretch>
+        </p:blipFill>
+        <p:spPr bwMode="auto">
+          <a:xfrm>
+            <a:off x="4359284" y="2347177"/>
+            <a:ext cx="4056528" cy="4056528"/>
+          </a:xfrm>
+          <a:prstGeom prst="rect">
+            <a:avLst/>
+          </a:prstGeom>
+          <a:noFill/>
+          <a:extLst>
+            <a:ext uri="{909E8E84-426E-40DD-AFC4-6F175D3DCCD1}">
+              <a14:hiddenFill xmlns:a14="http://schemas.microsoft.com/office/drawing/2010/main">
+                <a:solidFill>
+                  <a:srgbClr val="FFFFFF"/>
+                </a:solidFill>
+              </a14:hiddenFill>
+            </a:ext>
+          </a:extLst>
+        </p:spPr>
+      </p:pic>
+      <p:pic>
+        <p:nvPicPr>
+          <p:cNvPr id="18" name="Imagem 17" descr="Logotipo&#10;&#10;Descrição gerada automaticamente">
+            <a:extLst>
+              <a:ext uri="{FF2B5EF4-FFF2-40B4-BE49-F238E27FC236}">
+                <a16:creationId xmlns:a16="http://schemas.microsoft.com/office/drawing/2014/main" id="{E2916332-B7D7-4750-A16C-EE28D8C704CE}"/>
+              </a:ext>
+            </a:extLst>
+          </p:cNvPr>
+          <p:cNvPicPr>
+            <a:picLocks noChangeAspect="1"/>
+          </p:cNvPicPr>
+          <p:nvPr/>
+        </p:nvPicPr>
+        <p:blipFill>
+          <a:blip r:embed="rId3">
+            <a:extLst>
+              <a:ext uri="{28A0092B-C50C-407E-A947-70E740481C1C}">
+                <a14:useLocalDpi xmlns:a14="http://schemas.microsoft.com/office/drawing/2010/main" val="0"/>
+              </a:ext>
+            </a:extLst>
+          </a:blip>
+          <a:stretch>
+            <a:fillRect/>
+          </a:stretch>
+        </p:blipFill>
+        <p:spPr>
+          <a:xfrm>
+            <a:off x="11473430" y="6175513"/>
+            <a:ext cx="570021" cy="559903"/>
+          </a:xfrm>
+          <a:prstGeom prst="rect">
+            <a:avLst/>
+          </a:prstGeom>
+        </p:spPr>
+      </p:pic>
+      <p:pic>
+        <p:nvPicPr>
+          <p:cNvPr id="12" name="Picture 6" descr="Ver a imagem de origem">
+            <a:extLst>
+              <a:ext uri="{FF2B5EF4-FFF2-40B4-BE49-F238E27FC236}">
+                <a16:creationId xmlns:a16="http://schemas.microsoft.com/office/drawing/2014/main" id="{49823CB3-F9EC-4DE8-9C6F-912843AC802E}"/>
+              </a:ext>
+            </a:extLst>
+          </p:cNvPr>
+          <p:cNvPicPr>
+            <a:picLocks noChangeAspect="1" noChangeArrowheads="1"/>
+          </p:cNvPicPr>
+          <p:nvPr/>
+        </p:nvPicPr>
+        <p:blipFill>
+          <a:blip r:embed="rId4">
+            <a:extLst>
+              <a:ext uri="{28A0092B-C50C-407E-A947-70E740481C1C}">
+                <a14:useLocalDpi xmlns:a14="http://schemas.microsoft.com/office/drawing/2010/main" val="0"/>
+              </a:ext>
+            </a:extLst>
+          </a:blip>
+          <a:srcRect/>
+          <a:stretch>
+            <a:fillRect/>
+          </a:stretch>
+        </p:blipFill>
+        <p:spPr bwMode="auto">
+          <a:xfrm rot="3916419">
+            <a:off x="3290784" y="3508717"/>
+            <a:ext cx="1343324" cy="1609306"/>
+          </a:xfrm>
+          <a:prstGeom prst="rect">
+            <a:avLst/>
+          </a:prstGeom>
+          <a:noFill/>
+          <a:extLst>
+            <a:ext uri="{909E8E84-426E-40DD-AFC4-6F175D3DCCD1}">
+              <a14:hiddenFill xmlns:a14="http://schemas.microsoft.com/office/drawing/2010/main">
+                <a:solidFill>
+                  <a:srgbClr val="FFFFFF"/>
+                </a:solidFill>
+              </a14:hiddenFill>
+            </a:ext>
+          </a:extLst>
+        </p:spPr>
+      </p:pic>
+    </p:spTree>
+    <p:extLst>
+      <p:ext uri="{BB962C8B-B14F-4D97-AF65-F5344CB8AC3E}">
+        <p14:creationId xmlns:p14="http://schemas.microsoft.com/office/powerpoint/2010/main" val="1719718150"/>
+      </p:ext>
+    </p:extLst>
+  </p:cSld>
+  <p:clrMapOvr>
+    <a:masterClrMapping/>
+  </p:clrMapOvr>
+  <p:transition spd="slow">
+    <p:push dir="u"/>
+  </p:transition>
+  <p:timing>
+    <p:tnLst>
+      <p:par>
+        <p:cTn id="1" dur="indefinite" restart="never" nodeType="tmRoot">
+          <p:childTnLst>
+            <p:seq concurrent="1" nextAc="seek">
+              <p:cTn id="2" dur="indefinite" nodeType="mainSeq">
+                <p:childTnLst>
+                  <p:par>
+                    <p:cTn id="3" fill="hold">
+                      <p:stCondLst>
+                        <p:cond delay="indefinite"/>
+                        <p:cond evt="onBegin" delay="0">
+                          <p:tn val="2"/>
+                        </p:cond>
+                      </p:stCondLst>
+                      <p:childTnLst>
+                        <p:par>
+                          <p:cTn id="4" fill="hold">
+                            <p:stCondLst>
+                              <p:cond delay="0"/>
+                            </p:stCondLst>
+                            <p:childTnLst>
+                              <p:par>
+                                <p:cTn id="5" presetID="10" presetClass="entr" presetSubtype="0" fill="hold" grpId="0" nodeType="withEffect">
+                                  <p:stCondLst>
+                                    <p:cond delay="500"/>
+                                  </p:stCondLst>
+                                  <p:childTnLst>
+                                    <p:set>
+                                      <p:cBhvr>
+                                        <p:cTn id="6" dur="1" fill="hold">
+                                          <p:stCondLst>
+                                            <p:cond delay="0"/>
+                                          </p:stCondLst>
+                                        </p:cTn>
+                                        <p:tgtEl>
+                                          <p:spTgt spid="10"/>
+                                        </p:tgtEl>
+                                        <p:attrNameLst>
+                                          <p:attrName>style.visibility</p:attrName>
+                                        </p:attrNameLst>
+                                      </p:cBhvr>
+                                      <p:to>
+                                        <p:strVal val="visible"/>
+                                      </p:to>
+                                    </p:set>
+                                    <p:animEffect transition="in" filter="fade">
+                                      <p:cBhvr>
+                                        <p:cTn id="7" dur="250"/>
+                                        <p:tgtEl>
+                                          <p:spTgt spid="10"/>
+                                        </p:tgtEl>
+                                      </p:cBhvr>
+                                    </p:animEffect>
+                                  </p:childTnLst>
+                                </p:cTn>
+                              </p:par>
+                              <p:par>
+                                <p:cTn id="8" presetID="10" presetClass="entr" presetSubtype="0" fill="hold" grpId="0" nodeType="withEffect">
+                                  <p:stCondLst>
+                                    <p:cond delay="500"/>
+                                  </p:stCondLst>
+                                  <p:childTnLst>
+                                    <p:set>
+                                      <p:cBhvr>
+                                        <p:cTn id="9" dur="1" fill="hold">
+                                          <p:stCondLst>
+                                            <p:cond delay="0"/>
+                                          </p:stCondLst>
+                                        </p:cTn>
+                                        <p:tgtEl>
+                                          <p:spTgt spid="15"/>
+                                        </p:tgtEl>
+                                        <p:attrNameLst>
+                                          <p:attrName>style.visibility</p:attrName>
+                                        </p:attrNameLst>
+                                      </p:cBhvr>
+                                      <p:to>
+                                        <p:strVal val="visible"/>
+                                      </p:to>
+                                    </p:set>
+                                    <p:animEffect transition="in" filter="fade">
+                                      <p:cBhvr>
+                                        <p:cTn id="10" dur="250"/>
+                                        <p:tgtEl>
+                                          <p:spTgt spid="15"/>
+                                        </p:tgtEl>
+                                      </p:cBhvr>
+                                    </p:animEffect>
+                                  </p:childTnLst>
+                                </p:cTn>
+                              </p:par>
+                              <p:par>
+                                <p:cTn id="11" presetID="10" presetClass="entr" presetSubtype="0" fill="hold" nodeType="withEffect">
+                                  <p:stCondLst>
+                                    <p:cond delay="0"/>
+                                  </p:stCondLst>
+                                  <p:childTnLst>
+                                    <p:set>
+                                      <p:cBhvr>
+                                        <p:cTn id="12" dur="1" fill="hold">
+                                          <p:stCondLst>
+                                            <p:cond delay="0"/>
+                                          </p:stCondLst>
+                                        </p:cTn>
+                                        <p:tgtEl>
+                                          <p:spTgt spid="18"/>
+                                        </p:tgtEl>
+                                        <p:attrNameLst>
+                                          <p:attrName>style.visibility</p:attrName>
+                                        </p:attrNameLst>
+                                      </p:cBhvr>
+                                      <p:to>
+                                        <p:strVal val="visible"/>
+                                      </p:to>
+                                    </p:set>
+                                    <p:animEffect transition="in" filter="fade">
+                                      <p:cBhvr>
+                                        <p:cTn id="13" dur="500"/>
+                                        <p:tgtEl>
+                                          <p:spTgt spid="18"/>
+                                        </p:tgtEl>
+                                      </p:cBhvr>
+                                    </p:animEffect>
+                                  </p:childTnLst>
+                                </p:cTn>
+                              </p:par>
+                            </p:childTnLst>
+                          </p:cTn>
+                        </p:par>
+                      </p:childTnLst>
+                    </p:cTn>
+                  </p:par>
+                  <p:par>
+                    <p:cTn id="14" fill="hold">
+                      <p:stCondLst>
+                        <p:cond delay="indefinite"/>
+                      </p:stCondLst>
+                      <p:childTnLst>
+                        <p:par>
+                          <p:cTn id="15" fill="hold">
+                            <p:stCondLst>
+                              <p:cond delay="0"/>
+                            </p:stCondLst>
+                            <p:childTnLst>
+                              <p:par>
+                                <p:cTn id="16" presetID="42" presetClass="entr" presetSubtype="0" fill="hold" nodeType="clickEffect">
+                                  <p:stCondLst>
+                                    <p:cond delay="0"/>
+                                  </p:stCondLst>
+                                  <p:childTnLst>
+                                    <p:set>
+                                      <p:cBhvr>
+                                        <p:cTn id="17" dur="1" fill="hold">
+                                          <p:stCondLst>
+                                            <p:cond delay="0"/>
+                                          </p:stCondLst>
+                                        </p:cTn>
+                                        <p:tgtEl>
+                                          <p:spTgt spid="12"/>
+                                        </p:tgtEl>
+                                        <p:attrNameLst>
+                                          <p:attrName>style.visibility</p:attrName>
+                                        </p:attrNameLst>
+                                      </p:cBhvr>
+                                      <p:to>
+                                        <p:strVal val="visible"/>
+                                      </p:to>
+                                    </p:set>
+                                    <p:animEffect transition="in" filter="fade">
+                                      <p:cBhvr>
+                                        <p:cTn id="18" dur="1000"/>
+                                        <p:tgtEl>
+                                          <p:spTgt spid="12"/>
+                                        </p:tgtEl>
+                                      </p:cBhvr>
+                                    </p:animEffect>
+                                    <p:anim calcmode="lin" valueType="num">
+                                      <p:cBhvr>
+                                        <p:cTn id="19" dur="1000" fill="hold"/>
+                                        <p:tgtEl>
+                                          <p:spTgt spid="12"/>
+                                        </p:tgtEl>
+                                        <p:attrNameLst>
+                                          <p:attrName>ppt_x</p:attrName>
+                                        </p:attrNameLst>
+                                      </p:cBhvr>
+                                      <p:tavLst>
+                                        <p:tav tm="0">
+                                          <p:val>
+                                            <p:strVal val="#ppt_x"/>
+                                          </p:val>
+                                        </p:tav>
+                                        <p:tav tm="100000">
+                                          <p:val>
+                                            <p:strVal val="#ppt_x"/>
+                                          </p:val>
+                                        </p:tav>
+                                      </p:tavLst>
+                                    </p:anim>
+                                    <p:anim calcmode="lin" valueType="num">
+                                      <p:cBhvr>
+                                        <p:cTn id="20" dur="1000" fill="hold"/>
+                                        <p:tgtEl>
+                                          <p:spTgt spid="12"/>
+                                        </p:tgtEl>
+                                        <p:attrNameLst>
+                                          <p:attrName>ppt_y</p:attrName>
+                                        </p:attrNameLst>
+                                      </p:cBhvr>
+                                      <p:tavLst>
+                                        <p:tav tm="0">
+                                          <p:val>
+                                            <p:strVal val="#ppt_y+.1"/>
+                                          </p:val>
+                                        </p:tav>
+                                        <p:tav tm="100000">
+                                          <p:val>
+                                            <p:strVal val="#ppt_y"/>
+                                          </p:val>
+                                        </p:tav>
+                                      </p:tavLst>
+                                    </p:anim>
+                                  </p:childTnLst>
+                                </p:cTn>
+                              </p:par>
+                            </p:childTnLst>
+                          </p:cTn>
+                        </p:par>
+                      </p:childTnLst>
+                    </p:cTn>
+                  </p:par>
+                </p:childTnLst>
+              </p:cTn>
+              <p:prevCondLst>
+                <p:cond evt="onPrev" delay="0">
+                  <p:tgtEl>
+                    <p:sldTgt/>
+                  </p:tgtEl>
+                </p:cond>
+              </p:prevCondLst>
+              <p:nextCondLst>
+                <p:cond evt="onNext" delay="0">
+                  <p:tgtEl>
+                    <p:sldTgt/>
+                  </p:tgtEl>
+                </p:cond>
+              </p:nextCondLst>
+            </p:seq>
+          </p:childTnLst>
+        </p:cTn>
+      </p:par>
+    </p:tnLst>
+    <p:bldLst>
+      <p:bldP spid="10" grpId="0" animBg="1"/>
+      <p:bldP spid="15" grpId="0" animBg="1"/>
+    </p:bldLst>
+  </p:timing>
+</p:sld>
+</file>
+
+<file path=ppt/slides/slide7.xml><?xml version="1.0" encoding="utf-8"?>
+<p:sld xmlns:a="http://schemas.openxmlformats.org/drawingml/2006/main" xmlns:r="http://schemas.openxmlformats.org/officeDocument/2006/relationships" xmlns:p="http://schemas.openxmlformats.org/presentationml/2006/main">
+  <p:cSld>
+    <p:bg>
+      <p:bgPr>
+        <a:solidFill>
+          <a:schemeClr val="bg2">
+            <a:lumMod val="90000"/>
+          </a:schemeClr>
+        </a:solidFill>
+        <a:effectLst/>
+      </p:bgPr>
+    </p:bg>
+    <p:spTree>
+      <p:nvGrpSpPr>
+        <p:cNvPr id="1" name=""/>
+        <p:cNvGrpSpPr/>
+        <p:nvPr/>
+      </p:nvGrpSpPr>
+      <p:grpSpPr>
+        <a:xfrm>
+          <a:off x="0" y="0"/>
+          <a:ext cx="0" cy="0"/>
+          <a:chOff x="0" y="0"/>
+          <a:chExt cx="0" cy="0"/>
+        </a:xfrm>
+      </p:grpSpPr>
+      <p:sp>
+        <p:nvSpPr>
+          <p:cNvPr id="135" name="Rectangle 134">
+            <a:extLst>
+              <a:ext uri="{FF2B5EF4-FFF2-40B4-BE49-F238E27FC236}">
+                <a16:creationId xmlns:a16="http://schemas.microsoft.com/office/drawing/2014/main" id="{823AC064-BC96-4F32-8AE1-B2FD38754823}"/>
+              </a:ext>
+              <a:ext uri="{C183D7F6-B498-43B3-948B-1728B52AA6E4}">
+                <adec:decorative xmlns:adec="http://schemas.microsoft.com/office/drawing/2017/decorative" val="1"/>
+              </a:ext>
+            </a:extLst>
+          </p:cNvPr>
+          <p:cNvSpPr>
+            <a:spLocks noGrp="1" noRot="1" noChangeAspect="1" noMove="1" noResize="1" noEditPoints="1" noAdjustHandles="1" noChangeArrowheads="1" noChangeShapeType="1" noTextEdit="1"/>
+          </p:cNvSpPr>
+          <p:nvPr>
+            <p:extLst>
+              <p:ext uri="{386F3935-93C4-4BCD-93E2-E3B085C9AB24}">
+                <p16:designElem xmlns:p16="http://schemas.microsoft.com/office/powerpoint/2015/main" val="1"/>
+              </p:ext>
+            </p:extLst>
+          </p:nvPr>
+        </p:nvSpPr>
+        <p:spPr bwMode="ltGray">
+          <a:xfrm>
+            <a:off x="396882" y="280374"/>
+            <a:ext cx="11438793" cy="1844256"/>
+          </a:xfrm>
+          <a:prstGeom prst="rect">
+            <a:avLst/>
+          </a:prstGeom>
+          <a:solidFill>
+            <a:srgbClr val="404040"/>
+          </a:solidFill>
+          <a:ln w="127000" cap="sq" cmpd="thinThick">
+            <a:solidFill>
+              <a:srgbClr val="404040"/>
+            </a:solidFill>
+          </a:ln>
+        </p:spPr>
+        <p:style>
+          <a:lnRef idx="2">
+            <a:schemeClr val="accent1">
+              <a:shade val="50000"/>
+            </a:schemeClr>
+          </a:lnRef>
+          <a:fillRef idx="1">
+            <a:schemeClr val="accent1"/>
+          </a:fillRef>
+          <a:effectRef idx="0">
+            <a:schemeClr val="accent1"/>
+          </a:effectRef>
+          <a:fontRef idx="minor">
+            <a:schemeClr val="lt1"/>
+          </a:fontRef>
+        </p:style>
+        <p:txBody>
+          <a:bodyPr rtlCol="0" anchor="ctr"/>
+          <a:lstStyle/>
+          <a:p>
+            <a:pPr algn="ctr"/>
+            <a:endParaRPr lang="en-US"/>
+          </a:p>
+        </p:txBody>
+      </p:sp>
+      <p:sp>
+        <p:nvSpPr>
+          <p:cNvPr id="18" name="CaixaDeTexto 17">
+            <a:extLst>
+              <a:ext uri="{FF2B5EF4-FFF2-40B4-BE49-F238E27FC236}">
+                <a16:creationId xmlns:a16="http://schemas.microsoft.com/office/drawing/2014/main" id="{B513A972-1CA3-488C-A0CE-57DBD6094911}"/>
+              </a:ext>
+            </a:extLst>
+          </p:cNvPr>
+          <p:cNvSpPr txBox="1"/>
+          <p:nvPr/>
+        </p:nvSpPr>
+        <p:spPr>
+          <a:xfrm>
+            <a:off x="559416" y="1370974"/>
+            <a:ext cx="11139854" cy="930447"/>
+          </a:xfrm>
+          <a:prstGeom prst="rect">
+            <a:avLst/>
+          </a:prstGeom>
+        </p:spPr>
+        <p:txBody>
+          <a:bodyPr vert="horz" lIns="91440" tIns="45720" rIns="91440" bIns="45720" rtlCol="0" anchor="b">
+            <a:normAutofit/>
+          </a:bodyPr>
+          <a:lstStyle/>
+          <a:p>
+            <a:pPr algn="ctr">
+              <a:lnSpc>
+                <a:spcPct val="90000"/>
+              </a:lnSpc>
+              <a:spcBef>
+                <a:spcPct val="0"/>
+              </a:spcBef>
+              <a:spcAft>
+                <a:spcPts val="600"/>
+              </a:spcAft>
+            </a:pPr>
+            <a:endParaRPr lang="en-US" sz="5400" dirty="0">
+              <a:solidFill>
+                <a:srgbClr val="FFFFFF"/>
+              </a:solidFill>
+              <a:latin typeface="+mj-lt"/>
+              <a:ea typeface="+mj-ea"/>
+              <a:cs typeface="+mj-cs"/>
+            </a:endParaRPr>
+          </a:p>
+        </p:txBody>
+      </p:sp>
+      <p:cxnSp>
+        <p:nvCxnSpPr>
+          <p:cNvPr id="137" name="Straight Connector 136">
+            <a:extLst>
+              <a:ext uri="{FF2B5EF4-FFF2-40B4-BE49-F238E27FC236}">
+                <a16:creationId xmlns:a16="http://schemas.microsoft.com/office/drawing/2014/main" id="{7E7C77BC-7138-40B1-A15B-20F57A494629}"/>
+              </a:ext>
+              <a:ext uri="{C183D7F6-B498-43B3-948B-1728B52AA6E4}">
+                <adec:decorative xmlns:adec="http://schemas.microsoft.com/office/drawing/2017/decorative" val="1"/>
+              </a:ext>
+            </a:extLst>
+          </p:cNvPr>
+          <p:cNvCxnSpPr>
+            <a:cxnSpLocks noGrp="1" noRot="1" noChangeAspect="1" noMove="1" noResize="1" noEditPoints="1" noAdjustHandles="1" noChangeArrowheads="1" noChangeShapeType="1"/>
+          </p:cNvCxnSpPr>
+          <p:nvPr>
+            <p:extLst>
+              <p:ext uri="{386F3935-93C4-4BCD-93E2-E3B085C9AB24}">
+                <p16:designElem xmlns:p16="http://schemas.microsoft.com/office/powerpoint/2015/main" val="1"/>
+              </p:ext>
+            </p:extLst>
+          </p:nvPr>
+        </p:nvCxnSpPr>
+        <p:spPr>
+          <a:xfrm>
+            <a:off x="2230078" y="1522292"/>
+            <a:ext cx="7772400" cy="0"/>
+          </a:xfrm>
+          <a:prstGeom prst="line">
+            <a:avLst/>
+          </a:prstGeom>
+          <a:ln w="22225">
+            <a:solidFill>
+              <a:srgbClr val="D9D9D9"/>
+            </a:solidFill>
+          </a:ln>
+        </p:spPr>
+        <p:style>
+          <a:lnRef idx="1">
+            <a:schemeClr val="accent1"/>
+          </a:lnRef>
+          <a:fillRef idx="0">
+            <a:schemeClr val="accent1"/>
+          </a:fillRef>
+          <a:effectRef idx="0">
+            <a:schemeClr val="accent1"/>
+          </a:effectRef>
+          <a:fontRef idx="minor">
+            <a:schemeClr val="tx1"/>
+          </a:fontRef>
+        </p:style>
+      </p:cxnSp>
+      <p:pic>
+        <p:nvPicPr>
+          <p:cNvPr id="3074" name="Picture 2" descr="Ver a imagem de origem">
+            <a:extLst>
+              <a:ext uri="{FF2B5EF4-FFF2-40B4-BE49-F238E27FC236}">
+                <a16:creationId xmlns:a16="http://schemas.microsoft.com/office/drawing/2014/main" id="{0E56173A-9B53-46A7-9945-47CBDF00FD9E}"/>
+              </a:ext>
+            </a:extLst>
+          </p:cNvPr>
+          <p:cNvPicPr>
+            <a:picLocks noChangeAspect="1" noChangeArrowheads="1"/>
+          </p:cNvPicPr>
+          <p:nvPr/>
+        </p:nvPicPr>
+        <p:blipFill>
+          <a:blip r:embed="rId2">
+            <a:extLst>
+              <a:ext uri="{28A0092B-C50C-407E-A947-70E740481C1C}">
+                <a14:useLocalDpi xmlns:a14="http://schemas.microsoft.com/office/drawing/2010/main" val="0"/>
+              </a:ext>
+            </a:extLst>
+          </a:blip>
+          <a:stretch>
+            <a:fillRect/>
+          </a:stretch>
+        </p:blipFill>
+        <p:spPr bwMode="auto">
+          <a:xfrm>
+            <a:off x="7282135" y="2942992"/>
+            <a:ext cx="3942456" cy="3151964"/>
+          </a:xfrm>
+          <a:prstGeom prst="rect">
+            <a:avLst/>
+          </a:prstGeom>
+          <a:noFill/>
+          <a:extLst>
+            <a:ext uri="{909E8E84-426E-40DD-AFC4-6F175D3DCCD1}">
+              <a14:hiddenFill xmlns:a14="http://schemas.microsoft.com/office/drawing/2010/main">
+                <a:solidFill>
+                  <a:srgbClr val="FFFFFF"/>
+                </a:solidFill>
+              </a14:hiddenFill>
+            </a:ext>
+          </a:extLst>
+        </p:spPr>
+      </p:pic>
+      <p:cxnSp>
+        <p:nvCxnSpPr>
+          <p:cNvPr id="139" name="Straight Connector 138">
+            <a:extLst>
+              <a:ext uri="{FF2B5EF4-FFF2-40B4-BE49-F238E27FC236}">
+                <a16:creationId xmlns:a16="http://schemas.microsoft.com/office/drawing/2014/main" id="{DB146403-F3D6-484B-B2ED-97F9565D0370}"/>
+              </a:ext>
+              <a:ext uri="{C183D7F6-B498-43B3-948B-1728B52AA6E4}">
+                <adec:decorative xmlns:adec="http://schemas.microsoft.com/office/drawing/2017/decorative" val="1"/>
+              </a:ext>
+            </a:extLst>
+          </p:cNvPr>
+          <p:cNvCxnSpPr>
+            <a:cxnSpLocks noGrp="1" noRot="1" noChangeAspect="1" noMove="1" noResize="1" noEditPoints="1" noAdjustHandles="1" noChangeArrowheads="1" noChangeShapeType="1"/>
+          </p:cNvCxnSpPr>
+          <p:nvPr>
+            <p:extLst>
+              <p:ext uri="{386F3935-93C4-4BCD-93E2-E3B085C9AB24}">
+                <p16:designElem xmlns:p16="http://schemas.microsoft.com/office/powerpoint/2015/main" val="1"/>
+              </p:ext>
+            </p:extLst>
+          </p:nvPr>
+        </p:nvCxnSpPr>
+        <p:spPr>
+          <a:xfrm>
+            <a:off x="6116278" y="2596836"/>
+            <a:ext cx="0" cy="3657600"/>
+          </a:xfrm>
+          <a:prstGeom prst="line">
+            <a:avLst/>
+          </a:prstGeom>
+          <a:ln w="101600" cmpd="dbl">
+            <a:solidFill>
+              <a:srgbClr val="595959"/>
+            </a:solidFill>
+          </a:ln>
+        </p:spPr>
+        <p:style>
+          <a:lnRef idx="1">
+            <a:schemeClr val="accent1"/>
+          </a:lnRef>
+          <a:fillRef idx="0">
+            <a:schemeClr val="accent1"/>
+          </a:fillRef>
+          <a:effectRef idx="0">
+            <a:schemeClr val="accent1"/>
+          </a:effectRef>
+          <a:fontRef idx="minor">
+            <a:schemeClr val="tx1"/>
+          </a:fontRef>
+        </p:style>
+      </p:cxnSp>
+      <p:sp>
+        <p:nvSpPr>
+          <p:cNvPr id="2" name="CaixaDeTexto 1">
+            <a:extLst>
+              <a:ext uri="{FF2B5EF4-FFF2-40B4-BE49-F238E27FC236}">
+                <a16:creationId xmlns:a16="http://schemas.microsoft.com/office/drawing/2014/main" id="{D1F697F4-51A4-47F8-AA5A-624A3DAE20E6}"/>
+              </a:ext>
+            </a:extLst>
+          </p:cNvPr>
+          <p:cNvSpPr txBox="1"/>
+          <p:nvPr/>
+        </p:nvSpPr>
+        <p:spPr>
+          <a:xfrm>
+            <a:off x="546351" y="485094"/>
+            <a:ext cx="11139854" cy="930447"/>
+          </a:xfrm>
+          <a:prstGeom prst="rect">
+            <a:avLst/>
+          </a:prstGeom>
+        </p:spPr>
+        <p:txBody>
+          <a:bodyPr vert="horz" lIns="91440" tIns="45720" rIns="91440" bIns="45720" rtlCol="0" anchor="b">
+            <a:normAutofit/>
+          </a:bodyPr>
+          <a:lstStyle/>
+          <a:p>
+            <a:pPr algn="ctr">
+              <a:lnSpc>
+                <a:spcPct val="90000"/>
+              </a:lnSpc>
+              <a:spcBef>
+                <a:spcPct val="0"/>
+              </a:spcBef>
+              <a:spcAft>
+                <a:spcPts val="600"/>
+              </a:spcAft>
+            </a:pPr>
+            <a:endParaRPr lang="en-US" sz="5400" dirty="0">
+              <a:solidFill>
+                <a:srgbClr val="FFFFFF"/>
+              </a:solidFill>
+              <a:latin typeface="+mj-lt"/>
+              <a:ea typeface="+mj-ea"/>
+              <a:cs typeface="+mj-cs"/>
+            </a:endParaRPr>
+          </a:p>
+        </p:txBody>
+      </p:sp>
+      <p:pic>
+        <p:nvPicPr>
+          <p:cNvPr id="4" name="Imagem 3" descr="Logotipo&#10;&#10;Descrição gerada automaticamente">
+            <a:extLst>
+              <a:ext uri="{FF2B5EF4-FFF2-40B4-BE49-F238E27FC236}">
+                <a16:creationId xmlns:a16="http://schemas.microsoft.com/office/drawing/2014/main" id="{3A21A24A-018B-4CD4-9E40-B63FAB08CC8C}"/>
+              </a:ext>
+            </a:extLst>
+          </p:cNvPr>
+          <p:cNvPicPr>
+            <a:picLocks noChangeAspect="1"/>
+          </p:cNvPicPr>
+          <p:nvPr/>
+        </p:nvPicPr>
+        <p:blipFill>
+          <a:blip r:embed="rId3">
+            <a:extLst>
+              <a:ext uri="{28A0092B-C50C-407E-A947-70E740481C1C}">
+                <a14:useLocalDpi xmlns:a14="http://schemas.microsoft.com/office/drawing/2010/main" val="0"/>
+              </a:ext>
+            </a:extLst>
+          </a:blip>
+          <a:stretch>
+            <a:fillRect/>
+          </a:stretch>
+        </p:blipFill>
+        <p:spPr>
+          <a:xfrm>
+            <a:off x="11473430" y="6175513"/>
+            <a:ext cx="570021" cy="559903"/>
+          </a:xfrm>
+          <a:prstGeom prst="rect">
+            <a:avLst/>
+          </a:prstGeom>
+        </p:spPr>
+      </p:pic>
+      <p:sp>
+        <p:nvSpPr>
+          <p:cNvPr id="6" name="Retângulo 5">
+            <a:extLst>
+              <a:ext uri="{FF2B5EF4-FFF2-40B4-BE49-F238E27FC236}">
+                <a16:creationId xmlns:a16="http://schemas.microsoft.com/office/drawing/2014/main" id="{0D8BCC5F-03BD-4226-916D-7D7E98F75256}"/>
+              </a:ext>
+            </a:extLst>
+          </p:cNvPr>
+          <p:cNvSpPr/>
+          <p:nvPr/>
+        </p:nvSpPr>
+        <p:spPr>
+          <a:xfrm>
+            <a:off x="1544722" y="817628"/>
+            <a:ext cx="9102556" cy="590931"/>
+          </a:xfrm>
+          <a:prstGeom prst="rect">
+            <a:avLst/>
+          </a:prstGeom>
+        </p:spPr>
+        <p:txBody>
+          <a:bodyPr wrap="none">
+            <a:spAutoFit/>
+          </a:bodyPr>
+          <a:lstStyle/>
+          <a:p>
+            <a:pPr algn="ctr">
+              <a:lnSpc>
+                <a:spcPct val="90000"/>
+              </a:lnSpc>
+              <a:spcBef>
+                <a:spcPct val="0"/>
+              </a:spcBef>
+              <a:spcAft>
+                <a:spcPts val="600"/>
+              </a:spcAft>
+            </a:pPr>
+            <a:r>
+              <a:rPr lang="en-US" sz="3600" dirty="0">
+                <a:solidFill>
+                  <a:srgbClr val="FFFFFF"/>
+                </a:solidFill>
+                <a:latin typeface="Felix Titling" panose="04060505060202020A04" pitchFamily="82" charset="0"/>
+                <a:ea typeface="+mj-ea"/>
+                <a:cs typeface="+mj-cs"/>
+              </a:rPr>
+              <a:t>Tabelas/ Modelo de dados </a:t>
+            </a:r>
+            <a:r>
+              <a:rPr lang="en-US" sz="3600" dirty="0" err="1">
+                <a:solidFill>
+                  <a:srgbClr val="FFFFFF"/>
+                </a:solidFill>
+                <a:latin typeface="Felix Titling" panose="04060505060202020A04" pitchFamily="82" charset="0"/>
+                <a:ea typeface="+mj-ea"/>
+                <a:cs typeface="+mj-cs"/>
+              </a:rPr>
+              <a:t>Lógicos</a:t>
+            </a:r>
+            <a:endParaRPr lang="en-US" sz="3600" dirty="0">
+              <a:solidFill>
+                <a:srgbClr val="FFFFFF"/>
+              </a:solidFill>
+              <a:latin typeface="Felix Titling" panose="04060505060202020A04" pitchFamily="82" charset="0"/>
+              <a:ea typeface="+mj-ea"/>
+              <a:cs typeface="+mj-cs"/>
+            </a:endParaRPr>
+          </a:p>
+        </p:txBody>
+      </p:sp>
+      <p:pic>
+        <p:nvPicPr>
+          <p:cNvPr id="7" name="Imagem 6">
+            <a:extLst>
+              <a:ext uri="{FF2B5EF4-FFF2-40B4-BE49-F238E27FC236}">
+                <a16:creationId xmlns:a16="http://schemas.microsoft.com/office/drawing/2014/main" id="{FB4C0EF8-F325-420E-ADAB-72BB9D095E23}"/>
+              </a:ext>
+            </a:extLst>
+          </p:cNvPr>
+          <p:cNvPicPr>
+            <a:picLocks noChangeAspect="1"/>
+          </p:cNvPicPr>
+          <p:nvPr/>
+        </p:nvPicPr>
+        <p:blipFill>
+          <a:blip r:embed="rId4"/>
+          <a:stretch>
+            <a:fillRect/>
+          </a:stretch>
+        </p:blipFill>
+        <p:spPr>
+          <a:xfrm>
+            <a:off x="326741" y="2308403"/>
+            <a:ext cx="5607494" cy="4294758"/>
+          </a:xfrm>
+          <a:prstGeom prst="rect">
+            <a:avLst/>
+          </a:prstGeom>
+        </p:spPr>
+      </p:pic>
+    </p:spTree>
+    <p:extLst>
+      <p:ext uri="{BB962C8B-B14F-4D97-AF65-F5344CB8AC3E}">
+        <p14:creationId xmlns:p14="http://schemas.microsoft.com/office/powerpoint/2010/main" val="117975961"/>
+      </p:ext>
+    </p:extLst>
+  </p:cSld>
+  <p:clrMapOvr>
+    <a:masterClrMapping/>
+  </p:clrMapOvr>
+  <p:timing>
+    <p:tnLst>
+      <p:par>
+        <p:cTn id="1" dur="indefinite" restart="never" nodeType="tmRoot">
+          <p:childTnLst>
+            <p:seq concurrent="1" nextAc="seek">
+              <p:cTn id="2" dur="indefinite" nodeType="mainSeq">
+                <p:childTnLst>
+                  <p:par>
+                    <p:cTn id="3" fill="hold">
+                      <p:stCondLst>
+                        <p:cond delay="indefinite"/>
+                        <p:cond evt="onBegin" delay="0">
+                          <p:tn val="2"/>
+                        </p:cond>
+                      </p:stCondLst>
+                      <p:childTnLst>
+                        <p:par>
+                          <p:cTn id="4" fill="hold">
+                            <p:stCondLst>
+                              <p:cond delay="0"/>
+                            </p:stCondLst>
+                            <p:childTnLst>
+                              <p:par>
+                                <p:cTn id="5" presetID="10" presetClass="entr" presetSubtype="0" fill="hold" nodeType="withEffect">
+                                  <p:stCondLst>
+                                    <p:cond delay="0"/>
+                                  </p:stCondLst>
+                                  <p:childTnLst>
+                                    <p:set>
+                                      <p:cBhvr>
+                                        <p:cTn id="6" dur="1" fill="hold">
+                                          <p:stCondLst>
+                                            <p:cond delay="0"/>
+                                          </p:stCondLst>
+                                        </p:cTn>
+                                        <p:tgtEl>
+                                          <p:spTgt spid="4"/>
+                                        </p:tgtEl>
+                                        <p:attrNameLst>
+                                          <p:attrName>style.visibility</p:attrName>
+                                        </p:attrNameLst>
+                                      </p:cBhvr>
+                                      <p:to>
+                                        <p:strVal val="visible"/>
+                                      </p:to>
+                                    </p:set>
+                                    <p:animEffect transition="in" filter="fade">
+                                      <p:cBhvr>
+                                        <p:cTn id="7" dur="500"/>
+                                        <p:tgtEl>
+                                          <p:spTgt spid="4"/>
+                                        </p:tgtEl>
+                                      </p:cBhvr>
+                                    </p:animEffect>
+                                  </p:childTnLst>
+                                </p:cTn>
+                              </p:par>
+                            </p:childTnLst>
+                          </p:cTn>
+                        </p:par>
+                      </p:childTnLst>
+                    </p:cTn>
+                  </p:par>
+                  <p:par>
+                    <p:cTn id="8" fill="hold">
+                      <p:stCondLst>
+                        <p:cond delay="indefinite"/>
+                      </p:stCondLst>
+                      <p:childTnLst>
+                        <p:par>
+                          <p:cTn id="9" fill="hold">
+                            <p:stCondLst>
+                              <p:cond delay="0"/>
+                            </p:stCondLst>
+                            <p:childTnLst>
+                              <p:par>
+                                <p:cTn id="10" presetID="10" presetClass="entr" presetSubtype="0" fill="hold" nodeType="clickEffect">
+                                  <p:stCondLst>
+                                    <p:cond delay="0"/>
+                                  </p:stCondLst>
+                                  <p:childTnLst>
+                                    <p:set>
+                                      <p:cBhvr>
+                                        <p:cTn id="11" dur="1" fill="hold">
+                                          <p:stCondLst>
+                                            <p:cond delay="0"/>
+                                          </p:stCondLst>
+                                        </p:cTn>
+                                        <p:tgtEl>
+                                          <p:spTgt spid="3074"/>
+                                        </p:tgtEl>
+                                        <p:attrNameLst>
+                                          <p:attrName>style.visibility</p:attrName>
+                                        </p:attrNameLst>
+                                      </p:cBhvr>
+                                      <p:to>
+                                        <p:strVal val="visible"/>
+                                      </p:to>
+                                    </p:set>
+                                    <p:animEffect transition="in" filter="fade">
+                                      <p:cBhvr>
+                                        <p:cTn id="12" dur="500"/>
+                                        <p:tgtEl>
+                                          <p:spTgt spid="3074"/>
+                                        </p:tgtEl>
+                                      </p:cBhvr>
+                                    </p:animEffect>
+                                  </p:childTnLst>
+                                </p:cTn>
+                              </p:par>
+                            </p:childTnLst>
+                          </p:cTn>
+                        </p:par>
+                      </p:childTnLst>
+                    </p:cTn>
+                  </p:par>
+                  <p:par>
+                    <p:cTn id="13" fill="hold">
+                      <p:stCondLst>
+                        <p:cond delay="indefinite"/>
+                      </p:stCondLst>
+                      <p:childTnLst>
+                        <p:par>
+                          <p:cTn id="14" fill="hold">
+                            <p:stCondLst>
+                              <p:cond delay="0"/>
+                            </p:stCondLst>
+                            <p:childTnLst>
+                              <p:par>
+                                <p:cTn id="15" presetID="1" presetClass="entr" presetSubtype="0" fill="hold" nodeType="clickEffect">
+                                  <p:stCondLst>
+                                    <p:cond delay="0"/>
+                                  </p:stCondLst>
+                                  <p:childTnLst>
+                                    <p:set>
+                                      <p:cBhvr>
+                                        <p:cTn id="16" dur="1" fill="hold">
+                                          <p:stCondLst>
+                                            <p:cond delay="0"/>
+                                          </p:stCondLst>
+                                        </p:cTn>
+                                        <p:tgtEl>
+                                          <p:spTgt spid="7"/>
+                                        </p:tgtEl>
+                                        <p:attrNameLst>
+                                          <p:attrName>style.visibility</p:attrName>
+                                        </p:attrNameLst>
+                                      </p:cBhvr>
+                                      <p:to>
+                                        <p:strVal val="visible"/>
+                                      </p:to>
+                                    </p:set>
+                                  </p:childTnLst>
+                                </p:cTn>
+                              </p:par>
+                            </p:childTnLst>
+                          </p:cTn>
+                        </p:par>
+                      </p:childTnLst>
+                    </p:cTn>
+                  </p:par>
+                </p:childTnLst>
+              </p:cTn>
+              <p:prevCondLst>
+                <p:cond evt="onPrev" delay="0">
+                  <p:tgtEl>
+                    <p:sldTgt/>
+                  </p:tgtEl>
+                </p:cond>
+              </p:prevCondLst>
+              <p:nextCondLst>
+                <p:cond evt="onNext" delay="0">
+                  <p:tgtEl>
+                    <p:sldTgt/>
+                  </p:tgtEl>
+                </p:cond>
+              </p:nextCondLst>
+            </p:seq>
+          </p:childTnLst>
+        </p:cTn>
+      </p:par>
+    </p:tnLst>
+  </p:timing>
+</p:sld>
+</file>
+
+<file path=ppt/slides/slide8.xml><?xml version="1.0" encoding="utf-8"?>
 <p:sld xmlns:a="http://schemas.openxmlformats.org/drawingml/2006/main" xmlns:r="http://schemas.openxmlformats.org/officeDocument/2006/relationships" xmlns:p="http://schemas.openxmlformats.org/presentationml/2006/main">
   <p:cSld>
     <p:bg>
@@ -7132,7 +10680,7 @@
 </p:sld>
 </file>
 
-<file path=ppt/slides/slide11.xml><?xml version="1.0" encoding="utf-8"?>
+<file path=ppt/slides/slide9.xml><?xml version="1.0" encoding="utf-8"?>
 <p:sld xmlns:a="http://schemas.openxmlformats.org/drawingml/2006/main" xmlns:r="http://schemas.openxmlformats.org/officeDocument/2006/relationships" xmlns:p="http://schemas.openxmlformats.org/presentationml/2006/main">
   <p:cSld>
     <p:bg>
@@ -8289,4763 +11837,6 @@
 </p:sld>
 </file>
 
-<file path=ppt/slides/slide2.xml><?xml version="1.0" encoding="utf-8"?>
-<p:sld xmlns:a="http://schemas.openxmlformats.org/drawingml/2006/main" xmlns:r="http://schemas.openxmlformats.org/officeDocument/2006/relationships" xmlns:p="http://schemas.openxmlformats.org/presentationml/2006/main">
-  <p:cSld>
-    <p:bg>
-      <p:bgPr>
-        <a:solidFill>
-          <a:schemeClr val="bg2">
-            <a:lumMod val="90000"/>
-          </a:schemeClr>
-        </a:solidFill>
-        <a:effectLst/>
-      </p:bgPr>
-    </p:bg>
-    <p:spTree>
-      <p:nvGrpSpPr>
-        <p:cNvPr id="1" name=""/>
-        <p:cNvGrpSpPr/>
-        <p:nvPr/>
-      </p:nvGrpSpPr>
-      <p:grpSpPr>
-        <a:xfrm>
-          <a:off x="0" y="0"/>
-          <a:ext cx="0" cy="0"/>
-          <a:chOff x="0" y="0"/>
-          <a:chExt cx="0" cy="0"/>
-        </a:xfrm>
-      </p:grpSpPr>
-      <p:sp>
-        <p:nvSpPr>
-          <p:cNvPr id="2" name="Retângulo 1">
-            <a:extLst>
-              <a:ext uri="{FF2B5EF4-FFF2-40B4-BE49-F238E27FC236}">
-                <a16:creationId xmlns:a16="http://schemas.microsoft.com/office/drawing/2014/main" id="{1CC934F3-2EB8-4EC7-A8CD-FAEB831A3F77}"/>
-              </a:ext>
-            </a:extLst>
-          </p:cNvPr>
-          <p:cNvSpPr/>
-          <p:nvPr/>
-        </p:nvSpPr>
-        <p:spPr>
-          <a:xfrm>
-            <a:off x="67649" y="1659835"/>
-            <a:ext cx="12192000" cy="3538330"/>
-          </a:xfrm>
-          <a:prstGeom prst="rect">
-            <a:avLst/>
-          </a:prstGeom>
-          <a:solidFill>
-            <a:schemeClr val="bg2">
-              <a:lumMod val="25000"/>
-            </a:schemeClr>
-          </a:solidFill>
-          <a:ln>
-            <a:noFill/>
-          </a:ln>
-        </p:spPr>
-        <p:style>
-          <a:lnRef idx="2">
-            <a:schemeClr val="accent1">
-              <a:shade val="50000"/>
-            </a:schemeClr>
-          </a:lnRef>
-          <a:fillRef idx="1">
-            <a:schemeClr val="accent1"/>
-          </a:fillRef>
-          <a:effectRef idx="0">
-            <a:schemeClr val="accent1"/>
-          </a:effectRef>
-          <a:fontRef idx="minor">
-            <a:schemeClr val="lt1"/>
-          </a:fontRef>
-        </p:style>
-        <p:txBody>
-          <a:bodyPr rtlCol="0" anchor="ctr"/>
-          <a:lstStyle/>
-          <a:p>
-            <a:pPr algn="ctr"/>
-            <a:endParaRPr lang="pt-BR" dirty="0"/>
-          </a:p>
-        </p:txBody>
-      </p:sp>
-      <p:sp>
-        <p:nvSpPr>
-          <p:cNvPr id="3" name="CaixaDeTexto 2">
-            <a:extLst>
-              <a:ext uri="{FF2B5EF4-FFF2-40B4-BE49-F238E27FC236}">
-                <a16:creationId xmlns:a16="http://schemas.microsoft.com/office/drawing/2014/main" id="{BB241D94-FD38-42AB-94D9-1FFFFF6EEF45}"/>
-              </a:ext>
-            </a:extLst>
-          </p:cNvPr>
-          <p:cNvSpPr txBox="1"/>
-          <p:nvPr/>
-        </p:nvSpPr>
-        <p:spPr>
-          <a:xfrm>
-            <a:off x="636103" y="525119"/>
-            <a:ext cx="5208106" cy="646331"/>
-          </a:xfrm>
-          <a:prstGeom prst="rect">
-            <a:avLst/>
-          </a:prstGeom>
-          <a:noFill/>
-        </p:spPr>
-        <p:txBody>
-          <a:bodyPr wrap="square" rtlCol="0">
-            <a:spAutoFit/>
-          </a:bodyPr>
-          <a:lstStyle/>
-          <a:p>
-            <a:r>
-              <a:rPr lang="pt-BR" sz="3600" dirty="0">
-                <a:latin typeface="Felix Titling" panose="04060505060202020A04" pitchFamily="82" charset="0"/>
-                <a:ea typeface="MS Mincho" panose="020B0400000000000000" pitchFamily="49" charset="-128"/>
-              </a:rPr>
-              <a:t>Contextualização</a:t>
-            </a:r>
-          </a:p>
-        </p:txBody>
-      </p:sp>
-      <p:sp>
-        <p:nvSpPr>
-          <p:cNvPr id="7" name="Elipse 6">
-            <a:extLst>
-              <a:ext uri="{FF2B5EF4-FFF2-40B4-BE49-F238E27FC236}">
-                <a16:creationId xmlns:a16="http://schemas.microsoft.com/office/drawing/2014/main" id="{7806EF92-D9BA-4200-9F78-3DFDDBAF18BC}"/>
-              </a:ext>
-            </a:extLst>
-          </p:cNvPr>
-          <p:cNvSpPr/>
-          <p:nvPr/>
-        </p:nvSpPr>
-        <p:spPr>
-          <a:xfrm>
-            <a:off x="5669550" y="235425"/>
-            <a:ext cx="6387152" cy="6387152"/>
-          </a:xfrm>
-          <a:custGeom>
-            <a:avLst/>
-            <a:gdLst>
-              <a:gd name="connsiteX0" fmla="*/ 0 w 6387152"/>
-              <a:gd name="connsiteY0" fmla="*/ 3193576 h 6387152"/>
-              <a:gd name="connsiteX1" fmla="*/ 3193576 w 6387152"/>
-              <a:gd name="connsiteY1" fmla="*/ 0 h 6387152"/>
-              <a:gd name="connsiteX2" fmla="*/ 6387152 w 6387152"/>
-              <a:gd name="connsiteY2" fmla="*/ 3193576 h 6387152"/>
-              <a:gd name="connsiteX3" fmla="*/ 3193576 w 6387152"/>
-              <a:gd name="connsiteY3" fmla="*/ 6387152 h 6387152"/>
-              <a:gd name="connsiteX4" fmla="*/ 0 w 6387152"/>
-              <a:gd name="connsiteY4" fmla="*/ 3193576 h 6387152"/>
-            </a:gdLst>
-            <a:ahLst/>
-            <a:cxnLst>
-              <a:cxn ang="0">
-                <a:pos x="connsiteX0" y="connsiteY0"/>
-              </a:cxn>
-              <a:cxn ang="0">
-                <a:pos x="connsiteX1" y="connsiteY1"/>
-              </a:cxn>
-              <a:cxn ang="0">
-                <a:pos x="connsiteX2" y="connsiteY2"/>
-              </a:cxn>
-              <a:cxn ang="0">
-                <a:pos x="connsiteX3" y="connsiteY3"/>
-              </a:cxn>
-              <a:cxn ang="0">
-                <a:pos x="connsiteX4" y="connsiteY4"/>
-              </a:cxn>
-            </a:cxnLst>
-            <a:rect l="l" t="t" r="r" b="b"/>
-            <a:pathLst>
-              <a:path w="6387152" h="6387152" extrusionOk="0">
-                <a:moveTo>
-                  <a:pt x="0" y="3193576"/>
-                </a:moveTo>
-                <a:cubicBezTo>
-                  <a:pt x="409268" y="1480626"/>
-                  <a:pt x="1450345" y="211181"/>
-                  <a:pt x="3193576" y="0"/>
-                </a:cubicBezTo>
-                <a:cubicBezTo>
-                  <a:pt x="4950723" y="-81899"/>
-                  <a:pt x="6608770" y="1285766"/>
-                  <a:pt x="6387152" y="3193576"/>
-                </a:cubicBezTo>
-                <a:cubicBezTo>
-                  <a:pt x="6657647" y="5238028"/>
-                  <a:pt x="4936435" y="6308855"/>
-                  <a:pt x="3193576" y="6387152"/>
-                </a:cubicBezTo>
-                <a:cubicBezTo>
-                  <a:pt x="1103533" y="6524467"/>
-                  <a:pt x="91221" y="5117253"/>
-                  <a:pt x="0" y="3193576"/>
-                </a:cubicBezTo>
-                <a:close/>
-              </a:path>
-            </a:pathLst>
-          </a:custGeom>
-          <a:noFill/>
-          <a:ln w="28575">
-            <a:solidFill>
-              <a:srgbClr val="00B0F0"/>
-            </a:solidFill>
-            <a:extLst>
-              <a:ext uri="{C807C97D-BFC1-408E-A445-0C87EB9F89A2}">
-                <ask:lineSketchStyleProps xmlns:ask="http://schemas.microsoft.com/office/drawing/2018/sketchyshapes" sd="878760193">
-                  <a:prstGeom prst="ellipse">
-                    <a:avLst/>
-                  </a:prstGeom>
-                  <ask:type>
-                    <ask:lineSketchFreehand/>
-                  </ask:type>
-                </ask:lineSketchStyleProps>
-              </a:ext>
-            </a:extLst>
-          </a:ln>
-        </p:spPr>
-        <p:style>
-          <a:lnRef idx="2">
-            <a:schemeClr val="accent1">
-              <a:shade val="50000"/>
-            </a:schemeClr>
-          </a:lnRef>
-          <a:fillRef idx="1">
-            <a:schemeClr val="accent1"/>
-          </a:fillRef>
-          <a:effectRef idx="0">
-            <a:schemeClr val="accent1"/>
-          </a:effectRef>
-          <a:fontRef idx="minor">
-            <a:schemeClr val="lt1"/>
-          </a:fontRef>
-        </p:style>
-        <p:txBody>
-          <a:bodyPr rtlCol="0" anchor="ctr"/>
-          <a:lstStyle/>
-          <a:p>
-            <a:pPr algn="ctr"/>
-            <a:endParaRPr lang="pt-BR"/>
-          </a:p>
-        </p:txBody>
-      </p:sp>
-      <p:sp>
-        <p:nvSpPr>
-          <p:cNvPr id="9" name="Elipse 8">
-            <a:extLst>
-              <a:ext uri="{FF2B5EF4-FFF2-40B4-BE49-F238E27FC236}">
-                <a16:creationId xmlns:a16="http://schemas.microsoft.com/office/drawing/2014/main" id="{F1A5993D-8863-4C43-BB11-43EA13422C6F}"/>
-              </a:ext>
-            </a:extLst>
-          </p:cNvPr>
-          <p:cNvSpPr/>
-          <p:nvPr/>
-        </p:nvSpPr>
-        <p:spPr>
-          <a:xfrm>
-            <a:off x="5669551" y="627796"/>
-            <a:ext cx="5965158" cy="5994779"/>
-          </a:xfrm>
-          <a:custGeom>
-            <a:avLst/>
-            <a:gdLst>
-              <a:gd name="connsiteX0" fmla="*/ 0 w 5965158"/>
-              <a:gd name="connsiteY0" fmla="*/ 2997390 h 5994779"/>
-              <a:gd name="connsiteX1" fmla="*/ 2982579 w 5965158"/>
-              <a:gd name="connsiteY1" fmla="*/ 0 h 5994779"/>
-              <a:gd name="connsiteX2" fmla="*/ 5965158 w 5965158"/>
-              <a:gd name="connsiteY2" fmla="*/ 2997390 h 5994779"/>
-              <a:gd name="connsiteX3" fmla="*/ 2982579 w 5965158"/>
-              <a:gd name="connsiteY3" fmla="*/ 5994780 h 5994779"/>
-              <a:gd name="connsiteX4" fmla="*/ 0 w 5965158"/>
-              <a:gd name="connsiteY4" fmla="*/ 2997390 h 5994779"/>
-            </a:gdLst>
-            <a:ahLst/>
-            <a:cxnLst>
-              <a:cxn ang="0">
-                <a:pos x="connsiteX0" y="connsiteY0"/>
-              </a:cxn>
-              <a:cxn ang="0">
-                <a:pos x="connsiteX1" y="connsiteY1"/>
-              </a:cxn>
-              <a:cxn ang="0">
-                <a:pos x="connsiteX2" y="connsiteY2"/>
-              </a:cxn>
-              <a:cxn ang="0">
-                <a:pos x="connsiteX3" y="connsiteY3"/>
-              </a:cxn>
-              <a:cxn ang="0">
-                <a:pos x="connsiteX4" y="connsiteY4"/>
-              </a:cxn>
-            </a:cxnLst>
-            <a:rect l="l" t="t" r="r" b="b"/>
-            <a:pathLst>
-              <a:path w="5965158" h="5994779" extrusionOk="0">
-                <a:moveTo>
-                  <a:pt x="0" y="2997390"/>
-                </a:moveTo>
-                <a:cubicBezTo>
-                  <a:pt x="374093" y="1388422"/>
-                  <a:pt x="1359341" y="246799"/>
-                  <a:pt x="2982579" y="0"/>
-                </a:cubicBezTo>
-                <a:cubicBezTo>
-                  <a:pt x="4616530" y="-164411"/>
-                  <a:pt x="6170874" y="1208266"/>
-                  <a:pt x="5965158" y="2997390"/>
-                </a:cubicBezTo>
-                <a:cubicBezTo>
-                  <a:pt x="6136409" y="4830508"/>
-                  <a:pt x="4546937" y="5684369"/>
-                  <a:pt x="2982579" y="5994780"/>
-                </a:cubicBezTo>
-                <a:cubicBezTo>
-                  <a:pt x="1003458" y="6134456"/>
-                  <a:pt x="87069" y="4805440"/>
-                  <a:pt x="0" y="2997390"/>
-                </a:cubicBezTo>
-                <a:close/>
-              </a:path>
-            </a:pathLst>
-          </a:custGeom>
-          <a:noFill/>
-          <a:ln w="28575">
-            <a:solidFill>
-              <a:srgbClr val="00B0F0"/>
-            </a:solidFill>
-            <a:prstDash val="sysDash"/>
-            <a:extLst>
-              <a:ext uri="{C807C97D-BFC1-408E-A445-0C87EB9F89A2}">
-                <ask:lineSketchStyleProps xmlns:ask="http://schemas.microsoft.com/office/drawing/2018/sketchyshapes" sd="878760193">
-                  <a:prstGeom prst="ellipse">
-                    <a:avLst/>
-                  </a:prstGeom>
-                  <ask:type>
-                    <ask:lineSketchFreehand/>
-                  </ask:type>
-                </ask:lineSketchStyleProps>
-              </a:ext>
-            </a:extLst>
-          </a:ln>
-        </p:spPr>
-        <p:style>
-          <a:lnRef idx="2">
-            <a:schemeClr val="accent1">
-              <a:shade val="50000"/>
-            </a:schemeClr>
-          </a:lnRef>
-          <a:fillRef idx="1">
-            <a:schemeClr val="accent1"/>
-          </a:fillRef>
-          <a:effectRef idx="0">
-            <a:schemeClr val="accent1"/>
-          </a:effectRef>
-          <a:fontRef idx="minor">
-            <a:schemeClr val="lt1"/>
-          </a:fontRef>
-        </p:style>
-        <p:txBody>
-          <a:bodyPr rtlCol="0" anchor="ctr"/>
-          <a:lstStyle/>
-          <a:p>
-            <a:pPr algn="ctr"/>
-            <a:endParaRPr lang="pt-BR"/>
-          </a:p>
-        </p:txBody>
-      </p:sp>
-      <p:sp>
-        <p:nvSpPr>
-          <p:cNvPr id="8" name="Retângulo 7">
-            <a:extLst>
-              <a:ext uri="{FF2B5EF4-FFF2-40B4-BE49-F238E27FC236}">
-                <a16:creationId xmlns:a16="http://schemas.microsoft.com/office/drawing/2014/main" id="{02E8BF95-29AB-4510-B418-C3A514AF3617}"/>
-              </a:ext>
-            </a:extLst>
-          </p:cNvPr>
-          <p:cNvSpPr/>
-          <p:nvPr/>
-        </p:nvSpPr>
-        <p:spPr>
-          <a:xfrm>
-            <a:off x="0" y="1659835"/>
-            <a:ext cx="11150221" cy="3538330"/>
-          </a:xfrm>
-          <a:prstGeom prst="rect">
-            <a:avLst/>
-          </a:prstGeom>
-          <a:solidFill>
-            <a:schemeClr val="bg2">
-              <a:lumMod val="25000"/>
-            </a:schemeClr>
-          </a:solidFill>
-          <a:ln>
-            <a:noFill/>
-          </a:ln>
-        </p:spPr>
-        <p:style>
-          <a:lnRef idx="2">
-            <a:schemeClr val="accent1">
-              <a:shade val="50000"/>
-            </a:schemeClr>
-          </a:lnRef>
-          <a:fillRef idx="1">
-            <a:schemeClr val="accent1"/>
-          </a:fillRef>
-          <a:effectRef idx="0">
-            <a:schemeClr val="accent1"/>
-          </a:effectRef>
-          <a:fontRef idx="minor">
-            <a:schemeClr val="lt1"/>
-          </a:fontRef>
-        </p:style>
-        <p:txBody>
-          <a:bodyPr rtlCol="0" anchor="ctr"/>
-          <a:lstStyle/>
-          <a:p>
-            <a:pPr algn="ctr"/>
-            <a:endParaRPr lang="pt-BR" u="sng" dirty="0"/>
-          </a:p>
-        </p:txBody>
-      </p:sp>
-      <p:sp>
-        <p:nvSpPr>
-          <p:cNvPr id="4" name="CaixaDeTexto 3">
-            <a:extLst>
-              <a:ext uri="{FF2B5EF4-FFF2-40B4-BE49-F238E27FC236}">
-                <a16:creationId xmlns:a16="http://schemas.microsoft.com/office/drawing/2014/main" id="{5CEFF207-9BF9-4B40-9B67-6632E59CF946}"/>
-              </a:ext>
-            </a:extLst>
-          </p:cNvPr>
-          <p:cNvSpPr txBox="1"/>
-          <p:nvPr/>
-        </p:nvSpPr>
-        <p:spPr>
-          <a:xfrm>
-            <a:off x="292426" y="1958297"/>
-            <a:ext cx="6494267" cy="3416320"/>
-          </a:xfrm>
-          <a:prstGeom prst="rect">
-            <a:avLst/>
-          </a:prstGeom>
-          <a:noFill/>
-        </p:spPr>
-        <p:txBody>
-          <a:bodyPr wrap="square" rtlCol="0">
-            <a:spAutoFit/>
-          </a:bodyPr>
-          <a:lstStyle/>
-          <a:p>
-            <a:pPr marL="342900" indent="-342900">
-              <a:buFont typeface="Arial" panose="020B0604020202020204" pitchFamily="34" charset="0"/>
-              <a:buChar char="•"/>
-            </a:pPr>
-            <a:r>
-              <a:rPr lang="pt-BR" sz="2400" dirty="0">
-                <a:solidFill>
-                  <a:schemeClr val="bg1"/>
-                </a:solidFill>
-                <a:latin typeface="Calibri" panose="020F0502020204030204" pitchFamily="34" charset="0"/>
-                <a:ea typeface="Calibri" panose="020F0502020204030204" pitchFamily="34" charset="0"/>
-                <a:cs typeface="Times New Roman" panose="02020603050405020304" pitchFamily="18" charset="0"/>
-              </a:rPr>
-              <a:t>Objetivos da empresa.</a:t>
-            </a:r>
-          </a:p>
-          <a:p>
-            <a:endParaRPr lang="pt-BR" sz="2400" dirty="0">
-              <a:solidFill>
-                <a:schemeClr val="bg1"/>
-              </a:solidFill>
-              <a:latin typeface="Calibri" panose="020F0502020204030204" pitchFamily="34" charset="0"/>
-              <a:ea typeface="Calibri" panose="020F0502020204030204" pitchFamily="34" charset="0"/>
-              <a:cs typeface="Times New Roman" panose="02020603050405020304" pitchFamily="18" charset="0"/>
-            </a:endParaRPr>
-          </a:p>
-          <a:p>
-            <a:pPr marL="342900" indent="-342900">
-              <a:buFont typeface="Arial" panose="020B0604020202020204" pitchFamily="34" charset="0"/>
-              <a:buChar char="•"/>
-            </a:pPr>
-            <a:r>
-              <a:rPr lang="pt-BR" sz="2400" dirty="0">
-                <a:solidFill>
-                  <a:srgbClr val="EBEBEB"/>
-                </a:solidFill>
-                <a:ea typeface="Calibri" panose="020F0502020204030204" pitchFamily="34" charset="0"/>
-                <a:cs typeface="Arial" panose="020B0604020202020204" pitchFamily="34" charset="0"/>
-              </a:rPr>
-              <a:t>Controle de temperatura.</a:t>
-            </a:r>
-          </a:p>
-          <a:p>
-            <a:pPr marL="342900" indent="-342900">
-              <a:buFont typeface="Arial" panose="020B0604020202020204" pitchFamily="34" charset="0"/>
-              <a:buChar char="•"/>
-            </a:pPr>
-            <a:endParaRPr lang="pt-BR" sz="2400" dirty="0">
-              <a:solidFill>
-                <a:srgbClr val="EBEBEB"/>
-              </a:solidFill>
-              <a:latin typeface="Felix Titling" panose="04060505060202020A04" pitchFamily="82" charset="0"/>
-              <a:ea typeface="MS Mincho" panose="020B0400000000000000" pitchFamily="49" charset="-128"/>
-              <a:cs typeface="Arial" panose="020B0604020202020204" pitchFamily="34" charset="0"/>
-            </a:endParaRPr>
-          </a:p>
-          <a:p>
-            <a:pPr marL="342900" indent="-342900">
-              <a:buFont typeface="Arial" panose="020B0604020202020204" pitchFamily="34" charset="0"/>
-              <a:buChar char="•"/>
-            </a:pPr>
-            <a:r>
-              <a:rPr lang="pt-BR" sz="2400" dirty="0">
-                <a:solidFill>
-                  <a:schemeClr val="bg1"/>
-                </a:solidFill>
-                <a:ea typeface="MS Mincho" panose="020B0400000000000000" pitchFamily="49" charset="-128"/>
-              </a:rPr>
-              <a:t> Peixes.</a:t>
-            </a:r>
-          </a:p>
-          <a:p>
-            <a:pPr marL="342900" indent="-342900">
-              <a:buFont typeface="Arial" panose="020B0604020202020204" pitchFamily="34" charset="0"/>
-              <a:buChar char="•"/>
-            </a:pPr>
-            <a:endParaRPr lang="pt-BR" sz="2400" dirty="0">
-              <a:solidFill>
-                <a:schemeClr val="bg1"/>
-              </a:solidFill>
-              <a:ea typeface="MS Mincho" panose="020B0400000000000000" pitchFamily="49" charset="-128"/>
-            </a:endParaRPr>
-          </a:p>
-          <a:p>
-            <a:pPr marL="342900" indent="-342900">
-              <a:buFont typeface="Arial" panose="020B0604020202020204" pitchFamily="34" charset="0"/>
-              <a:buChar char="•"/>
-            </a:pPr>
-            <a:r>
-              <a:rPr lang="pt-BR" sz="2400" dirty="0">
-                <a:solidFill>
-                  <a:schemeClr val="bg1"/>
-                </a:solidFill>
-                <a:ea typeface="MS Mincho" panose="020B0400000000000000" pitchFamily="49" charset="-128"/>
-              </a:rPr>
-              <a:t> Sensores.</a:t>
-            </a:r>
-          </a:p>
-          <a:p>
-            <a:pPr marL="342900" indent="-342900">
-              <a:buFont typeface="Arial" panose="020B0604020202020204" pitchFamily="34" charset="0"/>
-              <a:buChar char="•"/>
-            </a:pPr>
-            <a:endParaRPr lang="pt-BR" sz="2400" dirty="0">
-              <a:solidFill>
-                <a:schemeClr val="bg1"/>
-              </a:solidFill>
-              <a:ea typeface="MS Mincho" panose="020B0400000000000000" pitchFamily="49" charset="-128"/>
-            </a:endParaRPr>
-          </a:p>
-          <a:p>
-            <a:pPr marL="342900" indent="-342900">
-              <a:buFont typeface="Arial" panose="020B0604020202020204" pitchFamily="34" charset="0"/>
-              <a:buChar char="•"/>
-            </a:pPr>
-            <a:endParaRPr lang="pt-BR" sz="2400" dirty="0">
-              <a:solidFill>
-                <a:schemeClr val="bg1"/>
-              </a:solidFill>
-              <a:ea typeface="MS Mincho" panose="020B0400000000000000" pitchFamily="49" charset="-128"/>
-            </a:endParaRPr>
-          </a:p>
-        </p:txBody>
-      </p:sp>
-      <p:pic>
-        <p:nvPicPr>
-          <p:cNvPr id="10" name="Imagem 9" descr="Logotipo&#10;&#10;Descrição gerada automaticamente">
-            <a:extLst>
-              <a:ext uri="{FF2B5EF4-FFF2-40B4-BE49-F238E27FC236}">
-                <a16:creationId xmlns:a16="http://schemas.microsoft.com/office/drawing/2014/main" id="{96921D37-FFF6-4B4B-AC70-D2250BB9B1D4}"/>
-              </a:ext>
-            </a:extLst>
-          </p:cNvPr>
-          <p:cNvPicPr>
-            <a:picLocks noChangeAspect="1"/>
-          </p:cNvPicPr>
-          <p:nvPr/>
-        </p:nvPicPr>
-        <p:blipFill>
-          <a:blip r:embed="rId2">
-            <a:extLst>
-              <a:ext uri="{28A0092B-C50C-407E-A947-70E740481C1C}">
-                <a14:useLocalDpi xmlns:a14="http://schemas.microsoft.com/office/drawing/2010/main" val="0"/>
-              </a:ext>
-            </a:extLst>
-          </a:blip>
-          <a:stretch>
-            <a:fillRect/>
-          </a:stretch>
-        </p:blipFill>
-        <p:spPr>
-          <a:xfrm>
-            <a:off x="11702357" y="4783662"/>
-            <a:ext cx="421994" cy="414503"/>
-          </a:xfrm>
-          <a:prstGeom prst="rect">
-            <a:avLst/>
-          </a:prstGeom>
-        </p:spPr>
-      </p:pic>
-    </p:spTree>
-    <p:extLst>
-      <p:ext uri="{BB962C8B-B14F-4D97-AF65-F5344CB8AC3E}">
-        <p14:creationId xmlns:p14="http://schemas.microsoft.com/office/powerpoint/2010/main" val="3108710905"/>
-      </p:ext>
-    </p:extLst>
-  </p:cSld>
-  <p:clrMapOvr>
-    <a:masterClrMapping/>
-  </p:clrMapOvr>
-  <mc:AlternateContent xmlns:mc="http://schemas.openxmlformats.org/markup-compatibility/2006" xmlns:p14="http://schemas.microsoft.com/office/powerpoint/2010/main">
-    <mc:Choice Requires="p14">
-      <p:transition spd="med" p14:dur="700">
-        <p:fade/>
-      </p:transition>
-    </mc:Choice>
-    <mc:Fallback xmlns="">
-      <p:transition spd="med">
-        <p:fade/>
-      </p:transition>
-    </mc:Fallback>
-  </mc:AlternateContent>
-  <p:timing>
-    <p:tnLst>
-      <p:par>
-        <p:cTn id="1" dur="indefinite" restart="never" nodeType="tmRoot">
-          <p:childTnLst>
-            <p:seq concurrent="1" nextAc="seek">
-              <p:cTn id="2" dur="indefinite" nodeType="mainSeq">
-                <p:childTnLst>
-                  <p:par>
-                    <p:cTn id="3" fill="hold">
-                      <p:stCondLst>
-                        <p:cond delay="indefinite"/>
-                      </p:stCondLst>
-                      <p:childTnLst>
-                        <p:par>
-                          <p:cTn id="4" fill="hold">
-                            <p:stCondLst>
-                              <p:cond delay="0"/>
-                            </p:stCondLst>
-                            <p:childTnLst>
-                              <p:par>
-                                <p:cTn id="5" presetID="2" presetClass="entr" presetSubtype="8" fill="hold" grpId="0" nodeType="clickEffect">
-                                  <p:stCondLst>
-                                    <p:cond delay="0"/>
-                                  </p:stCondLst>
-                                  <p:childTnLst>
-                                    <p:set>
-                                      <p:cBhvr>
-                                        <p:cTn id="6" dur="1" fill="hold">
-                                          <p:stCondLst>
-                                            <p:cond delay="0"/>
-                                          </p:stCondLst>
-                                        </p:cTn>
-                                        <p:tgtEl>
-                                          <p:spTgt spid="8"/>
-                                        </p:tgtEl>
-                                        <p:attrNameLst>
-                                          <p:attrName>style.visibility</p:attrName>
-                                        </p:attrNameLst>
-                                      </p:cBhvr>
-                                      <p:to>
-                                        <p:strVal val="visible"/>
-                                      </p:to>
-                                    </p:set>
-                                    <p:anim calcmode="lin" valueType="num">
-                                      <p:cBhvr additive="base">
-                                        <p:cTn id="7" dur="500" fill="hold"/>
-                                        <p:tgtEl>
-                                          <p:spTgt spid="8"/>
-                                        </p:tgtEl>
-                                        <p:attrNameLst>
-                                          <p:attrName>ppt_x</p:attrName>
-                                        </p:attrNameLst>
-                                      </p:cBhvr>
-                                      <p:tavLst>
-                                        <p:tav tm="0">
-                                          <p:val>
-                                            <p:strVal val="0-#ppt_w/2"/>
-                                          </p:val>
-                                        </p:tav>
-                                        <p:tav tm="100000">
-                                          <p:val>
-                                            <p:strVal val="#ppt_x"/>
-                                          </p:val>
-                                        </p:tav>
-                                      </p:tavLst>
-                                    </p:anim>
-                                    <p:anim calcmode="lin" valueType="num">
-                                      <p:cBhvr additive="base">
-                                        <p:cTn id="8" dur="500" fill="hold"/>
-                                        <p:tgtEl>
-                                          <p:spTgt spid="8"/>
-                                        </p:tgtEl>
-                                        <p:attrNameLst>
-                                          <p:attrName>ppt_y</p:attrName>
-                                        </p:attrNameLst>
-                                      </p:cBhvr>
-                                      <p:tavLst>
-                                        <p:tav tm="0">
-                                          <p:val>
-                                            <p:strVal val="#ppt_y"/>
-                                          </p:val>
-                                        </p:tav>
-                                        <p:tav tm="100000">
-                                          <p:val>
-                                            <p:strVal val="#ppt_y"/>
-                                          </p:val>
-                                        </p:tav>
-                                      </p:tavLst>
-                                    </p:anim>
-                                  </p:childTnLst>
-                                </p:cTn>
-                              </p:par>
-                              <p:par>
-                                <p:cTn id="9" presetID="2" presetClass="entr" presetSubtype="8" fill="hold" grpId="0" nodeType="withEffect">
-                                  <p:stCondLst>
-                                    <p:cond delay="0"/>
-                                  </p:stCondLst>
-                                  <p:childTnLst>
-                                    <p:set>
-                                      <p:cBhvr>
-                                        <p:cTn id="10" dur="1" fill="hold">
-                                          <p:stCondLst>
-                                            <p:cond delay="0"/>
-                                          </p:stCondLst>
-                                        </p:cTn>
-                                        <p:tgtEl>
-                                          <p:spTgt spid="4"/>
-                                        </p:tgtEl>
-                                        <p:attrNameLst>
-                                          <p:attrName>style.visibility</p:attrName>
-                                        </p:attrNameLst>
-                                      </p:cBhvr>
-                                      <p:to>
-                                        <p:strVal val="visible"/>
-                                      </p:to>
-                                    </p:set>
-                                    <p:anim calcmode="lin" valueType="num">
-                                      <p:cBhvr additive="base">
-                                        <p:cTn id="11" dur="500" fill="hold"/>
-                                        <p:tgtEl>
-                                          <p:spTgt spid="4"/>
-                                        </p:tgtEl>
-                                        <p:attrNameLst>
-                                          <p:attrName>ppt_x</p:attrName>
-                                        </p:attrNameLst>
-                                      </p:cBhvr>
-                                      <p:tavLst>
-                                        <p:tav tm="0">
-                                          <p:val>
-                                            <p:strVal val="0-#ppt_w/2"/>
-                                          </p:val>
-                                        </p:tav>
-                                        <p:tav tm="100000">
-                                          <p:val>
-                                            <p:strVal val="#ppt_x"/>
-                                          </p:val>
-                                        </p:tav>
-                                      </p:tavLst>
-                                    </p:anim>
-                                    <p:anim calcmode="lin" valueType="num">
-                                      <p:cBhvr additive="base">
-                                        <p:cTn id="12" dur="500" fill="hold"/>
-                                        <p:tgtEl>
-                                          <p:spTgt spid="4"/>
-                                        </p:tgtEl>
-                                        <p:attrNameLst>
-                                          <p:attrName>ppt_y</p:attrName>
-                                        </p:attrNameLst>
-                                      </p:cBhvr>
-                                      <p:tavLst>
-                                        <p:tav tm="0">
-                                          <p:val>
-                                            <p:strVal val="#ppt_y"/>
-                                          </p:val>
-                                        </p:tav>
-                                        <p:tav tm="100000">
-                                          <p:val>
-                                            <p:strVal val="#ppt_y"/>
-                                          </p:val>
-                                        </p:tav>
-                                      </p:tavLst>
-                                    </p:anim>
-                                  </p:childTnLst>
-                                </p:cTn>
-                              </p:par>
-                              <p:par>
-                                <p:cTn id="13" presetID="2" presetClass="entr" presetSubtype="8" fill="hold" grpId="0" nodeType="withEffect">
-                                  <p:stCondLst>
-                                    <p:cond delay="0"/>
-                                  </p:stCondLst>
-                                  <p:childTnLst>
-                                    <p:set>
-                                      <p:cBhvr>
-                                        <p:cTn id="14" dur="1" fill="hold">
-                                          <p:stCondLst>
-                                            <p:cond delay="0"/>
-                                          </p:stCondLst>
-                                        </p:cTn>
-                                        <p:tgtEl>
-                                          <p:spTgt spid="3"/>
-                                        </p:tgtEl>
-                                        <p:attrNameLst>
-                                          <p:attrName>style.visibility</p:attrName>
-                                        </p:attrNameLst>
-                                      </p:cBhvr>
-                                      <p:to>
-                                        <p:strVal val="visible"/>
-                                      </p:to>
-                                    </p:set>
-                                    <p:anim calcmode="lin" valueType="num">
-                                      <p:cBhvr additive="base">
-                                        <p:cTn id="15" dur="500" fill="hold"/>
-                                        <p:tgtEl>
-                                          <p:spTgt spid="3"/>
-                                        </p:tgtEl>
-                                        <p:attrNameLst>
-                                          <p:attrName>ppt_x</p:attrName>
-                                        </p:attrNameLst>
-                                      </p:cBhvr>
-                                      <p:tavLst>
-                                        <p:tav tm="0">
-                                          <p:val>
-                                            <p:strVal val="0-#ppt_w/2"/>
-                                          </p:val>
-                                        </p:tav>
-                                        <p:tav tm="100000">
-                                          <p:val>
-                                            <p:strVal val="#ppt_x"/>
-                                          </p:val>
-                                        </p:tav>
-                                      </p:tavLst>
-                                    </p:anim>
-                                    <p:anim calcmode="lin" valueType="num">
-                                      <p:cBhvr additive="base">
-                                        <p:cTn id="16" dur="500" fill="hold"/>
-                                        <p:tgtEl>
-                                          <p:spTgt spid="3"/>
-                                        </p:tgtEl>
-                                        <p:attrNameLst>
-                                          <p:attrName>ppt_y</p:attrName>
-                                        </p:attrNameLst>
-                                      </p:cBhvr>
-                                      <p:tavLst>
-                                        <p:tav tm="0">
-                                          <p:val>
-                                            <p:strVal val="#ppt_y"/>
-                                          </p:val>
-                                        </p:tav>
-                                        <p:tav tm="100000">
-                                          <p:val>
-                                            <p:strVal val="#ppt_y"/>
-                                          </p:val>
-                                        </p:tav>
-                                      </p:tavLst>
-                                    </p:anim>
-                                  </p:childTnLst>
-                                </p:cTn>
-                              </p:par>
-                              <p:par>
-                                <p:cTn id="17" presetID="21" presetClass="entr" presetSubtype="2" fill="hold" grpId="0" nodeType="withEffect">
-                                  <p:stCondLst>
-                                    <p:cond delay="0"/>
-                                  </p:stCondLst>
-                                  <p:childTnLst>
-                                    <p:set>
-                                      <p:cBhvr>
-                                        <p:cTn id="18" dur="1" fill="hold">
-                                          <p:stCondLst>
-                                            <p:cond delay="0"/>
-                                          </p:stCondLst>
-                                        </p:cTn>
-                                        <p:tgtEl>
-                                          <p:spTgt spid="7"/>
-                                        </p:tgtEl>
-                                        <p:attrNameLst>
-                                          <p:attrName>style.visibility</p:attrName>
-                                        </p:attrNameLst>
-                                      </p:cBhvr>
-                                      <p:to>
-                                        <p:strVal val="visible"/>
-                                      </p:to>
-                                    </p:set>
-                                    <p:animEffect transition="in" filter="wheel(2)">
-                                      <p:cBhvr>
-                                        <p:cTn id="19" dur="1500"/>
-                                        <p:tgtEl>
-                                          <p:spTgt spid="7"/>
-                                        </p:tgtEl>
-                                      </p:cBhvr>
-                                    </p:animEffect>
-                                  </p:childTnLst>
-                                </p:cTn>
-                              </p:par>
-                              <p:par>
-                                <p:cTn id="20" presetID="21" presetClass="entr" presetSubtype="2" fill="hold" grpId="0" nodeType="withEffect">
-                                  <p:stCondLst>
-                                    <p:cond delay="0"/>
-                                  </p:stCondLst>
-                                  <p:childTnLst>
-                                    <p:set>
-                                      <p:cBhvr>
-                                        <p:cTn id="21" dur="1" fill="hold">
-                                          <p:stCondLst>
-                                            <p:cond delay="0"/>
-                                          </p:stCondLst>
-                                        </p:cTn>
-                                        <p:tgtEl>
-                                          <p:spTgt spid="9"/>
-                                        </p:tgtEl>
-                                        <p:attrNameLst>
-                                          <p:attrName>style.visibility</p:attrName>
-                                        </p:attrNameLst>
-                                      </p:cBhvr>
-                                      <p:to>
-                                        <p:strVal val="visible"/>
-                                      </p:to>
-                                    </p:set>
-                                    <p:animEffect transition="in" filter="wheel(2)">
-                                      <p:cBhvr>
-                                        <p:cTn id="22" dur="1500"/>
-                                        <p:tgtEl>
-                                          <p:spTgt spid="9"/>
-                                        </p:tgtEl>
-                                      </p:cBhvr>
-                                    </p:animEffect>
-                                  </p:childTnLst>
-                                </p:cTn>
-                              </p:par>
-                              <p:par>
-                                <p:cTn id="23" presetID="2" presetClass="entr" presetSubtype="8" fill="hold" nodeType="withEffect">
-                                  <p:stCondLst>
-                                    <p:cond delay="0"/>
-                                  </p:stCondLst>
-                                  <p:childTnLst>
-                                    <p:set>
-                                      <p:cBhvr>
-                                        <p:cTn id="24" dur="1" fill="hold">
-                                          <p:stCondLst>
-                                            <p:cond delay="0"/>
-                                          </p:stCondLst>
-                                        </p:cTn>
-                                        <p:tgtEl>
-                                          <p:spTgt spid="10"/>
-                                        </p:tgtEl>
-                                        <p:attrNameLst>
-                                          <p:attrName>style.visibility</p:attrName>
-                                        </p:attrNameLst>
-                                      </p:cBhvr>
-                                      <p:to>
-                                        <p:strVal val="visible"/>
-                                      </p:to>
-                                    </p:set>
-                                    <p:anim calcmode="lin" valueType="num">
-                                      <p:cBhvr additive="base">
-                                        <p:cTn id="25" dur="500" fill="hold"/>
-                                        <p:tgtEl>
-                                          <p:spTgt spid="10"/>
-                                        </p:tgtEl>
-                                        <p:attrNameLst>
-                                          <p:attrName>ppt_x</p:attrName>
-                                        </p:attrNameLst>
-                                      </p:cBhvr>
-                                      <p:tavLst>
-                                        <p:tav tm="0">
-                                          <p:val>
-                                            <p:strVal val="0-#ppt_w/2"/>
-                                          </p:val>
-                                        </p:tav>
-                                        <p:tav tm="100000">
-                                          <p:val>
-                                            <p:strVal val="#ppt_x"/>
-                                          </p:val>
-                                        </p:tav>
-                                      </p:tavLst>
-                                    </p:anim>
-                                    <p:anim calcmode="lin" valueType="num">
-                                      <p:cBhvr additive="base">
-                                        <p:cTn id="26" dur="500" fill="hold"/>
-                                        <p:tgtEl>
-                                          <p:spTgt spid="10"/>
-                                        </p:tgtEl>
-                                        <p:attrNameLst>
-                                          <p:attrName>ppt_y</p:attrName>
-                                        </p:attrNameLst>
-                                      </p:cBhvr>
-                                      <p:tavLst>
-                                        <p:tav tm="0">
-                                          <p:val>
-                                            <p:strVal val="#ppt_y"/>
-                                          </p:val>
-                                        </p:tav>
-                                        <p:tav tm="100000">
-                                          <p:val>
-                                            <p:strVal val="#ppt_y"/>
-                                          </p:val>
-                                        </p:tav>
-                                      </p:tavLst>
-                                    </p:anim>
-                                  </p:childTnLst>
-                                </p:cTn>
-                              </p:par>
-                            </p:childTnLst>
-                          </p:cTn>
-                        </p:par>
-                      </p:childTnLst>
-                    </p:cTn>
-                  </p:par>
-                </p:childTnLst>
-              </p:cTn>
-              <p:prevCondLst>
-                <p:cond evt="onPrev" delay="0">
-                  <p:tgtEl>
-                    <p:sldTgt/>
-                  </p:tgtEl>
-                </p:cond>
-              </p:prevCondLst>
-              <p:nextCondLst>
-                <p:cond evt="onNext" delay="0">
-                  <p:tgtEl>
-                    <p:sldTgt/>
-                  </p:tgtEl>
-                </p:cond>
-              </p:nextCondLst>
-            </p:seq>
-          </p:childTnLst>
-        </p:cTn>
-      </p:par>
-    </p:tnLst>
-    <p:bldLst>
-      <p:bldP spid="3" grpId="0"/>
-      <p:bldP spid="7" grpId="0" animBg="1"/>
-      <p:bldP spid="9" grpId="0" animBg="1"/>
-      <p:bldP spid="8" grpId="0" animBg="1"/>
-      <p:bldP spid="4" grpId="0"/>
-    </p:bldLst>
-  </p:timing>
-</p:sld>
-</file>
-
-<file path=ppt/slides/slide3.xml><?xml version="1.0" encoding="utf-8"?>
-<p:sld xmlns:a="http://schemas.openxmlformats.org/drawingml/2006/main" xmlns:r="http://schemas.openxmlformats.org/officeDocument/2006/relationships" xmlns:p="http://schemas.openxmlformats.org/presentationml/2006/main">
-  <p:cSld>
-    <p:spTree>
-      <p:nvGrpSpPr>
-        <p:cNvPr id="1" name=""/>
-        <p:cNvGrpSpPr/>
-        <p:nvPr/>
-      </p:nvGrpSpPr>
-      <p:grpSpPr>
-        <a:xfrm>
-          <a:off x="0" y="0"/>
-          <a:ext cx="0" cy="0"/>
-          <a:chOff x="0" y="0"/>
-          <a:chExt cx="0" cy="0"/>
-        </a:xfrm>
-      </p:grpSpPr>
-      <p:sp>
-        <p:nvSpPr>
-          <p:cNvPr id="3" name="Retângulo 2">
-            <a:extLst>
-              <a:ext uri="{FF2B5EF4-FFF2-40B4-BE49-F238E27FC236}">
-                <a16:creationId xmlns:a16="http://schemas.microsoft.com/office/drawing/2014/main" id="{EEF17DC2-B23E-4447-A413-A654051E039A}"/>
-              </a:ext>
-            </a:extLst>
-          </p:cNvPr>
-          <p:cNvSpPr/>
-          <p:nvPr/>
-        </p:nvSpPr>
-        <p:spPr>
-          <a:xfrm>
-            <a:off x="-1" y="0"/>
-            <a:ext cx="12192001" cy="1321416"/>
-          </a:xfrm>
-          <a:prstGeom prst="rect">
-            <a:avLst/>
-          </a:prstGeom>
-          <a:solidFill>
-            <a:schemeClr val="bg2">
-              <a:lumMod val="50000"/>
-              <a:alpha val="38000"/>
-            </a:schemeClr>
-          </a:solidFill>
-          <a:ln>
-            <a:noFill/>
-          </a:ln>
-        </p:spPr>
-        <p:style>
-          <a:lnRef idx="2">
-            <a:schemeClr val="accent1">
-              <a:shade val="50000"/>
-            </a:schemeClr>
-          </a:lnRef>
-          <a:fillRef idx="1">
-            <a:schemeClr val="accent1"/>
-          </a:fillRef>
-          <a:effectRef idx="0">
-            <a:schemeClr val="accent1"/>
-          </a:effectRef>
-          <a:fontRef idx="minor">
-            <a:schemeClr val="lt1"/>
-          </a:fontRef>
-        </p:style>
-        <p:txBody>
-          <a:bodyPr rtlCol="0" anchor="ctr"/>
-          <a:lstStyle/>
-          <a:p>
-            <a:pPr algn="ctr"/>
-            <a:endParaRPr lang="pt-BR" dirty="0"/>
-          </a:p>
-        </p:txBody>
-      </p:sp>
-      <p:sp>
-        <p:nvSpPr>
-          <p:cNvPr id="6" name="CaixaDeTexto 5">
-            <a:extLst>
-              <a:ext uri="{FF2B5EF4-FFF2-40B4-BE49-F238E27FC236}">
-                <a16:creationId xmlns:a16="http://schemas.microsoft.com/office/drawing/2014/main" id="{C2AD3478-E7C3-4506-A2E4-5E83AA92930E}"/>
-              </a:ext>
-            </a:extLst>
-          </p:cNvPr>
-          <p:cNvSpPr txBox="1"/>
-          <p:nvPr/>
-        </p:nvSpPr>
-        <p:spPr>
-          <a:xfrm>
-            <a:off x="636103" y="337542"/>
-            <a:ext cx="5208106" cy="646331"/>
-          </a:xfrm>
-          <a:prstGeom prst="rect">
-            <a:avLst/>
-          </a:prstGeom>
-          <a:noFill/>
-        </p:spPr>
-        <p:txBody>
-          <a:bodyPr wrap="square" rtlCol="0">
-            <a:spAutoFit/>
-          </a:bodyPr>
-          <a:lstStyle/>
-          <a:p>
-            <a:r>
-              <a:rPr lang="pt-BR" sz="3600" dirty="0">
-                <a:latin typeface="Felix Titling" panose="04060505060202020A04" pitchFamily="82" charset="0"/>
-                <a:ea typeface="MS Mincho" panose="020B0400000000000000" pitchFamily="49" charset="-128"/>
-              </a:rPr>
-              <a:t>Hld</a:t>
-            </a:r>
-          </a:p>
-        </p:txBody>
-      </p:sp>
-      <p:pic>
-        <p:nvPicPr>
-          <p:cNvPr id="7" name="Imagem 6" descr="Logotipo&#10;&#10;Descrição gerada automaticamente">
-            <a:extLst>
-              <a:ext uri="{FF2B5EF4-FFF2-40B4-BE49-F238E27FC236}">
-                <a16:creationId xmlns:a16="http://schemas.microsoft.com/office/drawing/2014/main" id="{E7805DED-9416-4E2F-A9E2-80234E3AFC0A}"/>
-              </a:ext>
-            </a:extLst>
-          </p:cNvPr>
-          <p:cNvPicPr>
-            <a:picLocks noChangeAspect="1"/>
-          </p:cNvPicPr>
-          <p:nvPr/>
-        </p:nvPicPr>
-        <p:blipFill>
-          <a:blip r:embed="rId2">
-            <a:extLst>
-              <a:ext uri="{28A0092B-C50C-407E-A947-70E740481C1C}">
-                <a14:useLocalDpi xmlns:a14="http://schemas.microsoft.com/office/drawing/2010/main" val="0"/>
-              </a:ext>
-            </a:extLst>
-          </a:blip>
-          <a:stretch>
-            <a:fillRect/>
-          </a:stretch>
-        </p:blipFill>
-        <p:spPr>
-          <a:xfrm>
-            <a:off x="11555898" y="196738"/>
-            <a:ext cx="527310" cy="517950"/>
-          </a:xfrm>
-          <a:prstGeom prst="rect">
-            <a:avLst/>
-          </a:prstGeom>
-        </p:spPr>
-      </p:pic>
-      <p:pic>
-        <p:nvPicPr>
-          <p:cNvPr id="2" name="Imagem 1">
-            <a:extLst>
-              <a:ext uri="{FF2B5EF4-FFF2-40B4-BE49-F238E27FC236}">
-                <a16:creationId xmlns:a16="http://schemas.microsoft.com/office/drawing/2014/main" id="{B6494D76-F17E-4A49-94A8-945A1FD96737}"/>
-              </a:ext>
-            </a:extLst>
-          </p:cNvPr>
-          <p:cNvPicPr>
-            <a:picLocks noChangeAspect="1"/>
-          </p:cNvPicPr>
-          <p:nvPr/>
-        </p:nvPicPr>
-        <p:blipFill>
-          <a:blip r:embed="rId3"/>
-          <a:stretch>
-            <a:fillRect/>
-          </a:stretch>
-        </p:blipFill>
-        <p:spPr>
-          <a:xfrm>
-            <a:off x="126935" y="1796245"/>
-            <a:ext cx="11938127" cy="4167826"/>
-          </a:xfrm>
-          <a:prstGeom prst="rect">
-            <a:avLst/>
-          </a:prstGeom>
-        </p:spPr>
-      </p:pic>
-    </p:spTree>
-    <p:extLst>
-      <p:ext uri="{BB962C8B-B14F-4D97-AF65-F5344CB8AC3E}">
-        <p14:creationId xmlns:p14="http://schemas.microsoft.com/office/powerpoint/2010/main" val="2182476609"/>
-      </p:ext>
-    </p:extLst>
-  </p:cSld>
-  <p:clrMapOvr>
-    <a:masterClrMapping/>
-  </p:clrMapOvr>
-  <p:transition spd="slow">
-    <p:wipe/>
-  </p:transition>
-  <p:timing>
-    <p:tnLst>
-      <p:par>
-        <p:cTn id="1" dur="indefinite" restart="never" nodeType="tmRoot">
-          <p:childTnLst>
-            <p:seq concurrent="1" nextAc="seek">
-              <p:cTn id="2" dur="indefinite" nodeType="mainSeq">
-                <p:childTnLst>
-                  <p:par>
-                    <p:cTn id="3" fill="hold">
-                      <p:stCondLst>
-                        <p:cond delay="indefinite"/>
-                        <p:cond evt="onBegin" delay="0">
-                          <p:tn val="2"/>
-                        </p:cond>
-                      </p:stCondLst>
-                      <p:childTnLst>
-                        <p:par>
-                          <p:cTn id="4" fill="hold">
-                            <p:stCondLst>
-                              <p:cond delay="0"/>
-                            </p:stCondLst>
-                            <p:childTnLst>
-                              <p:par>
-                                <p:cTn id="5" presetID="10" presetClass="entr" presetSubtype="0" fill="hold" grpId="0" nodeType="withEffect">
-                                  <p:stCondLst>
-                                    <p:cond delay="0"/>
-                                  </p:stCondLst>
-                                  <p:childTnLst>
-                                    <p:set>
-                                      <p:cBhvr>
-                                        <p:cTn id="6" dur="1" fill="hold">
-                                          <p:stCondLst>
-                                            <p:cond delay="0"/>
-                                          </p:stCondLst>
-                                        </p:cTn>
-                                        <p:tgtEl>
-                                          <p:spTgt spid="6"/>
-                                        </p:tgtEl>
-                                        <p:attrNameLst>
-                                          <p:attrName>style.visibility</p:attrName>
-                                        </p:attrNameLst>
-                                      </p:cBhvr>
-                                      <p:to>
-                                        <p:strVal val="visible"/>
-                                      </p:to>
-                                    </p:set>
-                                    <p:animEffect transition="in" filter="fade">
-                                      <p:cBhvr>
-                                        <p:cTn id="7" dur="250"/>
-                                        <p:tgtEl>
-                                          <p:spTgt spid="6"/>
-                                        </p:tgtEl>
-                                      </p:cBhvr>
-                                    </p:animEffect>
-                                  </p:childTnLst>
-                                </p:cTn>
-                              </p:par>
-                              <p:par>
-                                <p:cTn id="8" presetID="10" presetClass="entr" presetSubtype="0" fill="hold" nodeType="withEffect">
-                                  <p:stCondLst>
-                                    <p:cond delay="0"/>
-                                  </p:stCondLst>
-                                  <p:childTnLst>
-                                    <p:set>
-                                      <p:cBhvr>
-                                        <p:cTn id="9" dur="1" fill="hold">
-                                          <p:stCondLst>
-                                            <p:cond delay="0"/>
-                                          </p:stCondLst>
-                                        </p:cTn>
-                                        <p:tgtEl>
-                                          <p:spTgt spid="7"/>
-                                        </p:tgtEl>
-                                        <p:attrNameLst>
-                                          <p:attrName>style.visibility</p:attrName>
-                                        </p:attrNameLst>
-                                      </p:cBhvr>
-                                      <p:to>
-                                        <p:strVal val="visible"/>
-                                      </p:to>
-                                    </p:set>
-                                    <p:animEffect transition="in" filter="fade">
-                                      <p:cBhvr>
-                                        <p:cTn id="10" dur="500"/>
-                                        <p:tgtEl>
-                                          <p:spTgt spid="7"/>
-                                        </p:tgtEl>
-                                      </p:cBhvr>
-                                    </p:animEffect>
-                                  </p:childTnLst>
-                                </p:cTn>
-                              </p:par>
-                            </p:childTnLst>
-                          </p:cTn>
-                        </p:par>
-                      </p:childTnLst>
-                    </p:cTn>
-                  </p:par>
-                </p:childTnLst>
-              </p:cTn>
-              <p:prevCondLst>
-                <p:cond evt="onPrev" delay="0">
-                  <p:tgtEl>
-                    <p:sldTgt/>
-                  </p:tgtEl>
-                </p:cond>
-              </p:prevCondLst>
-              <p:nextCondLst>
-                <p:cond evt="onNext" delay="0">
-                  <p:tgtEl>
-                    <p:sldTgt/>
-                  </p:tgtEl>
-                </p:cond>
-              </p:nextCondLst>
-            </p:seq>
-          </p:childTnLst>
-        </p:cTn>
-      </p:par>
-    </p:tnLst>
-    <p:bldLst>
-      <p:bldP spid="6" grpId="0"/>
-    </p:bldLst>
-  </p:timing>
-</p:sld>
-</file>
-
-<file path=ppt/slides/slide4.xml><?xml version="1.0" encoding="utf-8"?>
-<p:sld xmlns:a="http://schemas.openxmlformats.org/drawingml/2006/main" xmlns:r="http://schemas.openxmlformats.org/officeDocument/2006/relationships" xmlns:p="http://schemas.openxmlformats.org/presentationml/2006/main">
-  <p:cSld>
-    <p:spTree>
-      <p:nvGrpSpPr>
-        <p:cNvPr id="1" name=""/>
-        <p:cNvGrpSpPr/>
-        <p:nvPr/>
-      </p:nvGrpSpPr>
-      <p:grpSpPr>
-        <a:xfrm>
-          <a:off x="0" y="0"/>
-          <a:ext cx="0" cy="0"/>
-          <a:chOff x="0" y="0"/>
-          <a:chExt cx="0" cy="0"/>
-        </a:xfrm>
-      </p:grpSpPr>
-      <p:sp>
-        <p:nvSpPr>
-          <p:cNvPr id="3" name="Retângulo 2">
-            <a:extLst>
-              <a:ext uri="{FF2B5EF4-FFF2-40B4-BE49-F238E27FC236}">
-                <a16:creationId xmlns:a16="http://schemas.microsoft.com/office/drawing/2014/main" id="{EEF17DC2-B23E-4447-A413-A654051E039A}"/>
-              </a:ext>
-            </a:extLst>
-          </p:cNvPr>
-          <p:cNvSpPr/>
-          <p:nvPr/>
-        </p:nvSpPr>
-        <p:spPr>
-          <a:xfrm>
-            <a:off x="-1" y="0"/>
-            <a:ext cx="12192001" cy="1171575"/>
-          </a:xfrm>
-          <a:prstGeom prst="rect">
-            <a:avLst/>
-          </a:prstGeom>
-          <a:solidFill>
-            <a:schemeClr val="bg2">
-              <a:lumMod val="50000"/>
-              <a:alpha val="38000"/>
-            </a:schemeClr>
-          </a:solidFill>
-          <a:ln>
-            <a:noFill/>
-          </a:ln>
-        </p:spPr>
-        <p:style>
-          <a:lnRef idx="2">
-            <a:schemeClr val="accent1">
-              <a:shade val="50000"/>
-            </a:schemeClr>
-          </a:lnRef>
-          <a:fillRef idx="1">
-            <a:schemeClr val="accent1"/>
-          </a:fillRef>
-          <a:effectRef idx="0">
-            <a:schemeClr val="accent1"/>
-          </a:effectRef>
-          <a:fontRef idx="minor">
-            <a:schemeClr val="lt1"/>
-          </a:fontRef>
-        </p:style>
-        <p:txBody>
-          <a:bodyPr rtlCol="0" anchor="ctr"/>
-          <a:lstStyle/>
-          <a:p>
-            <a:pPr algn="ctr"/>
-            <a:endParaRPr lang="pt-BR" dirty="0"/>
-          </a:p>
-        </p:txBody>
-      </p:sp>
-      <p:sp>
-        <p:nvSpPr>
-          <p:cNvPr id="6" name="CaixaDeTexto 5">
-            <a:extLst>
-              <a:ext uri="{FF2B5EF4-FFF2-40B4-BE49-F238E27FC236}">
-                <a16:creationId xmlns:a16="http://schemas.microsoft.com/office/drawing/2014/main" id="{C2AD3478-E7C3-4506-A2E4-5E83AA92930E}"/>
-              </a:ext>
-            </a:extLst>
-          </p:cNvPr>
-          <p:cNvSpPr txBox="1"/>
-          <p:nvPr/>
-        </p:nvSpPr>
-        <p:spPr>
-          <a:xfrm>
-            <a:off x="569842" y="262621"/>
-            <a:ext cx="5208106" cy="646331"/>
-          </a:xfrm>
-          <a:prstGeom prst="rect">
-            <a:avLst/>
-          </a:prstGeom>
-          <a:noFill/>
-        </p:spPr>
-        <p:txBody>
-          <a:bodyPr wrap="square" rtlCol="0">
-            <a:spAutoFit/>
-          </a:bodyPr>
-          <a:lstStyle/>
-          <a:p>
-            <a:r>
-              <a:rPr lang="pt-BR" sz="3600" dirty="0">
-                <a:latin typeface="Felix Titling" panose="04060505060202020A04" pitchFamily="82" charset="0"/>
-                <a:ea typeface="MS Mincho" panose="020B0400000000000000" pitchFamily="49" charset="-128"/>
-              </a:rPr>
-              <a:t>lld</a:t>
-            </a:r>
-          </a:p>
-        </p:txBody>
-      </p:sp>
-      <p:pic>
-        <p:nvPicPr>
-          <p:cNvPr id="9" name="Imagem 8" descr="Logotipo&#10;&#10;Descrição gerada automaticamente">
-            <a:extLst>
-              <a:ext uri="{FF2B5EF4-FFF2-40B4-BE49-F238E27FC236}">
-                <a16:creationId xmlns:a16="http://schemas.microsoft.com/office/drawing/2014/main" id="{8E497CD5-AF48-4D10-BF8D-3D1A4344171A}"/>
-              </a:ext>
-            </a:extLst>
-          </p:cNvPr>
-          <p:cNvPicPr>
-            <a:picLocks noChangeAspect="1"/>
-          </p:cNvPicPr>
-          <p:nvPr/>
-        </p:nvPicPr>
-        <p:blipFill>
-          <a:blip r:embed="rId2">
-            <a:extLst>
-              <a:ext uri="{28A0092B-C50C-407E-A947-70E740481C1C}">
-                <a14:useLocalDpi xmlns:a14="http://schemas.microsoft.com/office/drawing/2010/main" val="0"/>
-              </a:ext>
-            </a:extLst>
-          </a:blip>
-          <a:stretch>
-            <a:fillRect/>
-          </a:stretch>
-        </p:blipFill>
-        <p:spPr>
-          <a:xfrm>
-            <a:off x="11555896" y="153048"/>
-            <a:ext cx="516833" cy="507659"/>
-          </a:xfrm>
-          <a:prstGeom prst="rect">
-            <a:avLst/>
-          </a:prstGeom>
-        </p:spPr>
-      </p:pic>
-      <p:pic>
-        <p:nvPicPr>
-          <p:cNvPr id="5" name="Imagem 4">
-            <a:extLst>
-              <a:ext uri="{FF2B5EF4-FFF2-40B4-BE49-F238E27FC236}">
-                <a16:creationId xmlns:a16="http://schemas.microsoft.com/office/drawing/2014/main" id="{AE27461E-F39C-47CB-B7C2-FEBC2B47AC86}"/>
-              </a:ext>
-            </a:extLst>
-          </p:cNvPr>
-          <p:cNvPicPr>
-            <a:picLocks noChangeAspect="1"/>
-          </p:cNvPicPr>
-          <p:nvPr/>
-        </p:nvPicPr>
-        <p:blipFill>
-          <a:blip r:embed="rId3"/>
-          <a:stretch>
-            <a:fillRect/>
-          </a:stretch>
-        </p:blipFill>
-        <p:spPr>
-          <a:xfrm>
-            <a:off x="947568" y="1171573"/>
-            <a:ext cx="10195808" cy="5593129"/>
-          </a:xfrm>
-          <a:prstGeom prst="rect">
-            <a:avLst/>
-          </a:prstGeom>
-        </p:spPr>
-      </p:pic>
-    </p:spTree>
-    <p:extLst>
-      <p:ext uri="{BB962C8B-B14F-4D97-AF65-F5344CB8AC3E}">
-        <p14:creationId xmlns:p14="http://schemas.microsoft.com/office/powerpoint/2010/main" val="465033456"/>
-      </p:ext>
-    </p:extLst>
-  </p:cSld>
-  <p:clrMapOvr>
-    <a:masterClrMapping/>
-  </p:clrMapOvr>
-  <p:transition spd="slow">
-    <p:wipe/>
-  </p:transition>
-  <p:timing>
-    <p:tnLst>
-      <p:par>
-        <p:cTn id="1" dur="indefinite" restart="never" nodeType="tmRoot">
-          <p:childTnLst>
-            <p:seq concurrent="1" nextAc="seek">
-              <p:cTn id="2" dur="indefinite" nodeType="mainSeq">
-                <p:childTnLst>
-                  <p:par>
-                    <p:cTn id="3" fill="hold">
-                      <p:stCondLst>
-                        <p:cond delay="indefinite"/>
-                        <p:cond evt="onBegin" delay="0">
-                          <p:tn val="2"/>
-                        </p:cond>
-                      </p:stCondLst>
-                      <p:childTnLst>
-                        <p:par>
-                          <p:cTn id="4" fill="hold">
-                            <p:stCondLst>
-                              <p:cond delay="0"/>
-                            </p:stCondLst>
-                            <p:childTnLst>
-                              <p:par>
-                                <p:cTn id="5" presetID="10" presetClass="entr" presetSubtype="0" fill="hold" grpId="0" nodeType="withEffect">
-                                  <p:stCondLst>
-                                    <p:cond delay="0"/>
-                                  </p:stCondLst>
-                                  <p:childTnLst>
-                                    <p:set>
-                                      <p:cBhvr>
-                                        <p:cTn id="6" dur="1" fill="hold">
-                                          <p:stCondLst>
-                                            <p:cond delay="0"/>
-                                          </p:stCondLst>
-                                        </p:cTn>
-                                        <p:tgtEl>
-                                          <p:spTgt spid="6"/>
-                                        </p:tgtEl>
-                                        <p:attrNameLst>
-                                          <p:attrName>style.visibility</p:attrName>
-                                        </p:attrNameLst>
-                                      </p:cBhvr>
-                                      <p:to>
-                                        <p:strVal val="visible"/>
-                                      </p:to>
-                                    </p:set>
-                                    <p:animEffect transition="in" filter="fade">
-                                      <p:cBhvr>
-                                        <p:cTn id="7" dur="250"/>
-                                        <p:tgtEl>
-                                          <p:spTgt spid="6"/>
-                                        </p:tgtEl>
-                                      </p:cBhvr>
-                                    </p:animEffect>
-                                  </p:childTnLst>
-                                </p:cTn>
-                              </p:par>
-                              <p:par>
-                                <p:cTn id="8" presetID="10" presetClass="entr" presetSubtype="0" fill="hold" nodeType="withEffect">
-                                  <p:stCondLst>
-                                    <p:cond delay="0"/>
-                                  </p:stCondLst>
-                                  <p:childTnLst>
-                                    <p:set>
-                                      <p:cBhvr>
-                                        <p:cTn id="9" dur="1" fill="hold">
-                                          <p:stCondLst>
-                                            <p:cond delay="0"/>
-                                          </p:stCondLst>
-                                        </p:cTn>
-                                        <p:tgtEl>
-                                          <p:spTgt spid="9"/>
-                                        </p:tgtEl>
-                                        <p:attrNameLst>
-                                          <p:attrName>style.visibility</p:attrName>
-                                        </p:attrNameLst>
-                                      </p:cBhvr>
-                                      <p:to>
-                                        <p:strVal val="visible"/>
-                                      </p:to>
-                                    </p:set>
-                                    <p:animEffect transition="in" filter="fade">
-                                      <p:cBhvr>
-                                        <p:cTn id="10" dur="500"/>
-                                        <p:tgtEl>
-                                          <p:spTgt spid="9"/>
-                                        </p:tgtEl>
-                                      </p:cBhvr>
-                                    </p:animEffect>
-                                  </p:childTnLst>
-                                </p:cTn>
-                              </p:par>
-                            </p:childTnLst>
-                          </p:cTn>
-                        </p:par>
-                      </p:childTnLst>
-                    </p:cTn>
-                  </p:par>
-                </p:childTnLst>
-              </p:cTn>
-              <p:prevCondLst>
-                <p:cond evt="onPrev" delay="0">
-                  <p:tgtEl>
-                    <p:sldTgt/>
-                  </p:tgtEl>
-                </p:cond>
-              </p:prevCondLst>
-              <p:nextCondLst>
-                <p:cond evt="onNext" delay="0">
-                  <p:tgtEl>
-                    <p:sldTgt/>
-                  </p:tgtEl>
-                </p:cond>
-              </p:nextCondLst>
-            </p:seq>
-          </p:childTnLst>
-        </p:cTn>
-      </p:par>
-    </p:tnLst>
-    <p:bldLst>
-      <p:bldP spid="6" grpId="0"/>
-    </p:bldLst>
-  </p:timing>
-</p:sld>
-</file>
-
-<file path=ppt/slides/slide5.xml><?xml version="1.0" encoding="utf-8"?>
-<p:sld xmlns:a="http://schemas.openxmlformats.org/drawingml/2006/main" xmlns:r="http://schemas.openxmlformats.org/officeDocument/2006/relationships" xmlns:p="http://schemas.openxmlformats.org/presentationml/2006/main">
-  <p:cSld>
-    <p:spTree>
-      <p:nvGrpSpPr>
-        <p:cNvPr id="1" name=""/>
-        <p:cNvGrpSpPr/>
-        <p:nvPr/>
-      </p:nvGrpSpPr>
-      <p:grpSpPr>
-        <a:xfrm>
-          <a:off x="0" y="0"/>
-          <a:ext cx="0" cy="0"/>
-          <a:chOff x="0" y="0"/>
-          <a:chExt cx="0" cy="0"/>
-        </a:xfrm>
-      </p:grpSpPr>
-      <p:sp>
-        <p:nvSpPr>
-          <p:cNvPr id="3" name="Retângulo 2">
-            <a:extLst>
-              <a:ext uri="{FF2B5EF4-FFF2-40B4-BE49-F238E27FC236}">
-                <a16:creationId xmlns:a16="http://schemas.microsoft.com/office/drawing/2014/main" id="{5BC36D66-06D9-40DB-9DDA-1307B9C91375}"/>
-              </a:ext>
-            </a:extLst>
-          </p:cNvPr>
-          <p:cNvSpPr/>
-          <p:nvPr/>
-        </p:nvSpPr>
-        <p:spPr>
-          <a:xfrm>
-            <a:off x="0" y="1232452"/>
-            <a:ext cx="12192001" cy="5625548"/>
-          </a:xfrm>
-          <a:prstGeom prst="rect">
-            <a:avLst/>
-          </a:prstGeom>
-          <a:solidFill>
-            <a:schemeClr val="bg2">
-              <a:lumMod val="50000"/>
-              <a:alpha val="38000"/>
-            </a:schemeClr>
-          </a:solidFill>
-          <a:ln>
-            <a:noFill/>
-          </a:ln>
-        </p:spPr>
-        <p:style>
-          <a:lnRef idx="2">
-            <a:schemeClr val="accent1">
-              <a:shade val="50000"/>
-            </a:schemeClr>
-          </a:lnRef>
-          <a:fillRef idx="1">
-            <a:schemeClr val="accent1"/>
-          </a:fillRef>
-          <a:effectRef idx="0">
-            <a:schemeClr val="accent1"/>
-          </a:effectRef>
-          <a:fontRef idx="minor">
-            <a:schemeClr val="lt1"/>
-          </a:fontRef>
-        </p:style>
-        <p:txBody>
-          <a:bodyPr rtlCol="0" anchor="ctr"/>
-          <a:lstStyle/>
-          <a:p>
-            <a:pPr algn="ctr"/>
-            <a:endParaRPr lang="pt-BR" dirty="0"/>
-          </a:p>
-        </p:txBody>
-      </p:sp>
-      <p:sp>
-        <p:nvSpPr>
-          <p:cNvPr id="11" name="Retângulo 10">
-            <a:extLst>
-              <a:ext uri="{FF2B5EF4-FFF2-40B4-BE49-F238E27FC236}">
-                <a16:creationId xmlns:a16="http://schemas.microsoft.com/office/drawing/2014/main" id="{E701CE4F-65F5-4725-A71F-0FDEC21AF857}"/>
-              </a:ext>
-            </a:extLst>
-          </p:cNvPr>
-          <p:cNvSpPr/>
-          <p:nvPr/>
-        </p:nvSpPr>
-        <p:spPr>
-          <a:xfrm rot="18718225">
-            <a:off x="1788249" y="3951864"/>
-            <a:ext cx="11150221" cy="186724"/>
-          </a:xfrm>
-          <a:prstGeom prst="rect">
-            <a:avLst/>
-          </a:prstGeom>
-          <a:solidFill>
-            <a:schemeClr val="bg2">
-              <a:lumMod val="25000"/>
-            </a:schemeClr>
-          </a:solidFill>
-          <a:ln>
-            <a:noFill/>
-          </a:ln>
-        </p:spPr>
-        <p:style>
-          <a:lnRef idx="2">
-            <a:schemeClr val="accent1">
-              <a:shade val="50000"/>
-            </a:schemeClr>
-          </a:lnRef>
-          <a:fillRef idx="1">
-            <a:schemeClr val="accent1"/>
-          </a:fillRef>
-          <a:effectRef idx="0">
-            <a:schemeClr val="accent1"/>
-          </a:effectRef>
-          <a:fontRef idx="minor">
-            <a:schemeClr val="lt1"/>
-          </a:fontRef>
-        </p:style>
-        <p:txBody>
-          <a:bodyPr rtlCol="0" anchor="ctr"/>
-          <a:lstStyle/>
-          <a:p>
-            <a:pPr algn="ctr"/>
-            <a:endParaRPr lang="pt-BR" dirty="0"/>
-          </a:p>
-        </p:txBody>
-      </p:sp>
-      <p:sp>
-        <p:nvSpPr>
-          <p:cNvPr id="10" name="Retângulo 9">
-            <a:extLst>
-              <a:ext uri="{FF2B5EF4-FFF2-40B4-BE49-F238E27FC236}">
-                <a16:creationId xmlns:a16="http://schemas.microsoft.com/office/drawing/2014/main" id="{254C8F8B-857F-4F7D-BED8-545B600B8DC2}"/>
-              </a:ext>
-            </a:extLst>
-          </p:cNvPr>
-          <p:cNvSpPr/>
-          <p:nvPr/>
-        </p:nvSpPr>
-        <p:spPr>
-          <a:xfrm rot="18718225">
-            <a:off x="812438" y="2501348"/>
-            <a:ext cx="11150221" cy="1855304"/>
-          </a:xfrm>
-          <a:prstGeom prst="rect">
-            <a:avLst/>
-          </a:prstGeom>
-          <a:solidFill>
-            <a:schemeClr val="bg2">
-              <a:lumMod val="25000"/>
-            </a:schemeClr>
-          </a:solidFill>
-          <a:ln>
-            <a:noFill/>
-          </a:ln>
-        </p:spPr>
-        <p:style>
-          <a:lnRef idx="2">
-            <a:schemeClr val="accent1">
-              <a:shade val="50000"/>
-            </a:schemeClr>
-          </a:lnRef>
-          <a:fillRef idx="1">
-            <a:schemeClr val="accent1"/>
-          </a:fillRef>
-          <a:effectRef idx="0">
-            <a:schemeClr val="accent1"/>
-          </a:effectRef>
-          <a:fontRef idx="minor">
-            <a:schemeClr val="lt1"/>
-          </a:fontRef>
-        </p:style>
-        <p:txBody>
-          <a:bodyPr rtlCol="0" anchor="ctr"/>
-          <a:lstStyle/>
-          <a:p>
-            <a:pPr algn="ctr"/>
-            <a:endParaRPr lang="pt-BR" dirty="0"/>
-          </a:p>
-        </p:txBody>
-      </p:sp>
-      <p:pic>
-        <p:nvPicPr>
-          <p:cNvPr id="5" name="Imagem 4" descr="Uma imagem contendo Logotipo&#10;&#10;Descrição gerada automaticamente">
-            <a:extLst>
-              <a:ext uri="{FF2B5EF4-FFF2-40B4-BE49-F238E27FC236}">
-                <a16:creationId xmlns:a16="http://schemas.microsoft.com/office/drawing/2014/main" id="{824799F0-F420-473E-8AB1-F1D201763A75}"/>
-              </a:ext>
-            </a:extLst>
-          </p:cNvPr>
-          <p:cNvPicPr>
-            <a:picLocks noChangeAspect="1"/>
-          </p:cNvPicPr>
-          <p:nvPr/>
-        </p:nvPicPr>
-        <p:blipFill rotWithShape="1">
-          <a:blip r:embed="rId2">
-            <a:extLst>
-              <a:ext uri="{28A0092B-C50C-407E-A947-70E740481C1C}">
-                <a14:useLocalDpi xmlns:a14="http://schemas.microsoft.com/office/drawing/2010/main" val="0"/>
-              </a:ext>
-            </a:extLst>
-          </a:blip>
-          <a:srcRect l="7476" t="12236" r="7069" b="13282"/>
-          <a:stretch/>
-        </p:blipFill>
-        <p:spPr>
-          <a:xfrm>
-            <a:off x="1928191" y="2037522"/>
-            <a:ext cx="8335617" cy="3790121"/>
-          </a:xfrm>
-          <a:prstGeom prst="rect">
-            <a:avLst/>
-          </a:prstGeom>
-        </p:spPr>
-      </p:pic>
-      <p:sp>
-        <p:nvSpPr>
-          <p:cNvPr id="8" name="CaixaDeTexto 7">
-            <a:extLst>
-              <a:ext uri="{FF2B5EF4-FFF2-40B4-BE49-F238E27FC236}">
-                <a16:creationId xmlns:a16="http://schemas.microsoft.com/office/drawing/2014/main" id="{02713D3A-DC76-494C-9595-821F4272E70C}"/>
-              </a:ext>
-            </a:extLst>
-          </p:cNvPr>
-          <p:cNvSpPr txBox="1"/>
-          <p:nvPr/>
-        </p:nvSpPr>
-        <p:spPr>
-          <a:xfrm>
-            <a:off x="596347" y="413699"/>
-            <a:ext cx="5208106" cy="646331"/>
-          </a:xfrm>
-          <a:prstGeom prst="rect">
-            <a:avLst/>
-          </a:prstGeom>
-          <a:noFill/>
-        </p:spPr>
-        <p:txBody>
-          <a:bodyPr wrap="square" rtlCol="0">
-            <a:spAutoFit/>
-          </a:bodyPr>
-          <a:lstStyle/>
-          <a:p>
-            <a:r>
-              <a:rPr lang="pt-BR" sz="3600" dirty="0">
-                <a:latin typeface="Felix Titling" panose="04060505060202020A04" pitchFamily="82" charset="0"/>
-                <a:ea typeface="MS Mincho" panose="020B0400000000000000" pitchFamily="49" charset="-128"/>
-              </a:rPr>
-              <a:t>Sprint Backlog</a:t>
-            </a:r>
-          </a:p>
-        </p:txBody>
-      </p:sp>
-      <p:pic>
-        <p:nvPicPr>
-          <p:cNvPr id="9" name="Imagem 8" descr="Logotipo&#10;&#10;Descrição gerada automaticamente">
-            <a:extLst>
-              <a:ext uri="{FF2B5EF4-FFF2-40B4-BE49-F238E27FC236}">
-                <a16:creationId xmlns:a16="http://schemas.microsoft.com/office/drawing/2014/main" id="{8100C10F-E9B1-4C5A-BF74-DC6DEACCEDB7}"/>
-              </a:ext>
-            </a:extLst>
-          </p:cNvPr>
-          <p:cNvPicPr>
-            <a:picLocks noChangeAspect="1"/>
-          </p:cNvPicPr>
-          <p:nvPr/>
-        </p:nvPicPr>
-        <p:blipFill>
-          <a:blip r:embed="rId3">
-            <a:extLst>
-              <a:ext uri="{28A0092B-C50C-407E-A947-70E740481C1C}">
-                <a14:useLocalDpi xmlns:a14="http://schemas.microsoft.com/office/drawing/2010/main" val="0"/>
-              </a:ext>
-            </a:extLst>
-          </a:blip>
-          <a:stretch>
-            <a:fillRect/>
-          </a:stretch>
-        </p:blipFill>
-        <p:spPr>
-          <a:xfrm>
-            <a:off x="11473430" y="6175513"/>
-            <a:ext cx="570021" cy="559903"/>
-          </a:xfrm>
-          <a:prstGeom prst="rect">
-            <a:avLst/>
-          </a:prstGeom>
-        </p:spPr>
-      </p:pic>
-    </p:spTree>
-    <p:extLst>
-      <p:ext uri="{BB962C8B-B14F-4D97-AF65-F5344CB8AC3E}">
-        <p14:creationId xmlns:p14="http://schemas.microsoft.com/office/powerpoint/2010/main" val="1403925444"/>
-      </p:ext>
-    </p:extLst>
-  </p:cSld>
-  <p:clrMapOvr>
-    <a:masterClrMapping/>
-  </p:clrMapOvr>
-  <mc:AlternateContent xmlns:mc="http://schemas.openxmlformats.org/markup-compatibility/2006" xmlns:p14="http://schemas.microsoft.com/office/powerpoint/2010/main">
-    <mc:Choice Requires="p14">
-      <p:transition spd="slow">
-        <p14:flash/>
-      </p:transition>
-    </mc:Choice>
-    <mc:Fallback xmlns="">
-      <p:transition spd="slow">
-        <p:fade/>
-      </p:transition>
-    </mc:Fallback>
-  </mc:AlternateContent>
-  <p:timing>
-    <p:tnLst>
-      <p:par>
-        <p:cTn id="1" dur="indefinite" restart="never" nodeType="tmRoot">
-          <p:childTnLst>
-            <p:seq concurrent="1" nextAc="seek">
-              <p:cTn id="2" dur="indefinite" nodeType="mainSeq">
-                <p:childTnLst>
-                  <p:par>
-                    <p:cTn id="3" fill="hold">
-                      <p:stCondLst>
-                        <p:cond delay="indefinite"/>
-                        <p:cond evt="onBegin" delay="0">
-                          <p:tn val="2"/>
-                        </p:cond>
-                      </p:stCondLst>
-                      <p:childTnLst>
-                        <p:par>
-                          <p:cTn id="4" fill="hold">
-                            <p:stCondLst>
-                              <p:cond delay="0"/>
-                            </p:stCondLst>
-                            <p:childTnLst>
-                              <p:par>
-                                <p:cTn id="5" presetID="10" presetClass="entr" presetSubtype="0" fill="hold" grpId="0" nodeType="withEffect">
-                                  <p:stCondLst>
-                                    <p:cond delay="0"/>
-                                  </p:stCondLst>
-                                  <p:childTnLst>
-                                    <p:set>
-                                      <p:cBhvr>
-                                        <p:cTn id="6" dur="1" fill="hold">
-                                          <p:stCondLst>
-                                            <p:cond delay="0"/>
-                                          </p:stCondLst>
-                                        </p:cTn>
-                                        <p:tgtEl>
-                                          <p:spTgt spid="8"/>
-                                        </p:tgtEl>
-                                        <p:attrNameLst>
-                                          <p:attrName>style.visibility</p:attrName>
-                                        </p:attrNameLst>
-                                      </p:cBhvr>
-                                      <p:to>
-                                        <p:strVal val="visible"/>
-                                      </p:to>
-                                    </p:set>
-                                    <p:animEffect transition="in" filter="fade">
-                                      <p:cBhvr>
-                                        <p:cTn id="7" dur="500"/>
-                                        <p:tgtEl>
-                                          <p:spTgt spid="8"/>
-                                        </p:tgtEl>
-                                      </p:cBhvr>
-                                    </p:animEffect>
-                                  </p:childTnLst>
-                                </p:cTn>
-                              </p:par>
-                              <p:par>
-                                <p:cTn id="8" presetID="10" presetClass="entr" presetSubtype="0" fill="hold" nodeType="withEffect">
-                                  <p:stCondLst>
-                                    <p:cond delay="0"/>
-                                  </p:stCondLst>
-                                  <p:childTnLst>
-                                    <p:set>
-                                      <p:cBhvr>
-                                        <p:cTn id="9" dur="1" fill="hold">
-                                          <p:stCondLst>
-                                            <p:cond delay="0"/>
-                                          </p:stCondLst>
-                                        </p:cTn>
-                                        <p:tgtEl>
-                                          <p:spTgt spid="5"/>
-                                        </p:tgtEl>
-                                        <p:attrNameLst>
-                                          <p:attrName>style.visibility</p:attrName>
-                                        </p:attrNameLst>
-                                      </p:cBhvr>
-                                      <p:to>
-                                        <p:strVal val="visible"/>
-                                      </p:to>
-                                    </p:set>
-                                    <p:animEffect transition="in" filter="fade">
-                                      <p:cBhvr>
-                                        <p:cTn id="10" dur="500"/>
-                                        <p:tgtEl>
-                                          <p:spTgt spid="5"/>
-                                        </p:tgtEl>
-                                      </p:cBhvr>
-                                    </p:animEffect>
-                                  </p:childTnLst>
-                                </p:cTn>
-                              </p:par>
-                              <p:par>
-                                <p:cTn id="11" presetID="10" presetClass="entr" presetSubtype="0" fill="hold" nodeType="withEffect">
-                                  <p:stCondLst>
-                                    <p:cond delay="0"/>
-                                  </p:stCondLst>
-                                  <p:childTnLst>
-                                    <p:set>
-                                      <p:cBhvr>
-                                        <p:cTn id="12" dur="1" fill="hold">
-                                          <p:stCondLst>
-                                            <p:cond delay="0"/>
-                                          </p:stCondLst>
-                                        </p:cTn>
-                                        <p:tgtEl>
-                                          <p:spTgt spid="9"/>
-                                        </p:tgtEl>
-                                        <p:attrNameLst>
-                                          <p:attrName>style.visibility</p:attrName>
-                                        </p:attrNameLst>
-                                      </p:cBhvr>
-                                      <p:to>
-                                        <p:strVal val="visible"/>
-                                      </p:to>
-                                    </p:set>
-                                    <p:animEffect transition="in" filter="fade">
-                                      <p:cBhvr>
-                                        <p:cTn id="13" dur="500"/>
-                                        <p:tgtEl>
-                                          <p:spTgt spid="9"/>
-                                        </p:tgtEl>
-                                      </p:cBhvr>
-                                    </p:animEffect>
-                                  </p:childTnLst>
-                                </p:cTn>
-                              </p:par>
-                              <p:par>
-                                <p:cTn id="14" presetID="10" presetClass="entr" presetSubtype="0" fill="hold" grpId="0" nodeType="withEffect">
-                                  <p:stCondLst>
-                                    <p:cond delay="500"/>
-                                  </p:stCondLst>
-                                  <p:childTnLst>
-                                    <p:set>
-                                      <p:cBhvr>
-                                        <p:cTn id="15" dur="1" fill="hold">
-                                          <p:stCondLst>
-                                            <p:cond delay="0"/>
-                                          </p:stCondLst>
-                                        </p:cTn>
-                                        <p:tgtEl>
-                                          <p:spTgt spid="10"/>
-                                        </p:tgtEl>
-                                        <p:attrNameLst>
-                                          <p:attrName>style.visibility</p:attrName>
-                                        </p:attrNameLst>
-                                      </p:cBhvr>
-                                      <p:to>
-                                        <p:strVal val="visible"/>
-                                      </p:to>
-                                    </p:set>
-                                    <p:animEffect transition="in" filter="fade">
-                                      <p:cBhvr>
-                                        <p:cTn id="16" dur="250"/>
-                                        <p:tgtEl>
-                                          <p:spTgt spid="10"/>
-                                        </p:tgtEl>
-                                      </p:cBhvr>
-                                    </p:animEffect>
-                                  </p:childTnLst>
-                                </p:cTn>
-                              </p:par>
-                              <p:par>
-                                <p:cTn id="17" presetID="10" presetClass="entr" presetSubtype="0" fill="hold" grpId="0" nodeType="withEffect">
-                                  <p:stCondLst>
-                                    <p:cond delay="500"/>
-                                  </p:stCondLst>
-                                  <p:childTnLst>
-                                    <p:set>
-                                      <p:cBhvr>
-                                        <p:cTn id="18" dur="1" fill="hold">
-                                          <p:stCondLst>
-                                            <p:cond delay="0"/>
-                                          </p:stCondLst>
-                                        </p:cTn>
-                                        <p:tgtEl>
-                                          <p:spTgt spid="11"/>
-                                        </p:tgtEl>
-                                        <p:attrNameLst>
-                                          <p:attrName>style.visibility</p:attrName>
-                                        </p:attrNameLst>
-                                      </p:cBhvr>
-                                      <p:to>
-                                        <p:strVal val="visible"/>
-                                      </p:to>
-                                    </p:set>
-                                    <p:animEffect transition="in" filter="fade">
-                                      <p:cBhvr>
-                                        <p:cTn id="19" dur="250"/>
-                                        <p:tgtEl>
-                                          <p:spTgt spid="11"/>
-                                        </p:tgtEl>
-                                      </p:cBhvr>
-                                    </p:animEffect>
-                                  </p:childTnLst>
-                                </p:cTn>
-                              </p:par>
-                            </p:childTnLst>
-                          </p:cTn>
-                        </p:par>
-                      </p:childTnLst>
-                    </p:cTn>
-                  </p:par>
-                </p:childTnLst>
-              </p:cTn>
-              <p:prevCondLst>
-                <p:cond evt="onPrev" delay="0">
-                  <p:tgtEl>
-                    <p:sldTgt/>
-                  </p:tgtEl>
-                </p:cond>
-              </p:prevCondLst>
-              <p:nextCondLst>
-                <p:cond evt="onNext" delay="0">
-                  <p:tgtEl>
-                    <p:sldTgt/>
-                  </p:tgtEl>
-                </p:cond>
-              </p:nextCondLst>
-            </p:seq>
-          </p:childTnLst>
-        </p:cTn>
-      </p:par>
-    </p:tnLst>
-    <p:bldLst>
-      <p:bldP spid="11" grpId="0" animBg="1"/>
-      <p:bldP spid="10" grpId="0" animBg="1"/>
-      <p:bldP spid="8" grpId="0"/>
-    </p:bldLst>
-  </p:timing>
-</p:sld>
-</file>
-
-<file path=ppt/slides/slide6.xml><?xml version="1.0" encoding="utf-8"?>
-<p:sld xmlns:a="http://schemas.openxmlformats.org/drawingml/2006/main" xmlns:r="http://schemas.openxmlformats.org/officeDocument/2006/relationships" xmlns:p="http://schemas.openxmlformats.org/presentationml/2006/main">
-  <p:cSld>
-    <p:bg>
-      <p:bgPr>
-        <a:solidFill>
-          <a:schemeClr val="bg2">
-            <a:lumMod val="90000"/>
-          </a:schemeClr>
-        </a:solidFill>
-        <a:effectLst/>
-      </p:bgPr>
-    </p:bg>
-    <p:spTree>
-      <p:nvGrpSpPr>
-        <p:cNvPr id="1" name=""/>
-        <p:cNvGrpSpPr/>
-        <p:nvPr/>
-      </p:nvGrpSpPr>
-      <p:grpSpPr>
-        <a:xfrm>
-          <a:off x="0" y="0"/>
-          <a:ext cx="0" cy="0"/>
-          <a:chOff x="0" y="0"/>
-          <a:chExt cx="0" cy="0"/>
-        </a:xfrm>
-      </p:grpSpPr>
-      <p:sp>
-        <p:nvSpPr>
-          <p:cNvPr id="4" name="Retângulo 3">
-            <a:extLst>
-              <a:ext uri="{FF2B5EF4-FFF2-40B4-BE49-F238E27FC236}">
-                <a16:creationId xmlns:a16="http://schemas.microsoft.com/office/drawing/2014/main" id="{5815619D-E61A-42F1-A9DF-404376971123}"/>
-              </a:ext>
-            </a:extLst>
-          </p:cNvPr>
-          <p:cNvSpPr/>
-          <p:nvPr/>
-        </p:nvSpPr>
-        <p:spPr>
-          <a:xfrm>
-            <a:off x="0" y="0"/>
-            <a:ext cx="12192000" cy="1443318"/>
-          </a:xfrm>
-          <a:prstGeom prst="rect">
-            <a:avLst/>
-          </a:prstGeom>
-        </p:spPr>
-        <p:style>
-          <a:lnRef idx="2">
-            <a:schemeClr val="dk1"/>
-          </a:lnRef>
-          <a:fillRef idx="1">
-            <a:schemeClr val="lt1"/>
-          </a:fillRef>
-          <a:effectRef idx="0">
-            <a:schemeClr val="dk1"/>
-          </a:effectRef>
-          <a:fontRef idx="minor">
-            <a:schemeClr val="dk1"/>
-          </a:fontRef>
-        </p:style>
-        <p:txBody>
-          <a:bodyPr rtlCol="0" anchor="ctr"/>
-          <a:lstStyle/>
-          <a:p>
-            <a:pPr algn="ctr"/>
-            <a:endParaRPr lang="pt-BR" dirty="0"/>
-          </a:p>
-        </p:txBody>
-      </p:sp>
-      <p:sp>
-        <p:nvSpPr>
-          <p:cNvPr id="9" name="CaixaDeTexto 8">
-            <a:extLst>
-              <a:ext uri="{FF2B5EF4-FFF2-40B4-BE49-F238E27FC236}">
-                <a16:creationId xmlns:a16="http://schemas.microsoft.com/office/drawing/2014/main" id="{722813C0-711E-4F44-9E55-E9E9D62DEA94}"/>
-              </a:ext>
-            </a:extLst>
-          </p:cNvPr>
-          <p:cNvSpPr txBox="1"/>
-          <p:nvPr/>
-        </p:nvSpPr>
-        <p:spPr>
-          <a:xfrm>
-            <a:off x="-126042" y="182325"/>
-            <a:ext cx="6153324" cy="1077218"/>
-          </a:xfrm>
-          <a:prstGeom prst="rect">
-            <a:avLst/>
-          </a:prstGeom>
-          <a:noFill/>
-        </p:spPr>
-        <p:txBody>
-          <a:bodyPr wrap="square">
-            <a:spAutoFit/>
-          </a:bodyPr>
-          <a:lstStyle/>
-          <a:p>
-            <a:pPr algn="ctr"/>
-            <a:r>
-              <a:rPr lang="pt-BR" sz="3200" dirty="0">
-                <a:latin typeface="Felix Titling" panose="04060505060202020A04" pitchFamily="82" charset="0"/>
-              </a:rPr>
-              <a:t>Site Institucional, Dashboard</a:t>
-            </a:r>
-            <a:r>
-              <a:rPr lang="pt-BR" sz="3200" dirty="0"/>
-              <a:t>.</a:t>
-            </a:r>
-          </a:p>
-        </p:txBody>
-      </p:sp>
-      <p:sp>
-        <p:nvSpPr>
-          <p:cNvPr id="10" name="Retângulo 9">
-            <a:extLst>
-              <a:ext uri="{FF2B5EF4-FFF2-40B4-BE49-F238E27FC236}">
-                <a16:creationId xmlns:a16="http://schemas.microsoft.com/office/drawing/2014/main" id="{0763A5A7-9ADF-47A8-AC3B-40B5C33EE44E}"/>
-              </a:ext>
-            </a:extLst>
-          </p:cNvPr>
-          <p:cNvSpPr/>
-          <p:nvPr/>
-        </p:nvSpPr>
-        <p:spPr>
-          <a:xfrm rot="18718225">
-            <a:off x="812438" y="2501348"/>
-            <a:ext cx="11150221" cy="1855304"/>
-          </a:xfrm>
-          <a:prstGeom prst="rect">
-            <a:avLst/>
-          </a:prstGeom>
-          <a:solidFill>
-            <a:schemeClr val="bg2">
-              <a:lumMod val="25000"/>
-            </a:schemeClr>
-          </a:solidFill>
-          <a:ln>
-            <a:noFill/>
-          </a:ln>
-        </p:spPr>
-        <p:style>
-          <a:lnRef idx="2">
-            <a:schemeClr val="accent1">
-              <a:shade val="50000"/>
-            </a:schemeClr>
-          </a:lnRef>
-          <a:fillRef idx="1">
-            <a:schemeClr val="accent1"/>
-          </a:fillRef>
-          <a:effectRef idx="0">
-            <a:schemeClr val="accent1"/>
-          </a:effectRef>
-          <a:fontRef idx="minor">
-            <a:schemeClr val="lt1"/>
-          </a:fontRef>
-        </p:style>
-        <p:txBody>
-          <a:bodyPr rtlCol="0" anchor="ctr"/>
-          <a:lstStyle/>
-          <a:p>
-            <a:pPr algn="ctr"/>
-            <a:endParaRPr lang="pt-BR" dirty="0"/>
-          </a:p>
-        </p:txBody>
-      </p:sp>
-      <p:sp>
-        <p:nvSpPr>
-          <p:cNvPr id="15" name="Retângulo 14">
-            <a:extLst>
-              <a:ext uri="{FF2B5EF4-FFF2-40B4-BE49-F238E27FC236}">
-                <a16:creationId xmlns:a16="http://schemas.microsoft.com/office/drawing/2014/main" id="{8EAF72AF-8C05-4394-986A-2EB8B7AD3AE5}"/>
-              </a:ext>
-            </a:extLst>
-          </p:cNvPr>
-          <p:cNvSpPr/>
-          <p:nvPr/>
-        </p:nvSpPr>
-        <p:spPr>
-          <a:xfrm rot="18718225">
-            <a:off x="1788249" y="3951864"/>
-            <a:ext cx="11150221" cy="186724"/>
-          </a:xfrm>
-          <a:prstGeom prst="rect">
-            <a:avLst/>
-          </a:prstGeom>
-          <a:solidFill>
-            <a:schemeClr val="bg2">
-              <a:lumMod val="25000"/>
-            </a:schemeClr>
-          </a:solidFill>
-          <a:ln>
-            <a:noFill/>
-          </a:ln>
-        </p:spPr>
-        <p:style>
-          <a:lnRef idx="2">
-            <a:schemeClr val="accent1">
-              <a:shade val="50000"/>
-            </a:schemeClr>
-          </a:lnRef>
-          <a:fillRef idx="1">
-            <a:schemeClr val="accent1"/>
-          </a:fillRef>
-          <a:effectRef idx="0">
-            <a:schemeClr val="accent1"/>
-          </a:effectRef>
-          <a:fontRef idx="minor">
-            <a:schemeClr val="lt1"/>
-          </a:fontRef>
-        </p:style>
-        <p:txBody>
-          <a:bodyPr rtlCol="0" anchor="ctr"/>
-          <a:lstStyle/>
-          <a:p>
-            <a:pPr algn="ctr"/>
-            <a:endParaRPr lang="pt-BR" dirty="0"/>
-          </a:p>
-        </p:txBody>
-      </p:sp>
-      <p:pic>
-        <p:nvPicPr>
-          <p:cNvPr id="8" name="Picture 4" descr="Ver a imagem de origem">
-            <a:extLst>
-              <a:ext uri="{FF2B5EF4-FFF2-40B4-BE49-F238E27FC236}">
-                <a16:creationId xmlns:a16="http://schemas.microsoft.com/office/drawing/2014/main" id="{64BBFD3D-2A54-44F5-B4E9-B0BD4F0A84B5}"/>
-              </a:ext>
-            </a:extLst>
-          </p:cNvPr>
-          <p:cNvPicPr>
-            <a:picLocks noChangeAspect="1" noChangeArrowheads="1"/>
-          </p:cNvPicPr>
-          <p:nvPr/>
-        </p:nvPicPr>
-        <p:blipFill>
-          <a:blip r:embed="rId2">
-            <a:extLst>
-              <a:ext uri="{28A0092B-C50C-407E-A947-70E740481C1C}">
-                <a14:useLocalDpi xmlns:a14="http://schemas.microsoft.com/office/drawing/2010/main" val="0"/>
-              </a:ext>
-            </a:extLst>
-          </a:blip>
-          <a:srcRect/>
-          <a:stretch>
-            <a:fillRect/>
-          </a:stretch>
-        </p:blipFill>
-        <p:spPr bwMode="auto">
-          <a:xfrm>
-            <a:off x="4359284" y="2347177"/>
-            <a:ext cx="4056528" cy="4056528"/>
-          </a:xfrm>
-          <a:prstGeom prst="rect">
-            <a:avLst/>
-          </a:prstGeom>
-          <a:noFill/>
-          <a:extLst>
-            <a:ext uri="{909E8E84-426E-40DD-AFC4-6F175D3DCCD1}">
-              <a14:hiddenFill xmlns:a14="http://schemas.microsoft.com/office/drawing/2010/main">
-                <a:solidFill>
-                  <a:srgbClr val="FFFFFF"/>
-                </a:solidFill>
-              </a14:hiddenFill>
-            </a:ext>
-          </a:extLst>
-        </p:spPr>
-      </p:pic>
-      <p:pic>
-        <p:nvPicPr>
-          <p:cNvPr id="18" name="Imagem 17" descr="Logotipo&#10;&#10;Descrição gerada automaticamente">
-            <a:extLst>
-              <a:ext uri="{FF2B5EF4-FFF2-40B4-BE49-F238E27FC236}">
-                <a16:creationId xmlns:a16="http://schemas.microsoft.com/office/drawing/2014/main" id="{E2916332-B7D7-4750-A16C-EE28D8C704CE}"/>
-              </a:ext>
-            </a:extLst>
-          </p:cNvPr>
-          <p:cNvPicPr>
-            <a:picLocks noChangeAspect="1"/>
-          </p:cNvPicPr>
-          <p:nvPr/>
-        </p:nvPicPr>
-        <p:blipFill>
-          <a:blip r:embed="rId3">
-            <a:extLst>
-              <a:ext uri="{28A0092B-C50C-407E-A947-70E740481C1C}">
-                <a14:useLocalDpi xmlns:a14="http://schemas.microsoft.com/office/drawing/2010/main" val="0"/>
-              </a:ext>
-            </a:extLst>
-          </a:blip>
-          <a:stretch>
-            <a:fillRect/>
-          </a:stretch>
-        </p:blipFill>
-        <p:spPr>
-          <a:xfrm>
-            <a:off x="11473430" y="6175513"/>
-            <a:ext cx="570021" cy="559903"/>
-          </a:xfrm>
-          <a:prstGeom prst="rect">
-            <a:avLst/>
-          </a:prstGeom>
-        </p:spPr>
-      </p:pic>
-      <p:pic>
-        <p:nvPicPr>
-          <p:cNvPr id="12" name="Picture 6" descr="Ver a imagem de origem">
-            <a:extLst>
-              <a:ext uri="{FF2B5EF4-FFF2-40B4-BE49-F238E27FC236}">
-                <a16:creationId xmlns:a16="http://schemas.microsoft.com/office/drawing/2014/main" id="{49823CB3-F9EC-4DE8-9C6F-912843AC802E}"/>
-              </a:ext>
-            </a:extLst>
-          </p:cNvPr>
-          <p:cNvPicPr>
-            <a:picLocks noChangeAspect="1" noChangeArrowheads="1"/>
-          </p:cNvPicPr>
-          <p:nvPr/>
-        </p:nvPicPr>
-        <p:blipFill>
-          <a:blip r:embed="rId4">
-            <a:extLst>
-              <a:ext uri="{28A0092B-C50C-407E-A947-70E740481C1C}">
-                <a14:useLocalDpi xmlns:a14="http://schemas.microsoft.com/office/drawing/2010/main" val="0"/>
-              </a:ext>
-            </a:extLst>
-          </a:blip>
-          <a:srcRect/>
-          <a:stretch>
-            <a:fillRect/>
-          </a:stretch>
-        </p:blipFill>
-        <p:spPr bwMode="auto">
-          <a:xfrm rot="3916419">
-            <a:off x="3290784" y="3508717"/>
-            <a:ext cx="1343324" cy="1609306"/>
-          </a:xfrm>
-          <a:prstGeom prst="rect">
-            <a:avLst/>
-          </a:prstGeom>
-          <a:noFill/>
-          <a:extLst>
-            <a:ext uri="{909E8E84-426E-40DD-AFC4-6F175D3DCCD1}">
-              <a14:hiddenFill xmlns:a14="http://schemas.microsoft.com/office/drawing/2010/main">
-                <a:solidFill>
-                  <a:srgbClr val="FFFFFF"/>
-                </a:solidFill>
-              </a14:hiddenFill>
-            </a:ext>
-          </a:extLst>
-        </p:spPr>
-      </p:pic>
-    </p:spTree>
-    <p:extLst>
-      <p:ext uri="{BB962C8B-B14F-4D97-AF65-F5344CB8AC3E}">
-        <p14:creationId xmlns:p14="http://schemas.microsoft.com/office/powerpoint/2010/main" val="1719718150"/>
-      </p:ext>
-    </p:extLst>
-  </p:cSld>
-  <p:clrMapOvr>
-    <a:masterClrMapping/>
-  </p:clrMapOvr>
-  <p:transition spd="slow">
-    <p:push dir="u"/>
-  </p:transition>
-  <p:timing>
-    <p:tnLst>
-      <p:par>
-        <p:cTn id="1" dur="indefinite" restart="never" nodeType="tmRoot">
-          <p:childTnLst>
-            <p:seq concurrent="1" nextAc="seek">
-              <p:cTn id="2" dur="indefinite" nodeType="mainSeq">
-                <p:childTnLst>
-                  <p:par>
-                    <p:cTn id="3" fill="hold">
-                      <p:stCondLst>
-                        <p:cond delay="indefinite"/>
-                        <p:cond evt="onBegin" delay="0">
-                          <p:tn val="2"/>
-                        </p:cond>
-                      </p:stCondLst>
-                      <p:childTnLst>
-                        <p:par>
-                          <p:cTn id="4" fill="hold">
-                            <p:stCondLst>
-                              <p:cond delay="0"/>
-                            </p:stCondLst>
-                            <p:childTnLst>
-                              <p:par>
-                                <p:cTn id="5" presetID="10" presetClass="entr" presetSubtype="0" fill="hold" grpId="0" nodeType="withEffect">
-                                  <p:stCondLst>
-                                    <p:cond delay="500"/>
-                                  </p:stCondLst>
-                                  <p:childTnLst>
-                                    <p:set>
-                                      <p:cBhvr>
-                                        <p:cTn id="6" dur="1" fill="hold">
-                                          <p:stCondLst>
-                                            <p:cond delay="0"/>
-                                          </p:stCondLst>
-                                        </p:cTn>
-                                        <p:tgtEl>
-                                          <p:spTgt spid="10"/>
-                                        </p:tgtEl>
-                                        <p:attrNameLst>
-                                          <p:attrName>style.visibility</p:attrName>
-                                        </p:attrNameLst>
-                                      </p:cBhvr>
-                                      <p:to>
-                                        <p:strVal val="visible"/>
-                                      </p:to>
-                                    </p:set>
-                                    <p:animEffect transition="in" filter="fade">
-                                      <p:cBhvr>
-                                        <p:cTn id="7" dur="250"/>
-                                        <p:tgtEl>
-                                          <p:spTgt spid="10"/>
-                                        </p:tgtEl>
-                                      </p:cBhvr>
-                                    </p:animEffect>
-                                  </p:childTnLst>
-                                </p:cTn>
-                              </p:par>
-                              <p:par>
-                                <p:cTn id="8" presetID="10" presetClass="entr" presetSubtype="0" fill="hold" grpId="0" nodeType="withEffect">
-                                  <p:stCondLst>
-                                    <p:cond delay="500"/>
-                                  </p:stCondLst>
-                                  <p:childTnLst>
-                                    <p:set>
-                                      <p:cBhvr>
-                                        <p:cTn id="9" dur="1" fill="hold">
-                                          <p:stCondLst>
-                                            <p:cond delay="0"/>
-                                          </p:stCondLst>
-                                        </p:cTn>
-                                        <p:tgtEl>
-                                          <p:spTgt spid="15"/>
-                                        </p:tgtEl>
-                                        <p:attrNameLst>
-                                          <p:attrName>style.visibility</p:attrName>
-                                        </p:attrNameLst>
-                                      </p:cBhvr>
-                                      <p:to>
-                                        <p:strVal val="visible"/>
-                                      </p:to>
-                                    </p:set>
-                                    <p:animEffect transition="in" filter="fade">
-                                      <p:cBhvr>
-                                        <p:cTn id="10" dur="250"/>
-                                        <p:tgtEl>
-                                          <p:spTgt spid="15"/>
-                                        </p:tgtEl>
-                                      </p:cBhvr>
-                                    </p:animEffect>
-                                  </p:childTnLst>
-                                </p:cTn>
-                              </p:par>
-                              <p:par>
-                                <p:cTn id="11" presetID="10" presetClass="entr" presetSubtype="0" fill="hold" nodeType="withEffect">
-                                  <p:stCondLst>
-                                    <p:cond delay="0"/>
-                                  </p:stCondLst>
-                                  <p:childTnLst>
-                                    <p:set>
-                                      <p:cBhvr>
-                                        <p:cTn id="12" dur="1" fill="hold">
-                                          <p:stCondLst>
-                                            <p:cond delay="0"/>
-                                          </p:stCondLst>
-                                        </p:cTn>
-                                        <p:tgtEl>
-                                          <p:spTgt spid="18"/>
-                                        </p:tgtEl>
-                                        <p:attrNameLst>
-                                          <p:attrName>style.visibility</p:attrName>
-                                        </p:attrNameLst>
-                                      </p:cBhvr>
-                                      <p:to>
-                                        <p:strVal val="visible"/>
-                                      </p:to>
-                                    </p:set>
-                                    <p:animEffect transition="in" filter="fade">
-                                      <p:cBhvr>
-                                        <p:cTn id="13" dur="500"/>
-                                        <p:tgtEl>
-                                          <p:spTgt spid="18"/>
-                                        </p:tgtEl>
-                                      </p:cBhvr>
-                                    </p:animEffect>
-                                  </p:childTnLst>
-                                </p:cTn>
-                              </p:par>
-                            </p:childTnLst>
-                          </p:cTn>
-                        </p:par>
-                      </p:childTnLst>
-                    </p:cTn>
-                  </p:par>
-                  <p:par>
-                    <p:cTn id="14" fill="hold">
-                      <p:stCondLst>
-                        <p:cond delay="indefinite"/>
-                      </p:stCondLst>
-                      <p:childTnLst>
-                        <p:par>
-                          <p:cTn id="15" fill="hold">
-                            <p:stCondLst>
-                              <p:cond delay="0"/>
-                            </p:stCondLst>
-                            <p:childTnLst>
-                              <p:par>
-                                <p:cTn id="16" presetID="42" presetClass="entr" presetSubtype="0" fill="hold" nodeType="clickEffect">
-                                  <p:stCondLst>
-                                    <p:cond delay="0"/>
-                                  </p:stCondLst>
-                                  <p:childTnLst>
-                                    <p:set>
-                                      <p:cBhvr>
-                                        <p:cTn id="17" dur="1" fill="hold">
-                                          <p:stCondLst>
-                                            <p:cond delay="0"/>
-                                          </p:stCondLst>
-                                        </p:cTn>
-                                        <p:tgtEl>
-                                          <p:spTgt spid="12"/>
-                                        </p:tgtEl>
-                                        <p:attrNameLst>
-                                          <p:attrName>style.visibility</p:attrName>
-                                        </p:attrNameLst>
-                                      </p:cBhvr>
-                                      <p:to>
-                                        <p:strVal val="visible"/>
-                                      </p:to>
-                                    </p:set>
-                                    <p:animEffect transition="in" filter="fade">
-                                      <p:cBhvr>
-                                        <p:cTn id="18" dur="1000"/>
-                                        <p:tgtEl>
-                                          <p:spTgt spid="12"/>
-                                        </p:tgtEl>
-                                      </p:cBhvr>
-                                    </p:animEffect>
-                                    <p:anim calcmode="lin" valueType="num">
-                                      <p:cBhvr>
-                                        <p:cTn id="19" dur="1000" fill="hold"/>
-                                        <p:tgtEl>
-                                          <p:spTgt spid="12"/>
-                                        </p:tgtEl>
-                                        <p:attrNameLst>
-                                          <p:attrName>ppt_x</p:attrName>
-                                        </p:attrNameLst>
-                                      </p:cBhvr>
-                                      <p:tavLst>
-                                        <p:tav tm="0">
-                                          <p:val>
-                                            <p:strVal val="#ppt_x"/>
-                                          </p:val>
-                                        </p:tav>
-                                        <p:tav tm="100000">
-                                          <p:val>
-                                            <p:strVal val="#ppt_x"/>
-                                          </p:val>
-                                        </p:tav>
-                                      </p:tavLst>
-                                    </p:anim>
-                                    <p:anim calcmode="lin" valueType="num">
-                                      <p:cBhvr>
-                                        <p:cTn id="20" dur="1000" fill="hold"/>
-                                        <p:tgtEl>
-                                          <p:spTgt spid="12"/>
-                                        </p:tgtEl>
-                                        <p:attrNameLst>
-                                          <p:attrName>ppt_y</p:attrName>
-                                        </p:attrNameLst>
-                                      </p:cBhvr>
-                                      <p:tavLst>
-                                        <p:tav tm="0">
-                                          <p:val>
-                                            <p:strVal val="#ppt_y+.1"/>
-                                          </p:val>
-                                        </p:tav>
-                                        <p:tav tm="100000">
-                                          <p:val>
-                                            <p:strVal val="#ppt_y"/>
-                                          </p:val>
-                                        </p:tav>
-                                      </p:tavLst>
-                                    </p:anim>
-                                  </p:childTnLst>
-                                </p:cTn>
-                              </p:par>
-                            </p:childTnLst>
-                          </p:cTn>
-                        </p:par>
-                      </p:childTnLst>
-                    </p:cTn>
-                  </p:par>
-                </p:childTnLst>
-              </p:cTn>
-              <p:prevCondLst>
-                <p:cond evt="onPrev" delay="0">
-                  <p:tgtEl>
-                    <p:sldTgt/>
-                  </p:tgtEl>
-                </p:cond>
-              </p:prevCondLst>
-              <p:nextCondLst>
-                <p:cond evt="onNext" delay="0">
-                  <p:tgtEl>
-                    <p:sldTgt/>
-                  </p:tgtEl>
-                </p:cond>
-              </p:nextCondLst>
-            </p:seq>
-          </p:childTnLst>
-        </p:cTn>
-      </p:par>
-    </p:tnLst>
-    <p:bldLst>
-      <p:bldP spid="10" grpId="0" animBg="1"/>
-      <p:bldP spid="15" grpId="0" animBg="1"/>
-    </p:bldLst>
-  </p:timing>
-</p:sld>
-</file>
-
-<file path=ppt/slides/slide7.xml><?xml version="1.0" encoding="utf-8"?>
-<p:sld xmlns:a="http://schemas.openxmlformats.org/drawingml/2006/main" xmlns:r="http://schemas.openxmlformats.org/officeDocument/2006/relationships" xmlns:p="http://schemas.openxmlformats.org/presentationml/2006/main">
-  <p:cSld>
-    <p:bg>
-      <p:bgPr>
-        <a:solidFill>
-          <a:schemeClr val="bg2">
-            <a:lumMod val="90000"/>
-          </a:schemeClr>
-        </a:solidFill>
-        <a:effectLst/>
-      </p:bgPr>
-    </p:bg>
-    <p:spTree>
-      <p:nvGrpSpPr>
-        <p:cNvPr id="1" name=""/>
-        <p:cNvGrpSpPr/>
-        <p:nvPr/>
-      </p:nvGrpSpPr>
-      <p:grpSpPr>
-        <a:xfrm>
-          <a:off x="0" y="0"/>
-          <a:ext cx="0" cy="0"/>
-          <a:chOff x="0" y="0"/>
-          <a:chExt cx="0" cy="0"/>
-        </a:xfrm>
-      </p:grpSpPr>
-      <p:sp>
-        <p:nvSpPr>
-          <p:cNvPr id="13" name="Freeform: Shape 12">
-            <a:extLst>
-              <a:ext uri="{FF2B5EF4-FFF2-40B4-BE49-F238E27FC236}">
-                <a16:creationId xmlns:a16="http://schemas.microsoft.com/office/drawing/2014/main" id="{B670DBD5-770C-4383-9F54-5B86E86BD5BB}"/>
-              </a:ext>
-              <a:ext uri="{C183D7F6-B498-43B3-948B-1728B52AA6E4}">
-                <adec:decorative xmlns:adec="http://schemas.microsoft.com/office/drawing/2017/decorative" val="1"/>
-              </a:ext>
-            </a:extLst>
-          </p:cNvPr>
-          <p:cNvSpPr>
-            <a:spLocks noGrp="1" noRot="1" noChangeAspect="1" noMove="1" noResize="1" noEditPoints="1" noAdjustHandles="1" noChangeArrowheads="1" noChangeShapeType="1" noTextEdit="1"/>
-          </p:cNvSpPr>
-          <p:nvPr>
-            <p:extLst>
-              <p:ext uri="{386F3935-93C4-4BCD-93E2-E3B085C9AB24}">
-                <p16:designElem xmlns:p16="http://schemas.microsoft.com/office/powerpoint/2015/main" val="1"/>
-              </p:ext>
-            </p:extLst>
-          </p:nvPr>
-        </p:nvSpPr>
-        <p:spPr>
-          <a:xfrm>
-            <a:off x="1210277" y="0"/>
-            <a:ext cx="9771446" cy="6858000"/>
-          </a:xfrm>
-          <a:custGeom>
-            <a:avLst/>
-            <a:gdLst>
-              <a:gd name="connsiteX0" fmla="*/ 1422188 w 9771446"/>
-              <a:gd name="connsiteY0" fmla="*/ 0 h 6858000"/>
-              <a:gd name="connsiteX1" fmla="*/ 8349258 w 9771446"/>
-              <a:gd name="connsiteY1" fmla="*/ 0 h 6858000"/>
-              <a:gd name="connsiteX2" fmla="*/ 8502224 w 9771446"/>
-              <a:gd name="connsiteY2" fmla="*/ 159673 h 6858000"/>
-              <a:gd name="connsiteX3" fmla="*/ 9771446 w 9771446"/>
-              <a:gd name="connsiteY3" fmla="*/ 3429001 h 6858000"/>
-              <a:gd name="connsiteX4" fmla="*/ 8502224 w 9771446"/>
-              <a:gd name="connsiteY4" fmla="*/ 6698330 h 6858000"/>
-              <a:gd name="connsiteX5" fmla="*/ 8349260 w 9771446"/>
-              <a:gd name="connsiteY5" fmla="*/ 6858000 h 6858000"/>
-              <a:gd name="connsiteX6" fmla="*/ 1422186 w 9771446"/>
-              <a:gd name="connsiteY6" fmla="*/ 6858000 h 6858000"/>
-              <a:gd name="connsiteX7" fmla="*/ 1269223 w 9771446"/>
-              <a:gd name="connsiteY7" fmla="*/ 6698330 h 6858000"/>
-              <a:gd name="connsiteX8" fmla="*/ 0 w 9771446"/>
-              <a:gd name="connsiteY8" fmla="*/ 3429001 h 6858000"/>
-              <a:gd name="connsiteX9" fmla="*/ 1269223 w 9771446"/>
-              <a:gd name="connsiteY9" fmla="*/ 159673 h 6858000"/>
-            </a:gdLst>
-            <a:ahLst/>
-            <a:cxnLst>
-              <a:cxn ang="0">
-                <a:pos x="connsiteX0" y="connsiteY0"/>
-              </a:cxn>
-              <a:cxn ang="0">
-                <a:pos x="connsiteX1" y="connsiteY1"/>
-              </a:cxn>
-              <a:cxn ang="0">
-                <a:pos x="connsiteX2" y="connsiteY2"/>
-              </a:cxn>
-              <a:cxn ang="0">
-                <a:pos x="connsiteX3" y="connsiteY3"/>
-              </a:cxn>
-              <a:cxn ang="0">
-                <a:pos x="connsiteX4" y="connsiteY4"/>
-              </a:cxn>
-              <a:cxn ang="0">
-                <a:pos x="connsiteX5" y="connsiteY5"/>
-              </a:cxn>
-              <a:cxn ang="0">
-                <a:pos x="connsiteX6" y="connsiteY6"/>
-              </a:cxn>
-              <a:cxn ang="0">
-                <a:pos x="connsiteX7" y="connsiteY7"/>
-              </a:cxn>
-              <a:cxn ang="0">
-                <a:pos x="connsiteX8" y="connsiteY8"/>
-              </a:cxn>
-              <a:cxn ang="0">
-                <a:pos x="connsiteX9" y="connsiteY9"/>
-              </a:cxn>
-            </a:cxnLst>
-            <a:rect l="l" t="t" r="r" b="b"/>
-            <a:pathLst>
-              <a:path w="9771446" h="6858000">
-                <a:moveTo>
-                  <a:pt x="1422188" y="0"/>
-                </a:moveTo>
-                <a:lnTo>
-                  <a:pt x="8349258" y="0"/>
-                </a:lnTo>
-                <a:lnTo>
-                  <a:pt x="8502224" y="159673"/>
-                </a:lnTo>
-                <a:cubicBezTo>
-                  <a:pt x="9290813" y="1023162"/>
-                  <a:pt x="9771446" y="2170221"/>
-                  <a:pt x="9771446" y="3429001"/>
-                </a:cubicBezTo>
-                <a:cubicBezTo>
-                  <a:pt x="9771446" y="4687781"/>
-                  <a:pt x="9290813" y="5834840"/>
-                  <a:pt x="8502224" y="6698330"/>
-                </a:cubicBezTo>
-                <a:lnTo>
-                  <a:pt x="8349260" y="6858000"/>
-                </a:lnTo>
-                <a:lnTo>
-                  <a:pt x="1422186" y="6858000"/>
-                </a:lnTo>
-                <a:lnTo>
-                  <a:pt x="1269223" y="6698330"/>
-                </a:lnTo>
-                <a:cubicBezTo>
-                  <a:pt x="480633" y="5834840"/>
-                  <a:pt x="0" y="4687781"/>
-                  <a:pt x="0" y="3429001"/>
-                </a:cubicBezTo>
-                <a:cubicBezTo>
-                  <a:pt x="0" y="2170221"/>
-                  <a:pt x="480633" y="1023162"/>
-                  <a:pt x="1269223" y="159673"/>
-                </a:cubicBezTo>
-                <a:close/>
-              </a:path>
-            </a:pathLst>
-          </a:custGeom>
-          <a:solidFill>
-            <a:schemeClr val="bg1">
-              <a:lumMod val="85000"/>
-              <a:alpha val="62000"/>
-            </a:schemeClr>
-          </a:solidFill>
-          <a:ln>
-            <a:noFill/>
-          </a:ln>
-        </p:spPr>
-        <p:style>
-          <a:lnRef idx="2">
-            <a:schemeClr val="accent1">
-              <a:shade val="50000"/>
-            </a:schemeClr>
-          </a:lnRef>
-          <a:fillRef idx="1">
-            <a:schemeClr val="accent1"/>
-          </a:fillRef>
-          <a:effectRef idx="0">
-            <a:schemeClr val="accent1"/>
-          </a:effectRef>
-          <a:fontRef idx="minor">
-            <a:schemeClr val="lt1"/>
-          </a:fontRef>
-        </p:style>
-        <p:txBody>
-          <a:bodyPr wrap="square" rtlCol="0" anchor="ctr">
-            <a:noAutofit/>
-          </a:bodyPr>
-          <a:lstStyle/>
-          <a:p>
-            <a:pPr algn="ctr"/>
-            <a:endParaRPr lang="en-US"/>
-          </a:p>
-        </p:txBody>
-      </p:sp>
-      <p:pic>
-        <p:nvPicPr>
-          <p:cNvPr id="2052" name="Picture 4" descr="Ver a imagem de origem">
-            <a:extLst>
-              <a:ext uri="{FF2B5EF4-FFF2-40B4-BE49-F238E27FC236}">
-                <a16:creationId xmlns:a16="http://schemas.microsoft.com/office/drawing/2014/main" id="{9AD4A3B6-AE77-42D3-839D-0463BD623072}"/>
-              </a:ext>
-            </a:extLst>
-          </p:cNvPr>
-          <p:cNvPicPr>
-            <a:picLocks noChangeAspect="1" noChangeArrowheads="1"/>
-          </p:cNvPicPr>
-          <p:nvPr/>
-        </p:nvPicPr>
-        <p:blipFill>
-          <a:blip r:embed="rId2">
-            <a:extLst>
-              <a:ext uri="{28A0092B-C50C-407E-A947-70E740481C1C}">
-                <a14:useLocalDpi xmlns:a14="http://schemas.microsoft.com/office/drawing/2010/main" val="0"/>
-              </a:ext>
-            </a:extLst>
-          </a:blip>
-          <a:srcRect/>
-          <a:stretch>
-            <a:fillRect/>
-          </a:stretch>
-        </p:blipFill>
-        <p:spPr bwMode="auto">
-          <a:xfrm>
-            <a:off x="4175095" y="1663700"/>
-            <a:ext cx="3975100" cy="3975100"/>
-          </a:xfrm>
-          <a:prstGeom prst="rect">
-            <a:avLst/>
-          </a:prstGeom>
-          <a:noFill/>
-          <a:extLst>
-            <a:ext uri="{909E8E84-426E-40DD-AFC4-6F175D3DCCD1}">
-              <a14:hiddenFill xmlns:a14="http://schemas.microsoft.com/office/drawing/2010/main">
-                <a:solidFill>
-                  <a:srgbClr val="FFFFFF"/>
-                </a:solidFill>
-              </a14:hiddenFill>
-            </a:ext>
-          </a:extLst>
-        </p:spPr>
-      </p:pic>
-      <p:sp>
-        <p:nvSpPr>
-          <p:cNvPr id="9" name="CaixaDeTexto 8">
-            <a:extLst>
-              <a:ext uri="{FF2B5EF4-FFF2-40B4-BE49-F238E27FC236}">
-                <a16:creationId xmlns:a16="http://schemas.microsoft.com/office/drawing/2014/main" id="{EF0F11FA-7CAC-432B-A2A2-A4547E75F04E}"/>
-              </a:ext>
-            </a:extLst>
-          </p:cNvPr>
-          <p:cNvSpPr txBox="1"/>
-          <p:nvPr/>
-        </p:nvSpPr>
-        <p:spPr>
-          <a:xfrm>
-            <a:off x="3451697" y="225454"/>
-            <a:ext cx="5183920" cy="707886"/>
-          </a:xfrm>
-          <a:prstGeom prst="rect">
-            <a:avLst/>
-          </a:prstGeom>
-          <a:noFill/>
-        </p:spPr>
-        <p:txBody>
-          <a:bodyPr wrap="none" rtlCol="0">
-            <a:spAutoFit/>
-          </a:bodyPr>
-          <a:lstStyle/>
-          <a:p>
-            <a:r>
-              <a:rPr lang="pt-BR" sz="4000" dirty="0">
-                <a:latin typeface="Felix Titling" panose="04060505060202020A04" pitchFamily="82" charset="0"/>
-              </a:rPr>
-              <a:t>Cadastro e Login</a:t>
-            </a:r>
-          </a:p>
-        </p:txBody>
-      </p:sp>
-      <p:pic>
-        <p:nvPicPr>
-          <p:cNvPr id="14" name="Imagem 13" descr="Logotipo&#10;&#10;Descrição gerada automaticamente">
-            <a:extLst>
-              <a:ext uri="{FF2B5EF4-FFF2-40B4-BE49-F238E27FC236}">
-                <a16:creationId xmlns:a16="http://schemas.microsoft.com/office/drawing/2014/main" id="{A5DE5B40-4485-4BA8-A33F-891681DD4B9B}"/>
-              </a:ext>
-            </a:extLst>
-          </p:cNvPr>
-          <p:cNvPicPr>
-            <a:picLocks noChangeAspect="1"/>
-          </p:cNvPicPr>
-          <p:nvPr/>
-        </p:nvPicPr>
-        <p:blipFill>
-          <a:blip r:embed="rId3">
-            <a:extLst>
-              <a:ext uri="{28A0092B-C50C-407E-A947-70E740481C1C}">
-                <a14:useLocalDpi xmlns:a14="http://schemas.microsoft.com/office/drawing/2010/main" val="0"/>
-              </a:ext>
-            </a:extLst>
-          </a:blip>
-          <a:stretch>
-            <a:fillRect/>
-          </a:stretch>
-        </p:blipFill>
-        <p:spPr>
-          <a:xfrm>
-            <a:off x="11473430" y="6175513"/>
-            <a:ext cx="570021" cy="559903"/>
-          </a:xfrm>
-          <a:prstGeom prst="rect">
-            <a:avLst/>
-          </a:prstGeom>
-        </p:spPr>
-      </p:pic>
-      <p:pic>
-        <p:nvPicPr>
-          <p:cNvPr id="2054" name="Picture 6" descr="Ver a imagem de origem">
-            <a:extLst>
-              <a:ext uri="{FF2B5EF4-FFF2-40B4-BE49-F238E27FC236}">
-                <a16:creationId xmlns:a16="http://schemas.microsoft.com/office/drawing/2014/main" id="{0598E04A-4260-4323-9D23-4934CCA90D5E}"/>
-              </a:ext>
-            </a:extLst>
-          </p:cNvPr>
-          <p:cNvPicPr>
-            <a:picLocks noChangeAspect="1" noChangeArrowheads="1"/>
-          </p:cNvPicPr>
-          <p:nvPr/>
-        </p:nvPicPr>
-        <p:blipFill>
-          <a:blip r:embed="rId4">
-            <a:extLst>
-              <a:ext uri="{28A0092B-C50C-407E-A947-70E740481C1C}">
-                <a14:useLocalDpi xmlns:a14="http://schemas.microsoft.com/office/drawing/2010/main" val="0"/>
-              </a:ext>
-            </a:extLst>
-          </a:blip>
-          <a:srcRect/>
-          <a:stretch>
-            <a:fillRect/>
-          </a:stretch>
-        </p:blipFill>
-        <p:spPr bwMode="auto">
-          <a:xfrm>
-            <a:off x="1689099" y="1562100"/>
-            <a:ext cx="4076700" cy="4076700"/>
-          </a:xfrm>
-          <a:prstGeom prst="rect">
-            <a:avLst/>
-          </a:prstGeom>
-          <a:noFill/>
-          <a:extLst>
-            <a:ext uri="{909E8E84-426E-40DD-AFC4-6F175D3DCCD1}">
-              <a14:hiddenFill xmlns:a14="http://schemas.microsoft.com/office/drawing/2010/main">
-                <a:solidFill>
-                  <a:srgbClr val="FFFFFF"/>
-                </a:solidFill>
-              </a14:hiddenFill>
-            </a:ext>
-          </a:extLst>
-        </p:spPr>
-      </p:pic>
-    </p:spTree>
-    <p:extLst>
-      <p:ext uri="{BB962C8B-B14F-4D97-AF65-F5344CB8AC3E}">
-        <p14:creationId xmlns:p14="http://schemas.microsoft.com/office/powerpoint/2010/main" val="283534579"/>
-      </p:ext>
-    </p:extLst>
-  </p:cSld>
-  <p:clrMapOvr>
-    <a:masterClrMapping/>
-  </p:clrMapOvr>
-  <p:timing>
-    <p:tnLst>
-      <p:par>
-        <p:cTn id="1" dur="indefinite" restart="never" nodeType="tmRoot">
-          <p:childTnLst>
-            <p:seq concurrent="1" nextAc="seek">
-              <p:cTn id="2" dur="indefinite" nodeType="mainSeq">
-                <p:childTnLst>
-                  <p:par>
-                    <p:cTn id="3" fill="hold">
-                      <p:stCondLst>
-                        <p:cond delay="indefinite"/>
-                        <p:cond evt="onBegin" delay="0">
-                          <p:tn val="2"/>
-                        </p:cond>
-                      </p:stCondLst>
-                      <p:childTnLst>
-                        <p:par>
-                          <p:cTn id="4" fill="hold">
-                            <p:stCondLst>
-                              <p:cond delay="0"/>
-                            </p:stCondLst>
-                            <p:childTnLst>
-                              <p:par>
-                                <p:cTn id="5" presetID="10" presetClass="entr" presetSubtype="0" fill="hold" nodeType="withEffect">
-                                  <p:stCondLst>
-                                    <p:cond delay="0"/>
-                                  </p:stCondLst>
-                                  <p:childTnLst>
-                                    <p:set>
-                                      <p:cBhvr>
-                                        <p:cTn id="6" dur="1" fill="hold">
-                                          <p:stCondLst>
-                                            <p:cond delay="0"/>
-                                          </p:stCondLst>
-                                        </p:cTn>
-                                        <p:tgtEl>
-                                          <p:spTgt spid="14"/>
-                                        </p:tgtEl>
-                                        <p:attrNameLst>
-                                          <p:attrName>style.visibility</p:attrName>
-                                        </p:attrNameLst>
-                                      </p:cBhvr>
-                                      <p:to>
-                                        <p:strVal val="visible"/>
-                                      </p:to>
-                                    </p:set>
-                                    <p:animEffect transition="in" filter="fade">
-                                      <p:cBhvr>
-                                        <p:cTn id="7" dur="500"/>
-                                        <p:tgtEl>
-                                          <p:spTgt spid="14"/>
-                                        </p:tgtEl>
-                                      </p:cBhvr>
-                                    </p:animEffect>
-                                  </p:childTnLst>
-                                </p:cTn>
-                              </p:par>
-                            </p:childTnLst>
-                          </p:cTn>
-                        </p:par>
-                      </p:childTnLst>
-                    </p:cTn>
-                  </p:par>
-                  <p:par>
-                    <p:cTn id="8" fill="hold">
-                      <p:stCondLst>
-                        <p:cond delay="indefinite"/>
-                      </p:stCondLst>
-                      <p:childTnLst>
-                        <p:par>
-                          <p:cTn id="9" fill="hold">
-                            <p:stCondLst>
-                              <p:cond delay="0"/>
-                            </p:stCondLst>
-                            <p:childTnLst>
-                              <p:par>
-                                <p:cTn id="10" presetID="37" presetClass="path" presetSubtype="0" accel="50000" decel="50000" fill="hold" nodeType="clickEffect">
-                                  <p:stCondLst>
-                                    <p:cond delay="0"/>
-                                  </p:stCondLst>
-                                  <p:childTnLst>
-                                    <p:animMotion origin="layout" path="M -0.04167 0.00555 L 0.02539 0.0456 C 0.03932 0.05463 0.06029 0.05949 0.08229 0.05949 C 0.10729 0.05949 0.12734 0.05463 0.14127 0.0456 L 0.20833 0.00555 " pathEditMode="relative" rAng="0" ptsTypes="AAAAA">
-                                      <p:cBhvr>
-                                        <p:cTn id="11" dur="2000" fill="hold"/>
-                                        <p:tgtEl>
-                                          <p:spTgt spid="2052"/>
-                                        </p:tgtEl>
-                                        <p:attrNameLst>
-                                          <p:attrName>ppt_x</p:attrName>
-                                          <p:attrName>ppt_y</p:attrName>
-                                        </p:attrNameLst>
-                                      </p:cBhvr>
-                                      <p:rCtr x="12500" y="2685"/>
-                                    </p:animMotion>
-                                  </p:childTnLst>
-                                </p:cTn>
-                              </p:par>
-                            </p:childTnLst>
-                          </p:cTn>
-                        </p:par>
-                      </p:childTnLst>
-                    </p:cTn>
-                  </p:par>
-                  <p:par>
-                    <p:cTn id="12" fill="hold">
-                      <p:stCondLst>
-                        <p:cond delay="indefinite"/>
-                      </p:stCondLst>
-                      <p:childTnLst>
-                        <p:par>
-                          <p:cTn id="13" fill="hold">
-                            <p:stCondLst>
-                              <p:cond delay="0"/>
-                            </p:stCondLst>
-                            <p:childTnLst>
-                              <p:par>
-                                <p:cTn id="14" presetID="2" presetClass="entr" presetSubtype="4" fill="hold" nodeType="clickEffect">
-                                  <p:stCondLst>
-                                    <p:cond delay="0"/>
-                                  </p:stCondLst>
-                                  <p:childTnLst>
-                                    <p:set>
-                                      <p:cBhvr>
-                                        <p:cTn id="15" dur="1" fill="hold">
-                                          <p:stCondLst>
-                                            <p:cond delay="0"/>
-                                          </p:stCondLst>
-                                        </p:cTn>
-                                        <p:tgtEl>
-                                          <p:spTgt spid="2054"/>
-                                        </p:tgtEl>
-                                        <p:attrNameLst>
-                                          <p:attrName>style.visibility</p:attrName>
-                                        </p:attrNameLst>
-                                      </p:cBhvr>
-                                      <p:to>
-                                        <p:strVal val="visible"/>
-                                      </p:to>
-                                    </p:set>
-                                    <p:anim calcmode="lin" valueType="num">
-                                      <p:cBhvr additive="base">
-                                        <p:cTn id="16" dur="500" fill="hold"/>
-                                        <p:tgtEl>
-                                          <p:spTgt spid="2054"/>
-                                        </p:tgtEl>
-                                        <p:attrNameLst>
-                                          <p:attrName>ppt_x</p:attrName>
-                                        </p:attrNameLst>
-                                      </p:cBhvr>
-                                      <p:tavLst>
-                                        <p:tav tm="0">
-                                          <p:val>
-                                            <p:strVal val="#ppt_x"/>
-                                          </p:val>
-                                        </p:tav>
-                                        <p:tav tm="100000">
-                                          <p:val>
-                                            <p:strVal val="#ppt_x"/>
-                                          </p:val>
-                                        </p:tav>
-                                      </p:tavLst>
-                                    </p:anim>
-                                    <p:anim calcmode="lin" valueType="num">
-                                      <p:cBhvr additive="base">
-                                        <p:cTn id="17" dur="500" fill="hold"/>
-                                        <p:tgtEl>
-                                          <p:spTgt spid="2054"/>
-                                        </p:tgtEl>
-                                        <p:attrNameLst>
-                                          <p:attrName>ppt_y</p:attrName>
-                                        </p:attrNameLst>
-                                      </p:cBhvr>
-                                      <p:tavLst>
-                                        <p:tav tm="0">
-                                          <p:val>
-                                            <p:strVal val="1+#ppt_h/2"/>
-                                          </p:val>
-                                        </p:tav>
-                                        <p:tav tm="100000">
-                                          <p:val>
-                                            <p:strVal val="#ppt_y"/>
-                                          </p:val>
-                                        </p:tav>
-                                      </p:tavLst>
-                                    </p:anim>
-                                  </p:childTnLst>
-                                </p:cTn>
-                              </p:par>
-                            </p:childTnLst>
-                          </p:cTn>
-                        </p:par>
-                      </p:childTnLst>
-                    </p:cTn>
-                  </p:par>
-                </p:childTnLst>
-              </p:cTn>
-              <p:prevCondLst>
-                <p:cond evt="onPrev" delay="0">
-                  <p:tgtEl>
-                    <p:sldTgt/>
-                  </p:tgtEl>
-                </p:cond>
-              </p:prevCondLst>
-              <p:nextCondLst>
-                <p:cond evt="onNext" delay="0">
-                  <p:tgtEl>
-                    <p:sldTgt/>
-                  </p:tgtEl>
-                </p:cond>
-              </p:nextCondLst>
-            </p:seq>
-          </p:childTnLst>
-        </p:cTn>
-      </p:par>
-    </p:tnLst>
-  </p:timing>
-</p:sld>
-</file>
-
-<file path=ppt/slides/slide8.xml><?xml version="1.0" encoding="utf-8"?>
-<p:sld xmlns:a="http://schemas.openxmlformats.org/drawingml/2006/main" xmlns:r="http://schemas.openxmlformats.org/officeDocument/2006/relationships" xmlns:p="http://schemas.openxmlformats.org/presentationml/2006/main">
-  <p:cSld>
-    <p:bg>
-      <p:bgPr>
-        <a:solidFill>
-          <a:schemeClr val="bg2">
-            <a:lumMod val="90000"/>
-          </a:schemeClr>
-        </a:solidFill>
-        <a:effectLst/>
-      </p:bgPr>
-    </p:bg>
-    <p:spTree>
-      <p:nvGrpSpPr>
-        <p:cNvPr id="1" name=""/>
-        <p:cNvGrpSpPr/>
-        <p:nvPr/>
-      </p:nvGrpSpPr>
-      <p:grpSpPr>
-        <a:xfrm>
-          <a:off x="0" y="0"/>
-          <a:ext cx="0" cy="0"/>
-          <a:chOff x="0" y="0"/>
-          <a:chExt cx="0" cy="0"/>
-        </a:xfrm>
-      </p:grpSpPr>
-      <p:sp>
-        <p:nvSpPr>
-          <p:cNvPr id="135" name="Rectangle 134">
-            <a:extLst>
-              <a:ext uri="{FF2B5EF4-FFF2-40B4-BE49-F238E27FC236}">
-                <a16:creationId xmlns:a16="http://schemas.microsoft.com/office/drawing/2014/main" id="{823AC064-BC96-4F32-8AE1-B2FD38754823}"/>
-              </a:ext>
-              <a:ext uri="{C183D7F6-B498-43B3-948B-1728B52AA6E4}">
-                <adec:decorative xmlns:adec="http://schemas.microsoft.com/office/drawing/2017/decorative" val="1"/>
-              </a:ext>
-            </a:extLst>
-          </p:cNvPr>
-          <p:cNvSpPr>
-            <a:spLocks noGrp="1" noRot="1" noChangeAspect="1" noMove="1" noResize="1" noEditPoints="1" noAdjustHandles="1" noChangeArrowheads="1" noChangeShapeType="1" noTextEdit="1"/>
-          </p:cNvSpPr>
-          <p:nvPr>
-            <p:extLst>
-              <p:ext uri="{386F3935-93C4-4BCD-93E2-E3B085C9AB24}">
-                <p16:designElem xmlns:p16="http://schemas.microsoft.com/office/powerpoint/2015/main" val="1"/>
-              </p:ext>
-            </p:extLst>
-          </p:nvPr>
-        </p:nvSpPr>
-        <p:spPr bwMode="ltGray">
-          <a:xfrm>
-            <a:off x="396882" y="280374"/>
-            <a:ext cx="11438793" cy="1844256"/>
-          </a:xfrm>
-          <a:prstGeom prst="rect">
-            <a:avLst/>
-          </a:prstGeom>
-          <a:solidFill>
-            <a:srgbClr val="404040"/>
-          </a:solidFill>
-          <a:ln w="127000" cap="sq" cmpd="thinThick">
-            <a:solidFill>
-              <a:srgbClr val="404040"/>
-            </a:solidFill>
-          </a:ln>
-        </p:spPr>
-        <p:style>
-          <a:lnRef idx="2">
-            <a:schemeClr val="accent1">
-              <a:shade val="50000"/>
-            </a:schemeClr>
-          </a:lnRef>
-          <a:fillRef idx="1">
-            <a:schemeClr val="accent1"/>
-          </a:fillRef>
-          <a:effectRef idx="0">
-            <a:schemeClr val="accent1"/>
-          </a:effectRef>
-          <a:fontRef idx="minor">
-            <a:schemeClr val="lt1"/>
-          </a:fontRef>
-        </p:style>
-        <p:txBody>
-          <a:bodyPr rtlCol="0" anchor="ctr"/>
-          <a:lstStyle/>
-          <a:p>
-            <a:pPr algn="ctr"/>
-            <a:endParaRPr lang="en-US"/>
-          </a:p>
-        </p:txBody>
-      </p:sp>
-      <p:sp>
-        <p:nvSpPr>
-          <p:cNvPr id="18" name="CaixaDeTexto 17">
-            <a:extLst>
-              <a:ext uri="{FF2B5EF4-FFF2-40B4-BE49-F238E27FC236}">
-                <a16:creationId xmlns:a16="http://schemas.microsoft.com/office/drawing/2014/main" id="{B513A972-1CA3-488C-A0CE-57DBD6094911}"/>
-              </a:ext>
-            </a:extLst>
-          </p:cNvPr>
-          <p:cNvSpPr txBox="1"/>
-          <p:nvPr/>
-        </p:nvSpPr>
-        <p:spPr>
-          <a:xfrm>
-            <a:off x="559416" y="1370974"/>
-            <a:ext cx="11139854" cy="930447"/>
-          </a:xfrm>
-          <a:prstGeom prst="rect">
-            <a:avLst/>
-          </a:prstGeom>
-        </p:spPr>
-        <p:txBody>
-          <a:bodyPr vert="horz" lIns="91440" tIns="45720" rIns="91440" bIns="45720" rtlCol="0" anchor="b">
-            <a:normAutofit/>
-          </a:bodyPr>
-          <a:lstStyle/>
-          <a:p>
-            <a:pPr algn="ctr">
-              <a:lnSpc>
-                <a:spcPct val="90000"/>
-              </a:lnSpc>
-              <a:spcBef>
-                <a:spcPct val="0"/>
-              </a:spcBef>
-              <a:spcAft>
-                <a:spcPts val="600"/>
-              </a:spcAft>
-            </a:pPr>
-            <a:endParaRPr lang="en-US" sz="5400" dirty="0">
-              <a:solidFill>
-                <a:srgbClr val="FFFFFF"/>
-              </a:solidFill>
-              <a:latin typeface="+mj-lt"/>
-              <a:ea typeface="+mj-ea"/>
-              <a:cs typeface="+mj-cs"/>
-            </a:endParaRPr>
-          </a:p>
-        </p:txBody>
-      </p:sp>
-      <p:cxnSp>
-        <p:nvCxnSpPr>
-          <p:cNvPr id="137" name="Straight Connector 136">
-            <a:extLst>
-              <a:ext uri="{FF2B5EF4-FFF2-40B4-BE49-F238E27FC236}">
-                <a16:creationId xmlns:a16="http://schemas.microsoft.com/office/drawing/2014/main" id="{7E7C77BC-7138-40B1-A15B-20F57A494629}"/>
-              </a:ext>
-              <a:ext uri="{C183D7F6-B498-43B3-948B-1728B52AA6E4}">
-                <adec:decorative xmlns:adec="http://schemas.microsoft.com/office/drawing/2017/decorative" val="1"/>
-              </a:ext>
-            </a:extLst>
-          </p:cNvPr>
-          <p:cNvCxnSpPr>
-            <a:cxnSpLocks noGrp="1" noRot="1" noChangeAspect="1" noMove="1" noResize="1" noEditPoints="1" noAdjustHandles="1" noChangeArrowheads="1" noChangeShapeType="1"/>
-          </p:cNvCxnSpPr>
-          <p:nvPr>
-            <p:extLst>
-              <p:ext uri="{386F3935-93C4-4BCD-93E2-E3B085C9AB24}">
-                <p16:designElem xmlns:p16="http://schemas.microsoft.com/office/powerpoint/2015/main" val="1"/>
-              </p:ext>
-            </p:extLst>
-          </p:nvPr>
-        </p:nvCxnSpPr>
-        <p:spPr>
-          <a:xfrm>
-            <a:off x="2230078" y="1522292"/>
-            <a:ext cx="7772400" cy="0"/>
-          </a:xfrm>
-          <a:prstGeom prst="line">
-            <a:avLst/>
-          </a:prstGeom>
-          <a:ln w="22225">
-            <a:solidFill>
-              <a:srgbClr val="D9D9D9"/>
-            </a:solidFill>
-          </a:ln>
-        </p:spPr>
-        <p:style>
-          <a:lnRef idx="1">
-            <a:schemeClr val="accent1"/>
-          </a:lnRef>
-          <a:fillRef idx="0">
-            <a:schemeClr val="accent1"/>
-          </a:fillRef>
-          <a:effectRef idx="0">
-            <a:schemeClr val="accent1"/>
-          </a:effectRef>
-          <a:fontRef idx="minor">
-            <a:schemeClr val="tx1"/>
-          </a:fontRef>
-        </p:style>
-      </p:cxnSp>
-      <p:pic>
-        <p:nvPicPr>
-          <p:cNvPr id="3074" name="Picture 2" descr="Ver a imagem de origem">
-            <a:extLst>
-              <a:ext uri="{FF2B5EF4-FFF2-40B4-BE49-F238E27FC236}">
-                <a16:creationId xmlns:a16="http://schemas.microsoft.com/office/drawing/2014/main" id="{0E56173A-9B53-46A7-9945-47CBDF00FD9E}"/>
-              </a:ext>
-            </a:extLst>
-          </p:cNvPr>
-          <p:cNvPicPr>
-            <a:picLocks noChangeAspect="1" noChangeArrowheads="1"/>
-          </p:cNvPicPr>
-          <p:nvPr/>
-        </p:nvPicPr>
-        <p:blipFill>
-          <a:blip r:embed="rId2">
-            <a:extLst>
-              <a:ext uri="{28A0092B-C50C-407E-A947-70E740481C1C}">
-                <a14:useLocalDpi xmlns:a14="http://schemas.microsoft.com/office/drawing/2010/main" val="0"/>
-              </a:ext>
-            </a:extLst>
-          </a:blip>
-          <a:stretch>
-            <a:fillRect/>
-          </a:stretch>
-        </p:blipFill>
-        <p:spPr bwMode="auto">
-          <a:xfrm>
-            <a:off x="7282135" y="2942992"/>
-            <a:ext cx="3942456" cy="3151964"/>
-          </a:xfrm>
-          <a:prstGeom prst="rect">
-            <a:avLst/>
-          </a:prstGeom>
-          <a:noFill/>
-          <a:extLst>
-            <a:ext uri="{909E8E84-426E-40DD-AFC4-6F175D3DCCD1}">
-              <a14:hiddenFill xmlns:a14="http://schemas.microsoft.com/office/drawing/2010/main">
-                <a:solidFill>
-                  <a:srgbClr val="FFFFFF"/>
-                </a:solidFill>
-              </a14:hiddenFill>
-            </a:ext>
-          </a:extLst>
-        </p:spPr>
-      </p:pic>
-      <p:cxnSp>
-        <p:nvCxnSpPr>
-          <p:cNvPr id="139" name="Straight Connector 138">
-            <a:extLst>
-              <a:ext uri="{FF2B5EF4-FFF2-40B4-BE49-F238E27FC236}">
-                <a16:creationId xmlns:a16="http://schemas.microsoft.com/office/drawing/2014/main" id="{DB146403-F3D6-484B-B2ED-97F9565D0370}"/>
-              </a:ext>
-              <a:ext uri="{C183D7F6-B498-43B3-948B-1728B52AA6E4}">
-                <adec:decorative xmlns:adec="http://schemas.microsoft.com/office/drawing/2017/decorative" val="1"/>
-              </a:ext>
-            </a:extLst>
-          </p:cNvPr>
-          <p:cNvCxnSpPr>
-            <a:cxnSpLocks noGrp="1" noRot="1" noChangeAspect="1" noMove="1" noResize="1" noEditPoints="1" noAdjustHandles="1" noChangeArrowheads="1" noChangeShapeType="1"/>
-          </p:cNvCxnSpPr>
-          <p:nvPr>
-            <p:extLst>
-              <p:ext uri="{386F3935-93C4-4BCD-93E2-E3B085C9AB24}">
-                <p16:designElem xmlns:p16="http://schemas.microsoft.com/office/powerpoint/2015/main" val="1"/>
-              </p:ext>
-            </p:extLst>
-          </p:nvPr>
-        </p:nvCxnSpPr>
-        <p:spPr>
-          <a:xfrm>
-            <a:off x="6116278" y="2596836"/>
-            <a:ext cx="0" cy="3657600"/>
-          </a:xfrm>
-          <a:prstGeom prst="line">
-            <a:avLst/>
-          </a:prstGeom>
-          <a:ln w="101600" cmpd="dbl">
-            <a:solidFill>
-              <a:srgbClr val="595959"/>
-            </a:solidFill>
-          </a:ln>
-        </p:spPr>
-        <p:style>
-          <a:lnRef idx="1">
-            <a:schemeClr val="accent1"/>
-          </a:lnRef>
-          <a:fillRef idx="0">
-            <a:schemeClr val="accent1"/>
-          </a:fillRef>
-          <a:effectRef idx="0">
-            <a:schemeClr val="accent1"/>
-          </a:effectRef>
-          <a:fontRef idx="minor">
-            <a:schemeClr val="tx1"/>
-          </a:fontRef>
-        </p:style>
-      </p:cxnSp>
-      <p:sp>
-        <p:nvSpPr>
-          <p:cNvPr id="2" name="CaixaDeTexto 1">
-            <a:extLst>
-              <a:ext uri="{FF2B5EF4-FFF2-40B4-BE49-F238E27FC236}">
-                <a16:creationId xmlns:a16="http://schemas.microsoft.com/office/drawing/2014/main" id="{D1F697F4-51A4-47F8-AA5A-624A3DAE20E6}"/>
-              </a:ext>
-            </a:extLst>
-          </p:cNvPr>
-          <p:cNvSpPr txBox="1"/>
-          <p:nvPr/>
-        </p:nvSpPr>
-        <p:spPr>
-          <a:xfrm>
-            <a:off x="546351" y="485094"/>
-            <a:ext cx="11139854" cy="930447"/>
-          </a:xfrm>
-          <a:prstGeom prst="rect">
-            <a:avLst/>
-          </a:prstGeom>
-        </p:spPr>
-        <p:txBody>
-          <a:bodyPr vert="horz" lIns="91440" tIns="45720" rIns="91440" bIns="45720" rtlCol="0" anchor="b">
-            <a:normAutofit/>
-          </a:bodyPr>
-          <a:lstStyle/>
-          <a:p>
-            <a:pPr algn="ctr">
-              <a:lnSpc>
-                <a:spcPct val="90000"/>
-              </a:lnSpc>
-              <a:spcBef>
-                <a:spcPct val="0"/>
-              </a:spcBef>
-              <a:spcAft>
-                <a:spcPts val="600"/>
-              </a:spcAft>
-            </a:pPr>
-            <a:endParaRPr lang="en-US" sz="5400" dirty="0">
-              <a:solidFill>
-                <a:srgbClr val="FFFFFF"/>
-              </a:solidFill>
-              <a:latin typeface="+mj-lt"/>
-              <a:ea typeface="+mj-ea"/>
-              <a:cs typeface="+mj-cs"/>
-            </a:endParaRPr>
-          </a:p>
-        </p:txBody>
-      </p:sp>
-      <p:pic>
-        <p:nvPicPr>
-          <p:cNvPr id="4" name="Imagem 3" descr="Logotipo&#10;&#10;Descrição gerada automaticamente">
-            <a:extLst>
-              <a:ext uri="{FF2B5EF4-FFF2-40B4-BE49-F238E27FC236}">
-                <a16:creationId xmlns:a16="http://schemas.microsoft.com/office/drawing/2014/main" id="{3A21A24A-018B-4CD4-9E40-B63FAB08CC8C}"/>
-              </a:ext>
-            </a:extLst>
-          </p:cNvPr>
-          <p:cNvPicPr>
-            <a:picLocks noChangeAspect="1"/>
-          </p:cNvPicPr>
-          <p:nvPr/>
-        </p:nvPicPr>
-        <p:blipFill>
-          <a:blip r:embed="rId3">
-            <a:extLst>
-              <a:ext uri="{28A0092B-C50C-407E-A947-70E740481C1C}">
-                <a14:useLocalDpi xmlns:a14="http://schemas.microsoft.com/office/drawing/2010/main" val="0"/>
-              </a:ext>
-            </a:extLst>
-          </a:blip>
-          <a:stretch>
-            <a:fillRect/>
-          </a:stretch>
-        </p:blipFill>
-        <p:spPr>
-          <a:xfrm>
-            <a:off x="11473430" y="6175513"/>
-            <a:ext cx="570021" cy="559903"/>
-          </a:xfrm>
-          <a:prstGeom prst="rect">
-            <a:avLst/>
-          </a:prstGeom>
-        </p:spPr>
-      </p:pic>
-      <p:sp>
-        <p:nvSpPr>
-          <p:cNvPr id="6" name="Retângulo 5">
-            <a:extLst>
-              <a:ext uri="{FF2B5EF4-FFF2-40B4-BE49-F238E27FC236}">
-                <a16:creationId xmlns:a16="http://schemas.microsoft.com/office/drawing/2014/main" id="{0D8BCC5F-03BD-4226-916D-7D7E98F75256}"/>
-              </a:ext>
-            </a:extLst>
-          </p:cNvPr>
-          <p:cNvSpPr/>
-          <p:nvPr/>
-        </p:nvSpPr>
-        <p:spPr>
-          <a:xfrm>
-            <a:off x="1544722" y="817628"/>
-            <a:ext cx="9102556" cy="590931"/>
-          </a:xfrm>
-          <a:prstGeom prst="rect">
-            <a:avLst/>
-          </a:prstGeom>
-        </p:spPr>
-        <p:txBody>
-          <a:bodyPr wrap="none">
-            <a:spAutoFit/>
-          </a:bodyPr>
-          <a:lstStyle/>
-          <a:p>
-            <a:pPr algn="ctr">
-              <a:lnSpc>
-                <a:spcPct val="90000"/>
-              </a:lnSpc>
-              <a:spcBef>
-                <a:spcPct val="0"/>
-              </a:spcBef>
-              <a:spcAft>
-                <a:spcPts val="600"/>
-              </a:spcAft>
-            </a:pPr>
-            <a:r>
-              <a:rPr lang="en-US" sz="3600" dirty="0">
-                <a:solidFill>
-                  <a:srgbClr val="FFFFFF"/>
-                </a:solidFill>
-                <a:latin typeface="Felix Titling" panose="04060505060202020A04" pitchFamily="82" charset="0"/>
-                <a:ea typeface="+mj-ea"/>
-                <a:cs typeface="+mj-cs"/>
-              </a:rPr>
-              <a:t>Tabelas/ Modelo de dados </a:t>
-            </a:r>
-            <a:r>
-              <a:rPr lang="en-US" sz="3600" dirty="0" err="1">
-                <a:solidFill>
-                  <a:srgbClr val="FFFFFF"/>
-                </a:solidFill>
-                <a:latin typeface="Felix Titling" panose="04060505060202020A04" pitchFamily="82" charset="0"/>
-                <a:ea typeface="+mj-ea"/>
-                <a:cs typeface="+mj-cs"/>
-              </a:rPr>
-              <a:t>Lógicos</a:t>
-            </a:r>
-            <a:endParaRPr lang="en-US" sz="3600" dirty="0">
-              <a:solidFill>
-                <a:srgbClr val="FFFFFF"/>
-              </a:solidFill>
-              <a:latin typeface="Felix Titling" panose="04060505060202020A04" pitchFamily="82" charset="0"/>
-              <a:ea typeface="+mj-ea"/>
-              <a:cs typeface="+mj-cs"/>
-            </a:endParaRPr>
-          </a:p>
-        </p:txBody>
-      </p:sp>
-      <p:pic>
-        <p:nvPicPr>
-          <p:cNvPr id="7" name="Imagem 6">
-            <a:extLst>
-              <a:ext uri="{FF2B5EF4-FFF2-40B4-BE49-F238E27FC236}">
-                <a16:creationId xmlns:a16="http://schemas.microsoft.com/office/drawing/2014/main" id="{FB4C0EF8-F325-420E-ADAB-72BB9D095E23}"/>
-              </a:ext>
-            </a:extLst>
-          </p:cNvPr>
-          <p:cNvPicPr>
-            <a:picLocks noChangeAspect="1"/>
-          </p:cNvPicPr>
-          <p:nvPr/>
-        </p:nvPicPr>
-        <p:blipFill>
-          <a:blip r:embed="rId4"/>
-          <a:stretch>
-            <a:fillRect/>
-          </a:stretch>
-        </p:blipFill>
-        <p:spPr>
-          <a:xfrm>
-            <a:off x="326741" y="2308403"/>
-            <a:ext cx="5607494" cy="4294758"/>
-          </a:xfrm>
-          <a:prstGeom prst="rect">
-            <a:avLst/>
-          </a:prstGeom>
-        </p:spPr>
-      </p:pic>
-    </p:spTree>
-    <p:extLst>
-      <p:ext uri="{BB962C8B-B14F-4D97-AF65-F5344CB8AC3E}">
-        <p14:creationId xmlns:p14="http://schemas.microsoft.com/office/powerpoint/2010/main" val="117975961"/>
-      </p:ext>
-    </p:extLst>
-  </p:cSld>
-  <p:clrMapOvr>
-    <a:masterClrMapping/>
-  </p:clrMapOvr>
-  <p:timing>
-    <p:tnLst>
-      <p:par>
-        <p:cTn id="1" dur="indefinite" restart="never" nodeType="tmRoot">
-          <p:childTnLst>
-            <p:seq concurrent="1" nextAc="seek">
-              <p:cTn id="2" dur="indefinite" nodeType="mainSeq">
-                <p:childTnLst>
-                  <p:par>
-                    <p:cTn id="3" fill="hold">
-                      <p:stCondLst>
-                        <p:cond delay="indefinite"/>
-                        <p:cond evt="onBegin" delay="0">
-                          <p:tn val="2"/>
-                        </p:cond>
-                      </p:stCondLst>
-                      <p:childTnLst>
-                        <p:par>
-                          <p:cTn id="4" fill="hold">
-                            <p:stCondLst>
-                              <p:cond delay="0"/>
-                            </p:stCondLst>
-                            <p:childTnLst>
-                              <p:par>
-                                <p:cTn id="5" presetID="10" presetClass="entr" presetSubtype="0" fill="hold" nodeType="withEffect">
-                                  <p:stCondLst>
-                                    <p:cond delay="0"/>
-                                  </p:stCondLst>
-                                  <p:childTnLst>
-                                    <p:set>
-                                      <p:cBhvr>
-                                        <p:cTn id="6" dur="1" fill="hold">
-                                          <p:stCondLst>
-                                            <p:cond delay="0"/>
-                                          </p:stCondLst>
-                                        </p:cTn>
-                                        <p:tgtEl>
-                                          <p:spTgt spid="4"/>
-                                        </p:tgtEl>
-                                        <p:attrNameLst>
-                                          <p:attrName>style.visibility</p:attrName>
-                                        </p:attrNameLst>
-                                      </p:cBhvr>
-                                      <p:to>
-                                        <p:strVal val="visible"/>
-                                      </p:to>
-                                    </p:set>
-                                    <p:animEffect transition="in" filter="fade">
-                                      <p:cBhvr>
-                                        <p:cTn id="7" dur="500"/>
-                                        <p:tgtEl>
-                                          <p:spTgt spid="4"/>
-                                        </p:tgtEl>
-                                      </p:cBhvr>
-                                    </p:animEffect>
-                                  </p:childTnLst>
-                                </p:cTn>
-                              </p:par>
-                            </p:childTnLst>
-                          </p:cTn>
-                        </p:par>
-                      </p:childTnLst>
-                    </p:cTn>
-                  </p:par>
-                  <p:par>
-                    <p:cTn id="8" fill="hold">
-                      <p:stCondLst>
-                        <p:cond delay="indefinite"/>
-                      </p:stCondLst>
-                      <p:childTnLst>
-                        <p:par>
-                          <p:cTn id="9" fill="hold">
-                            <p:stCondLst>
-                              <p:cond delay="0"/>
-                            </p:stCondLst>
-                            <p:childTnLst>
-                              <p:par>
-                                <p:cTn id="10" presetID="10" presetClass="entr" presetSubtype="0" fill="hold" nodeType="clickEffect">
-                                  <p:stCondLst>
-                                    <p:cond delay="0"/>
-                                  </p:stCondLst>
-                                  <p:childTnLst>
-                                    <p:set>
-                                      <p:cBhvr>
-                                        <p:cTn id="11" dur="1" fill="hold">
-                                          <p:stCondLst>
-                                            <p:cond delay="0"/>
-                                          </p:stCondLst>
-                                        </p:cTn>
-                                        <p:tgtEl>
-                                          <p:spTgt spid="3074"/>
-                                        </p:tgtEl>
-                                        <p:attrNameLst>
-                                          <p:attrName>style.visibility</p:attrName>
-                                        </p:attrNameLst>
-                                      </p:cBhvr>
-                                      <p:to>
-                                        <p:strVal val="visible"/>
-                                      </p:to>
-                                    </p:set>
-                                    <p:animEffect transition="in" filter="fade">
-                                      <p:cBhvr>
-                                        <p:cTn id="12" dur="500"/>
-                                        <p:tgtEl>
-                                          <p:spTgt spid="3074"/>
-                                        </p:tgtEl>
-                                      </p:cBhvr>
-                                    </p:animEffect>
-                                  </p:childTnLst>
-                                </p:cTn>
-                              </p:par>
-                            </p:childTnLst>
-                          </p:cTn>
-                        </p:par>
-                      </p:childTnLst>
-                    </p:cTn>
-                  </p:par>
-                  <p:par>
-                    <p:cTn id="13" fill="hold">
-                      <p:stCondLst>
-                        <p:cond delay="indefinite"/>
-                      </p:stCondLst>
-                      <p:childTnLst>
-                        <p:par>
-                          <p:cTn id="14" fill="hold">
-                            <p:stCondLst>
-                              <p:cond delay="0"/>
-                            </p:stCondLst>
-                            <p:childTnLst>
-                              <p:par>
-                                <p:cTn id="15" presetID="1" presetClass="entr" presetSubtype="0" fill="hold" nodeType="clickEffect">
-                                  <p:stCondLst>
-                                    <p:cond delay="0"/>
-                                  </p:stCondLst>
-                                  <p:childTnLst>
-                                    <p:set>
-                                      <p:cBhvr>
-                                        <p:cTn id="16" dur="1" fill="hold">
-                                          <p:stCondLst>
-                                            <p:cond delay="0"/>
-                                          </p:stCondLst>
-                                        </p:cTn>
-                                        <p:tgtEl>
-                                          <p:spTgt spid="7"/>
-                                        </p:tgtEl>
-                                        <p:attrNameLst>
-                                          <p:attrName>style.visibility</p:attrName>
-                                        </p:attrNameLst>
-                                      </p:cBhvr>
-                                      <p:to>
-                                        <p:strVal val="visible"/>
-                                      </p:to>
-                                    </p:set>
-                                  </p:childTnLst>
-                                </p:cTn>
-                              </p:par>
-                            </p:childTnLst>
-                          </p:cTn>
-                        </p:par>
-                      </p:childTnLst>
-                    </p:cTn>
-                  </p:par>
-                </p:childTnLst>
-              </p:cTn>
-              <p:prevCondLst>
-                <p:cond evt="onPrev" delay="0">
-                  <p:tgtEl>
-                    <p:sldTgt/>
-                  </p:tgtEl>
-                </p:cond>
-              </p:prevCondLst>
-              <p:nextCondLst>
-                <p:cond evt="onNext" delay="0">
-                  <p:tgtEl>
-                    <p:sldTgt/>
-                  </p:tgtEl>
-                </p:cond>
-              </p:nextCondLst>
-            </p:seq>
-          </p:childTnLst>
-        </p:cTn>
-      </p:par>
-    </p:tnLst>
-  </p:timing>
-</p:sld>
-</file>
-
-<file path=ppt/slides/slide9.xml><?xml version="1.0" encoding="utf-8"?>
-<p:sld xmlns:a="http://schemas.openxmlformats.org/drawingml/2006/main" xmlns:r="http://schemas.openxmlformats.org/officeDocument/2006/relationships" xmlns:p="http://schemas.openxmlformats.org/presentationml/2006/main">
-  <p:cSld>
-    <p:bg>
-      <p:bgPr>
-        <a:solidFill>
-          <a:schemeClr val="bg2">
-            <a:lumMod val="90000"/>
-          </a:schemeClr>
-        </a:solidFill>
-        <a:effectLst/>
-      </p:bgPr>
-    </p:bg>
-    <p:spTree>
-      <p:nvGrpSpPr>
-        <p:cNvPr id="1" name=""/>
-        <p:cNvGrpSpPr/>
-        <p:nvPr/>
-      </p:nvGrpSpPr>
-      <p:grpSpPr>
-        <a:xfrm>
-          <a:off x="0" y="0"/>
-          <a:ext cx="0" cy="0"/>
-          <a:chOff x="0" y="0"/>
-          <a:chExt cx="0" cy="0"/>
-        </a:xfrm>
-      </p:grpSpPr>
-      <p:sp>
-        <p:nvSpPr>
-          <p:cNvPr id="2" name="Retângulo 1">
-            <a:extLst>
-              <a:ext uri="{FF2B5EF4-FFF2-40B4-BE49-F238E27FC236}">
-                <a16:creationId xmlns:a16="http://schemas.microsoft.com/office/drawing/2014/main" id="{45EBDF9D-A97F-4486-9FBC-8007AFAA4281}"/>
-              </a:ext>
-            </a:extLst>
-          </p:cNvPr>
-          <p:cNvSpPr/>
-          <p:nvPr/>
-        </p:nvSpPr>
-        <p:spPr>
-          <a:xfrm>
-            <a:off x="0" y="0"/>
-            <a:ext cx="12192000" cy="1497106"/>
-          </a:xfrm>
-          <a:prstGeom prst="rect">
-            <a:avLst/>
-          </a:prstGeom>
-        </p:spPr>
-        <p:style>
-          <a:lnRef idx="2">
-            <a:schemeClr val="dk1"/>
-          </a:lnRef>
-          <a:fillRef idx="1">
-            <a:schemeClr val="lt1"/>
-          </a:fillRef>
-          <a:effectRef idx="0">
-            <a:schemeClr val="dk1"/>
-          </a:effectRef>
-          <a:fontRef idx="minor">
-            <a:schemeClr val="dk1"/>
-          </a:fontRef>
-        </p:style>
-        <p:txBody>
-          <a:bodyPr rtlCol="0" anchor="ctr"/>
-          <a:lstStyle/>
-          <a:p>
-            <a:pPr algn="ctr"/>
-            <a:endParaRPr lang="pt-BR" sz="4000" dirty="0"/>
-          </a:p>
-        </p:txBody>
-      </p:sp>
-      <p:sp>
-        <p:nvSpPr>
-          <p:cNvPr id="5" name="Retângulo 4">
-            <a:extLst>
-              <a:ext uri="{FF2B5EF4-FFF2-40B4-BE49-F238E27FC236}">
-                <a16:creationId xmlns:a16="http://schemas.microsoft.com/office/drawing/2014/main" id="{49AA03E8-EC16-4E4F-BBF5-975F52742F75}"/>
-              </a:ext>
-            </a:extLst>
-          </p:cNvPr>
-          <p:cNvSpPr/>
-          <p:nvPr/>
-        </p:nvSpPr>
-        <p:spPr>
-          <a:xfrm rot="18718225">
-            <a:off x="812438" y="2501348"/>
-            <a:ext cx="11150221" cy="1855304"/>
-          </a:xfrm>
-          <a:prstGeom prst="rect">
-            <a:avLst/>
-          </a:prstGeom>
-          <a:solidFill>
-            <a:schemeClr val="bg2">
-              <a:lumMod val="25000"/>
-            </a:schemeClr>
-          </a:solidFill>
-          <a:ln>
-            <a:noFill/>
-          </a:ln>
-        </p:spPr>
-        <p:style>
-          <a:lnRef idx="2">
-            <a:schemeClr val="accent1">
-              <a:shade val="50000"/>
-            </a:schemeClr>
-          </a:lnRef>
-          <a:fillRef idx="1">
-            <a:schemeClr val="accent1"/>
-          </a:fillRef>
-          <a:effectRef idx="0">
-            <a:schemeClr val="accent1"/>
-          </a:effectRef>
-          <a:fontRef idx="minor">
-            <a:schemeClr val="lt1"/>
-          </a:fontRef>
-        </p:style>
-        <p:txBody>
-          <a:bodyPr rtlCol="0" anchor="ctr"/>
-          <a:lstStyle/>
-          <a:p>
-            <a:pPr algn="ctr"/>
-            <a:endParaRPr lang="pt-BR" dirty="0"/>
-          </a:p>
-        </p:txBody>
-      </p:sp>
-      <p:sp>
-        <p:nvSpPr>
-          <p:cNvPr id="6" name="Retângulo 5">
-            <a:extLst>
-              <a:ext uri="{FF2B5EF4-FFF2-40B4-BE49-F238E27FC236}">
-                <a16:creationId xmlns:a16="http://schemas.microsoft.com/office/drawing/2014/main" id="{6E2D41EC-0CED-4F06-B62A-4BBA03BA0C64}"/>
-              </a:ext>
-            </a:extLst>
-          </p:cNvPr>
-          <p:cNvSpPr/>
-          <p:nvPr/>
-        </p:nvSpPr>
-        <p:spPr>
-          <a:xfrm rot="18718225">
-            <a:off x="1788249" y="3951864"/>
-            <a:ext cx="11150221" cy="186724"/>
-          </a:xfrm>
-          <a:prstGeom prst="rect">
-            <a:avLst/>
-          </a:prstGeom>
-          <a:solidFill>
-            <a:schemeClr val="bg2">
-              <a:lumMod val="25000"/>
-            </a:schemeClr>
-          </a:solidFill>
-          <a:ln>
-            <a:noFill/>
-          </a:ln>
-        </p:spPr>
-        <p:style>
-          <a:lnRef idx="2">
-            <a:schemeClr val="accent1">
-              <a:shade val="50000"/>
-            </a:schemeClr>
-          </a:lnRef>
-          <a:fillRef idx="1">
-            <a:schemeClr val="accent1"/>
-          </a:fillRef>
-          <a:effectRef idx="0">
-            <a:schemeClr val="accent1"/>
-          </a:effectRef>
-          <a:fontRef idx="minor">
-            <a:schemeClr val="lt1"/>
-          </a:fontRef>
-        </p:style>
-        <p:txBody>
-          <a:bodyPr rtlCol="0" anchor="ctr"/>
-          <a:lstStyle/>
-          <a:p>
-            <a:pPr algn="ctr"/>
-            <a:endParaRPr lang="pt-BR" dirty="0"/>
-          </a:p>
-        </p:txBody>
-      </p:sp>
-      <p:pic>
-        <p:nvPicPr>
-          <p:cNvPr id="4" name="Picture 2" descr="Ver a imagem de origem">
-            <a:extLst>
-              <a:ext uri="{FF2B5EF4-FFF2-40B4-BE49-F238E27FC236}">
-                <a16:creationId xmlns:a16="http://schemas.microsoft.com/office/drawing/2014/main" id="{F144B7D9-B372-4C83-BE87-CA584C3B4017}"/>
-              </a:ext>
-            </a:extLst>
-          </p:cNvPr>
-          <p:cNvPicPr>
-            <a:picLocks noChangeAspect="1" noChangeArrowheads="1"/>
-          </p:cNvPicPr>
-          <p:nvPr/>
-        </p:nvPicPr>
-        <p:blipFill>
-          <a:blip r:embed="rId2">
-            <a:extLst>
-              <a:ext uri="{28A0092B-C50C-407E-A947-70E740481C1C}">
-                <a14:useLocalDpi xmlns:a14="http://schemas.microsoft.com/office/drawing/2010/main" val="0"/>
-              </a:ext>
-            </a:extLst>
-          </a:blip>
-          <a:srcRect/>
-          <a:stretch>
-            <a:fillRect/>
-          </a:stretch>
-        </p:blipFill>
-        <p:spPr bwMode="auto">
-          <a:xfrm>
-            <a:off x="1464801" y="2140581"/>
-            <a:ext cx="1347899" cy="3130603"/>
-          </a:xfrm>
-          <a:prstGeom prst="rect">
-            <a:avLst/>
-          </a:prstGeom>
-          <a:noFill/>
-          <a:effectLst>
-            <a:glow rad="38100">
-              <a:schemeClr val="bg1"/>
-            </a:glow>
-            <a:outerShdw dir="5400000" sx="113000" sy="113000" algn="ctr" rotWithShape="0">
-              <a:schemeClr val="accent1">
-                <a:lumMod val="40000"/>
-                <a:lumOff val="60000"/>
-              </a:schemeClr>
-            </a:outerShdw>
-            <a:reflection endPos="0" dir="5400000" sy="-100000" algn="bl" rotWithShape="0"/>
-          </a:effectLst>
-          <a:extLst>
-            <a:ext uri="{909E8E84-426E-40DD-AFC4-6F175D3DCCD1}">
-              <a14:hiddenFill xmlns:a14="http://schemas.microsoft.com/office/drawing/2010/main">
-                <a:solidFill>
-                  <a:srgbClr val="FFFFFF"/>
-                </a:solidFill>
-              </a14:hiddenFill>
-            </a:ext>
-          </a:extLst>
-        </p:spPr>
-      </p:pic>
-      <p:sp>
-        <p:nvSpPr>
-          <p:cNvPr id="10" name="CaixaDeTexto 9">
-            <a:extLst>
-              <a:ext uri="{FF2B5EF4-FFF2-40B4-BE49-F238E27FC236}">
-                <a16:creationId xmlns:a16="http://schemas.microsoft.com/office/drawing/2014/main" id="{1D174834-AA07-48C1-901F-F1CC3F5E60C7}"/>
-              </a:ext>
-            </a:extLst>
-          </p:cNvPr>
-          <p:cNvSpPr txBox="1"/>
-          <p:nvPr/>
-        </p:nvSpPr>
-        <p:spPr>
-          <a:xfrm>
-            <a:off x="407013" y="379030"/>
-            <a:ext cx="6234952" cy="707886"/>
-          </a:xfrm>
-          <a:prstGeom prst="rect">
-            <a:avLst/>
-          </a:prstGeom>
-          <a:noFill/>
-        </p:spPr>
-        <p:txBody>
-          <a:bodyPr wrap="square">
-            <a:spAutoFit/>
-          </a:bodyPr>
-          <a:lstStyle/>
-          <a:p>
-            <a:r>
-              <a:rPr lang="pt-BR" sz="4000" dirty="0"/>
-              <a:t>Simulador do Sensor</a:t>
-            </a:r>
-          </a:p>
-        </p:txBody>
-      </p:sp>
-      <p:pic>
-        <p:nvPicPr>
-          <p:cNvPr id="11" name="Gráfico 10" descr="Curva do taco de hóquei">
-            <a:extLst>
-              <a:ext uri="{FF2B5EF4-FFF2-40B4-BE49-F238E27FC236}">
-                <a16:creationId xmlns:a16="http://schemas.microsoft.com/office/drawing/2014/main" id="{6E82392F-8D0A-42F1-80A3-346D92EC3599}"/>
-              </a:ext>
-            </a:extLst>
-          </p:cNvPr>
-          <p:cNvPicPr>
-            <a:picLocks noChangeAspect="1"/>
-          </p:cNvPicPr>
-          <p:nvPr/>
-        </p:nvPicPr>
-        <p:blipFill>
-          <a:blip r:embed="rId3">
-            <a:extLst>
-              <a:ext uri="{28A0092B-C50C-407E-A947-70E740481C1C}">
-                <a14:useLocalDpi xmlns:a14="http://schemas.microsoft.com/office/drawing/2010/main" val="0"/>
-              </a:ext>
-              <a:ext uri="{96DAC541-7B7A-43D3-8B79-37D633B846F1}">
-                <asvg:svgBlip xmlns:asvg="http://schemas.microsoft.com/office/drawing/2016/SVG/main" r:embed="rId4"/>
-              </a:ext>
-            </a:extLst>
-          </a:blip>
-          <a:stretch>
-            <a:fillRect/>
-          </a:stretch>
-        </p:blipFill>
-        <p:spPr>
-          <a:xfrm>
-            <a:off x="8682628" y="2427451"/>
-            <a:ext cx="2993927" cy="2993927"/>
-          </a:xfrm>
-          <a:prstGeom prst="rect">
-            <a:avLst/>
-          </a:prstGeom>
-        </p:spPr>
-      </p:pic>
-      <p:pic>
-        <p:nvPicPr>
-          <p:cNvPr id="8" name="Imagem 7" descr="Logotipo&#10;&#10;Descrição gerada automaticamente">
-            <a:extLst>
-              <a:ext uri="{FF2B5EF4-FFF2-40B4-BE49-F238E27FC236}">
-                <a16:creationId xmlns:a16="http://schemas.microsoft.com/office/drawing/2014/main" id="{E315E259-D257-46B2-8770-0179277D2740}"/>
-              </a:ext>
-            </a:extLst>
-          </p:cNvPr>
-          <p:cNvPicPr>
-            <a:picLocks noChangeAspect="1"/>
-          </p:cNvPicPr>
-          <p:nvPr/>
-        </p:nvPicPr>
-        <p:blipFill>
-          <a:blip r:embed="rId5">
-            <a:extLst>
-              <a:ext uri="{28A0092B-C50C-407E-A947-70E740481C1C}">
-                <a14:useLocalDpi xmlns:a14="http://schemas.microsoft.com/office/drawing/2010/main" val="0"/>
-              </a:ext>
-            </a:extLst>
-          </a:blip>
-          <a:stretch>
-            <a:fillRect/>
-          </a:stretch>
-        </p:blipFill>
-        <p:spPr>
-          <a:xfrm>
-            <a:off x="11473430" y="6175513"/>
-            <a:ext cx="570021" cy="559903"/>
-          </a:xfrm>
-          <a:prstGeom prst="rect">
-            <a:avLst/>
-          </a:prstGeom>
-        </p:spPr>
-      </p:pic>
-    </p:spTree>
-    <p:extLst>
-      <p:ext uri="{BB962C8B-B14F-4D97-AF65-F5344CB8AC3E}">
-        <p14:creationId xmlns:p14="http://schemas.microsoft.com/office/powerpoint/2010/main" val="1568061823"/>
-      </p:ext>
-    </p:extLst>
-  </p:cSld>
-  <p:clrMapOvr>
-    <a:masterClrMapping/>
-  </p:clrMapOvr>
-  <mc:AlternateContent xmlns:mc="http://schemas.openxmlformats.org/markup-compatibility/2006" xmlns:p14="http://schemas.microsoft.com/office/powerpoint/2010/main">
-    <mc:Choice Requires="p14">
-      <p:transition spd="med" p14:dur="700">
-        <p:fade/>
-      </p:transition>
-    </mc:Choice>
-    <mc:Fallback xmlns="">
-      <p:transition spd="med">
-        <p:fade/>
-      </p:transition>
-    </mc:Fallback>
-  </mc:AlternateContent>
-  <p:timing>
-    <p:tnLst>
-      <p:par>
-        <p:cTn id="1" dur="indefinite" restart="never" nodeType="tmRoot">
-          <p:childTnLst>
-            <p:seq concurrent="1" nextAc="seek">
-              <p:cTn id="2" dur="indefinite" nodeType="mainSeq">
-                <p:childTnLst>
-                  <p:par>
-                    <p:cTn id="3" fill="hold">
-                      <p:stCondLst>
-                        <p:cond delay="indefinite"/>
-                        <p:cond evt="onBegin" delay="0">
-                          <p:tn val="2"/>
-                        </p:cond>
-                      </p:stCondLst>
-                      <p:childTnLst>
-                        <p:par>
-                          <p:cTn id="4" fill="hold">
-                            <p:stCondLst>
-                              <p:cond delay="0"/>
-                            </p:stCondLst>
-                            <p:childTnLst>
-                              <p:par>
-                                <p:cTn id="5" presetID="10" presetClass="entr" presetSubtype="0" fill="hold" grpId="0" nodeType="withEffect">
-                                  <p:stCondLst>
-                                    <p:cond delay="500"/>
-                                  </p:stCondLst>
-                                  <p:childTnLst>
-                                    <p:set>
-                                      <p:cBhvr>
-                                        <p:cTn id="6" dur="1" fill="hold">
-                                          <p:stCondLst>
-                                            <p:cond delay="0"/>
-                                          </p:stCondLst>
-                                        </p:cTn>
-                                        <p:tgtEl>
-                                          <p:spTgt spid="5"/>
-                                        </p:tgtEl>
-                                        <p:attrNameLst>
-                                          <p:attrName>style.visibility</p:attrName>
-                                        </p:attrNameLst>
-                                      </p:cBhvr>
-                                      <p:to>
-                                        <p:strVal val="visible"/>
-                                      </p:to>
-                                    </p:set>
-                                    <p:animEffect transition="in" filter="fade">
-                                      <p:cBhvr>
-                                        <p:cTn id="7" dur="250"/>
-                                        <p:tgtEl>
-                                          <p:spTgt spid="5"/>
-                                        </p:tgtEl>
-                                      </p:cBhvr>
-                                    </p:animEffect>
-                                  </p:childTnLst>
-                                </p:cTn>
-                              </p:par>
-                              <p:par>
-                                <p:cTn id="8" presetID="10" presetClass="entr" presetSubtype="0" fill="hold" grpId="0" nodeType="withEffect">
-                                  <p:stCondLst>
-                                    <p:cond delay="500"/>
-                                  </p:stCondLst>
-                                  <p:childTnLst>
-                                    <p:set>
-                                      <p:cBhvr>
-                                        <p:cTn id="9" dur="1" fill="hold">
-                                          <p:stCondLst>
-                                            <p:cond delay="0"/>
-                                          </p:stCondLst>
-                                        </p:cTn>
-                                        <p:tgtEl>
-                                          <p:spTgt spid="6"/>
-                                        </p:tgtEl>
-                                        <p:attrNameLst>
-                                          <p:attrName>style.visibility</p:attrName>
-                                        </p:attrNameLst>
-                                      </p:cBhvr>
-                                      <p:to>
-                                        <p:strVal val="visible"/>
-                                      </p:to>
-                                    </p:set>
-                                    <p:animEffect transition="in" filter="fade">
-                                      <p:cBhvr>
-                                        <p:cTn id="10" dur="250"/>
-                                        <p:tgtEl>
-                                          <p:spTgt spid="6"/>
-                                        </p:tgtEl>
-                                      </p:cBhvr>
-                                    </p:animEffect>
-                                  </p:childTnLst>
-                                </p:cTn>
-                              </p:par>
-                            </p:childTnLst>
-                          </p:cTn>
-                        </p:par>
-                      </p:childTnLst>
-                    </p:cTn>
-                  </p:par>
-                  <p:par>
-                    <p:cTn id="11" fill="hold">
-                      <p:stCondLst>
-                        <p:cond delay="indefinite"/>
-                      </p:stCondLst>
-                      <p:childTnLst>
-                        <p:par>
-                          <p:cTn id="12" fill="hold">
-                            <p:stCondLst>
-                              <p:cond delay="0"/>
-                            </p:stCondLst>
-                            <p:childTnLst>
-                              <p:par>
-                                <p:cTn id="13" presetID="6" presetClass="entr" presetSubtype="16" fill="hold" nodeType="clickEffect">
-                                  <p:stCondLst>
-                                    <p:cond delay="0"/>
-                                  </p:stCondLst>
-                                  <p:childTnLst>
-                                    <p:set>
-                                      <p:cBhvr>
-                                        <p:cTn id="14" dur="1" fill="hold">
-                                          <p:stCondLst>
-                                            <p:cond delay="0"/>
-                                          </p:stCondLst>
-                                        </p:cTn>
-                                        <p:tgtEl>
-                                          <p:spTgt spid="4"/>
-                                        </p:tgtEl>
-                                        <p:attrNameLst>
-                                          <p:attrName>style.visibility</p:attrName>
-                                        </p:attrNameLst>
-                                      </p:cBhvr>
-                                      <p:to>
-                                        <p:strVal val="visible"/>
-                                      </p:to>
-                                    </p:set>
-                                    <p:animEffect transition="in" filter="circle(in)">
-                                      <p:cBhvr>
-                                        <p:cTn id="15" dur="2000"/>
-                                        <p:tgtEl>
-                                          <p:spTgt spid="4"/>
-                                        </p:tgtEl>
-                                      </p:cBhvr>
-                                    </p:animEffect>
-                                  </p:childTnLst>
-                                </p:cTn>
-                              </p:par>
-                            </p:childTnLst>
-                          </p:cTn>
-                        </p:par>
-                      </p:childTnLst>
-                    </p:cTn>
-                  </p:par>
-                  <p:par>
-                    <p:cTn id="16" fill="hold">
-                      <p:stCondLst>
-                        <p:cond delay="indefinite"/>
-                      </p:stCondLst>
-                      <p:childTnLst>
-                        <p:par>
-                          <p:cTn id="17" fill="hold">
-                            <p:stCondLst>
-                              <p:cond delay="0"/>
-                            </p:stCondLst>
-                            <p:childTnLst>
-                              <p:par>
-                                <p:cTn id="18" presetID="21" presetClass="entr" presetSubtype="1" fill="hold" nodeType="clickEffect">
-                                  <p:stCondLst>
-                                    <p:cond delay="0"/>
-                                  </p:stCondLst>
-                                  <p:childTnLst>
-                                    <p:set>
-                                      <p:cBhvr>
-                                        <p:cTn id="19" dur="1" fill="hold">
-                                          <p:stCondLst>
-                                            <p:cond delay="0"/>
-                                          </p:stCondLst>
-                                        </p:cTn>
-                                        <p:tgtEl>
-                                          <p:spTgt spid="11"/>
-                                        </p:tgtEl>
-                                        <p:attrNameLst>
-                                          <p:attrName>style.visibility</p:attrName>
-                                        </p:attrNameLst>
-                                      </p:cBhvr>
-                                      <p:to>
-                                        <p:strVal val="visible"/>
-                                      </p:to>
-                                    </p:set>
-                                    <p:animEffect transition="in" filter="wheel(1)">
-                                      <p:cBhvr>
-                                        <p:cTn id="20" dur="2000"/>
-                                        <p:tgtEl>
-                                          <p:spTgt spid="11"/>
-                                        </p:tgtEl>
-                                      </p:cBhvr>
-                                    </p:animEffect>
-                                  </p:childTnLst>
-                                </p:cTn>
-                              </p:par>
-                              <p:par>
-                                <p:cTn id="21" presetID="10" presetClass="entr" presetSubtype="0" fill="hold" nodeType="withEffect">
-                                  <p:stCondLst>
-                                    <p:cond delay="0"/>
-                                  </p:stCondLst>
-                                  <p:childTnLst>
-                                    <p:set>
-                                      <p:cBhvr>
-                                        <p:cTn id="22" dur="1" fill="hold">
-                                          <p:stCondLst>
-                                            <p:cond delay="0"/>
-                                          </p:stCondLst>
-                                        </p:cTn>
-                                        <p:tgtEl>
-                                          <p:spTgt spid="8"/>
-                                        </p:tgtEl>
-                                        <p:attrNameLst>
-                                          <p:attrName>style.visibility</p:attrName>
-                                        </p:attrNameLst>
-                                      </p:cBhvr>
-                                      <p:to>
-                                        <p:strVal val="visible"/>
-                                      </p:to>
-                                    </p:set>
-                                    <p:animEffect transition="in" filter="fade">
-                                      <p:cBhvr>
-                                        <p:cTn id="23" dur="500"/>
-                                        <p:tgtEl>
-                                          <p:spTgt spid="8"/>
-                                        </p:tgtEl>
-                                      </p:cBhvr>
-                                    </p:animEffect>
-                                  </p:childTnLst>
-                                </p:cTn>
-                              </p:par>
-                            </p:childTnLst>
-                          </p:cTn>
-                        </p:par>
-                      </p:childTnLst>
-                    </p:cTn>
-                  </p:par>
-                </p:childTnLst>
-              </p:cTn>
-              <p:prevCondLst>
-                <p:cond evt="onPrev" delay="0">
-                  <p:tgtEl>
-                    <p:sldTgt/>
-                  </p:tgtEl>
-                </p:cond>
-              </p:prevCondLst>
-              <p:nextCondLst>
-                <p:cond evt="onNext" delay="0">
-                  <p:tgtEl>
-                    <p:sldTgt/>
-                  </p:tgtEl>
-                </p:cond>
-              </p:nextCondLst>
-            </p:seq>
-          </p:childTnLst>
-        </p:cTn>
-      </p:par>
-    </p:tnLst>
-    <p:bldLst>
-      <p:bldP spid="5" grpId="0" animBg="1"/>
-      <p:bldP spid="6" grpId="0" animBg="1"/>
-    </p:bldLst>
-  </p:timing>
-</p:sld>
-</file>
-
 <file path=ppt/theme/theme1.xml><?xml version="1.0" encoding="utf-8"?>
 <a:theme xmlns:a="http://schemas.openxmlformats.org/drawingml/2006/main" name="Tema do Office">
   <a:themeElements>
